--- a/media/workflow.pptx
+++ b/media/workflow.pptx
@@ -241,7 +241,7 @@
           <a:p>
             <a:fld id="{9538E007-353F-4F6F-AAE3-DCCE019D4601}" type="datetimeFigureOut">
               <a:rPr lang="zh-CN" altLang="en-US" smtClean="0"/>
-              <a:t>2018/12/24</a:t>
+              <a:t>2019/2/21</a:t>
             </a:fld>
             <a:endParaRPr lang="zh-CN" altLang="en-US"/>
           </a:p>
@@ -409,7 +409,7 @@
           <a:p>
             <a:fld id="{9538E007-353F-4F6F-AAE3-DCCE019D4601}" type="datetimeFigureOut">
               <a:rPr lang="zh-CN" altLang="en-US" smtClean="0"/>
-              <a:t>2018/12/24</a:t>
+              <a:t>2019/2/21</a:t>
             </a:fld>
             <a:endParaRPr lang="zh-CN" altLang="en-US"/>
           </a:p>
@@ -587,7 +587,7 @@
           <a:p>
             <a:fld id="{9538E007-353F-4F6F-AAE3-DCCE019D4601}" type="datetimeFigureOut">
               <a:rPr lang="zh-CN" altLang="en-US" smtClean="0"/>
-              <a:t>2018/12/24</a:t>
+              <a:t>2019/2/21</a:t>
             </a:fld>
             <a:endParaRPr lang="zh-CN" altLang="en-US"/>
           </a:p>
@@ -755,7 +755,7 @@
           <a:p>
             <a:fld id="{9538E007-353F-4F6F-AAE3-DCCE019D4601}" type="datetimeFigureOut">
               <a:rPr lang="zh-CN" altLang="en-US" smtClean="0"/>
-              <a:t>2018/12/24</a:t>
+              <a:t>2019/2/21</a:t>
             </a:fld>
             <a:endParaRPr lang="zh-CN" altLang="en-US"/>
           </a:p>
@@ -1000,7 +1000,7 @@
           <a:p>
             <a:fld id="{9538E007-353F-4F6F-AAE3-DCCE019D4601}" type="datetimeFigureOut">
               <a:rPr lang="zh-CN" altLang="en-US" smtClean="0"/>
-              <a:t>2018/12/24</a:t>
+              <a:t>2019/2/21</a:t>
             </a:fld>
             <a:endParaRPr lang="zh-CN" altLang="en-US"/>
           </a:p>
@@ -1229,7 +1229,7 @@
           <a:p>
             <a:fld id="{9538E007-353F-4F6F-AAE3-DCCE019D4601}" type="datetimeFigureOut">
               <a:rPr lang="zh-CN" altLang="en-US" smtClean="0"/>
-              <a:t>2018/12/24</a:t>
+              <a:t>2019/2/21</a:t>
             </a:fld>
             <a:endParaRPr lang="zh-CN" altLang="en-US"/>
           </a:p>
@@ -1593,7 +1593,7 @@
           <a:p>
             <a:fld id="{9538E007-353F-4F6F-AAE3-DCCE019D4601}" type="datetimeFigureOut">
               <a:rPr lang="zh-CN" altLang="en-US" smtClean="0"/>
-              <a:t>2018/12/24</a:t>
+              <a:t>2019/2/21</a:t>
             </a:fld>
             <a:endParaRPr lang="zh-CN" altLang="en-US"/>
           </a:p>
@@ -1710,7 +1710,7 @@
           <a:p>
             <a:fld id="{9538E007-353F-4F6F-AAE3-DCCE019D4601}" type="datetimeFigureOut">
               <a:rPr lang="zh-CN" altLang="en-US" smtClean="0"/>
-              <a:t>2018/12/24</a:t>
+              <a:t>2019/2/21</a:t>
             </a:fld>
             <a:endParaRPr lang="zh-CN" altLang="en-US"/>
           </a:p>
@@ -1805,7 +1805,7 @@
           <a:p>
             <a:fld id="{9538E007-353F-4F6F-AAE3-DCCE019D4601}" type="datetimeFigureOut">
               <a:rPr lang="zh-CN" altLang="en-US" smtClean="0"/>
-              <a:t>2018/12/24</a:t>
+              <a:t>2019/2/21</a:t>
             </a:fld>
             <a:endParaRPr lang="zh-CN" altLang="en-US"/>
           </a:p>
@@ -2080,7 +2080,7 @@
           <a:p>
             <a:fld id="{9538E007-353F-4F6F-AAE3-DCCE019D4601}" type="datetimeFigureOut">
               <a:rPr lang="zh-CN" altLang="en-US" smtClean="0"/>
-              <a:t>2018/12/24</a:t>
+              <a:t>2019/2/21</a:t>
             </a:fld>
             <a:endParaRPr lang="zh-CN" altLang="en-US"/>
           </a:p>
@@ -2332,7 +2332,7 @@
           <a:p>
             <a:fld id="{9538E007-353F-4F6F-AAE3-DCCE019D4601}" type="datetimeFigureOut">
               <a:rPr lang="zh-CN" altLang="en-US" smtClean="0"/>
-              <a:t>2018/12/24</a:t>
+              <a:t>2019/2/21</a:t>
             </a:fld>
             <a:endParaRPr lang="zh-CN" altLang="en-US"/>
           </a:p>
@@ -2543,7 +2543,7 @@
           <a:p>
             <a:fld id="{9538E007-353F-4F6F-AAE3-DCCE019D4601}" type="datetimeFigureOut">
               <a:rPr lang="zh-CN" altLang="en-US" smtClean="0"/>
-              <a:t>2018/12/24</a:t>
+              <a:t>2019/2/21</a:t>
             </a:fld>
             <a:endParaRPr lang="zh-CN" altLang="en-US"/>
           </a:p>
@@ -2950,7 +2950,13 @@
       </p:grpSpPr>
       <p:grpSp>
         <p:nvGrpSpPr>
-          <p:cNvPr id="271" name="组合 270"/>
+          <p:cNvPr id="2" name="组合 1">
+            <a:extLst>
+              <a:ext uri="{FF2B5EF4-FFF2-40B4-BE49-F238E27FC236}">
+                <a16:creationId xmlns:a16="http://schemas.microsoft.com/office/drawing/2014/main" id="{EC47F15F-3264-2146-B92F-B36B610EAB11}"/>
+              </a:ext>
+            </a:extLst>
+          </p:cNvPr>
           <p:cNvGrpSpPr/>
           <p:nvPr/>
         </p:nvGrpSpPr>
@@ -2958,471 +2964,2126 @@
           <a:xfrm>
             <a:off x="178904" y="84482"/>
             <a:ext cx="11657914" cy="6689035"/>
-            <a:chOff x="1166555" y="0"/>
-            <a:chExt cx="10719959" cy="6792912"/>
+            <a:chOff x="178904" y="84482"/>
+            <a:chExt cx="11657914" cy="6689035"/>
           </a:xfrm>
         </p:grpSpPr>
-        <p:sp>
-          <p:nvSpPr>
-            <p:cNvPr id="4" name="矩形 3"/>
-            <p:cNvSpPr/>
+        <p:grpSp>
+          <p:nvGrpSpPr>
+            <p:cNvPr id="271" name="组合 270"/>
+            <p:cNvGrpSpPr/>
             <p:nvPr/>
-          </p:nvSpPr>
-          <p:spPr>
+          </p:nvGrpSpPr>
+          <p:grpSpPr>
             <a:xfrm>
-              <a:off x="1984810" y="180080"/>
-              <a:ext cx="1398214" cy="330379"/>
+              <a:off x="178904" y="84482"/>
+              <a:ext cx="11657914" cy="6689035"/>
+              <a:chOff x="1166555" y="0"/>
+              <a:chExt cx="10719959" cy="6792912"/>
             </a:xfrm>
-            <a:prstGeom prst="rect">
-              <a:avLst/>
-            </a:prstGeom>
-            <a:ln>
+          </p:grpSpPr>
+          <p:sp>
+            <p:nvSpPr>
+              <p:cNvPr id="4" name="矩形 3"/>
+              <p:cNvSpPr/>
+              <p:nvPr/>
+            </p:nvSpPr>
+            <p:spPr>
+              <a:xfrm>
+                <a:off x="1984810" y="180080"/>
+                <a:ext cx="1398214" cy="330379"/>
+              </a:xfrm>
+              <a:prstGeom prst="rect">
+                <a:avLst/>
+              </a:prstGeom>
+              <a:ln>
+                <a:noFill/>
+              </a:ln>
+            </p:spPr>
+            <p:style>
+              <a:lnRef idx="2">
+                <a:schemeClr val="accent1">
+                  <a:shade val="50000"/>
+                </a:schemeClr>
+              </a:lnRef>
+              <a:fillRef idx="1">
+                <a:schemeClr val="accent1"/>
+              </a:fillRef>
+              <a:effectRef idx="0">
+                <a:schemeClr val="accent1"/>
+              </a:effectRef>
+              <a:fontRef idx="minor">
+                <a:schemeClr val="lt1"/>
+              </a:fontRef>
+            </p:style>
+            <p:txBody>
+              <a:bodyPr rtlCol="0" anchor="ctr"/>
+              <a:lstStyle/>
+              <a:p>
+                <a:pPr algn="ctr"/>
+                <a:r>
+                  <a:rPr lang="en-US" altLang="zh-CN" sz="1600" dirty="0">
+                    <a:ea typeface="微软雅黑" panose="020B0503020204020204" pitchFamily="34" charset="-122"/>
+                  </a:rPr>
+                  <a:t>Data Source</a:t>
+                </a:r>
+                <a:endParaRPr lang="zh-CN" altLang="en-US" sz="1600" dirty="0">
+                  <a:ea typeface="微软雅黑" panose="020B0503020204020204" pitchFamily="34" charset="-122"/>
+                </a:endParaRPr>
+              </a:p>
+            </p:txBody>
+          </p:sp>
+          <p:sp>
+            <p:nvSpPr>
+              <p:cNvPr id="6" name="矩形 5"/>
+              <p:cNvSpPr/>
+              <p:nvPr/>
+            </p:nvSpPr>
+            <p:spPr>
+              <a:xfrm>
+                <a:off x="4508110" y="180080"/>
+                <a:ext cx="1366836" cy="332786"/>
+              </a:xfrm>
+              <a:prstGeom prst="rect">
+                <a:avLst/>
+              </a:prstGeom>
+              <a:ln>
+                <a:noFill/>
+              </a:ln>
+            </p:spPr>
+            <p:style>
+              <a:lnRef idx="2">
+                <a:schemeClr val="accent1">
+                  <a:shade val="50000"/>
+                </a:schemeClr>
+              </a:lnRef>
+              <a:fillRef idx="1">
+                <a:schemeClr val="accent1"/>
+              </a:fillRef>
+              <a:effectRef idx="0">
+                <a:schemeClr val="accent1"/>
+              </a:effectRef>
+              <a:fontRef idx="minor">
+                <a:schemeClr val="lt1"/>
+              </a:fontRef>
+            </p:style>
+            <p:txBody>
+              <a:bodyPr rtlCol="0" anchor="ctr"/>
+              <a:lstStyle/>
+              <a:p>
+                <a:pPr algn="ctr"/>
+                <a:r>
+                  <a:rPr lang="en-US" altLang="zh-CN" sz="1600" dirty="0">
+                    <a:ea typeface="微软雅黑" panose="020B0503020204020204" pitchFamily="34" charset="-122"/>
+                  </a:rPr>
+                  <a:t>Data Explorer</a:t>
+                </a:r>
+                <a:endParaRPr lang="zh-CN" altLang="en-US" sz="1600" dirty="0">
+                  <a:ea typeface="微软雅黑" panose="020B0503020204020204" pitchFamily="34" charset="-122"/>
+                </a:endParaRPr>
+              </a:p>
+            </p:txBody>
+          </p:sp>
+          <p:sp>
+            <p:nvSpPr>
+              <p:cNvPr id="7" name="矩形 6"/>
+              <p:cNvSpPr/>
+              <p:nvPr/>
+            </p:nvSpPr>
+            <p:spPr>
+              <a:xfrm>
+                <a:off x="6541983" y="180081"/>
+                <a:ext cx="1707837" cy="390525"/>
+              </a:xfrm>
+              <a:prstGeom prst="rect">
+                <a:avLst/>
+              </a:prstGeom>
+              <a:ln>
+                <a:noFill/>
+              </a:ln>
+            </p:spPr>
+            <p:style>
+              <a:lnRef idx="2">
+                <a:schemeClr val="accent1">
+                  <a:shade val="50000"/>
+                </a:schemeClr>
+              </a:lnRef>
+              <a:fillRef idx="1">
+                <a:schemeClr val="accent1"/>
+              </a:fillRef>
+              <a:effectRef idx="0">
+                <a:schemeClr val="accent1"/>
+              </a:effectRef>
+              <a:fontRef idx="minor">
+                <a:schemeClr val="lt1"/>
+              </a:fontRef>
+            </p:style>
+            <p:txBody>
+              <a:bodyPr rtlCol="0" anchor="ctr"/>
+              <a:lstStyle/>
+              <a:p>
+                <a:pPr algn="ctr"/>
+                <a:r>
+                  <a:rPr lang="en-US" altLang="zh-CN" sz="1600" dirty="0">
+                    <a:ea typeface="微软雅黑" panose="020B0503020204020204" pitchFamily="34" charset="-122"/>
+                  </a:rPr>
+                  <a:t>Data Integration</a:t>
+                </a:r>
+                <a:endParaRPr lang="zh-CN" altLang="en-US" sz="1600" dirty="0">
+                  <a:ea typeface="微软雅黑" panose="020B0503020204020204" pitchFamily="34" charset="-122"/>
+                </a:endParaRPr>
+              </a:p>
+            </p:txBody>
+          </p:sp>
+          <p:sp>
+            <p:nvSpPr>
+              <p:cNvPr id="8" name="矩形 7"/>
+              <p:cNvSpPr/>
+              <p:nvPr/>
+            </p:nvSpPr>
+            <p:spPr>
+              <a:xfrm>
+                <a:off x="10705414" y="180080"/>
+                <a:ext cx="1181100" cy="390525"/>
+              </a:xfrm>
+              <a:prstGeom prst="rect">
+                <a:avLst/>
+              </a:prstGeom>
+              <a:ln>
+                <a:noFill/>
+              </a:ln>
+            </p:spPr>
+            <p:style>
+              <a:lnRef idx="2">
+                <a:schemeClr val="accent1">
+                  <a:shade val="50000"/>
+                </a:schemeClr>
+              </a:lnRef>
+              <a:fillRef idx="1">
+                <a:schemeClr val="accent1"/>
+              </a:fillRef>
+              <a:effectRef idx="0">
+                <a:schemeClr val="accent1"/>
+              </a:effectRef>
+              <a:fontRef idx="minor">
+                <a:schemeClr val="lt1"/>
+              </a:fontRef>
+            </p:style>
+            <p:txBody>
+              <a:bodyPr rtlCol="0" anchor="ctr"/>
+              <a:lstStyle/>
+              <a:p>
+                <a:pPr algn="ctr"/>
+                <a:r>
+                  <a:rPr lang="en-US" altLang="zh-CN" sz="1600" dirty="0">
+                    <a:ea typeface="微软雅黑" panose="020B0503020204020204" pitchFamily="34" charset="-122"/>
+                  </a:rPr>
+                  <a:t>Data Report</a:t>
+                </a:r>
+                <a:endParaRPr lang="zh-CN" altLang="en-US" sz="1600" dirty="0">
+                  <a:ea typeface="微软雅黑" panose="020B0503020204020204" pitchFamily="34" charset="-122"/>
+                </a:endParaRPr>
+              </a:p>
+            </p:txBody>
+          </p:sp>
+          <p:sp>
+            <p:nvSpPr>
+              <p:cNvPr id="9" name="矩形 8"/>
+              <p:cNvSpPr/>
+              <p:nvPr/>
+            </p:nvSpPr>
+            <p:spPr>
+              <a:xfrm>
+                <a:off x="8803076" y="180082"/>
+                <a:ext cx="1412057" cy="390523"/>
+              </a:xfrm>
+              <a:prstGeom prst="rect">
+                <a:avLst/>
+              </a:prstGeom>
+              <a:ln>
+                <a:noFill/>
+              </a:ln>
+            </p:spPr>
+            <p:style>
+              <a:lnRef idx="2">
+                <a:schemeClr val="accent1">
+                  <a:shade val="50000"/>
+                </a:schemeClr>
+              </a:lnRef>
+              <a:fillRef idx="1">
+                <a:schemeClr val="accent1"/>
+              </a:fillRef>
+              <a:effectRef idx="0">
+                <a:schemeClr val="accent1"/>
+              </a:effectRef>
+              <a:fontRef idx="minor">
+                <a:schemeClr val="lt1"/>
+              </a:fontRef>
+            </p:style>
+            <p:txBody>
+              <a:bodyPr rtlCol="0" anchor="ctr"/>
+              <a:lstStyle/>
+              <a:p>
+                <a:pPr algn="ctr"/>
+                <a:r>
+                  <a:rPr lang="en-US" altLang="zh-CN" sz="1600" dirty="0">
+                    <a:ea typeface="微软雅黑" panose="020B0503020204020204" pitchFamily="34" charset="-122"/>
+                  </a:rPr>
+                  <a:t>Task Monitor</a:t>
+                </a:r>
+                <a:endParaRPr lang="zh-CN" altLang="en-US" sz="1600" dirty="0">
+                  <a:ea typeface="微软雅黑" panose="020B0503020204020204" pitchFamily="34" charset="-122"/>
+                </a:endParaRPr>
+              </a:p>
+            </p:txBody>
+          </p:sp>
+          <p:sp>
+            <p:nvSpPr>
+              <p:cNvPr id="12" name="矩形 11"/>
+              <p:cNvSpPr/>
+              <p:nvPr/>
+            </p:nvSpPr>
+            <p:spPr>
+              <a:xfrm>
+                <a:off x="2823979" y="1478447"/>
+                <a:ext cx="1209675" cy="390525"/>
+              </a:xfrm>
+              <a:prstGeom prst="rect">
+                <a:avLst/>
+              </a:prstGeom>
               <a:noFill/>
-            </a:ln>
-          </p:spPr>
-          <p:style>
-            <a:lnRef idx="2">
-              <a:schemeClr val="accent1">
-                <a:shade val="50000"/>
-              </a:schemeClr>
-            </a:lnRef>
-            <a:fillRef idx="1">
-              <a:schemeClr val="accent1"/>
-            </a:fillRef>
-            <a:effectRef idx="0">
-              <a:schemeClr val="accent1"/>
-            </a:effectRef>
-            <a:fontRef idx="minor">
-              <a:schemeClr val="lt1"/>
-            </a:fontRef>
-          </p:style>
-          <p:txBody>
-            <a:bodyPr rtlCol="0" anchor="ctr"/>
-            <a:lstStyle/>
-            <a:p>
-              <a:pPr algn="ctr"/>
-              <a:r>
-                <a:rPr lang="en-US" altLang="zh-CN" sz="1600" dirty="0">
-                  <a:ea typeface="微软雅黑" panose="020B0503020204020204" pitchFamily="34" charset="-122"/>
-                </a:rPr>
-                <a:t>Data Source</a:t>
-              </a:r>
-              <a:endParaRPr lang="zh-CN" altLang="en-US" sz="1600" dirty="0">
-                <a:ea typeface="微软雅黑" panose="020B0503020204020204" pitchFamily="34" charset="-122"/>
-              </a:endParaRPr>
-            </a:p>
-          </p:txBody>
-        </p:sp>
-        <p:sp>
-          <p:nvSpPr>
-            <p:cNvPr id="6" name="矩形 5"/>
-            <p:cNvSpPr/>
-            <p:nvPr/>
-          </p:nvSpPr>
-          <p:spPr>
-            <a:xfrm>
-              <a:off x="4508110" y="180080"/>
-              <a:ext cx="1366836" cy="332786"/>
-            </a:xfrm>
-            <a:prstGeom prst="rect">
-              <a:avLst/>
-            </a:prstGeom>
-            <a:ln>
-              <a:noFill/>
-            </a:ln>
-          </p:spPr>
-          <p:style>
-            <a:lnRef idx="2">
-              <a:schemeClr val="accent1">
-                <a:shade val="50000"/>
-              </a:schemeClr>
-            </a:lnRef>
-            <a:fillRef idx="1">
-              <a:schemeClr val="accent1"/>
-            </a:fillRef>
-            <a:effectRef idx="0">
-              <a:schemeClr val="accent1"/>
-            </a:effectRef>
-            <a:fontRef idx="minor">
-              <a:schemeClr val="lt1"/>
-            </a:fontRef>
-          </p:style>
-          <p:txBody>
-            <a:bodyPr rtlCol="0" anchor="ctr"/>
-            <a:lstStyle/>
-            <a:p>
-              <a:pPr algn="ctr"/>
-              <a:r>
-                <a:rPr lang="en-US" altLang="zh-CN" sz="1600" dirty="0">
-                  <a:ea typeface="微软雅黑" panose="020B0503020204020204" pitchFamily="34" charset="-122"/>
-                </a:rPr>
-                <a:t>Data Explorer</a:t>
-              </a:r>
-              <a:endParaRPr lang="zh-CN" altLang="en-US" sz="1600" dirty="0">
-                <a:ea typeface="微软雅黑" panose="020B0503020204020204" pitchFamily="34" charset="-122"/>
-              </a:endParaRPr>
-            </a:p>
-          </p:txBody>
-        </p:sp>
-        <p:sp>
-          <p:nvSpPr>
-            <p:cNvPr id="7" name="矩形 6"/>
-            <p:cNvSpPr/>
-            <p:nvPr/>
-          </p:nvSpPr>
-          <p:spPr>
-            <a:xfrm>
-              <a:off x="6541983" y="180081"/>
-              <a:ext cx="1707837" cy="390525"/>
-            </a:xfrm>
-            <a:prstGeom prst="rect">
-              <a:avLst/>
-            </a:prstGeom>
-            <a:ln>
-              <a:noFill/>
-            </a:ln>
-          </p:spPr>
-          <p:style>
-            <a:lnRef idx="2">
-              <a:schemeClr val="accent1">
-                <a:shade val="50000"/>
-              </a:schemeClr>
-            </a:lnRef>
-            <a:fillRef idx="1">
-              <a:schemeClr val="accent1"/>
-            </a:fillRef>
-            <a:effectRef idx="0">
-              <a:schemeClr val="accent1"/>
-            </a:effectRef>
-            <a:fontRef idx="minor">
-              <a:schemeClr val="lt1"/>
-            </a:fontRef>
-          </p:style>
-          <p:txBody>
-            <a:bodyPr rtlCol="0" anchor="ctr"/>
-            <a:lstStyle/>
-            <a:p>
-              <a:pPr algn="ctr"/>
-              <a:r>
-                <a:rPr lang="en-US" altLang="zh-CN" sz="1600" dirty="0">
-                  <a:ea typeface="微软雅黑" panose="020B0503020204020204" pitchFamily="34" charset="-122"/>
-                </a:rPr>
-                <a:t>Data Integration</a:t>
-              </a:r>
-              <a:endParaRPr lang="zh-CN" altLang="en-US" sz="1600" dirty="0">
-                <a:ea typeface="微软雅黑" panose="020B0503020204020204" pitchFamily="34" charset="-122"/>
-              </a:endParaRPr>
-            </a:p>
-          </p:txBody>
-        </p:sp>
-        <p:sp>
-          <p:nvSpPr>
-            <p:cNvPr id="8" name="矩形 7"/>
-            <p:cNvSpPr/>
-            <p:nvPr/>
-          </p:nvSpPr>
-          <p:spPr>
-            <a:xfrm>
-              <a:off x="10705414" y="180080"/>
-              <a:ext cx="1181100" cy="390525"/>
-            </a:xfrm>
-            <a:prstGeom prst="rect">
-              <a:avLst/>
-            </a:prstGeom>
-            <a:ln>
-              <a:noFill/>
-            </a:ln>
-          </p:spPr>
-          <p:style>
-            <a:lnRef idx="2">
-              <a:schemeClr val="accent1">
-                <a:shade val="50000"/>
-              </a:schemeClr>
-            </a:lnRef>
-            <a:fillRef idx="1">
-              <a:schemeClr val="accent1"/>
-            </a:fillRef>
-            <a:effectRef idx="0">
-              <a:schemeClr val="accent1"/>
-            </a:effectRef>
-            <a:fontRef idx="minor">
-              <a:schemeClr val="lt1"/>
-            </a:fontRef>
-          </p:style>
-          <p:txBody>
-            <a:bodyPr rtlCol="0" anchor="ctr"/>
-            <a:lstStyle/>
-            <a:p>
-              <a:pPr algn="ctr"/>
-              <a:r>
-                <a:rPr lang="en-US" altLang="zh-CN" sz="1600" dirty="0">
-                  <a:ea typeface="微软雅黑" panose="020B0503020204020204" pitchFamily="34" charset="-122"/>
-                </a:rPr>
-                <a:t>BI &amp; Report</a:t>
-              </a:r>
-              <a:endParaRPr lang="zh-CN" altLang="en-US" sz="1600" dirty="0">
-                <a:ea typeface="微软雅黑" panose="020B0503020204020204" pitchFamily="34" charset="-122"/>
-              </a:endParaRPr>
-            </a:p>
-          </p:txBody>
-        </p:sp>
-        <p:sp>
-          <p:nvSpPr>
-            <p:cNvPr id="9" name="矩形 8"/>
-            <p:cNvSpPr/>
-            <p:nvPr/>
-          </p:nvSpPr>
-          <p:spPr>
-            <a:xfrm>
-              <a:off x="8803076" y="180082"/>
-              <a:ext cx="1412057" cy="390523"/>
-            </a:xfrm>
-            <a:prstGeom prst="rect">
-              <a:avLst/>
-            </a:prstGeom>
-            <a:ln>
-              <a:noFill/>
-            </a:ln>
-          </p:spPr>
-          <p:style>
-            <a:lnRef idx="2">
-              <a:schemeClr val="accent1">
-                <a:shade val="50000"/>
-              </a:schemeClr>
-            </a:lnRef>
-            <a:fillRef idx="1">
-              <a:schemeClr val="accent1"/>
-            </a:fillRef>
-            <a:effectRef idx="0">
-              <a:schemeClr val="accent1"/>
-            </a:effectRef>
-            <a:fontRef idx="minor">
-              <a:schemeClr val="lt1"/>
-            </a:fontRef>
-          </p:style>
-          <p:txBody>
-            <a:bodyPr rtlCol="0" anchor="ctr"/>
-            <a:lstStyle/>
-            <a:p>
-              <a:pPr algn="ctr"/>
-              <a:r>
-                <a:rPr lang="en-US" altLang="zh-CN" sz="1600" dirty="0">
-                  <a:ea typeface="微软雅黑" panose="020B0503020204020204" pitchFamily="34" charset="-122"/>
-                </a:rPr>
-                <a:t>Task Monitor</a:t>
-              </a:r>
-              <a:endParaRPr lang="zh-CN" altLang="en-US" sz="1600" dirty="0">
-                <a:ea typeface="微软雅黑" panose="020B0503020204020204" pitchFamily="34" charset="-122"/>
-              </a:endParaRPr>
-            </a:p>
-          </p:txBody>
-        </p:sp>
-        <p:sp>
-          <p:nvSpPr>
-            <p:cNvPr id="12" name="矩形 11"/>
-            <p:cNvSpPr/>
-            <p:nvPr/>
-          </p:nvSpPr>
-          <p:spPr>
-            <a:xfrm>
-              <a:off x="2823979" y="1478447"/>
-              <a:ext cx="1209675" cy="390525"/>
-            </a:xfrm>
-            <a:prstGeom prst="rect">
-              <a:avLst/>
-            </a:prstGeom>
-            <a:noFill/>
-            <a:ln>
-              <a:solidFill>
-                <a:schemeClr val="tx1"/>
-              </a:solidFill>
-            </a:ln>
-          </p:spPr>
-          <p:style>
-            <a:lnRef idx="2">
-              <a:schemeClr val="accent1">
-                <a:shade val="50000"/>
-              </a:schemeClr>
-            </a:lnRef>
-            <a:fillRef idx="1">
-              <a:schemeClr val="accent1"/>
-            </a:fillRef>
-            <a:effectRef idx="0">
-              <a:schemeClr val="accent1"/>
-            </a:effectRef>
-            <a:fontRef idx="minor">
-              <a:schemeClr val="lt1"/>
-            </a:fontRef>
-          </p:style>
-          <p:txBody>
-            <a:bodyPr rtlCol="0" anchor="ctr"/>
-            <a:lstStyle/>
-            <a:p>
-              <a:pPr algn="ctr"/>
-              <a:r>
-                <a:rPr lang="en-US" altLang="zh-CN" sz="1400" dirty="0">
+              <a:ln>
+                <a:solidFill>
+                  <a:schemeClr val="tx1"/>
+                </a:solidFill>
+              </a:ln>
+            </p:spPr>
+            <p:style>
+              <a:lnRef idx="2">
+                <a:schemeClr val="accent1">
+                  <a:shade val="50000"/>
+                </a:schemeClr>
+              </a:lnRef>
+              <a:fillRef idx="1">
+                <a:schemeClr val="accent1"/>
+              </a:fillRef>
+              <a:effectRef idx="0">
+                <a:schemeClr val="accent1"/>
+              </a:effectRef>
+              <a:fontRef idx="minor">
+                <a:schemeClr val="lt1"/>
+              </a:fontRef>
+            </p:style>
+            <p:txBody>
+              <a:bodyPr rtlCol="0" anchor="ctr"/>
+              <a:lstStyle/>
+              <a:p>
+                <a:pPr algn="ctr"/>
+                <a:r>
+                  <a:rPr lang="en-US" altLang="zh-CN" sz="1400" dirty="0">
+                    <a:solidFill>
+                      <a:schemeClr val="tx1"/>
+                    </a:solidFill>
+                    <a:latin typeface="Calibri" panose="020F0502020204030204" pitchFamily="34" charset="0"/>
+                    <a:ea typeface="微软雅黑" panose="020B0503020204020204" pitchFamily="34" charset="-122"/>
+                    <a:cs typeface="Calibri" panose="020F0502020204030204" pitchFamily="34" charset="0"/>
+                  </a:rPr>
+                  <a:t>Add Data Source</a:t>
+                </a:r>
+                <a:endParaRPr lang="zh-CN" altLang="en-US" sz="1400" dirty="0">
                   <a:solidFill>
                     <a:schemeClr val="tx1"/>
                   </a:solidFill>
                   <a:latin typeface="Calibri" panose="020F0502020204030204" pitchFamily="34" charset="0"/>
                   <a:ea typeface="微软雅黑" panose="020B0503020204020204" pitchFamily="34" charset="-122"/>
                   <a:cs typeface="Calibri" panose="020F0502020204030204" pitchFamily="34" charset="0"/>
-                </a:rPr>
-                <a:t>Add Data Source</a:t>
-              </a:r>
-              <a:endParaRPr lang="zh-CN" altLang="en-US" sz="1400" dirty="0">
+                </a:endParaRPr>
+              </a:p>
+            </p:txBody>
+          </p:sp>
+          <p:sp>
+            <p:nvSpPr>
+              <p:cNvPr id="14" name="矩形 13"/>
+              <p:cNvSpPr/>
+              <p:nvPr/>
+            </p:nvSpPr>
+            <p:spPr>
+              <a:xfrm>
+                <a:off x="6785231" y="897376"/>
+                <a:ext cx="1295399" cy="390525"/>
+              </a:xfrm>
+              <a:prstGeom prst="rect">
+                <a:avLst/>
+              </a:prstGeom>
+              <a:noFill/>
+              <a:ln>
                 <a:solidFill>
                   <a:schemeClr val="tx1"/>
                 </a:solidFill>
-                <a:latin typeface="Calibri" panose="020F0502020204030204" pitchFamily="34" charset="0"/>
-                <a:ea typeface="微软雅黑" panose="020B0503020204020204" pitchFamily="34" charset="-122"/>
-                <a:cs typeface="Calibri" panose="020F0502020204030204" pitchFamily="34" charset="0"/>
-              </a:endParaRPr>
-            </a:p>
-          </p:txBody>
-        </p:sp>
-        <p:sp>
-          <p:nvSpPr>
-            <p:cNvPr id="14" name="矩形 13"/>
-            <p:cNvSpPr/>
-            <p:nvPr/>
-          </p:nvSpPr>
-          <p:spPr>
-            <a:xfrm>
-              <a:off x="6785231" y="897376"/>
-              <a:ext cx="1295399" cy="390525"/>
-            </a:xfrm>
-            <a:prstGeom prst="rect">
-              <a:avLst/>
-            </a:prstGeom>
-            <a:noFill/>
-            <a:ln>
-              <a:solidFill>
-                <a:schemeClr val="tx1"/>
-              </a:solidFill>
-            </a:ln>
-          </p:spPr>
-          <p:style>
-            <a:lnRef idx="2">
-              <a:schemeClr val="accent1">
-                <a:shade val="50000"/>
-              </a:schemeClr>
-            </a:lnRef>
-            <a:fillRef idx="1">
-              <a:schemeClr val="accent1"/>
-            </a:fillRef>
-            <a:effectRef idx="0">
-              <a:schemeClr val="accent1"/>
-            </a:effectRef>
-            <a:fontRef idx="minor">
-              <a:schemeClr val="lt1"/>
-            </a:fontRef>
-          </p:style>
-          <p:txBody>
-            <a:bodyPr rtlCol="0" anchor="ctr"/>
-            <a:lstStyle/>
-            <a:p>
-              <a:pPr algn="ctr"/>
-              <a:r>
-                <a:rPr lang="en-US" altLang="zh-CN" sz="1400" dirty="0">
+              </a:ln>
+            </p:spPr>
+            <p:style>
+              <a:lnRef idx="2">
+                <a:schemeClr val="accent1">
+                  <a:shade val="50000"/>
+                </a:schemeClr>
+              </a:lnRef>
+              <a:fillRef idx="1">
+                <a:schemeClr val="accent1"/>
+              </a:fillRef>
+              <a:effectRef idx="0">
+                <a:schemeClr val="accent1"/>
+              </a:effectRef>
+              <a:fontRef idx="minor">
+                <a:schemeClr val="lt1"/>
+              </a:fontRef>
+            </p:style>
+            <p:txBody>
+              <a:bodyPr rtlCol="0" anchor="ctr"/>
+              <a:lstStyle/>
+              <a:p>
+                <a:pPr algn="ctr"/>
+                <a:r>
+                  <a:rPr lang="en-US" altLang="zh-CN" sz="1400" dirty="0">
+                    <a:solidFill>
+                      <a:schemeClr val="tx1"/>
+                    </a:solidFill>
+                    <a:latin typeface="Calibri" panose="020F0502020204030204" pitchFamily="34" charset="0"/>
+                    <a:ea typeface="微软雅黑" panose="020B0503020204020204" pitchFamily="34" charset="-122"/>
+                    <a:cs typeface="Calibri" panose="020F0502020204030204" pitchFamily="34" charset="0"/>
+                  </a:rPr>
+                  <a:t>Create Data Integration Task</a:t>
+                </a:r>
+                <a:endParaRPr lang="zh-CN" altLang="en-US" sz="1400" dirty="0">
                   <a:solidFill>
                     <a:schemeClr val="tx1"/>
                   </a:solidFill>
                   <a:latin typeface="Calibri" panose="020F0502020204030204" pitchFamily="34" charset="0"/>
                   <a:ea typeface="微软雅黑" panose="020B0503020204020204" pitchFamily="34" charset="-122"/>
                   <a:cs typeface="Calibri" panose="020F0502020204030204" pitchFamily="34" charset="0"/>
-                </a:rPr>
-                <a:t>Create Data Integration Task</a:t>
-              </a:r>
-              <a:endParaRPr lang="zh-CN" altLang="en-US" sz="1400" dirty="0">
+                </a:endParaRPr>
+              </a:p>
+            </p:txBody>
+          </p:sp>
+          <p:sp>
+            <p:nvSpPr>
+              <p:cNvPr id="15" name="流程图: 可选过程 14"/>
+              <p:cNvSpPr/>
+              <p:nvPr/>
+            </p:nvSpPr>
+            <p:spPr>
+              <a:xfrm>
+                <a:off x="4415241" y="1478831"/>
+                <a:ext cx="1356412" cy="391294"/>
+              </a:xfrm>
+              <a:prstGeom prst="flowChartAlternateProcess">
+                <a:avLst/>
+              </a:prstGeom>
+              <a:noFill/>
+              <a:ln>
                 <a:solidFill>
                   <a:schemeClr val="tx1"/>
                 </a:solidFill>
-                <a:latin typeface="Calibri" panose="020F0502020204030204" pitchFamily="34" charset="0"/>
-                <a:ea typeface="微软雅黑" panose="020B0503020204020204" pitchFamily="34" charset="-122"/>
-                <a:cs typeface="Calibri" panose="020F0502020204030204" pitchFamily="34" charset="0"/>
-              </a:endParaRPr>
-            </a:p>
-          </p:txBody>
-        </p:sp>
-        <p:sp>
-          <p:nvSpPr>
-            <p:cNvPr id="15" name="流程图: 可选过程 14"/>
-            <p:cNvSpPr/>
-            <p:nvPr/>
-          </p:nvSpPr>
-          <p:spPr>
-            <a:xfrm>
-              <a:off x="4415241" y="1478831"/>
-              <a:ext cx="1356412" cy="391294"/>
-            </a:xfrm>
-            <a:prstGeom prst="flowChartAlternateProcess">
-              <a:avLst/>
-            </a:prstGeom>
-            <a:noFill/>
-            <a:ln>
-              <a:solidFill>
-                <a:schemeClr val="tx1"/>
-              </a:solidFill>
-              <a:prstDash val="dash"/>
-            </a:ln>
-          </p:spPr>
-          <p:style>
-            <a:lnRef idx="2">
-              <a:schemeClr val="accent1">
-                <a:shade val="50000"/>
-              </a:schemeClr>
-            </a:lnRef>
-            <a:fillRef idx="1">
-              <a:schemeClr val="accent1"/>
-            </a:fillRef>
-            <a:effectRef idx="0">
-              <a:schemeClr val="accent1"/>
-            </a:effectRef>
-            <a:fontRef idx="minor">
-              <a:schemeClr val="lt1"/>
-            </a:fontRef>
-          </p:style>
-          <p:txBody>
-            <a:bodyPr rtlCol="0" anchor="ctr"/>
-            <a:lstStyle/>
-            <a:p>
-              <a:pPr algn="ctr"/>
-              <a:r>
-                <a:rPr lang="en-US" altLang="zh-CN" sz="1400" dirty="0">
+                <a:prstDash val="dash"/>
+              </a:ln>
+            </p:spPr>
+            <p:style>
+              <a:lnRef idx="2">
+                <a:schemeClr val="accent1">
+                  <a:shade val="50000"/>
+                </a:schemeClr>
+              </a:lnRef>
+              <a:fillRef idx="1">
+                <a:schemeClr val="accent1"/>
+              </a:fillRef>
+              <a:effectRef idx="0">
+                <a:schemeClr val="accent1"/>
+              </a:effectRef>
+              <a:fontRef idx="minor">
+                <a:schemeClr val="lt1"/>
+              </a:fontRef>
+            </p:style>
+            <p:txBody>
+              <a:bodyPr rtlCol="0" anchor="ctr"/>
+              <a:lstStyle/>
+              <a:p>
+                <a:pPr algn="ctr"/>
+                <a:r>
+                  <a:rPr lang="en-US" altLang="zh-CN" sz="1400" dirty="0">
+                    <a:solidFill>
+                      <a:schemeClr val="tx1"/>
+                    </a:solidFill>
+                    <a:latin typeface="Calibri" panose="020F0502020204030204" pitchFamily="34" charset="0"/>
+                    <a:ea typeface="微软雅黑" panose="020B0503020204020204" pitchFamily="34" charset="-122"/>
+                    <a:cs typeface="Calibri" panose="020F0502020204030204" pitchFamily="34" charset="0"/>
+                  </a:rPr>
+                  <a:t>Create Target Table</a:t>
+                </a:r>
+                <a:endParaRPr lang="zh-CN" altLang="en-US" sz="1400" dirty="0">
                   <a:solidFill>
                     <a:schemeClr val="tx1"/>
                   </a:solidFill>
                   <a:latin typeface="Calibri" panose="020F0502020204030204" pitchFamily="34" charset="0"/>
                   <a:ea typeface="微软雅黑" panose="020B0503020204020204" pitchFamily="34" charset="-122"/>
                   <a:cs typeface="Calibri" panose="020F0502020204030204" pitchFamily="34" charset="0"/>
-                </a:rPr>
-                <a:t>Create Target Table</a:t>
-              </a:r>
-              <a:endParaRPr lang="zh-CN" altLang="en-US" sz="1400" dirty="0">
+                </a:endParaRPr>
+              </a:p>
+            </p:txBody>
+          </p:sp>
+          <p:cxnSp>
+            <p:nvCxnSpPr>
+              <p:cNvPr id="44" name="肘形连接符 43"/>
+              <p:cNvCxnSpPr>
+                <a:stCxn id="12" idx="3"/>
+                <a:endCxn id="15" idx="1"/>
+              </p:cNvCxnSpPr>
+              <p:nvPr/>
+            </p:nvCxnSpPr>
+            <p:spPr>
+              <a:xfrm>
+                <a:off x="4033654" y="1673710"/>
+                <a:ext cx="381587" cy="768"/>
+              </a:xfrm>
+              <a:prstGeom prst="bentConnector3">
+                <a:avLst>
+                  <a:gd name="adj1" fmla="val 50000"/>
+                </a:avLst>
+              </a:prstGeom>
+              <a:ln w="12700">
                 <a:solidFill>
                   <a:schemeClr val="tx1"/>
                 </a:solidFill>
-                <a:latin typeface="Calibri" panose="020F0502020204030204" pitchFamily="34" charset="0"/>
-                <a:ea typeface="微软雅黑" panose="020B0503020204020204" pitchFamily="34" charset="-122"/>
-                <a:cs typeface="Calibri" panose="020F0502020204030204" pitchFamily="34" charset="0"/>
-              </a:endParaRPr>
-            </a:p>
-          </p:txBody>
-        </p:sp>
+                <a:tailEnd type="triangle"/>
+              </a:ln>
+            </p:spPr>
+            <p:style>
+              <a:lnRef idx="1">
+                <a:schemeClr val="accent1"/>
+              </a:lnRef>
+              <a:fillRef idx="0">
+                <a:schemeClr val="accent1"/>
+              </a:fillRef>
+              <a:effectRef idx="0">
+                <a:schemeClr val="accent1"/>
+              </a:effectRef>
+              <a:fontRef idx="minor">
+                <a:schemeClr val="tx1"/>
+              </a:fontRef>
+            </p:style>
+          </p:cxnSp>
+          <p:sp>
+            <p:nvSpPr>
+              <p:cNvPr id="47" name="矩形 46"/>
+              <p:cNvSpPr/>
+              <p:nvPr/>
+            </p:nvSpPr>
+            <p:spPr>
+              <a:xfrm>
+                <a:off x="6712111" y="2023370"/>
+                <a:ext cx="1425672" cy="368832"/>
+              </a:xfrm>
+              <a:prstGeom prst="rect">
+                <a:avLst/>
+              </a:prstGeom>
+              <a:noFill/>
+              <a:ln>
+                <a:solidFill>
+                  <a:schemeClr val="tx1"/>
+                </a:solidFill>
+              </a:ln>
+            </p:spPr>
+            <p:style>
+              <a:lnRef idx="2">
+                <a:schemeClr val="accent1">
+                  <a:shade val="50000"/>
+                </a:schemeClr>
+              </a:lnRef>
+              <a:fillRef idx="1">
+                <a:schemeClr val="accent1"/>
+              </a:fillRef>
+              <a:effectRef idx="0">
+                <a:schemeClr val="accent1"/>
+              </a:effectRef>
+              <a:fontRef idx="minor">
+                <a:schemeClr val="lt1"/>
+              </a:fontRef>
+            </p:style>
+            <p:txBody>
+              <a:bodyPr rtlCol="0" anchor="ctr"/>
+              <a:lstStyle/>
+              <a:p>
+                <a:pPr algn="ctr"/>
+                <a:r>
+                  <a:rPr lang="en-US" altLang="zh-CN" sz="1400" dirty="0">
+                    <a:solidFill>
+                      <a:schemeClr val="tx1"/>
+                    </a:solidFill>
+                    <a:latin typeface="Calibri" panose="020F0502020204030204" pitchFamily="34" charset="0"/>
+                    <a:ea typeface="微软雅黑" panose="020B0503020204020204" pitchFamily="34" charset="-122"/>
+                    <a:cs typeface="Calibri" panose="020F0502020204030204" pitchFamily="34" charset="0"/>
+                  </a:rPr>
+                  <a:t>Create Data Development Task</a:t>
+                </a:r>
+                <a:endParaRPr lang="zh-CN" altLang="en-US" sz="1400" dirty="0">
+                  <a:solidFill>
+                    <a:schemeClr val="tx1"/>
+                  </a:solidFill>
+                  <a:latin typeface="Calibri" panose="020F0502020204030204" pitchFamily="34" charset="0"/>
+                  <a:ea typeface="微软雅黑" panose="020B0503020204020204" pitchFamily="34" charset="-122"/>
+                  <a:cs typeface="Calibri" panose="020F0502020204030204" pitchFamily="34" charset="0"/>
+                </a:endParaRPr>
+              </a:p>
+            </p:txBody>
+          </p:sp>
+          <p:cxnSp>
+            <p:nvCxnSpPr>
+              <p:cNvPr id="80" name="肘形连接符 79"/>
+              <p:cNvCxnSpPr>
+                <a:stCxn id="15" idx="3"/>
+                <a:endCxn id="14" idx="1"/>
+              </p:cNvCxnSpPr>
+              <p:nvPr/>
+            </p:nvCxnSpPr>
+            <p:spPr>
+              <a:xfrm flipV="1">
+                <a:off x="5771653" y="1092639"/>
+                <a:ext cx="1013578" cy="581839"/>
+              </a:xfrm>
+              <a:prstGeom prst="bentConnector3">
+                <a:avLst>
+                  <a:gd name="adj1" fmla="val 50000"/>
+                </a:avLst>
+              </a:prstGeom>
+              <a:ln w="12700">
+                <a:solidFill>
+                  <a:schemeClr val="tx1"/>
+                </a:solidFill>
+                <a:tailEnd type="triangle"/>
+              </a:ln>
+            </p:spPr>
+            <p:style>
+              <a:lnRef idx="1">
+                <a:schemeClr val="accent1"/>
+              </a:lnRef>
+              <a:fillRef idx="0">
+                <a:schemeClr val="accent1"/>
+              </a:fillRef>
+              <a:effectRef idx="0">
+                <a:schemeClr val="accent1"/>
+              </a:effectRef>
+              <a:fontRef idx="minor">
+                <a:schemeClr val="tx1"/>
+              </a:fontRef>
+            </p:style>
+          </p:cxnSp>
+          <p:cxnSp>
+            <p:nvCxnSpPr>
+              <p:cNvPr id="83" name="肘形连接符 82"/>
+              <p:cNvCxnSpPr>
+                <a:cxnSpLocks/>
+                <a:stCxn id="15" idx="3"/>
+                <a:endCxn id="47" idx="1"/>
+              </p:cNvCxnSpPr>
+              <p:nvPr/>
+            </p:nvCxnSpPr>
+            <p:spPr>
+              <a:xfrm>
+                <a:off x="5771653" y="1674478"/>
+                <a:ext cx="940458" cy="533308"/>
+              </a:xfrm>
+              <a:prstGeom prst="bentConnector3">
+                <a:avLst>
+                  <a:gd name="adj1" fmla="val 53914"/>
+                </a:avLst>
+              </a:prstGeom>
+              <a:ln w="12700">
+                <a:solidFill>
+                  <a:schemeClr val="tx1"/>
+                </a:solidFill>
+                <a:tailEnd type="triangle"/>
+              </a:ln>
+            </p:spPr>
+            <p:style>
+              <a:lnRef idx="1">
+                <a:schemeClr val="accent1"/>
+              </a:lnRef>
+              <a:fillRef idx="0">
+                <a:schemeClr val="accent1"/>
+              </a:fillRef>
+              <a:effectRef idx="0">
+                <a:schemeClr val="accent1"/>
+              </a:effectRef>
+              <a:fontRef idx="minor">
+                <a:schemeClr val="tx1"/>
+              </a:fontRef>
+            </p:style>
+          </p:cxnSp>
+          <p:cxnSp>
+            <p:nvCxnSpPr>
+              <p:cNvPr id="89" name="肘形连接符 88"/>
+              <p:cNvCxnSpPr>
+                <a:stCxn id="14" idx="3"/>
+              </p:cNvCxnSpPr>
+              <p:nvPr/>
+            </p:nvCxnSpPr>
+            <p:spPr>
+              <a:xfrm>
+                <a:off x="8080630" y="1092639"/>
+                <a:ext cx="724376" cy="581455"/>
+              </a:xfrm>
+              <a:prstGeom prst="bentConnector3">
+                <a:avLst>
+                  <a:gd name="adj1" fmla="val 50000"/>
+                </a:avLst>
+              </a:prstGeom>
+              <a:ln w="12700">
+                <a:solidFill>
+                  <a:schemeClr val="tx1"/>
+                </a:solidFill>
+                <a:tailEnd type="triangle"/>
+              </a:ln>
+            </p:spPr>
+            <p:style>
+              <a:lnRef idx="1">
+                <a:schemeClr val="accent1"/>
+              </a:lnRef>
+              <a:fillRef idx="0">
+                <a:schemeClr val="accent1"/>
+              </a:fillRef>
+              <a:effectRef idx="0">
+                <a:schemeClr val="accent1"/>
+              </a:effectRef>
+              <a:fontRef idx="minor">
+                <a:schemeClr val="tx1"/>
+              </a:fontRef>
+            </p:style>
+          </p:cxnSp>
+          <p:sp>
+            <p:nvSpPr>
+              <p:cNvPr id="96" name="流程图: 可选过程 95"/>
+              <p:cNvSpPr/>
+              <p:nvPr/>
+            </p:nvSpPr>
+            <p:spPr>
+              <a:xfrm>
+                <a:off x="4361731" y="2736128"/>
+                <a:ext cx="1513215" cy="392511"/>
+              </a:xfrm>
+              <a:prstGeom prst="flowChartAlternateProcess">
+                <a:avLst/>
+              </a:prstGeom>
+              <a:noFill/>
+              <a:ln>
+                <a:solidFill>
+                  <a:schemeClr val="tx1"/>
+                </a:solidFill>
+                <a:prstDash val="dash"/>
+              </a:ln>
+            </p:spPr>
+            <p:style>
+              <a:lnRef idx="2">
+                <a:schemeClr val="accent1">
+                  <a:shade val="50000"/>
+                </a:schemeClr>
+              </a:lnRef>
+              <a:fillRef idx="1">
+                <a:schemeClr val="accent1"/>
+              </a:fillRef>
+              <a:effectRef idx="0">
+                <a:schemeClr val="accent1"/>
+              </a:effectRef>
+              <a:fontRef idx="minor">
+                <a:schemeClr val="lt1"/>
+              </a:fontRef>
+            </p:style>
+            <p:txBody>
+              <a:bodyPr rtlCol="0" anchor="ctr"/>
+              <a:lstStyle/>
+              <a:p>
+                <a:pPr algn="ctr"/>
+                <a:r>
+                  <a:rPr lang="en-US" altLang="zh-CN" sz="1400" dirty="0">
+                    <a:solidFill>
+                      <a:schemeClr val="tx1"/>
+                    </a:solidFill>
+                    <a:latin typeface="Calibri" panose="020F0502020204030204" pitchFamily="34" charset="0"/>
+                    <a:ea typeface="微软雅黑" panose="020B0503020204020204" pitchFamily="34" charset="-122"/>
+                    <a:cs typeface="Calibri" panose="020F0502020204030204" pitchFamily="34" charset="0"/>
+                  </a:rPr>
+                  <a:t>Check Synchronized Data</a:t>
+                </a:r>
+                <a:endParaRPr lang="zh-CN" altLang="en-US" sz="1400" dirty="0">
+                  <a:solidFill>
+                    <a:schemeClr val="tx1"/>
+                  </a:solidFill>
+                  <a:latin typeface="Calibri" panose="020F0502020204030204" pitchFamily="34" charset="0"/>
+                  <a:ea typeface="微软雅黑" panose="020B0503020204020204" pitchFamily="34" charset="-122"/>
+                  <a:cs typeface="Calibri" panose="020F0502020204030204" pitchFamily="34" charset="0"/>
+                </a:endParaRPr>
+              </a:p>
+            </p:txBody>
+          </p:sp>
+          <p:cxnSp>
+            <p:nvCxnSpPr>
+              <p:cNvPr id="97" name="肘形连接符 96"/>
+              <p:cNvCxnSpPr>
+                <a:cxnSpLocks/>
+                <a:stCxn id="242" idx="2"/>
+                <a:endCxn id="96" idx="3"/>
+              </p:cNvCxnSpPr>
+              <p:nvPr/>
+            </p:nvCxnSpPr>
+            <p:spPr>
+              <a:xfrm rot="5400000">
+                <a:off x="7146793" y="597894"/>
+                <a:ext cx="1062643" cy="3606336"/>
+              </a:xfrm>
+              <a:prstGeom prst="bentConnector2">
+                <a:avLst/>
+              </a:prstGeom>
+              <a:ln w="12700">
+                <a:solidFill>
+                  <a:schemeClr val="tx1"/>
+                </a:solidFill>
+                <a:tailEnd type="triangle"/>
+              </a:ln>
+            </p:spPr>
+            <p:style>
+              <a:lnRef idx="1">
+                <a:schemeClr val="accent1"/>
+              </a:lnRef>
+              <a:fillRef idx="0">
+                <a:schemeClr val="accent1"/>
+              </a:fillRef>
+              <a:effectRef idx="0">
+                <a:schemeClr val="accent1"/>
+              </a:effectRef>
+              <a:fontRef idx="minor">
+                <a:schemeClr val="tx1"/>
+              </a:fontRef>
+            </p:style>
+          </p:cxnSp>
+          <p:cxnSp>
+            <p:nvCxnSpPr>
+              <p:cNvPr id="135" name="肘形连接符 134"/>
+              <p:cNvCxnSpPr>
+                <a:cxnSpLocks/>
+                <a:stCxn id="47" idx="3"/>
+              </p:cNvCxnSpPr>
+              <p:nvPr/>
+            </p:nvCxnSpPr>
+            <p:spPr>
+              <a:xfrm flipV="1">
+                <a:off x="8137782" y="1674094"/>
+                <a:ext cx="667223" cy="533692"/>
+              </a:xfrm>
+              <a:prstGeom prst="bentConnector3">
+                <a:avLst>
+                  <a:gd name="adj1" fmla="val 44483"/>
+                </a:avLst>
+              </a:prstGeom>
+              <a:ln w="12700">
+                <a:solidFill>
+                  <a:schemeClr val="tx1"/>
+                </a:solidFill>
+                <a:tailEnd type="triangle"/>
+              </a:ln>
+            </p:spPr>
+            <p:style>
+              <a:lnRef idx="1">
+                <a:schemeClr val="accent1"/>
+              </a:lnRef>
+              <a:fillRef idx="0">
+                <a:schemeClr val="accent1"/>
+              </a:fillRef>
+              <a:effectRef idx="0">
+                <a:schemeClr val="accent1"/>
+              </a:effectRef>
+              <a:fontRef idx="minor">
+                <a:schemeClr val="tx1"/>
+              </a:fontRef>
+            </p:style>
+          </p:cxnSp>
+          <p:sp>
+            <p:nvSpPr>
+              <p:cNvPr id="147" name="流程图: 磁盘 146"/>
+              <p:cNvSpPr/>
+              <p:nvPr/>
+            </p:nvSpPr>
+            <p:spPr>
+              <a:xfrm>
+                <a:off x="1166555" y="1319053"/>
+                <a:ext cx="1307063" cy="711964"/>
+              </a:xfrm>
+              <a:prstGeom prst="flowChartMagneticDisk">
+                <a:avLst/>
+              </a:prstGeom>
+              <a:noFill/>
+              <a:ln>
+                <a:solidFill>
+                  <a:schemeClr val="tx1"/>
+                </a:solidFill>
+              </a:ln>
+            </p:spPr>
+            <p:style>
+              <a:lnRef idx="2">
+                <a:schemeClr val="accent1">
+                  <a:shade val="50000"/>
+                </a:schemeClr>
+              </a:lnRef>
+              <a:fillRef idx="1">
+                <a:schemeClr val="accent1"/>
+              </a:fillRef>
+              <a:effectRef idx="0">
+                <a:schemeClr val="accent1"/>
+              </a:effectRef>
+              <a:fontRef idx="minor">
+                <a:schemeClr val="lt1"/>
+              </a:fontRef>
+            </p:style>
+            <p:txBody>
+              <a:bodyPr rtlCol="0" anchor="ctr"/>
+              <a:lstStyle/>
+              <a:p>
+                <a:pPr algn="ctr"/>
+                <a:r>
+                  <a:rPr lang="en-US" altLang="zh-CN" sz="1400" dirty="0">
+                    <a:solidFill>
+                      <a:schemeClr val="tx1"/>
+                    </a:solidFill>
+                    <a:latin typeface="Calibri" panose="020F0502020204030204" pitchFamily="34" charset="0"/>
+                    <a:ea typeface="微软雅黑" panose="020B0503020204020204" pitchFamily="34" charset="-122"/>
+                    <a:cs typeface="Calibri" panose="020F0502020204030204" pitchFamily="34" charset="0"/>
+                  </a:rPr>
+                  <a:t>Data in Business System</a:t>
+                </a:r>
+              </a:p>
+            </p:txBody>
+          </p:sp>
+          <p:cxnSp>
+            <p:nvCxnSpPr>
+              <p:cNvPr id="148" name="肘形连接符 147"/>
+              <p:cNvCxnSpPr>
+                <a:cxnSpLocks/>
+                <a:stCxn id="147" idx="4"/>
+                <a:endCxn id="12" idx="1"/>
+              </p:cNvCxnSpPr>
+              <p:nvPr/>
+            </p:nvCxnSpPr>
+            <p:spPr>
+              <a:xfrm flipV="1">
+                <a:off x="2473618" y="1673710"/>
+                <a:ext cx="350361" cy="1325"/>
+              </a:xfrm>
+              <a:prstGeom prst="bentConnector3">
+                <a:avLst>
+                  <a:gd name="adj1" fmla="val 50000"/>
+                </a:avLst>
+              </a:prstGeom>
+              <a:ln w="12700">
+                <a:solidFill>
+                  <a:schemeClr val="tx1"/>
+                </a:solidFill>
+                <a:tailEnd type="triangle"/>
+              </a:ln>
+            </p:spPr>
+            <p:style>
+              <a:lnRef idx="1">
+                <a:schemeClr val="accent1"/>
+              </a:lnRef>
+              <a:fillRef idx="0">
+                <a:schemeClr val="accent1"/>
+              </a:fillRef>
+              <a:effectRef idx="0">
+                <a:schemeClr val="accent1"/>
+              </a:effectRef>
+              <a:fontRef idx="minor">
+                <a:schemeClr val="tx1"/>
+              </a:fontRef>
+            </p:style>
+          </p:cxnSp>
+          <p:sp>
+            <p:nvSpPr>
+              <p:cNvPr id="151" name="流程图: 磁盘 150"/>
+              <p:cNvSpPr/>
+              <p:nvPr/>
+            </p:nvSpPr>
+            <p:spPr>
+              <a:xfrm>
+                <a:off x="1166557" y="2581433"/>
+                <a:ext cx="1307061" cy="718109"/>
+              </a:xfrm>
+              <a:prstGeom prst="flowChartMagneticDisk">
+                <a:avLst/>
+              </a:prstGeom>
+              <a:noFill/>
+              <a:ln>
+                <a:solidFill>
+                  <a:schemeClr val="tx1"/>
+                </a:solidFill>
+              </a:ln>
+            </p:spPr>
+            <p:style>
+              <a:lnRef idx="2">
+                <a:schemeClr val="accent1">
+                  <a:shade val="50000"/>
+                </a:schemeClr>
+              </a:lnRef>
+              <a:fillRef idx="1">
+                <a:schemeClr val="accent1"/>
+              </a:fillRef>
+              <a:effectRef idx="0">
+                <a:schemeClr val="accent1"/>
+              </a:effectRef>
+              <a:fontRef idx="minor">
+                <a:schemeClr val="lt1"/>
+              </a:fontRef>
+            </p:style>
+            <p:txBody>
+              <a:bodyPr rtlCol="0" anchor="ctr"/>
+              <a:lstStyle/>
+              <a:p>
+                <a:pPr algn="ctr"/>
+                <a:r>
+                  <a:rPr lang="en-US" altLang="zh-CN" sz="1400" dirty="0">
+                    <a:solidFill>
+                      <a:schemeClr val="tx1"/>
+                    </a:solidFill>
+                    <a:latin typeface="Calibri" panose="020F0502020204030204" pitchFamily="34" charset="0"/>
+                    <a:ea typeface="微软雅黑" panose="020B0503020204020204" pitchFamily="34" charset="-122"/>
+                    <a:cs typeface="Calibri" panose="020F0502020204030204" pitchFamily="34" charset="0"/>
+                  </a:rPr>
+                  <a:t>Data Warehouse</a:t>
+                </a:r>
+              </a:p>
+              <a:p>
+                <a:pPr algn="ctr"/>
+                <a:r>
+                  <a:rPr lang="en-US" altLang="zh-CN" sz="1400" dirty="0">
+                    <a:solidFill>
+                      <a:schemeClr val="tx1"/>
+                    </a:solidFill>
+                    <a:latin typeface="Calibri" panose="020F0502020204030204" pitchFamily="34" charset="0"/>
+                    <a:ea typeface="微软雅黑" panose="020B0503020204020204" pitchFamily="34" charset="-122"/>
+                    <a:cs typeface="Calibri" panose="020F0502020204030204" pitchFamily="34" charset="0"/>
+                  </a:rPr>
+                  <a:t>HDFS/Hive</a:t>
+                </a:r>
+                <a:endParaRPr lang="zh-CN" altLang="en-US" sz="1400" dirty="0">
+                  <a:solidFill>
+                    <a:schemeClr val="tx1"/>
+                  </a:solidFill>
+                  <a:latin typeface="Calibri" panose="020F0502020204030204" pitchFamily="34" charset="0"/>
+                  <a:ea typeface="微软雅黑" panose="020B0503020204020204" pitchFamily="34" charset="-122"/>
+                  <a:cs typeface="Calibri" panose="020F0502020204030204" pitchFamily="34" charset="0"/>
+                </a:endParaRPr>
+              </a:p>
+            </p:txBody>
+          </p:sp>
+          <p:cxnSp>
+            <p:nvCxnSpPr>
+              <p:cNvPr id="152" name="肘形连接符 151"/>
+              <p:cNvCxnSpPr>
+                <a:cxnSpLocks/>
+                <a:stCxn id="96" idx="1"/>
+                <a:endCxn id="151" idx="4"/>
+              </p:cNvCxnSpPr>
+              <p:nvPr/>
+            </p:nvCxnSpPr>
+            <p:spPr>
+              <a:xfrm rot="10800000" flipV="1">
+                <a:off x="2473618" y="2932384"/>
+                <a:ext cx="1888113" cy="8104"/>
+              </a:xfrm>
+              <a:prstGeom prst="bentConnector3">
+                <a:avLst>
+                  <a:gd name="adj1" fmla="val 50000"/>
+                </a:avLst>
+              </a:prstGeom>
+              <a:ln w="12700">
+                <a:solidFill>
+                  <a:schemeClr val="tx1"/>
+                </a:solidFill>
+                <a:tailEnd type="triangle"/>
+              </a:ln>
+            </p:spPr>
+            <p:style>
+              <a:lnRef idx="1">
+                <a:schemeClr val="accent1"/>
+              </a:lnRef>
+              <a:fillRef idx="0">
+                <a:schemeClr val="accent1"/>
+              </a:fillRef>
+              <a:effectRef idx="0">
+                <a:schemeClr val="accent1"/>
+              </a:effectRef>
+              <a:fontRef idx="minor">
+                <a:schemeClr val="tx1"/>
+              </a:fontRef>
+            </p:style>
+          </p:cxnSp>
+          <p:sp>
+            <p:nvSpPr>
+              <p:cNvPr id="155" name="矩形 154"/>
+              <p:cNvSpPr/>
+              <p:nvPr/>
+            </p:nvSpPr>
+            <p:spPr>
+              <a:xfrm>
+                <a:off x="6582577" y="3461486"/>
+                <a:ext cx="1426087" cy="454662"/>
+              </a:xfrm>
+              <a:prstGeom prst="rect">
+                <a:avLst/>
+              </a:prstGeom>
+              <a:noFill/>
+              <a:ln>
+                <a:solidFill>
+                  <a:schemeClr val="tx1"/>
+                </a:solidFill>
+              </a:ln>
+            </p:spPr>
+            <p:style>
+              <a:lnRef idx="2">
+                <a:schemeClr val="accent1">
+                  <a:shade val="50000"/>
+                </a:schemeClr>
+              </a:lnRef>
+              <a:fillRef idx="1">
+                <a:schemeClr val="accent1"/>
+              </a:fillRef>
+              <a:effectRef idx="0">
+                <a:schemeClr val="accent1"/>
+              </a:effectRef>
+              <a:fontRef idx="minor">
+                <a:schemeClr val="lt1"/>
+              </a:fontRef>
+            </p:style>
+            <p:txBody>
+              <a:bodyPr rtlCol="0" anchor="ctr"/>
+              <a:lstStyle/>
+              <a:p>
+                <a:pPr algn="ctr"/>
+                <a:r>
+                  <a:rPr lang="en-US" altLang="zh-CN" sz="1400" dirty="0">
+                    <a:solidFill>
+                      <a:schemeClr val="tx1"/>
+                    </a:solidFill>
+                    <a:latin typeface="Calibri" panose="020F0502020204030204" pitchFamily="34" charset="0"/>
+                    <a:ea typeface="微软雅黑" panose="020B0503020204020204" pitchFamily="34" charset="-122"/>
+                    <a:cs typeface="Calibri" panose="020F0502020204030204" pitchFamily="34" charset="0"/>
+                  </a:rPr>
+                  <a:t>Create Target Table in Report DB</a:t>
+                </a:r>
+                <a:endParaRPr lang="zh-CN" altLang="en-US" sz="1400" dirty="0">
+                  <a:solidFill>
+                    <a:schemeClr val="tx1"/>
+                  </a:solidFill>
+                  <a:latin typeface="Calibri" panose="020F0502020204030204" pitchFamily="34" charset="0"/>
+                  <a:ea typeface="微软雅黑" panose="020B0503020204020204" pitchFamily="34" charset="-122"/>
+                  <a:cs typeface="Calibri" panose="020F0502020204030204" pitchFamily="34" charset="0"/>
+                </a:endParaRPr>
+              </a:p>
+            </p:txBody>
+          </p:sp>
+          <p:cxnSp>
+            <p:nvCxnSpPr>
+              <p:cNvPr id="156" name="肘形连接符 155"/>
+              <p:cNvCxnSpPr>
+                <a:cxnSpLocks/>
+                <a:stCxn id="151" idx="3"/>
+                <a:endCxn id="155" idx="1"/>
+              </p:cNvCxnSpPr>
+              <p:nvPr/>
+            </p:nvCxnSpPr>
+            <p:spPr>
+              <a:xfrm rot="16200000" flipH="1">
+                <a:off x="4006695" y="1112935"/>
+                <a:ext cx="389275" cy="4762489"/>
+              </a:xfrm>
+              <a:prstGeom prst="bentConnector2">
+                <a:avLst/>
+              </a:prstGeom>
+              <a:ln w="12700">
+                <a:solidFill>
+                  <a:schemeClr val="tx1"/>
+                </a:solidFill>
+                <a:tailEnd type="triangle"/>
+              </a:ln>
+            </p:spPr>
+            <p:style>
+              <a:lnRef idx="1">
+                <a:schemeClr val="accent1"/>
+              </a:lnRef>
+              <a:fillRef idx="0">
+                <a:schemeClr val="accent1"/>
+              </a:fillRef>
+              <a:effectRef idx="0">
+                <a:schemeClr val="accent1"/>
+              </a:effectRef>
+              <a:fontRef idx="minor">
+                <a:schemeClr val="tx1"/>
+              </a:fontRef>
+            </p:style>
+          </p:cxnSp>
+          <p:sp>
+            <p:nvSpPr>
+              <p:cNvPr id="160" name="矩形 159"/>
+              <p:cNvSpPr/>
+              <p:nvPr/>
+            </p:nvSpPr>
+            <p:spPr>
+              <a:xfrm>
+                <a:off x="6571563" y="4326602"/>
+                <a:ext cx="1437102" cy="454662"/>
+              </a:xfrm>
+              <a:prstGeom prst="rect">
+                <a:avLst/>
+              </a:prstGeom>
+              <a:noFill/>
+              <a:ln>
+                <a:solidFill>
+                  <a:schemeClr val="tx1"/>
+                </a:solidFill>
+              </a:ln>
+            </p:spPr>
+            <p:style>
+              <a:lnRef idx="2">
+                <a:schemeClr val="accent1">
+                  <a:shade val="50000"/>
+                </a:schemeClr>
+              </a:lnRef>
+              <a:fillRef idx="1">
+                <a:schemeClr val="accent1"/>
+              </a:fillRef>
+              <a:effectRef idx="0">
+                <a:schemeClr val="accent1"/>
+              </a:effectRef>
+              <a:fontRef idx="minor">
+                <a:schemeClr val="lt1"/>
+              </a:fontRef>
+            </p:style>
+            <p:txBody>
+              <a:bodyPr rtlCol="0" anchor="ctr"/>
+              <a:lstStyle/>
+              <a:p>
+                <a:pPr algn="ctr"/>
+                <a:r>
+                  <a:rPr lang="en-US" altLang="zh-CN" sz="1400" dirty="0">
+                    <a:solidFill>
+                      <a:schemeClr val="tx1"/>
+                    </a:solidFill>
+                    <a:latin typeface="Calibri" panose="020F0502020204030204" pitchFamily="34" charset="0"/>
+                    <a:ea typeface="微软雅黑" panose="020B0503020204020204" pitchFamily="34" charset="-122"/>
+                    <a:cs typeface="Calibri" panose="020F0502020204030204" pitchFamily="34" charset="0"/>
+                  </a:rPr>
+                  <a:t>Sync Table Data to Report DB</a:t>
+                </a:r>
+                <a:endParaRPr lang="zh-CN" altLang="en-US" sz="1400" dirty="0">
+                  <a:solidFill>
+                    <a:schemeClr val="tx1"/>
+                  </a:solidFill>
+                  <a:latin typeface="Calibri" panose="020F0502020204030204" pitchFamily="34" charset="0"/>
+                  <a:ea typeface="微软雅黑" panose="020B0503020204020204" pitchFamily="34" charset="-122"/>
+                  <a:cs typeface="Calibri" panose="020F0502020204030204" pitchFamily="34" charset="0"/>
+                </a:endParaRPr>
+              </a:p>
+            </p:txBody>
+          </p:sp>
+          <p:sp>
+            <p:nvSpPr>
+              <p:cNvPr id="161" name="流程图: 可选过程 160"/>
+              <p:cNvSpPr/>
+              <p:nvPr/>
+            </p:nvSpPr>
+            <p:spPr>
+              <a:xfrm>
+                <a:off x="4361732" y="5023336"/>
+                <a:ext cx="1488839" cy="389276"/>
+              </a:xfrm>
+              <a:prstGeom prst="flowChartAlternateProcess">
+                <a:avLst/>
+              </a:prstGeom>
+              <a:noFill/>
+              <a:ln>
+                <a:solidFill>
+                  <a:schemeClr val="tx1"/>
+                </a:solidFill>
+                <a:prstDash val="dash"/>
+              </a:ln>
+            </p:spPr>
+            <p:style>
+              <a:lnRef idx="2">
+                <a:schemeClr val="accent1">
+                  <a:shade val="50000"/>
+                </a:schemeClr>
+              </a:lnRef>
+              <a:fillRef idx="1">
+                <a:schemeClr val="accent1"/>
+              </a:fillRef>
+              <a:effectRef idx="0">
+                <a:schemeClr val="accent1"/>
+              </a:effectRef>
+              <a:fontRef idx="minor">
+                <a:schemeClr val="lt1"/>
+              </a:fontRef>
+            </p:style>
+            <p:txBody>
+              <a:bodyPr rtlCol="0" anchor="ctr"/>
+              <a:lstStyle/>
+              <a:p>
+                <a:pPr algn="ctr"/>
+                <a:r>
+                  <a:rPr lang="en-US" altLang="zh-CN" sz="1400" dirty="0">
+                    <a:solidFill>
+                      <a:schemeClr val="tx1"/>
+                    </a:solidFill>
+                    <a:latin typeface="Calibri" panose="020F0502020204030204" pitchFamily="34" charset="0"/>
+                    <a:ea typeface="微软雅黑" panose="020B0503020204020204" pitchFamily="34" charset="-122"/>
+                    <a:cs typeface="Calibri" panose="020F0502020204030204" pitchFamily="34" charset="0"/>
+                  </a:rPr>
+                  <a:t>Check Synchronized Data</a:t>
+                </a:r>
+                <a:endParaRPr lang="zh-CN" altLang="en-US" sz="1400" dirty="0">
+                  <a:solidFill>
+                    <a:schemeClr val="tx1"/>
+                  </a:solidFill>
+                  <a:latin typeface="Calibri" panose="020F0502020204030204" pitchFamily="34" charset="0"/>
+                  <a:ea typeface="微软雅黑" panose="020B0503020204020204" pitchFamily="34" charset="-122"/>
+                  <a:cs typeface="Calibri" panose="020F0502020204030204" pitchFamily="34" charset="0"/>
+                </a:endParaRPr>
+              </a:p>
+            </p:txBody>
+          </p:sp>
+          <p:sp>
+            <p:nvSpPr>
+              <p:cNvPr id="165" name="矩形 164"/>
+              <p:cNvSpPr/>
+              <p:nvPr/>
+            </p:nvSpPr>
+            <p:spPr>
+              <a:xfrm>
+                <a:off x="10705414" y="5722502"/>
+                <a:ext cx="1181100" cy="390525"/>
+              </a:xfrm>
+              <a:prstGeom prst="rect">
+                <a:avLst/>
+              </a:prstGeom>
+              <a:noFill/>
+              <a:ln>
+                <a:solidFill>
+                  <a:schemeClr val="tx1"/>
+                </a:solidFill>
+              </a:ln>
+            </p:spPr>
+            <p:style>
+              <a:lnRef idx="2">
+                <a:schemeClr val="accent1">
+                  <a:shade val="50000"/>
+                </a:schemeClr>
+              </a:lnRef>
+              <a:fillRef idx="1">
+                <a:schemeClr val="accent1"/>
+              </a:fillRef>
+              <a:effectRef idx="0">
+                <a:schemeClr val="accent1"/>
+              </a:effectRef>
+              <a:fontRef idx="minor">
+                <a:schemeClr val="lt1"/>
+              </a:fontRef>
+            </p:style>
+            <p:txBody>
+              <a:bodyPr rtlCol="0" anchor="ctr"/>
+              <a:lstStyle/>
+              <a:p>
+                <a:pPr algn="ctr"/>
+                <a:r>
+                  <a:rPr lang="en-US" altLang="zh-CN" sz="1400" dirty="0">
+                    <a:solidFill>
+                      <a:schemeClr val="tx1"/>
+                    </a:solidFill>
+                    <a:latin typeface="Calibri" panose="020F0502020204030204" pitchFamily="34" charset="0"/>
+                    <a:ea typeface="微软雅黑" panose="020B0503020204020204" pitchFamily="34" charset="-122"/>
+                    <a:cs typeface="Calibri" panose="020F0502020204030204" pitchFamily="34" charset="0"/>
+                  </a:rPr>
+                  <a:t>Create Report</a:t>
+                </a:r>
+                <a:endParaRPr lang="zh-CN" altLang="en-US" sz="1400" dirty="0">
+                  <a:solidFill>
+                    <a:schemeClr val="tx1"/>
+                  </a:solidFill>
+                  <a:latin typeface="Calibri" panose="020F0502020204030204" pitchFamily="34" charset="0"/>
+                  <a:ea typeface="微软雅黑" panose="020B0503020204020204" pitchFamily="34" charset="-122"/>
+                  <a:cs typeface="Calibri" panose="020F0502020204030204" pitchFamily="34" charset="0"/>
+                </a:endParaRPr>
+              </a:p>
+            </p:txBody>
+          </p:sp>
+          <p:cxnSp>
+            <p:nvCxnSpPr>
+              <p:cNvPr id="166" name="肘形连接符 165"/>
+              <p:cNvCxnSpPr>
+                <a:stCxn id="168" idx="3"/>
+                <a:endCxn id="165" idx="1"/>
+              </p:cNvCxnSpPr>
+              <p:nvPr/>
+            </p:nvCxnSpPr>
+            <p:spPr>
+              <a:xfrm rot="16200000" flipH="1">
+                <a:off x="6060684" y="1273035"/>
+                <a:ext cx="334250" cy="8955209"/>
+              </a:xfrm>
+              <a:prstGeom prst="bentConnector2">
+                <a:avLst/>
+              </a:prstGeom>
+              <a:ln w="12700">
+                <a:solidFill>
+                  <a:schemeClr val="tx1"/>
+                </a:solidFill>
+                <a:tailEnd type="triangle"/>
+              </a:ln>
+            </p:spPr>
+            <p:style>
+              <a:lnRef idx="1">
+                <a:schemeClr val="accent1"/>
+              </a:lnRef>
+              <a:fillRef idx="0">
+                <a:schemeClr val="accent1"/>
+              </a:fillRef>
+              <a:effectRef idx="0">
+                <a:schemeClr val="accent1"/>
+              </a:effectRef>
+              <a:fontRef idx="minor">
+                <a:schemeClr val="tx1"/>
+              </a:fontRef>
+            </p:style>
+          </p:cxnSp>
+          <p:sp>
+            <p:nvSpPr>
+              <p:cNvPr id="168" name="流程图: 磁盘 167"/>
+              <p:cNvSpPr/>
+              <p:nvPr/>
+            </p:nvSpPr>
+            <p:spPr>
+              <a:xfrm>
+                <a:off x="1168893" y="4850499"/>
+                <a:ext cx="1162624" cy="733016"/>
+              </a:xfrm>
+              <a:prstGeom prst="flowChartMagneticDisk">
+                <a:avLst/>
+              </a:prstGeom>
+              <a:noFill/>
+              <a:ln>
+                <a:solidFill>
+                  <a:schemeClr val="tx1"/>
+                </a:solidFill>
+              </a:ln>
+            </p:spPr>
+            <p:style>
+              <a:lnRef idx="2">
+                <a:schemeClr val="accent1">
+                  <a:shade val="50000"/>
+                </a:schemeClr>
+              </a:lnRef>
+              <a:fillRef idx="1">
+                <a:schemeClr val="accent1"/>
+              </a:fillRef>
+              <a:effectRef idx="0">
+                <a:schemeClr val="accent1"/>
+              </a:effectRef>
+              <a:fontRef idx="minor">
+                <a:schemeClr val="lt1"/>
+              </a:fontRef>
+            </p:style>
+            <p:txBody>
+              <a:bodyPr rtlCol="0" anchor="ctr"/>
+              <a:lstStyle/>
+              <a:p>
+                <a:pPr algn="ctr"/>
+                <a:r>
+                  <a:rPr lang="en-US" altLang="zh-CN" sz="1400" dirty="0">
+                    <a:solidFill>
+                      <a:schemeClr val="tx1"/>
+                    </a:solidFill>
+                    <a:latin typeface="Calibri" panose="020F0502020204030204" pitchFamily="34" charset="0"/>
+                    <a:ea typeface="微软雅黑" panose="020B0503020204020204" pitchFamily="34" charset="-122"/>
+                    <a:cs typeface="Calibri" panose="020F0502020204030204" pitchFamily="34" charset="0"/>
+                  </a:rPr>
+                  <a:t>Report DB</a:t>
+                </a:r>
+              </a:p>
+              <a:p>
+                <a:pPr algn="ctr"/>
+                <a:r>
+                  <a:rPr lang="en-US" altLang="zh-CN" sz="1400" dirty="0">
+                    <a:solidFill>
+                      <a:schemeClr val="tx1"/>
+                    </a:solidFill>
+                    <a:latin typeface="Calibri" panose="020F0502020204030204" pitchFamily="34" charset="0"/>
+                    <a:ea typeface="微软雅黑" panose="020B0503020204020204" pitchFamily="34" charset="-122"/>
+                    <a:cs typeface="Calibri" panose="020F0502020204030204" pitchFamily="34" charset="0"/>
+                  </a:rPr>
+                  <a:t>MySQL</a:t>
+                </a:r>
+                <a:endParaRPr lang="zh-CN" altLang="en-US" sz="1400" dirty="0">
+                  <a:solidFill>
+                    <a:schemeClr val="tx1"/>
+                  </a:solidFill>
+                  <a:latin typeface="Calibri" panose="020F0502020204030204" pitchFamily="34" charset="0"/>
+                  <a:ea typeface="微软雅黑" panose="020B0503020204020204" pitchFamily="34" charset="-122"/>
+                  <a:cs typeface="Calibri" panose="020F0502020204030204" pitchFamily="34" charset="0"/>
+                </a:endParaRPr>
+              </a:p>
+            </p:txBody>
+          </p:sp>
+          <p:cxnSp>
+            <p:nvCxnSpPr>
+              <p:cNvPr id="183" name="肘形连接符 182"/>
+              <p:cNvCxnSpPr>
+                <a:cxnSpLocks/>
+                <a:stCxn id="161" idx="1"/>
+                <a:endCxn id="168" idx="4"/>
+              </p:cNvCxnSpPr>
+              <p:nvPr/>
+            </p:nvCxnSpPr>
+            <p:spPr>
+              <a:xfrm rot="10800000">
+                <a:off x="2331517" y="5217008"/>
+                <a:ext cx="2030215" cy="967"/>
+              </a:xfrm>
+              <a:prstGeom prst="bentConnector3">
+                <a:avLst>
+                  <a:gd name="adj1" fmla="val 50000"/>
+                </a:avLst>
+              </a:prstGeom>
+              <a:ln w="12700">
+                <a:solidFill>
+                  <a:schemeClr val="tx1"/>
+                </a:solidFill>
+                <a:tailEnd type="triangle"/>
+              </a:ln>
+            </p:spPr>
+            <p:style>
+              <a:lnRef idx="1">
+                <a:schemeClr val="accent1"/>
+              </a:lnRef>
+              <a:fillRef idx="0">
+                <a:schemeClr val="accent1"/>
+              </a:fillRef>
+              <a:effectRef idx="0">
+                <a:schemeClr val="accent1"/>
+              </a:effectRef>
+              <a:fontRef idx="minor">
+                <a:schemeClr val="tx1"/>
+              </a:fontRef>
+            </p:style>
+          </p:cxnSp>
+          <p:cxnSp>
+            <p:nvCxnSpPr>
+              <p:cNvPr id="228" name="直接箭头连接符 227"/>
+              <p:cNvCxnSpPr>
+                <a:cxnSpLocks/>
+                <a:stCxn id="155" idx="2"/>
+                <a:endCxn id="160" idx="0"/>
+              </p:cNvCxnSpPr>
+              <p:nvPr/>
+            </p:nvCxnSpPr>
+            <p:spPr>
+              <a:xfrm flipH="1">
+                <a:off x="7290114" y="3916148"/>
+                <a:ext cx="5507" cy="410454"/>
+              </a:xfrm>
+              <a:prstGeom prst="straightConnector1">
+                <a:avLst/>
+              </a:prstGeom>
+              <a:ln w="12700">
+                <a:solidFill>
+                  <a:schemeClr val="tx1"/>
+                </a:solidFill>
+                <a:tailEnd type="triangle"/>
+              </a:ln>
+            </p:spPr>
+            <p:style>
+              <a:lnRef idx="1">
+                <a:schemeClr val="accent1"/>
+              </a:lnRef>
+              <a:fillRef idx="0">
+                <a:schemeClr val="accent1"/>
+              </a:fillRef>
+              <a:effectRef idx="0">
+                <a:schemeClr val="accent1"/>
+              </a:effectRef>
+              <a:fontRef idx="minor">
+                <a:schemeClr val="tx1"/>
+              </a:fontRef>
+            </p:style>
+          </p:cxnSp>
+          <p:cxnSp>
+            <p:nvCxnSpPr>
+              <p:cNvPr id="232" name="肘形连接符 231"/>
+              <p:cNvCxnSpPr>
+                <a:cxnSpLocks/>
+                <a:stCxn id="243" idx="2"/>
+                <a:endCxn id="161" idx="3"/>
+              </p:cNvCxnSpPr>
+              <p:nvPr/>
+            </p:nvCxnSpPr>
+            <p:spPr>
+              <a:xfrm rot="5400000">
+                <a:off x="7452097" y="3179738"/>
+                <a:ext cx="436710" cy="3639762"/>
+              </a:xfrm>
+              <a:prstGeom prst="bentConnector2">
+                <a:avLst/>
+              </a:prstGeom>
+              <a:ln w="12700">
+                <a:solidFill>
+                  <a:schemeClr val="tx1"/>
+                </a:solidFill>
+                <a:tailEnd type="triangle"/>
+              </a:ln>
+            </p:spPr>
+            <p:style>
+              <a:lnRef idx="1">
+                <a:schemeClr val="accent1"/>
+              </a:lnRef>
+              <a:fillRef idx="0">
+                <a:schemeClr val="accent1"/>
+              </a:fillRef>
+              <a:effectRef idx="0">
+                <a:schemeClr val="accent1"/>
+              </a:effectRef>
+              <a:fontRef idx="minor">
+                <a:schemeClr val="tx1"/>
+              </a:fontRef>
+            </p:style>
+          </p:cxnSp>
+          <p:sp>
+            <p:nvSpPr>
+              <p:cNvPr id="242" name="流程图: 可选过程 241"/>
+              <p:cNvSpPr/>
+              <p:nvPr/>
+            </p:nvSpPr>
+            <p:spPr>
+              <a:xfrm>
+                <a:off x="8803076" y="1478447"/>
+                <a:ext cx="1356412" cy="391294"/>
+              </a:xfrm>
+              <a:prstGeom prst="flowChartAlternateProcess">
+                <a:avLst/>
+              </a:prstGeom>
+              <a:noFill/>
+              <a:ln>
+                <a:solidFill>
+                  <a:schemeClr val="tx1"/>
+                </a:solidFill>
+                <a:prstDash val="dash"/>
+              </a:ln>
+            </p:spPr>
+            <p:style>
+              <a:lnRef idx="2">
+                <a:schemeClr val="accent1">
+                  <a:shade val="50000"/>
+                </a:schemeClr>
+              </a:lnRef>
+              <a:fillRef idx="1">
+                <a:schemeClr val="accent1"/>
+              </a:fillRef>
+              <a:effectRef idx="0">
+                <a:schemeClr val="accent1"/>
+              </a:effectRef>
+              <a:fontRef idx="minor">
+                <a:schemeClr val="lt1"/>
+              </a:fontRef>
+            </p:style>
+            <p:txBody>
+              <a:bodyPr rtlCol="0" anchor="ctr"/>
+              <a:lstStyle/>
+              <a:p>
+                <a:pPr algn="ctr"/>
+                <a:r>
+                  <a:rPr lang="en-US" altLang="zh-CN" sz="1400" dirty="0">
+                    <a:solidFill>
+                      <a:schemeClr val="tx1"/>
+                    </a:solidFill>
+                    <a:latin typeface="Calibri" panose="020F0502020204030204" pitchFamily="34" charset="0"/>
+                    <a:ea typeface="微软雅黑" panose="020B0503020204020204" pitchFamily="34" charset="-122"/>
+                    <a:cs typeface="Calibri" panose="020F0502020204030204" pitchFamily="34" charset="0"/>
+                  </a:rPr>
+                  <a:t>Check Task Status</a:t>
+                </a:r>
+                <a:endParaRPr lang="zh-CN" altLang="en-US" sz="1400" dirty="0">
+                  <a:solidFill>
+                    <a:schemeClr val="tx1"/>
+                  </a:solidFill>
+                  <a:latin typeface="Calibri" panose="020F0502020204030204" pitchFamily="34" charset="0"/>
+                  <a:ea typeface="微软雅黑" panose="020B0503020204020204" pitchFamily="34" charset="-122"/>
+                  <a:cs typeface="Calibri" panose="020F0502020204030204" pitchFamily="34" charset="0"/>
+                </a:endParaRPr>
+              </a:p>
+            </p:txBody>
+          </p:sp>
+          <p:sp>
+            <p:nvSpPr>
+              <p:cNvPr id="243" name="流程图: 可选过程 242"/>
+              <p:cNvSpPr/>
+              <p:nvPr/>
+            </p:nvSpPr>
+            <p:spPr>
+              <a:xfrm>
+                <a:off x="8812127" y="4326602"/>
+                <a:ext cx="1356412" cy="454662"/>
+              </a:xfrm>
+              <a:prstGeom prst="flowChartAlternateProcess">
+                <a:avLst/>
+              </a:prstGeom>
+              <a:noFill/>
+              <a:ln>
+                <a:solidFill>
+                  <a:schemeClr val="tx1"/>
+                </a:solidFill>
+                <a:prstDash val="dash"/>
+              </a:ln>
+            </p:spPr>
+            <p:style>
+              <a:lnRef idx="2">
+                <a:schemeClr val="accent1">
+                  <a:shade val="50000"/>
+                </a:schemeClr>
+              </a:lnRef>
+              <a:fillRef idx="1">
+                <a:schemeClr val="accent1"/>
+              </a:fillRef>
+              <a:effectRef idx="0">
+                <a:schemeClr val="accent1"/>
+              </a:effectRef>
+              <a:fontRef idx="minor">
+                <a:schemeClr val="lt1"/>
+              </a:fontRef>
+            </p:style>
+            <p:txBody>
+              <a:bodyPr rtlCol="0" anchor="ctr"/>
+              <a:lstStyle/>
+              <a:p>
+                <a:pPr algn="ctr"/>
+                <a:r>
+                  <a:rPr lang="en-US" altLang="zh-CN" sz="1400" dirty="0">
+                    <a:solidFill>
+                      <a:schemeClr val="tx1"/>
+                    </a:solidFill>
+                    <a:latin typeface="Calibri" panose="020F0502020204030204" pitchFamily="34" charset="0"/>
+                    <a:ea typeface="微软雅黑" panose="020B0503020204020204" pitchFamily="34" charset="-122"/>
+                    <a:cs typeface="Calibri" panose="020F0502020204030204" pitchFamily="34" charset="0"/>
+                  </a:rPr>
+                  <a:t>Check Task Status</a:t>
+                </a:r>
+                <a:endParaRPr lang="zh-CN" altLang="en-US" sz="1400" dirty="0">
+                  <a:solidFill>
+                    <a:schemeClr val="tx1"/>
+                  </a:solidFill>
+                  <a:latin typeface="Calibri" panose="020F0502020204030204" pitchFamily="34" charset="0"/>
+                  <a:ea typeface="微软雅黑" panose="020B0503020204020204" pitchFamily="34" charset="-122"/>
+                  <a:cs typeface="Calibri" panose="020F0502020204030204" pitchFamily="34" charset="0"/>
+                </a:endParaRPr>
+              </a:p>
+            </p:txBody>
+          </p:sp>
+          <p:cxnSp>
+            <p:nvCxnSpPr>
+              <p:cNvPr id="252" name="直接连接符 251"/>
+              <p:cNvCxnSpPr/>
+              <p:nvPr/>
+            </p:nvCxnSpPr>
+            <p:spPr>
+              <a:xfrm flipH="1">
+                <a:off x="4178463" y="23149"/>
+                <a:ext cx="34724" cy="6308202"/>
+              </a:xfrm>
+              <a:prstGeom prst="line">
+                <a:avLst/>
+              </a:prstGeom>
+              <a:ln>
+                <a:prstDash val="dash"/>
+              </a:ln>
+            </p:spPr>
+            <p:style>
+              <a:lnRef idx="1">
+                <a:schemeClr val="accent1"/>
+              </a:lnRef>
+              <a:fillRef idx="0">
+                <a:schemeClr val="accent1"/>
+              </a:fillRef>
+              <a:effectRef idx="0">
+                <a:schemeClr val="accent1"/>
+              </a:effectRef>
+              <a:fontRef idx="minor">
+                <a:schemeClr val="tx1"/>
+              </a:fontRef>
+            </p:style>
+          </p:cxnSp>
+          <p:cxnSp>
+            <p:nvCxnSpPr>
+              <p:cNvPr id="253" name="直接连接符 252"/>
+              <p:cNvCxnSpPr/>
+              <p:nvPr/>
+            </p:nvCxnSpPr>
+            <p:spPr>
+              <a:xfrm flipH="1">
+                <a:off x="6055883" y="23149"/>
+                <a:ext cx="34724" cy="6308202"/>
+              </a:xfrm>
+              <a:prstGeom prst="line">
+                <a:avLst/>
+              </a:prstGeom>
+              <a:ln>
+                <a:prstDash val="dash"/>
+              </a:ln>
+            </p:spPr>
+            <p:style>
+              <a:lnRef idx="1">
+                <a:schemeClr val="accent1"/>
+              </a:lnRef>
+              <a:fillRef idx="0">
+                <a:schemeClr val="accent1"/>
+              </a:fillRef>
+              <a:effectRef idx="0">
+                <a:schemeClr val="accent1"/>
+              </a:effectRef>
+              <a:fontRef idx="minor">
+                <a:schemeClr val="tx1"/>
+              </a:fontRef>
+            </p:style>
+          </p:cxnSp>
+          <p:cxnSp>
+            <p:nvCxnSpPr>
+              <p:cNvPr id="254" name="直接连接符 253"/>
+              <p:cNvCxnSpPr/>
+              <p:nvPr/>
+            </p:nvCxnSpPr>
+            <p:spPr>
+              <a:xfrm flipH="1">
+                <a:off x="8572003" y="0"/>
+                <a:ext cx="34724" cy="6308202"/>
+              </a:xfrm>
+              <a:prstGeom prst="line">
+                <a:avLst/>
+              </a:prstGeom>
+              <a:ln>
+                <a:prstDash val="dash"/>
+              </a:ln>
+            </p:spPr>
+            <p:style>
+              <a:lnRef idx="1">
+                <a:schemeClr val="accent1"/>
+              </a:lnRef>
+              <a:fillRef idx="0">
+                <a:schemeClr val="accent1"/>
+              </a:fillRef>
+              <a:effectRef idx="0">
+                <a:schemeClr val="accent1"/>
+              </a:effectRef>
+              <a:fontRef idx="minor">
+                <a:schemeClr val="tx1"/>
+              </a:fontRef>
+            </p:style>
+          </p:cxnSp>
+          <p:cxnSp>
+            <p:nvCxnSpPr>
+              <p:cNvPr id="255" name="直接连接符 254"/>
+              <p:cNvCxnSpPr/>
+              <p:nvPr/>
+            </p:nvCxnSpPr>
+            <p:spPr>
+              <a:xfrm flipH="1">
+                <a:off x="10395885" y="23149"/>
+                <a:ext cx="34724" cy="6308202"/>
+              </a:xfrm>
+              <a:prstGeom prst="line">
+                <a:avLst/>
+              </a:prstGeom>
+              <a:ln>
+                <a:prstDash val="dash"/>
+              </a:ln>
+            </p:spPr>
+            <p:style>
+              <a:lnRef idx="1">
+                <a:schemeClr val="accent1"/>
+              </a:lnRef>
+              <a:fillRef idx="0">
+                <a:schemeClr val="accent1"/>
+              </a:fillRef>
+              <a:effectRef idx="0">
+                <a:schemeClr val="accent1"/>
+              </a:effectRef>
+              <a:fontRef idx="minor">
+                <a:schemeClr val="tx1"/>
+              </a:fontRef>
+            </p:style>
+          </p:cxnSp>
+          <p:sp>
+            <p:nvSpPr>
+              <p:cNvPr id="257" name="矩形 256"/>
+              <p:cNvSpPr/>
+              <p:nvPr/>
+            </p:nvSpPr>
+            <p:spPr>
+              <a:xfrm>
+                <a:off x="7097929" y="6574420"/>
+                <a:ext cx="910735" cy="209348"/>
+              </a:xfrm>
+              <a:prstGeom prst="rect">
+                <a:avLst/>
+              </a:prstGeom>
+              <a:ln>
+                <a:noFill/>
+              </a:ln>
+            </p:spPr>
+            <p:style>
+              <a:lnRef idx="2">
+                <a:schemeClr val="accent1">
+                  <a:shade val="50000"/>
+                </a:schemeClr>
+              </a:lnRef>
+              <a:fillRef idx="1">
+                <a:schemeClr val="accent1"/>
+              </a:fillRef>
+              <a:effectRef idx="0">
+                <a:schemeClr val="accent1"/>
+              </a:effectRef>
+              <a:fontRef idx="minor">
+                <a:schemeClr val="lt1"/>
+              </a:fontRef>
+            </p:style>
+            <p:txBody>
+              <a:bodyPr rtlCol="0" anchor="ctr"/>
+              <a:lstStyle/>
+              <a:p>
+                <a:pPr algn="ctr"/>
+                <a:r>
+                  <a:rPr lang="en-US" altLang="zh-CN" sz="1200" dirty="0">
+                    <a:ea typeface="微软雅黑" panose="020B0503020204020204" pitchFamily="34" charset="-122"/>
+                  </a:rPr>
+                  <a:t>Modules</a:t>
+                </a:r>
+                <a:endParaRPr lang="zh-CN" altLang="en-US" sz="1200" dirty="0">
+                  <a:ea typeface="微软雅黑" panose="020B0503020204020204" pitchFamily="34" charset="-122"/>
+                </a:endParaRPr>
+              </a:p>
+            </p:txBody>
+          </p:sp>
+          <p:sp>
+            <p:nvSpPr>
+              <p:cNvPr id="261" name="矩形 260"/>
+              <p:cNvSpPr/>
+              <p:nvPr/>
+            </p:nvSpPr>
+            <p:spPr>
+              <a:xfrm>
+                <a:off x="8249821" y="6555550"/>
+                <a:ext cx="910735" cy="218492"/>
+              </a:xfrm>
+              <a:prstGeom prst="rect">
+                <a:avLst/>
+              </a:prstGeom>
+              <a:noFill/>
+              <a:ln>
+                <a:solidFill>
+                  <a:schemeClr val="tx1"/>
+                </a:solidFill>
+              </a:ln>
+            </p:spPr>
+            <p:style>
+              <a:lnRef idx="2">
+                <a:schemeClr val="accent1">
+                  <a:shade val="50000"/>
+                </a:schemeClr>
+              </a:lnRef>
+              <a:fillRef idx="1">
+                <a:schemeClr val="accent1"/>
+              </a:fillRef>
+              <a:effectRef idx="0">
+                <a:schemeClr val="accent1"/>
+              </a:effectRef>
+              <a:fontRef idx="minor">
+                <a:schemeClr val="lt1"/>
+              </a:fontRef>
+            </p:style>
+            <p:txBody>
+              <a:bodyPr rtlCol="0" anchor="ctr"/>
+              <a:lstStyle/>
+              <a:p>
+                <a:pPr algn="ctr"/>
+                <a:r>
+                  <a:rPr lang="en-US" altLang="zh-CN" sz="1200" dirty="0">
+                    <a:solidFill>
+                      <a:schemeClr val="tx1"/>
+                    </a:solidFill>
+                    <a:latin typeface="Calibri" panose="020F0502020204030204" pitchFamily="34" charset="0"/>
+                    <a:ea typeface="微软雅黑" panose="020B0503020204020204" pitchFamily="34" charset="-122"/>
+                    <a:cs typeface="Calibri" panose="020F0502020204030204" pitchFamily="34" charset="0"/>
+                  </a:rPr>
+                  <a:t>Tasks</a:t>
+                </a:r>
+                <a:endParaRPr lang="zh-CN" altLang="en-US" sz="1200" dirty="0">
+                  <a:solidFill>
+                    <a:schemeClr val="tx1"/>
+                  </a:solidFill>
+                  <a:latin typeface="Calibri" panose="020F0502020204030204" pitchFamily="34" charset="0"/>
+                  <a:ea typeface="微软雅黑" panose="020B0503020204020204" pitchFamily="34" charset="-122"/>
+                  <a:cs typeface="Calibri" panose="020F0502020204030204" pitchFamily="34" charset="0"/>
+                </a:endParaRPr>
+              </a:p>
+            </p:txBody>
+          </p:sp>
+          <p:sp>
+            <p:nvSpPr>
+              <p:cNvPr id="268" name="流程图: 可选过程 267"/>
+              <p:cNvSpPr/>
+              <p:nvPr/>
+            </p:nvSpPr>
+            <p:spPr>
+              <a:xfrm>
+                <a:off x="9425506" y="6574420"/>
+                <a:ext cx="1042198" cy="199622"/>
+              </a:xfrm>
+              <a:prstGeom prst="flowChartAlternateProcess">
+                <a:avLst/>
+              </a:prstGeom>
+              <a:noFill/>
+              <a:ln>
+                <a:solidFill>
+                  <a:schemeClr val="tx1"/>
+                </a:solidFill>
+                <a:prstDash val="dash"/>
+              </a:ln>
+            </p:spPr>
+            <p:style>
+              <a:lnRef idx="2">
+                <a:schemeClr val="accent1">
+                  <a:shade val="50000"/>
+                </a:schemeClr>
+              </a:lnRef>
+              <a:fillRef idx="1">
+                <a:schemeClr val="accent1"/>
+              </a:fillRef>
+              <a:effectRef idx="0">
+                <a:schemeClr val="accent1"/>
+              </a:effectRef>
+              <a:fontRef idx="minor">
+                <a:schemeClr val="lt1"/>
+              </a:fontRef>
+            </p:style>
+            <p:txBody>
+              <a:bodyPr rtlCol="0" anchor="ctr"/>
+              <a:lstStyle/>
+              <a:p>
+                <a:pPr algn="ctr"/>
+                <a:r>
+                  <a:rPr lang="en-US" altLang="zh-CN" sz="1200" dirty="0">
+                    <a:solidFill>
+                      <a:schemeClr val="tx1"/>
+                    </a:solidFill>
+                    <a:latin typeface="Calibri" panose="020F0502020204030204" pitchFamily="34" charset="0"/>
+                    <a:ea typeface="微软雅黑" panose="020B0503020204020204" pitchFamily="34" charset="-122"/>
+                    <a:cs typeface="Calibri" panose="020F0502020204030204" pitchFamily="34" charset="0"/>
+                  </a:rPr>
+                  <a:t>Optional Tasks</a:t>
+                </a:r>
+                <a:endParaRPr lang="zh-CN" altLang="en-US" sz="1200" dirty="0">
+                  <a:solidFill>
+                    <a:schemeClr val="tx1"/>
+                  </a:solidFill>
+                  <a:latin typeface="Calibri" panose="020F0502020204030204" pitchFamily="34" charset="0"/>
+                  <a:ea typeface="微软雅黑" panose="020B0503020204020204" pitchFamily="34" charset="-122"/>
+                  <a:cs typeface="Calibri" panose="020F0502020204030204" pitchFamily="34" charset="0"/>
+                </a:endParaRPr>
+              </a:p>
+            </p:txBody>
+          </p:sp>
+          <p:sp>
+            <p:nvSpPr>
+              <p:cNvPr id="269" name="流程图: 磁盘 268"/>
+              <p:cNvSpPr/>
+              <p:nvPr/>
+            </p:nvSpPr>
+            <p:spPr>
+              <a:xfrm>
+                <a:off x="10690857" y="6574419"/>
+                <a:ext cx="799958" cy="218493"/>
+              </a:xfrm>
+              <a:prstGeom prst="flowChartMagneticDisk">
+                <a:avLst/>
+              </a:prstGeom>
+              <a:noFill/>
+              <a:ln>
+                <a:solidFill>
+                  <a:schemeClr val="tx1"/>
+                </a:solidFill>
+              </a:ln>
+            </p:spPr>
+            <p:style>
+              <a:lnRef idx="2">
+                <a:schemeClr val="accent1">
+                  <a:shade val="50000"/>
+                </a:schemeClr>
+              </a:lnRef>
+              <a:fillRef idx="1">
+                <a:schemeClr val="accent1"/>
+              </a:fillRef>
+              <a:effectRef idx="0">
+                <a:schemeClr val="accent1"/>
+              </a:effectRef>
+              <a:fontRef idx="minor">
+                <a:schemeClr val="lt1"/>
+              </a:fontRef>
+            </p:style>
+            <p:txBody>
+              <a:bodyPr rtlCol="0" anchor="ctr"/>
+              <a:lstStyle/>
+              <a:p>
+                <a:pPr algn="ctr"/>
+                <a:r>
+                  <a:rPr lang="en-US" altLang="zh-CN" sz="1200" dirty="0">
+                    <a:solidFill>
+                      <a:schemeClr val="tx1"/>
+                    </a:solidFill>
+                    <a:latin typeface="Calibri" panose="020F0502020204030204" pitchFamily="34" charset="0"/>
+                    <a:ea typeface="微软雅黑" panose="020B0503020204020204" pitchFamily="34" charset="-122"/>
+                    <a:cs typeface="Calibri" panose="020F0502020204030204" pitchFamily="34" charset="0"/>
+                  </a:rPr>
+                  <a:t>DB</a:t>
+                </a:r>
+                <a:endParaRPr lang="zh-CN" altLang="en-US" sz="1200" dirty="0">
+                  <a:solidFill>
+                    <a:schemeClr val="tx1"/>
+                  </a:solidFill>
+                  <a:latin typeface="Calibri" panose="020F0502020204030204" pitchFamily="34" charset="0"/>
+                  <a:ea typeface="微软雅黑" panose="020B0503020204020204" pitchFamily="34" charset="-122"/>
+                  <a:cs typeface="Calibri" panose="020F0502020204030204" pitchFamily="34" charset="0"/>
+                </a:endParaRPr>
+              </a:p>
+            </p:txBody>
+          </p:sp>
+        </p:grpSp>
         <p:cxnSp>
           <p:nvCxnSpPr>
-            <p:cNvPr id="44" name="肘形连接符 43"/>
+            <p:cNvPr id="115" name="肘形连接符 200">
+              <a:extLst>
+                <a:ext uri="{FF2B5EF4-FFF2-40B4-BE49-F238E27FC236}">
+                  <a16:creationId xmlns:a16="http://schemas.microsoft.com/office/drawing/2014/main" id="{B78F9D74-98DB-4495-89F0-14657BBEC343}"/>
+                </a:ext>
+              </a:extLst>
+            </p:cNvPr>
             <p:cNvCxnSpPr>
-              <a:stCxn id="12" idx="3"/>
-              <a:endCxn id="15" idx="1"/>
+              <a:cxnSpLocks/>
+              <a:endCxn id="243" idx="1"/>
             </p:cNvCxnSpPr>
             <p:nvPr/>
           </p:nvCxnSpPr>
           <p:spPr>
-            <a:xfrm>
-              <a:off x="4033654" y="1673710"/>
-              <a:ext cx="381587" cy="768"/>
+            <a:xfrm flipV="1">
+              <a:off x="7648943" y="4568777"/>
+              <a:ext cx="844491" cy="2"/>
             </a:xfrm>
             <a:prstGeom prst="bentConnector3">
               <a:avLst>
@@ -3451,1647 +5112,7 @@
             </a:fontRef>
           </p:style>
         </p:cxnSp>
-        <p:sp>
-          <p:nvSpPr>
-            <p:cNvPr id="47" name="矩形 46"/>
-            <p:cNvSpPr/>
-            <p:nvPr/>
-          </p:nvSpPr>
-          <p:spPr>
-            <a:xfrm>
-              <a:off x="6712111" y="2023370"/>
-              <a:ext cx="1425672" cy="368832"/>
-            </a:xfrm>
-            <a:prstGeom prst="rect">
-              <a:avLst/>
-            </a:prstGeom>
-            <a:noFill/>
-            <a:ln>
-              <a:solidFill>
-                <a:schemeClr val="tx1"/>
-              </a:solidFill>
-            </a:ln>
-          </p:spPr>
-          <p:style>
-            <a:lnRef idx="2">
-              <a:schemeClr val="accent1">
-                <a:shade val="50000"/>
-              </a:schemeClr>
-            </a:lnRef>
-            <a:fillRef idx="1">
-              <a:schemeClr val="accent1"/>
-            </a:fillRef>
-            <a:effectRef idx="0">
-              <a:schemeClr val="accent1"/>
-            </a:effectRef>
-            <a:fontRef idx="minor">
-              <a:schemeClr val="lt1"/>
-            </a:fontRef>
-          </p:style>
-          <p:txBody>
-            <a:bodyPr rtlCol="0" anchor="ctr"/>
-            <a:lstStyle/>
-            <a:p>
-              <a:pPr algn="ctr"/>
-              <a:r>
-                <a:rPr lang="en-US" altLang="zh-CN" sz="1400" dirty="0">
-                  <a:solidFill>
-                    <a:schemeClr val="tx1"/>
-                  </a:solidFill>
-                  <a:latin typeface="Calibri" panose="020F0502020204030204" pitchFamily="34" charset="0"/>
-                  <a:ea typeface="微软雅黑" panose="020B0503020204020204" pitchFamily="34" charset="-122"/>
-                  <a:cs typeface="Calibri" panose="020F0502020204030204" pitchFamily="34" charset="0"/>
-                </a:rPr>
-                <a:t>Create Data Development Task</a:t>
-              </a:r>
-              <a:endParaRPr lang="zh-CN" altLang="en-US" sz="1400" dirty="0">
-                <a:solidFill>
-                  <a:schemeClr val="tx1"/>
-                </a:solidFill>
-                <a:latin typeface="Calibri" panose="020F0502020204030204" pitchFamily="34" charset="0"/>
-                <a:ea typeface="微软雅黑" panose="020B0503020204020204" pitchFamily="34" charset="-122"/>
-                <a:cs typeface="Calibri" panose="020F0502020204030204" pitchFamily="34" charset="0"/>
-              </a:endParaRPr>
-            </a:p>
-          </p:txBody>
-        </p:sp>
-        <p:cxnSp>
-          <p:nvCxnSpPr>
-            <p:cNvPr id="80" name="肘形连接符 79"/>
-            <p:cNvCxnSpPr>
-              <a:stCxn id="15" idx="3"/>
-              <a:endCxn id="14" idx="1"/>
-            </p:cNvCxnSpPr>
-            <p:nvPr/>
-          </p:nvCxnSpPr>
-          <p:spPr>
-            <a:xfrm flipV="1">
-              <a:off x="5771653" y="1092639"/>
-              <a:ext cx="1013578" cy="581839"/>
-            </a:xfrm>
-            <a:prstGeom prst="bentConnector3">
-              <a:avLst>
-                <a:gd name="adj1" fmla="val 50000"/>
-              </a:avLst>
-            </a:prstGeom>
-            <a:ln w="12700">
-              <a:solidFill>
-                <a:schemeClr val="tx1"/>
-              </a:solidFill>
-              <a:tailEnd type="triangle"/>
-            </a:ln>
-          </p:spPr>
-          <p:style>
-            <a:lnRef idx="1">
-              <a:schemeClr val="accent1"/>
-            </a:lnRef>
-            <a:fillRef idx="0">
-              <a:schemeClr val="accent1"/>
-            </a:fillRef>
-            <a:effectRef idx="0">
-              <a:schemeClr val="accent1"/>
-            </a:effectRef>
-            <a:fontRef idx="minor">
-              <a:schemeClr val="tx1"/>
-            </a:fontRef>
-          </p:style>
-        </p:cxnSp>
-        <p:cxnSp>
-          <p:nvCxnSpPr>
-            <p:cNvPr id="83" name="肘形连接符 82"/>
-            <p:cNvCxnSpPr>
-              <a:cxnSpLocks/>
-              <a:stCxn id="15" idx="3"/>
-              <a:endCxn id="47" idx="1"/>
-            </p:cNvCxnSpPr>
-            <p:nvPr/>
-          </p:nvCxnSpPr>
-          <p:spPr>
-            <a:xfrm>
-              <a:off x="5771653" y="1674478"/>
-              <a:ext cx="940458" cy="533308"/>
-            </a:xfrm>
-            <a:prstGeom prst="bentConnector3">
-              <a:avLst>
-                <a:gd name="adj1" fmla="val 53914"/>
-              </a:avLst>
-            </a:prstGeom>
-            <a:ln w="12700">
-              <a:solidFill>
-                <a:schemeClr val="tx1"/>
-              </a:solidFill>
-              <a:tailEnd type="triangle"/>
-            </a:ln>
-          </p:spPr>
-          <p:style>
-            <a:lnRef idx="1">
-              <a:schemeClr val="accent1"/>
-            </a:lnRef>
-            <a:fillRef idx="0">
-              <a:schemeClr val="accent1"/>
-            </a:fillRef>
-            <a:effectRef idx="0">
-              <a:schemeClr val="accent1"/>
-            </a:effectRef>
-            <a:fontRef idx="minor">
-              <a:schemeClr val="tx1"/>
-            </a:fontRef>
-          </p:style>
-        </p:cxnSp>
-        <p:cxnSp>
-          <p:nvCxnSpPr>
-            <p:cNvPr id="89" name="肘形连接符 88"/>
-            <p:cNvCxnSpPr>
-              <a:stCxn id="14" idx="3"/>
-            </p:cNvCxnSpPr>
-            <p:nvPr/>
-          </p:nvCxnSpPr>
-          <p:spPr>
-            <a:xfrm>
-              <a:off x="8080630" y="1092639"/>
-              <a:ext cx="724376" cy="581455"/>
-            </a:xfrm>
-            <a:prstGeom prst="bentConnector3">
-              <a:avLst>
-                <a:gd name="adj1" fmla="val 50000"/>
-              </a:avLst>
-            </a:prstGeom>
-            <a:ln w="12700">
-              <a:solidFill>
-                <a:schemeClr val="tx1"/>
-              </a:solidFill>
-              <a:tailEnd type="triangle"/>
-            </a:ln>
-          </p:spPr>
-          <p:style>
-            <a:lnRef idx="1">
-              <a:schemeClr val="accent1"/>
-            </a:lnRef>
-            <a:fillRef idx="0">
-              <a:schemeClr val="accent1"/>
-            </a:fillRef>
-            <a:effectRef idx="0">
-              <a:schemeClr val="accent1"/>
-            </a:effectRef>
-            <a:fontRef idx="minor">
-              <a:schemeClr val="tx1"/>
-            </a:fontRef>
-          </p:style>
-        </p:cxnSp>
-        <p:sp>
-          <p:nvSpPr>
-            <p:cNvPr id="96" name="流程图: 可选过程 95"/>
-            <p:cNvSpPr/>
-            <p:nvPr/>
-          </p:nvSpPr>
-          <p:spPr>
-            <a:xfrm>
-              <a:off x="4361731" y="2736128"/>
-              <a:ext cx="1513215" cy="392511"/>
-            </a:xfrm>
-            <a:prstGeom prst="flowChartAlternateProcess">
-              <a:avLst/>
-            </a:prstGeom>
-            <a:noFill/>
-            <a:ln>
-              <a:solidFill>
-                <a:schemeClr val="tx1"/>
-              </a:solidFill>
-              <a:prstDash val="dash"/>
-            </a:ln>
-          </p:spPr>
-          <p:style>
-            <a:lnRef idx="2">
-              <a:schemeClr val="accent1">
-                <a:shade val="50000"/>
-              </a:schemeClr>
-            </a:lnRef>
-            <a:fillRef idx="1">
-              <a:schemeClr val="accent1"/>
-            </a:fillRef>
-            <a:effectRef idx="0">
-              <a:schemeClr val="accent1"/>
-            </a:effectRef>
-            <a:fontRef idx="minor">
-              <a:schemeClr val="lt1"/>
-            </a:fontRef>
-          </p:style>
-          <p:txBody>
-            <a:bodyPr rtlCol="0" anchor="ctr"/>
-            <a:lstStyle/>
-            <a:p>
-              <a:pPr algn="ctr"/>
-              <a:r>
-                <a:rPr lang="en-US" altLang="zh-CN" sz="1400" dirty="0">
-                  <a:solidFill>
-                    <a:schemeClr val="tx1"/>
-                  </a:solidFill>
-                  <a:latin typeface="Calibri" panose="020F0502020204030204" pitchFamily="34" charset="0"/>
-                  <a:ea typeface="微软雅黑" panose="020B0503020204020204" pitchFamily="34" charset="-122"/>
-                  <a:cs typeface="Calibri" panose="020F0502020204030204" pitchFamily="34" charset="0"/>
-                </a:rPr>
-                <a:t>Check Synchronized Data</a:t>
-              </a:r>
-              <a:endParaRPr lang="zh-CN" altLang="en-US" sz="1400" dirty="0">
-                <a:solidFill>
-                  <a:schemeClr val="tx1"/>
-                </a:solidFill>
-                <a:latin typeface="Calibri" panose="020F0502020204030204" pitchFamily="34" charset="0"/>
-                <a:ea typeface="微软雅黑" panose="020B0503020204020204" pitchFamily="34" charset="-122"/>
-                <a:cs typeface="Calibri" panose="020F0502020204030204" pitchFamily="34" charset="0"/>
-              </a:endParaRPr>
-            </a:p>
-          </p:txBody>
-        </p:sp>
-        <p:cxnSp>
-          <p:nvCxnSpPr>
-            <p:cNvPr id="97" name="肘形连接符 96"/>
-            <p:cNvCxnSpPr>
-              <a:cxnSpLocks/>
-              <a:stCxn id="242" idx="2"/>
-              <a:endCxn id="96" idx="3"/>
-            </p:cNvCxnSpPr>
-            <p:nvPr/>
-          </p:nvCxnSpPr>
-          <p:spPr>
-            <a:xfrm rot="5400000">
-              <a:off x="7146793" y="597894"/>
-              <a:ext cx="1062643" cy="3606336"/>
-            </a:xfrm>
-            <a:prstGeom prst="bentConnector2">
-              <a:avLst/>
-            </a:prstGeom>
-            <a:ln w="12700">
-              <a:solidFill>
-                <a:schemeClr val="tx1"/>
-              </a:solidFill>
-              <a:tailEnd type="triangle"/>
-            </a:ln>
-          </p:spPr>
-          <p:style>
-            <a:lnRef idx="1">
-              <a:schemeClr val="accent1"/>
-            </a:lnRef>
-            <a:fillRef idx="0">
-              <a:schemeClr val="accent1"/>
-            </a:fillRef>
-            <a:effectRef idx="0">
-              <a:schemeClr val="accent1"/>
-            </a:effectRef>
-            <a:fontRef idx="minor">
-              <a:schemeClr val="tx1"/>
-            </a:fontRef>
-          </p:style>
-        </p:cxnSp>
-        <p:cxnSp>
-          <p:nvCxnSpPr>
-            <p:cNvPr id="135" name="肘形连接符 134"/>
-            <p:cNvCxnSpPr>
-              <a:cxnSpLocks/>
-              <a:stCxn id="47" idx="3"/>
-            </p:cNvCxnSpPr>
-            <p:nvPr/>
-          </p:nvCxnSpPr>
-          <p:spPr>
-            <a:xfrm flipV="1">
-              <a:off x="8137782" y="1674094"/>
-              <a:ext cx="667223" cy="533692"/>
-            </a:xfrm>
-            <a:prstGeom prst="bentConnector3">
-              <a:avLst>
-                <a:gd name="adj1" fmla="val 44483"/>
-              </a:avLst>
-            </a:prstGeom>
-            <a:ln w="12700">
-              <a:solidFill>
-                <a:schemeClr val="tx1"/>
-              </a:solidFill>
-              <a:tailEnd type="triangle"/>
-            </a:ln>
-          </p:spPr>
-          <p:style>
-            <a:lnRef idx="1">
-              <a:schemeClr val="accent1"/>
-            </a:lnRef>
-            <a:fillRef idx="0">
-              <a:schemeClr val="accent1"/>
-            </a:fillRef>
-            <a:effectRef idx="0">
-              <a:schemeClr val="accent1"/>
-            </a:effectRef>
-            <a:fontRef idx="minor">
-              <a:schemeClr val="tx1"/>
-            </a:fontRef>
-          </p:style>
-        </p:cxnSp>
-        <p:sp>
-          <p:nvSpPr>
-            <p:cNvPr id="147" name="流程图: 磁盘 146"/>
-            <p:cNvSpPr/>
-            <p:nvPr/>
-          </p:nvSpPr>
-          <p:spPr>
-            <a:xfrm>
-              <a:off x="1166555" y="1319053"/>
-              <a:ext cx="1307063" cy="711964"/>
-            </a:xfrm>
-            <a:prstGeom prst="flowChartMagneticDisk">
-              <a:avLst/>
-            </a:prstGeom>
-            <a:noFill/>
-            <a:ln>
-              <a:solidFill>
-                <a:schemeClr val="tx1"/>
-              </a:solidFill>
-            </a:ln>
-          </p:spPr>
-          <p:style>
-            <a:lnRef idx="2">
-              <a:schemeClr val="accent1">
-                <a:shade val="50000"/>
-              </a:schemeClr>
-            </a:lnRef>
-            <a:fillRef idx="1">
-              <a:schemeClr val="accent1"/>
-            </a:fillRef>
-            <a:effectRef idx="0">
-              <a:schemeClr val="accent1"/>
-            </a:effectRef>
-            <a:fontRef idx="minor">
-              <a:schemeClr val="lt1"/>
-            </a:fontRef>
-          </p:style>
-          <p:txBody>
-            <a:bodyPr rtlCol="0" anchor="ctr"/>
-            <a:lstStyle/>
-            <a:p>
-              <a:pPr algn="ctr"/>
-              <a:r>
-                <a:rPr lang="en-US" altLang="zh-CN" sz="1400" dirty="0">
-                  <a:solidFill>
-                    <a:schemeClr val="tx1"/>
-                  </a:solidFill>
-                  <a:latin typeface="Calibri" panose="020F0502020204030204" pitchFamily="34" charset="0"/>
-                  <a:ea typeface="微软雅黑" panose="020B0503020204020204" pitchFamily="34" charset="-122"/>
-                  <a:cs typeface="Calibri" panose="020F0502020204030204" pitchFamily="34" charset="0"/>
-                </a:rPr>
-                <a:t>Data in Business System</a:t>
-              </a:r>
-            </a:p>
-          </p:txBody>
-        </p:sp>
-        <p:cxnSp>
-          <p:nvCxnSpPr>
-            <p:cNvPr id="148" name="肘形连接符 147"/>
-            <p:cNvCxnSpPr>
-              <a:cxnSpLocks/>
-              <a:stCxn id="147" idx="4"/>
-              <a:endCxn id="12" idx="1"/>
-            </p:cNvCxnSpPr>
-            <p:nvPr/>
-          </p:nvCxnSpPr>
-          <p:spPr>
-            <a:xfrm flipV="1">
-              <a:off x="2473618" y="1673710"/>
-              <a:ext cx="350361" cy="1325"/>
-            </a:xfrm>
-            <a:prstGeom prst="bentConnector3">
-              <a:avLst>
-                <a:gd name="adj1" fmla="val 50000"/>
-              </a:avLst>
-            </a:prstGeom>
-            <a:ln w="12700">
-              <a:solidFill>
-                <a:schemeClr val="tx1"/>
-              </a:solidFill>
-              <a:tailEnd type="triangle"/>
-            </a:ln>
-          </p:spPr>
-          <p:style>
-            <a:lnRef idx="1">
-              <a:schemeClr val="accent1"/>
-            </a:lnRef>
-            <a:fillRef idx="0">
-              <a:schemeClr val="accent1"/>
-            </a:fillRef>
-            <a:effectRef idx="0">
-              <a:schemeClr val="accent1"/>
-            </a:effectRef>
-            <a:fontRef idx="minor">
-              <a:schemeClr val="tx1"/>
-            </a:fontRef>
-          </p:style>
-        </p:cxnSp>
-        <p:sp>
-          <p:nvSpPr>
-            <p:cNvPr id="151" name="流程图: 磁盘 150"/>
-            <p:cNvSpPr/>
-            <p:nvPr/>
-          </p:nvSpPr>
-          <p:spPr>
-            <a:xfrm>
-              <a:off x="1166557" y="2581433"/>
-              <a:ext cx="1307061" cy="718109"/>
-            </a:xfrm>
-            <a:prstGeom prst="flowChartMagneticDisk">
-              <a:avLst/>
-            </a:prstGeom>
-            <a:noFill/>
-            <a:ln>
-              <a:solidFill>
-                <a:schemeClr val="tx1"/>
-              </a:solidFill>
-            </a:ln>
-          </p:spPr>
-          <p:style>
-            <a:lnRef idx="2">
-              <a:schemeClr val="accent1">
-                <a:shade val="50000"/>
-              </a:schemeClr>
-            </a:lnRef>
-            <a:fillRef idx="1">
-              <a:schemeClr val="accent1"/>
-            </a:fillRef>
-            <a:effectRef idx="0">
-              <a:schemeClr val="accent1"/>
-            </a:effectRef>
-            <a:fontRef idx="minor">
-              <a:schemeClr val="lt1"/>
-            </a:fontRef>
-          </p:style>
-          <p:txBody>
-            <a:bodyPr rtlCol="0" anchor="ctr"/>
-            <a:lstStyle/>
-            <a:p>
-              <a:pPr algn="ctr"/>
-              <a:r>
-                <a:rPr lang="en-US" altLang="zh-CN" sz="1400" dirty="0">
-                  <a:solidFill>
-                    <a:schemeClr val="tx1"/>
-                  </a:solidFill>
-                  <a:latin typeface="Calibri" panose="020F0502020204030204" pitchFamily="34" charset="0"/>
-                  <a:ea typeface="微软雅黑" panose="020B0503020204020204" pitchFamily="34" charset="-122"/>
-                  <a:cs typeface="Calibri" panose="020F0502020204030204" pitchFamily="34" charset="0"/>
-                </a:rPr>
-                <a:t>Data Warehouse</a:t>
-              </a:r>
-            </a:p>
-            <a:p>
-              <a:pPr algn="ctr"/>
-              <a:r>
-                <a:rPr lang="en-US" altLang="zh-CN" sz="1400" dirty="0">
-                  <a:solidFill>
-                    <a:schemeClr val="tx1"/>
-                  </a:solidFill>
-                  <a:latin typeface="Calibri" panose="020F0502020204030204" pitchFamily="34" charset="0"/>
-                  <a:ea typeface="微软雅黑" panose="020B0503020204020204" pitchFamily="34" charset="-122"/>
-                  <a:cs typeface="Calibri" panose="020F0502020204030204" pitchFamily="34" charset="0"/>
-                </a:rPr>
-                <a:t>HDFS/Hive</a:t>
-              </a:r>
-              <a:endParaRPr lang="zh-CN" altLang="en-US" sz="1400" dirty="0">
-                <a:solidFill>
-                  <a:schemeClr val="tx1"/>
-                </a:solidFill>
-                <a:latin typeface="Calibri" panose="020F0502020204030204" pitchFamily="34" charset="0"/>
-                <a:ea typeface="微软雅黑" panose="020B0503020204020204" pitchFamily="34" charset="-122"/>
-                <a:cs typeface="Calibri" panose="020F0502020204030204" pitchFamily="34" charset="0"/>
-              </a:endParaRPr>
-            </a:p>
-          </p:txBody>
-        </p:sp>
-        <p:cxnSp>
-          <p:nvCxnSpPr>
-            <p:cNvPr id="152" name="肘形连接符 151"/>
-            <p:cNvCxnSpPr>
-              <a:cxnSpLocks/>
-              <a:stCxn id="96" idx="1"/>
-              <a:endCxn id="151" idx="4"/>
-            </p:cNvCxnSpPr>
-            <p:nvPr/>
-          </p:nvCxnSpPr>
-          <p:spPr>
-            <a:xfrm rot="10800000" flipV="1">
-              <a:off x="2473618" y="2932384"/>
-              <a:ext cx="1888113" cy="8104"/>
-            </a:xfrm>
-            <a:prstGeom prst="bentConnector3">
-              <a:avLst>
-                <a:gd name="adj1" fmla="val 50000"/>
-              </a:avLst>
-            </a:prstGeom>
-            <a:ln w="12700">
-              <a:solidFill>
-                <a:schemeClr val="tx1"/>
-              </a:solidFill>
-              <a:tailEnd type="triangle"/>
-            </a:ln>
-          </p:spPr>
-          <p:style>
-            <a:lnRef idx="1">
-              <a:schemeClr val="accent1"/>
-            </a:lnRef>
-            <a:fillRef idx="0">
-              <a:schemeClr val="accent1"/>
-            </a:fillRef>
-            <a:effectRef idx="0">
-              <a:schemeClr val="accent1"/>
-            </a:effectRef>
-            <a:fontRef idx="minor">
-              <a:schemeClr val="tx1"/>
-            </a:fontRef>
-          </p:style>
-        </p:cxnSp>
-        <p:sp>
-          <p:nvSpPr>
-            <p:cNvPr id="155" name="矩形 154"/>
-            <p:cNvSpPr/>
-            <p:nvPr/>
-          </p:nvSpPr>
-          <p:spPr>
-            <a:xfrm>
-              <a:off x="6582577" y="3461486"/>
-              <a:ext cx="1426087" cy="454662"/>
-            </a:xfrm>
-            <a:prstGeom prst="rect">
-              <a:avLst/>
-            </a:prstGeom>
-            <a:noFill/>
-            <a:ln>
-              <a:solidFill>
-                <a:schemeClr val="tx1"/>
-              </a:solidFill>
-            </a:ln>
-          </p:spPr>
-          <p:style>
-            <a:lnRef idx="2">
-              <a:schemeClr val="accent1">
-                <a:shade val="50000"/>
-              </a:schemeClr>
-            </a:lnRef>
-            <a:fillRef idx="1">
-              <a:schemeClr val="accent1"/>
-            </a:fillRef>
-            <a:effectRef idx="0">
-              <a:schemeClr val="accent1"/>
-            </a:effectRef>
-            <a:fontRef idx="minor">
-              <a:schemeClr val="lt1"/>
-            </a:fontRef>
-          </p:style>
-          <p:txBody>
-            <a:bodyPr rtlCol="0" anchor="ctr"/>
-            <a:lstStyle/>
-            <a:p>
-              <a:pPr algn="ctr"/>
-              <a:r>
-                <a:rPr lang="en-US" altLang="zh-CN" sz="1400" dirty="0">
-                  <a:solidFill>
-                    <a:schemeClr val="tx1"/>
-                  </a:solidFill>
-                  <a:latin typeface="Calibri" panose="020F0502020204030204" pitchFamily="34" charset="0"/>
-                  <a:ea typeface="微软雅黑" panose="020B0503020204020204" pitchFamily="34" charset="-122"/>
-                  <a:cs typeface="Calibri" panose="020F0502020204030204" pitchFamily="34" charset="0"/>
-                </a:rPr>
-                <a:t>Create Target Table in Report DB</a:t>
-              </a:r>
-              <a:endParaRPr lang="zh-CN" altLang="en-US" sz="1400" dirty="0">
-                <a:solidFill>
-                  <a:schemeClr val="tx1"/>
-                </a:solidFill>
-                <a:latin typeface="Calibri" panose="020F0502020204030204" pitchFamily="34" charset="0"/>
-                <a:ea typeface="微软雅黑" panose="020B0503020204020204" pitchFamily="34" charset="-122"/>
-                <a:cs typeface="Calibri" panose="020F0502020204030204" pitchFamily="34" charset="0"/>
-              </a:endParaRPr>
-            </a:p>
-          </p:txBody>
-        </p:sp>
-        <p:cxnSp>
-          <p:nvCxnSpPr>
-            <p:cNvPr id="156" name="肘形连接符 155"/>
-            <p:cNvCxnSpPr>
-              <a:cxnSpLocks/>
-              <a:stCxn id="151" idx="3"/>
-              <a:endCxn id="155" idx="1"/>
-            </p:cNvCxnSpPr>
-            <p:nvPr/>
-          </p:nvCxnSpPr>
-          <p:spPr>
-            <a:xfrm rot="16200000" flipH="1">
-              <a:off x="4006695" y="1112935"/>
-              <a:ext cx="389275" cy="4762489"/>
-            </a:xfrm>
-            <a:prstGeom prst="bentConnector2">
-              <a:avLst/>
-            </a:prstGeom>
-            <a:ln w="12700">
-              <a:solidFill>
-                <a:schemeClr val="tx1"/>
-              </a:solidFill>
-              <a:tailEnd type="triangle"/>
-            </a:ln>
-          </p:spPr>
-          <p:style>
-            <a:lnRef idx="1">
-              <a:schemeClr val="accent1"/>
-            </a:lnRef>
-            <a:fillRef idx="0">
-              <a:schemeClr val="accent1"/>
-            </a:fillRef>
-            <a:effectRef idx="0">
-              <a:schemeClr val="accent1"/>
-            </a:effectRef>
-            <a:fontRef idx="minor">
-              <a:schemeClr val="tx1"/>
-            </a:fontRef>
-          </p:style>
-        </p:cxnSp>
-        <p:sp>
-          <p:nvSpPr>
-            <p:cNvPr id="160" name="矩形 159"/>
-            <p:cNvSpPr/>
-            <p:nvPr/>
-          </p:nvSpPr>
-          <p:spPr>
-            <a:xfrm>
-              <a:off x="6571563" y="4326602"/>
-              <a:ext cx="1437102" cy="454662"/>
-            </a:xfrm>
-            <a:prstGeom prst="rect">
-              <a:avLst/>
-            </a:prstGeom>
-            <a:noFill/>
-            <a:ln>
-              <a:solidFill>
-                <a:schemeClr val="tx1"/>
-              </a:solidFill>
-            </a:ln>
-          </p:spPr>
-          <p:style>
-            <a:lnRef idx="2">
-              <a:schemeClr val="accent1">
-                <a:shade val="50000"/>
-              </a:schemeClr>
-            </a:lnRef>
-            <a:fillRef idx="1">
-              <a:schemeClr val="accent1"/>
-            </a:fillRef>
-            <a:effectRef idx="0">
-              <a:schemeClr val="accent1"/>
-            </a:effectRef>
-            <a:fontRef idx="minor">
-              <a:schemeClr val="lt1"/>
-            </a:fontRef>
-          </p:style>
-          <p:txBody>
-            <a:bodyPr rtlCol="0" anchor="ctr"/>
-            <a:lstStyle/>
-            <a:p>
-              <a:pPr algn="ctr"/>
-              <a:r>
-                <a:rPr lang="en-US" altLang="zh-CN" sz="1400" dirty="0">
-                  <a:solidFill>
-                    <a:schemeClr val="tx1"/>
-                  </a:solidFill>
-                  <a:latin typeface="Calibri" panose="020F0502020204030204" pitchFamily="34" charset="0"/>
-                  <a:ea typeface="微软雅黑" panose="020B0503020204020204" pitchFamily="34" charset="-122"/>
-                  <a:cs typeface="Calibri" panose="020F0502020204030204" pitchFamily="34" charset="0"/>
-                </a:rPr>
-                <a:t>Sync Table Data to Report DB</a:t>
-              </a:r>
-              <a:endParaRPr lang="zh-CN" altLang="en-US" sz="1400" dirty="0">
-                <a:solidFill>
-                  <a:schemeClr val="tx1"/>
-                </a:solidFill>
-                <a:latin typeface="Calibri" panose="020F0502020204030204" pitchFamily="34" charset="0"/>
-                <a:ea typeface="微软雅黑" panose="020B0503020204020204" pitchFamily="34" charset="-122"/>
-                <a:cs typeface="Calibri" panose="020F0502020204030204" pitchFamily="34" charset="0"/>
-              </a:endParaRPr>
-            </a:p>
-          </p:txBody>
-        </p:sp>
-        <p:sp>
-          <p:nvSpPr>
-            <p:cNvPr id="161" name="流程图: 可选过程 160"/>
-            <p:cNvSpPr/>
-            <p:nvPr/>
-          </p:nvSpPr>
-          <p:spPr>
-            <a:xfrm>
-              <a:off x="4361732" y="5023336"/>
-              <a:ext cx="1488839" cy="389276"/>
-            </a:xfrm>
-            <a:prstGeom prst="flowChartAlternateProcess">
-              <a:avLst/>
-            </a:prstGeom>
-            <a:noFill/>
-            <a:ln>
-              <a:solidFill>
-                <a:schemeClr val="tx1"/>
-              </a:solidFill>
-              <a:prstDash val="dash"/>
-            </a:ln>
-          </p:spPr>
-          <p:style>
-            <a:lnRef idx="2">
-              <a:schemeClr val="accent1">
-                <a:shade val="50000"/>
-              </a:schemeClr>
-            </a:lnRef>
-            <a:fillRef idx="1">
-              <a:schemeClr val="accent1"/>
-            </a:fillRef>
-            <a:effectRef idx="0">
-              <a:schemeClr val="accent1"/>
-            </a:effectRef>
-            <a:fontRef idx="minor">
-              <a:schemeClr val="lt1"/>
-            </a:fontRef>
-          </p:style>
-          <p:txBody>
-            <a:bodyPr rtlCol="0" anchor="ctr"/>
-            <a:lstStyle/>
-            <a:p>
-              <a:pPr algn="ctr"/>
-              <a:r>
-                <a:rPr lang="en-US" altLang="zh-CN" sz="1400" dirty="0">
-                  <a:solidFill>
-                    <a:schemeClr val="tx1"/>
-                  </a:solidFill>
-                  <a:latin typeface="Calibri" panose="020F0502020204030204" pitchFamily="34" charset="0"/>
-                  <a:ea typeface="微软雅黑" panose="020B0503020204020204" pitchFamily="34" charset="-122"/>
-                  <a:cs typeface="Calibri" panose="020F0502020204030204" pitchFamily="34" charset="0"/>
-                </a:rPr>
-                <a:t>Check Synchronized Data</a:t>
-              </a:r>
-              <a:endParaRPr lang="zh-CN" altLang="en-US" sz="1400" dirty="0">
-                <a:solidFill>
-                  <a:schemeClr val="tx1"/>
-                </a:solidFill>
-                <a:latin typeface="Calibri" panose="020F0502020204030204" pitchFamily="34" charset="0"/>
-                <a:ea typeface="微软雅黑" panose="020B0503020204020204" pitchFamily="34" charset="-122"/>
-                <a:cs typeface="Calibri" panose="020F0502020204030204" pitchFamily="34" charset="0"/>
-              </a:endParaRPr>
-            </a:p>
-          </p:txBody>
-        </p:sp>
-        <p:sp>
-          <p:nvSpPr>
-            <p:cNvPr id="165" name="矩形 164"/>
-            <p:cNvSpPr/>
-            <p:nvPr/>
-          </p:nvSpPr>
-          <p:spPr>
-            <a:xfrm>
-              <a:off x="10705414" y="5722502"/>
-              <a:ext cx="1181100" cy="390525"/>
-            </a:xfrm>
-            <a:prstGeom prst="rect">
-              <a:avLst/>
-            </a:prstGeom>
-            <a:noFill/>
-            <a:ln>
-              <a:solidFill>
-                <a:schemeClr val="tx1"/>
-              </a:solidFill>
-            </a:ln>
-          </p:spPr>
-          <p:style>
-            <a:lnRef idx="2">
-              <a:schemeClr val="accent1">
-                <a:shade val="50000"/>
-              </a:schemeClr>
-            </a:lnRef>
-            <a:fillRef idx="1">
-              <a:schemeClr val="accent1"/>
-            </a:fillRef>
-            <a:effectRef idx="0">
-              <a:schemeClr val="accent1"/>
-            </a:effectRef>
-            <a:fontRef idx="minor">
-              <a:schemeClr val="lt1"/>
-            </a:fontRef>
-          </p:style>
-          <p:txBody>
-            <a:bodyPr rtlCol="0" anchor="ctr"/>
-            <a:lstStyle/>
-            <a:p>
-              <a:pPr algn="ctr"/>
-              <a:r>
-                <a:rPr lang="en-US" altLang="zh-CN" sz="1400" dirty="0">
-                  <a:solidFill>
-                    <a:schemeClr val="tx1"/>
-                  </a:solidFill>
-                  <a:latin typeface="Calibri" panose="020F0502020204030204" pitchFamily="34" charset="0"/>
-                  <a:ea typeface="微软雅黑" panose="020B0503020204020204" pitchFamily="34" charset="-122"/>
-                  <a:cs typeface="Calibri" panose="020F0502020204030204" pitchFamily="34" charset="0"/>
-                </a:rPr>
-                <a:t>Create Report</a:t>
-              </a:r>
-              <a:endParaRPr lang="zh-CN" altLang="en-US" sz="1400" dirty="0">
-                <a:solidFill>
-                  <a:schemeClr val="tx1"/>
-                </a:solidFill>
-                <a:latin typeface="Calibri" panose="020F0502020204030204" pitchFamily="34" charset="0"/>
-                <a:ea typeface="微软雅黑" panose="020B0503020204020204" pitchFamily="34" charset="-122"/>
-                <a:cs typeface="Calibri" panose="020F0502020204030204" pitchFamily="34" charset="0"/>
-              </a:endParaRPr>
-            </a:p>
-          </p:txBody>
-        </p:sp>
-        <p:cxnSp>
-          <p:nvCxnSpPr>
-            <p:cNvPr id="166" name="肘形连接符 165"/>
-            <p:cNvCxnSpPr>
-              <a:stCxn id="168" idx="3"/>
-              <a:endCxn id="165" idx="1"/>
-            </p:cNvCxnSpPr>
-            <p:nvPr/>
-          </p:nvCxnSpPr>
-          <p:spPr>
-            <a:xfrm rot="16200000" flipH="1">
-              <a:off x="6060684" y="1273035"/>
-              <a:ext cx="334250" cy="8955209"/>
-            </a:xfrm>
-            <a:prstGeom prst="bentConnector2">
-              <a:avLst/>
-            </a:prstGeom>
-            <a:ln w="12700">
-              <a:solidFill>
-                <a:schemeClr val="tx1"/>
-              </a:solidFill>
-              <a:tailEnd type="triangle"/>
-            </a:ln>
-          </p:spPr>
-          <p:style>
-            <a:lnRef idx="1">
-              <a:schemeClr val="accent1"/>
-            </a:lnRef>
-            <a:fillRef idx="0">
-              <a:schemeClr val="accent1"/>
-            </a:fillRef>
-            <a:effectRef idx="0">
-              <a:schemeClr val="accent1"/>
-            </a:effectRef>
-            <a:fontRef idx="minor">
-              <a:schemeClr val="tx1"/>
-            </a:fontRef>
-          </p:style>
-        </p:cxnSp>
-        <p:sp>
-          <p:nvSpPr>
-            <p:cNvPr id="168" name="流程图: 磁盘 167"/>
-            <p:cNvSpPr/>
-            <p:nvPr/>
-          </p:nvSpPr>
-          <p:spPr>
-            <a:xfrm>
-              <a:off x="1168893" y="4850499"/>
-              <a:ext cx="1162624" cy="733016"/>
-            </a:xfrm>
-            <a:prstGeom prst="flowChartMagneticDisk">
-              <a:avLst/>
-            </a:prstGeom>
-            <a:noFill/>
-            <a:ln>
-              <a:solidFill>
-                <a:schemeClr val="tx1"/>
-              </a:solidFill>
-            </a:ln>
-          </p:spPr>
-          <p:style>
-            <a:lnRef idx="2">
-              <a:schemeClr val="accent1">
-                <a:shade val="50000"/>
-              </a:schemeClr>
-            </a:lnRef>
-            <a:fillRef idx="1">
-              <a:schemeClr val="accent1"/>
-            </a:fillRef>
-            <a:effectRef idx="0">
-              <a:schemeClr val="accent1"/>
-            </a:effectRef>
-            <a:fontRef idx="minor">
-              <a:schemeClr val="lt1"/>
-            </a:fontRef>
-          </p:style>
-          <p:txBody>
-            <a:bodyPr rtlCol="0" anchor="ctr"/>
-            <a:lstStyle/>
-            <a:p>
-              <a:pPr algn="ctr"/>
-              <a:r>
-                <a:rPr lang="en-US" altLang="zh-CN" sz="1400" dirty="0">
-                  <a:solidFill>
-                    <a:schemeClr val="tx1"/>
-                  </a:solidFill>
-                  <a:latin typeface="Calibri" panose="020F0502020204030204" pitchFamily="34" charset="0"/>
-                  <a:ea typeface="微软雅黑" panose="020B0503020204020204" pitchFamily="34" charset="-122"/>
-                  <a:cs typeface="Calibri" panose="020F0502020204030204" pitchFamily="34" charset="0"/>
-                </a:rPr>
-                <a:t>Report DB</a:t>
-              </a:r>
-            </a:p>
-            <a:p>
-              <a:pPr algn="ctr"/>
-              <a:r>
-                <a:rPr lang="en-US" altLang="zh-CN" sz="1400" dirty="0">
-                  <a:solidFill>
-                    <a:schemeClr val="tx1"/>
-                  </a:solidFill>
-                  <a:latin typeface="Calibri" panose="020F0502020204030204" pitchFamily="34" charset="0"/>
-                  <a:ea typeface="微软雅黑" panose="020B0503020204020204" pitchFamily="34" charset="-122"/>
-                  <a:cs typeface="Calibri" panose="020F0502020204030204" pitchFamily="34" charset="0"/>
-                </a:rPr>
-                <a:t>MySQL</a:t>
-              </a:r>
-              <a:endParaRPr lang="zh-CN" altLang="en-US" sz="1400" dirty="0">
-                <a:solidFill>
-                  <a:schemeClr val="tx1"/>
-                </a:solidFill>
-                <a:latin typeface="Calibri" panose="020F0502020204030204" pitchFamily="34" charset="0"/>
-                <a:ea typeface="微软雅黑" panose="020B0503020204020204" pitchFamily="34" charset="-122"/>
-                <a:cs typeface="Calibri" panose="020F0502020204030204" pitchFamily="34" charset="0"/>
-              </a:endParaRPr>
-            </a:p>
-          </p:txBody>
-        </p:sp>
-        <p:cxnSp>
-          <p:nvCxnSpPr>
-            <p:cNvPr id="183" name="肘形连接符 182"/>
-            <p:cNvCxnSpPr>
-              <a:cxnSpLocks/>
-              <a:stCxn id="161" idx="1"/>
-              <a:endCxn id="168" idx="4"/>
-            </p:cNvCxnSpPr>
-            <p:nvPr/>
-          </p:nvCxnSpPr>
-          <p:spPr>
-            <a:xfrm rot="10800000">
-              <a:off x="2331517" y="5217008"/>
-              <a:ext cx="2030215" cy="967"/>
-            </a:xfrm>
-            <a:prstGeom prst="bentConnector3">
-              <a:avLst>
-                <a:gd name="adj1" fmla="val 50000"/>
-              </a:avLst>
-            </a:prstGeom>
-            <a:ln w="12700">
-              <a:solidFill>
-                <a:schemeClr val="tx1"/>
-              </a:solidFill>
-              <a:tailEnd type="triangle"/>
-            </a:ln>
-          </p:spPr>
-          <p:style>
-            <a:lnRef idx="1">
-              <a:schemeClr val="accent1"/>
-            </a:lnRef>
-            <a:fillRef idx="0">
-              <a:schemeClr val="accent1"/>
-            </a:fillRef>
-            <a:effectRef idx="0">
-              <a:schemeClr val="accent1"/>
-            </a:effectRef>
-            <a:fontRef idx="minor">
-              <a:schemeClr val="tx1"/>
-            </a:fontRef>
-          </p:style>
-        </p:cxnSp>
-        <p:cxnSp>
-          <p:nvCxnSpPr>
-            <p:cNvPr id="228" name="直接箭头连接符 227"/>
-            <p:cNvCxnSpPr>
-              <a:cxnSpLocks/>
-              <a:stCxn id="155" idx="2"/>
-              <a:endCxn id="160" idx="0"/>
-            </p:cNvCxnSpPr>
-            <p:nvPr/>
-          </p:nvCxnSpPr>
-          <p:spPr>
-            <a:xfrm flipH="1">
-              <a:off x="7290114" y="3916148"/>
-              <a:ext cx="5507" cy="410454"/>
-            </a:xfrm>
-            <a:prstGeom prst="straightConnector1">
-              <a:avLst/>
-            </a:prstGeom>
-            <a:ln w="12700">
-              <a:solidFill>
-                <a:schemeClr val="tx1"/>
-              </a:solidFill>
-              <a:tailEnd type="triangle"/>
-            </a:ln>
-          </p:spPr>
-          <p:style>
-            <a:lnRef idx="1">
-              <a:schemeClr val="accent1"/>
-            </a:lnRef>
-            <a:fillRef idx="0">
-              <a:schemeClr val="accent1"/>
-            </a:fillRef>
-            <a:effectRef idx="0">
-              <a:schemeClr val="accent1"/>
-            </a:effectRef>
-            <a:fontRef idx="minor">
-              <a:schemeClr val="tx1"/>
-            </a:fontRef>
-          </p:style>
-        </p:cxnSp>
-        <p:cxnSp>
-          <p:nvCxnSpPr>
-            <p:cNvPr id="232" name="肘形连接符 231"/>
-            <p:cNvCxnSpPr>
-              <a:cxnSpLocks/>
-              <a:stCxn id="243" idx="2"/>
-              <a:endCxn id="161" idx="3"/>
-            </p:cNvCxnSpPr>
-            <p:nvPr/>
-          </p:nvCxnSpPr>
-          <p:spPr>
-            <a:xfrm rot="5400000">
-              <a:off x="7452097" y="3179738"/>
-              <a:ext cx="436710" cy="3639762"/>
-            </a:xfrm>
-            <a:prstGeom prst="bentConnector2">
-              <a:avLst/>
-            </a:prstGeom>
-            <a:ln w="12700">
-              <a:solidFill>
-                <a:schemeClr val="tx1"/>
-              </a:solidFill>
-              <a:tailEnd type="triangle"/>
-            </a:ln>
-          </p:spPr>
-          <p:style>
-            <a:lnRef idx="1">
-              <a:schemeClr val="accent1"/>
-            </a:lnRef>
-            <a:fillRef idx="0">
-              <a:schemeClr val="accent1"/>
-            </a:fillRef>
-            <a:effectRef idx="0">
-              <a:schemeClr val="accent1"/>
-            </a:effectRef>
-            <a:fontRef idx="minor">
-              <a:schemeClr val="tx1"/>
-            </a:fontRef>
-          </p:style>
-        </p:cxnSp>
-        <p:sp>
-          <p:nvSpPr>
-            <p:cNvPr id="242" name="流程图: 可选过程 241"/>
-            <p:cNvSpPr/>
-            <p:nvPr/>
-          </p:nvSpPr>
-          <p:spPr>
-            <a:xfrm>
-              <a:off x="8803076" y="1478447"/>
-              <a:ext cx="1356412" cy="391294"/>
-            </a:xfrm>
-            <a:prstGeom prst="flowChartAlternateProcess">
-              <a:avLst/>
-            </a:prstGeom>
-            <a:noFill/>
-            <a:ln>
-              <a:solidFill>
-                <a:schemeClr val="tx1"/>
-              </a:solidFill>
-              <a:prstDash val="dash"/>
-            </a:ln>
-          </p:spPr>
-          <p:style>
-            <a:lnRef idx="2">
-              <a:schemeClr val="accent1">
-                <a:shade val="50000"/>
-              </a:schemeClr>
-            </a:lnRef>
-            <a:fillRef idx="1">
-              <a:schemeClr val="accent1"/>
-            </a:fillRef>
-            <a:effectRef idx="0">
-              <a:schemeClr val="accent1"/>
-            </a:effectRef>
-            <a:fontRef idx="minor">
-              <a:schemeClr val="lt1"/>
-            </a:fontRef>
-          </p:style>
-          <p:txBody>
-            <a:bodyPr rtlCol="0" anchor="ctr"/>
-            <a:lstStyle/>
-            <a:p>
-              <a:pPr algn="ctr"/>
-              <a:r>
-                <a:rPr lang="en-US" altLang="zh-CN" sz="1400" dirty="0">
-                  <a:solidFill>
-                    <a:schemeClr val="tx1"/>
-                  </a:solidFill>
-                  <a:latin typeface="Calibri" panose="020F0502020204030204" pitchFamily="34" charset="0"/>
-                  <a:ea typeface="微软雅黑" panose="020B0503020204020204" pitchFamily="34" charset="-122"/>
-                  <a:cs typeface="Calibri" panose="020F0502020204030204" pitchFamily="34" charset="0"/>
-                </a:rPr>
-                <a:t>Check Task Status</a:t>
-              </a:r>
-              <a:endParaRPr lang="zh-CN" altLang="en-US" sz="1400" dirty="0">
-                <a:solidFill>
-                  <a:schemeClr val="tx1"/>
-                </a:solidFill>
-                <a:latin typeface="Calibri" panose="020F0502020204030204" pitchFamily="34" charset="0"/>
-                <a:ea typeface="微软雅黑" panose="020B0503020204020204" pitchFamily="34" charset="-122"/>
-                <a:cs typeface="Calibri" panose="020F0502020204030204" pitchFamily="34" charset="0"/>
-              </a:endParaRPr>
-            </a:p>
-          </p:txBody>
-        </p:sp>
-        <p:sp>
-          <p:nvSpPr>
-            <p:cNvPr id="243" name="流程图: 可选过程 242"/>
-            <p:cNvSpPr/>
-            <p:nvPr/>
-          </p:nvSpPr>
-          <p:spPr>
-            <a:xfrm>
-              <a:off x="8812127" y="4326602"/>
-              <a:ext cx="1356412" cy="454662"/>
-            </a:xfrm>
-            <a:prstGeom prst="flowChartAlternateProcess">
-              <a:avLst/>
-            </a:prstGeom>
-            <a:noFill/>
-            <a:ln>
-              <a:solidFill>
-                <a:schemeClr val="tx1"/>
-              </a:solidFill>
-              <a:prstDash val="dash"/>
-            </a:ln>
-          </p:spPr>
-          <p:style>
-            <a:lnRef idx="2">
-              <a:schemeClr val="accent1">
-                <a:shade val="50000"/>
-              </a:schemeClr>
-            </a:lnRef>
-            <a:fillRef idx="1">
-              <a:schemeClr val="accent1"/>
-            </a:fillRef>
-            <a:effectRef idx="0">
-              <a:schemeClr val="accent1"/>
-            </a:effectRef>
-            <a:fontRef idx="minor">
-              <a:schemeClr val="lt1"/>
-            </a:fontRef>
-          </p:style>
-          <p:txBody>
-            <a:bodyPr rtlCol="0" anchor="ctr"/>
-            <a:lstStyle/>
-            <a:p>
-              <a:pPr algn="ctr"/>
-              <a:r>
-                <a:rPr lang="en-US" altLang="zh-CN" sz="1400" dirty="0">
-                  <a:solidFill>
-                    <a:schemeClr val="tx1"/>
-                  </a:solidFill>
-                  <a:latin typeface="Calibri" panose="020F0502020204030204" pitchFamily="34" charset="0"/>
-                  <a:ea typeface="微软雅黑" panose="020B0503020204020204" pitchFamily="34" charset="-122"/>
-                  <a:cs typeface="Calibri" panose="020F0502020204030204" pitchFamily="34" charset="0"/>
-                </a:rPr>
-                <a:t>Check Task Status</a:t>
-              </a:r>
-              <a:endParaRPr lang="zh-CN" altLang="en-US" sz="1400" dirty="0">
-                <a:solidFill>
-                  <a:schemeClr val="tx1"/>
-                </a:solidFill>
-                <a:latin typeface="Calibri" panose="020F0502020204030204" pitchFamily="34" charset="0"/>
-                <a:ea typeface="微软雅黑" panose="020B0503020204020204" pitchFamily="34" charset="-122"/>
-                <a:cs typeface="Calibri" panose="020F0502020204030204" pitchFamily="34" charset="0"/>
-              </a:endParaRPr>
-            </a:p>
-          </p:txBody>
-        </p:sp>
-        <p:cxnSp>
-          <p:nvCxnSpPr>
-            <p:cNvPr id="252" name="直接连接符 251"/>
-            <p:cNvCxnSpPr/>
-            <p:nvPr/>
-          </p:nvCxnSpPr>
-          <p:spPr>
-            <a:xfrm flipH="1">
-              <a:off x="4178463" y="23149"/>
-              <a:ext cx="34724" cy="6308202"/>
-            </a:xfrm>
-            <a:prstGeom prst="line">
-              <a:avLst/>
-            </a:prstGeom>
-            <a:ln>
-              <a:prstDash val="dash"/>
-            </a:ln>
-          </p:spPr>
-          <p:style>
-            <a:lnRef idx="1">
-              <a:schemeClr val="accent1"/>
-            </a:lnRef>
-            <a:fillRef idx="0">
-              <a:schemeClr val="accent1"/>
-            </a:fillRef>
-            <a:effectRef idx="0">
-              <a:schemeClr val="accent1"/>
-            </a:effectRef>
-            <a:fontRef idx="minor">
-              <a:schemeClr val="tx1"/>
-            </a:fontRef>
-          </p:style>
-        </p:cxnSp>
-        <p:cxnSp>
-          <p:nvCxnSpPr>
-            <p:cNvPr id="253" name="直接连接符 252"/>
-            <p:cNvCxnSpPr/>
-            <p:nvPr/>
-          </p:nvCxnSpPr>
-          <p:spPr>
-            <a:xfrm flipH="1">
-              <a:off x="6055883" y="23149"/>
-              <a:ext cx="34724" cy="6308202"/>
-            </a:xfrm>
-            <a:prstGeom prst="line">
-              <a:avLst/>
-            </a:prstGeom>
-            <a:ln>
-              <a:prstDash val="dash"/>
-            </a:ln>
-          </p:spPr>
-          <p:style>
-            <a:lnRef idx="1">
-              <a:schemeClr val="accent1"/>
-            </a:lnRef>
-            <a:fillRef idx="0">
-              <a:schemeClr val="accent1"/>
-            </a:fillRef>
-            <a:effectRef idx="0">
-              <a:schemeClr val="accent1"/>
-            </a:effectRef>
-            <a:fontRef idx="minor">
-              <a:schemeClr val="tx1"/>
-            </a:fontRef>
-          </p:style>
-        </p:cxnSp>
-        <p:cxnSp>
-          <p:nvCxnSpPr>
-            <p:cNvPr id="254" name="直接连接符 253"/>
-            <p:cNvCxnSpPr/>
-            <p:nvPr/>
-          </p:nvCxnSpPr>
-          <p:spPr>
-            <a:xfrm flipH="1">
-              <a:off x="8572003" y="0"/>
-              <a:ext cx="34724" cy="6308202"/>
-            </a:xfrm>
-            <a:prstGeom prst="line">
-              <a:avLst/>
-            </a:prstGeom>
-            <a:ln>
-              <a:prstDash val="dash"/>
-            </a:ln>
-          </p:spPr>
-          <p:style>
-            <a:lnRef idx="1">
-              <a:schemeClr val="accent1"/>
-            </a:lnRef>
-            <a:fillRef idx="0">
-              <a:schemeClr val="accent1"/>
-            </a:fillRef>
-            <a:effectRef idx="0">
-              <a:schemeClr val="accent1"/>
-            </a:effectRef>
-            <a:fontRef idx="minor">
-              <a:schemeClr val="tx1"/>
-            </a:fontRef>
-          </p:style>
-        </p:cxnSp>
-        <p:cxnSp>
-          <p:nvCxnSpPr>
-            <p:cNvPr id="255" name="直接连接符 254"/>
-            <p:cNvCxnSpPr/>
-            <p:nvPr/>
-          </p:nvCxnSpPr>
-          <p:spPr>
-            <a:xfrm flipH="1">
-              <a:off x="10395885" y="23149"/>
-              <a:ext cx="34724" cy="6308202"/>
-            </a:xfrm>
-            <a:prstGeom prst="line">
-              <a:avLst/>
-            </a:prstGeom>
-            <a:ln>
-              <a:prstDash val="dash"/>
-            </a:ln>
-          </p:spPr>
-          <p:style>
-            <a:lnRef idx="1">
-              <a:schemeClr val="accent1"/>
-            </a:lnRef>
-            <a:fillRef idx="0">
-              <a:schemeClr val="accent1"/>
-            </a:fillRef>
-            <a:effectRef idx="0">
-              <a:schemeClr val="accent1"/>
-            </a:effectRef>
-            <a:fontRef idx="minor">
-              <a:schemeClr val="tx1"/>
-            </a:fontRef>
-          </p:style>
-        </p:cxnSp>
-        <p:sp>
-          <p:nvSpPr>
-            <p:cNvPr id="257" name="矩形 256"/>
-            <p:cNvSpPr/>
-            <p:nvPr/>
-          </p:nvSpPr>
-          <p:spPr>
-            <a:xfrm>
-              <a:off x="7097929" y="6574420"/>
-              <a:ext cx="910735" cy="209348"/>
-            </a:xfrm>
-            <a:prstGeom prst="rect">
-              <a:avLst/>
-            </a:prstGeom>
-            <a:ln>
-              <a:noFill/>
-            </a:ln>
-          </p:spPr>
-          <p:style>
-            <a:lnRef idx="2">
-              <a:schemeClr val="accent1">
-                <a:shade val="50000"/>
-              </a:schemeClr>
-            </a:lnRef>
-            <a:fillRef idx="1">
-              <a:schemeClr val="accent1"/>
-            </a:fillRef>
-            <a:effectRef idx="0">
-              <a:schemeClr val="accent1"/>
-            </a:effectRef>
-            <a:fontRef idx="minor">
-              <a:schemeClr val="lt1"/>
-            </a:fontRef>
-          </p:style>
-          <p:txBody>
-            <a:bodyPr rtlCol="0" anchor="ctr"/>
-            <a:lstStyle/>
-            <a:p>
-              <a:pPr algn="ctr"/>
-              <a:r>
-                <a:rPr lang="en-US" altLang="zh-CN" sz="1200" dirty="0">
-                  <a:ea typeface="微软雅黑" panose="020B0503020204020204" pitchFamily="34" charset="-122"/>
-                </a:rPr>
-                <a:t>Modules</a:t>
-              </a:r>
-              <a:endParaRPr lang="zh-CN" altLang="en-US" sz="1200" dirty="0">
-                <a:ea typeface="微软雅黑" panose="020B0503020204020204" pitchFamily="34" charset="-122"/>
-              </a:endParaRPr>
-            </a:p>
-          </p:txBody>
-        </p:sp>
-        <p:sp>
-          <p:nvSpPr>
-            <p:cNvPr id="261" name="矩形 260"/>
-            <p:cNvSpPr/>
-            <p:nvPr/>
-          </p:nvSpPr>
-          <p:spPr>
-            <a:xfrm>
-              <a:off x="8249821" y="6555550"/>
-              <a:ext cx="910735" cy="218492"/>
-            </a:xfrm>
-            <a:prstGeom prst="rect">
-              <a:avLst/>
-            </a:prstGeom>
-            <a:noFill/>
-            <a:ln>
-              <a:solidFill>
-                <a:schemeClr val="tx1"/>
-              </a:solidFill>
-            </a:ln>
-          </p:spPr>
-          <p:style>
-            <a:lnRef idx="2">
-              <a:schemeClr val="accent1">
-                <a:shade val="50000"/>
-              </a:schemeClr>
-            </a:lnRef>
-            <a:fillRef idx="1">
-              <a:schemeClr val="accent1"/>
-            </a:fillRef>
-            <a:effectRef idx="0">
-              <a:schemeClr val="accent1"/>
-            </a:effectRef>
-            <a:fontRef idx="minor">
-              <a:schemeClr val="lt1"/>
-            </a:fontRef>
-          </p:style>
-          <p:txBody>
-            <a:bodyPr rtlCol="0" anchor="ctr"/>
-            <a:lstStyle/>
-            <a:p>
-              <a:pPr algn="ctr"/>
-              <a:r>
-                <a:rPr lang="en-US" altLang="zh-CN" sz="1200" dirty="0">
-                  <a:solidFill>
-                    <a:schemeClr val="tx1"/>
-                  </a:solidFill>
-                  <a:latin typeface="Calibri" panose="020F0502020204030204" pitchFamily="34" charset="0"/>
-                  <a:ea typeface="微软雅黑" panose="020B0503020204020204" pitchFamily="34" charset="-122"/>
-                  <a:cs typeface="Calibri" panose="020F0502020204030204" pitchFamily="34" charset="0"/>
-                </a:rPr>
-                <a:t>Tasks</a:t>
-              </a:r>
-              <a:endParaRPr lang="zh-CN" altLang="en-US" sz="1200" dirty="0">
-                <a:solidFill>
-                  <a:schemeClr val="tx1"/>
-                </a:solidFill>
-                <a:latin typeface="Calibri" panose="020F0502020204030204" pitchFamily="34" charset="0"/>
-                <a:ea typeface="微软雅黑" panose="020B0503020204020204" pitchFamily="34" charset="-122"/>
-                <a:cs typeface="Calibri" panose="020F0502020204030204" pitchFamily="34" charset="0"/>
-              </a:endParaRPr>
-            </a:p>
-          </p:txBody>
-        </p:sp>
-        <p:sp>
-          <p:nvSpPr>
-            <p:cNvPr id="268" name="流程图: 可选过程 267"/>
-            <p:cNvSpPr/>
-            <p:nvPr/>
-          </p:nvSpPr>
-          <p:spPr>
-            <a:xfrm>
-              <a:off x="9425506" y="6574420"/>
-              <a:ext cx="1042198" cy="199622"/>
-            </a:xfrm>
-            <a:prstGeom prst="flowChartAlternateProcess">
-              <a:avLst/>
-            </a:prstGeom>
-            <a:noFill/>
-            <a:ln>
-              <a:solidFill>
-                <a:schemeClr val="tx1"/>
-              </a:solidFill>
-              <a:prstDash val="dash"/>
-            </a:ln>
-          </p:spPr>
-          <p:style>
-            <a:lnRef idx="2">
-              <a:schemeClr val="accent1">
-                <a:shade val="50000"/>
-              </a:schemeClr>
-            </a:lnRef>
-            <a:fillRef idx="1">
-              <a:schemeClr val="accent1"/>
-            </a:fillRef>
-            <a:effectRef idx="0">
-              <a:schemeClr val="accent1"/>
-            </a:effectRef>
-            <a:fontRef idx="minor">
-              <a:schemeClr val="lt1"/>
-            </a:fontRef>
-          </p:style>
-          <p:txBody>
-            <a:bodyPr rtlCol="0" anchor="ctr"/>
-            <a:lstStyle/>
-            <a:p>
-              <a:pPr algn="ctr"/>
-              <a:r>
-                <a:rPr lang="en-US" altLang="zh-CN" sz="1200" dirty="0">
-                  <a:solidFill>
-                    <a:schemeClr val="tx1"/>
-                  </a:solidFill>
-                  <a:latin typeface="Calibri" panose="020F0502020204030204" pitchFamily="34" charset="0"/>
-                  <a:ea typeface="微软雅黑" panose="020B0503020204020204" pitchFamily="34" charset="-122"/>
-                  <a:cs typeface="Calibri" panose="020F0502020204030204" pitchFamily="34" charset="0"/>
-                </a:rPr>
-                <a:t>Optional Tasks</a:t>
-              </a:r>
-              <a:endParaRPr lang="zh-CN" altLang="en-US" sz="1200" dirty="0">
-                <a:solidFill>
-                  <a:schemeClr val="tx1"/>
-                </a:solidFill>
-                <a:latin typeface="Calibri" panose="020F0502020204030204" pitchFamily="34" charset="0"/>
-                <a:ea typeface="微软雅黑" panose="020B0503020204020204" pitchFamily="34" charset="-122"/>
-                <a:cs typeface="Calibri" panose="020F0502020204030204" pitchFamily="34" charset="0"/>
-              </a:endParaRPr>
-            </a:p>
-          </p:txBody>
-        </p:sp>
-        <p:sp>
-          <p:nvSpPr>
-            <p:cNvPr id="269" name="流程图: 磁盘 268"/>
-            <p:cNvSpPr/>
-            <p:nvPr/>
-          </p:nvSpPr>
-          <p:spPr>
-            <a:xfrm>
-              <a:off x="10690857" y="6574419"/>
-              <a:ext cx="799958" cy="218493"/>
-            </a:xfrm>
-            <a:prstGeom prst="flowChartMagneticDisk">
-              <a:avLst/>
-            </a:prstGeom>
-            <a:noFill/>
-            <a:ln>
-              <a:solidFill>
-                <a:schemeClr val="tx1"/>
-              </a:solidFill>
-            </a:ln>
-          </p:spPr>
-          <p:style>
-            <a:lnRef idx="2">
-              <a:schemeClr val="accent1">
-                <a:shade val="50000"/>
-              </a:schemeClr>
-            </a:lnRef>
-            <a:fillRef idx="1">
-              <a:schemeClr val="accent1"/>
-            </a:fillRef>
-            <a:effectRef idx="0">
-              <a:schemeClr val="accent1"/>
-            </a:effectRef>
-            <a:fontRef idx="minor">
-              <a:schemeClr val="lt1"/>
-            </a:fontRef>
-          </p:style>
-          <p:txBody>
-            <a:bodyPr rtlCol="0" anchor="ctr"/>
-            <a:lstStyle/>
-            <a:p>
-              <a:pPr algn="ctr"/>
-              <a:r>
-                <a:rPr lang="en-US" altLang="zh-CN" sz="1200" dirty="0">
-                  <a:solidFill>
-                    <a:schemeClr val="tx1"/>
-                  </a:solidFill>
-                  <a:latin typeface="Calibri" panose="020F0502020204030204" pitchFamily="34" charset="0"/>
-                  <a:ea typeface="微软雅黑" panose="020B0503020204020204" pitchFamily="34" charset="-122"/>
-                  <a:cs typeface="Calibri" panose="020F0502020204030204" pitchFamily="34" charset="0"/>
-                </a:rPr>
-                <a:t>DB</a:t>
-              </a:r>
-              <a:endParaRPr lang="zh-CN" altLang="en-US" sz="1200" dirty="0">
-                <a:solidFill>
-                  <a:schemeClr val="tx1"/>
-                </a:solidFill>
-                <a:latin typeface="Calibri" panose="020F0502020204030204" pitchFamily="34" charset="0"/>
-                <a:ea typeface="微软雅黑" panose="020B0503020204020204" pitchFamily="34" charset="-122"/>
-                <a:cs typeface="Calibri" panose="020F0502020204030204" pitchFamily="34" charset="0"/>
-              </a:endParaRPr>
-            </a:p>
-          </p:txBody>
-        </p:sp>
       </p:grpSp>
-      <p:cxnSp>
-        <p:nvCxnSpPr>
-          <p:cNvPr id="115" name="肘形连接符 200">
-            <a:extLst>
-              <a:ext uri="{FF2B5EF4-FFF2-40B4-BE49-F238E27FC236}">
-                <a16:creationId xmlns:a16="http://schemas.microsoft.com/office/drawing/2014/main" id="{B78F9D74-98DB-4495-89F0-14657BBEC343}"/>
-              </a:ext>
-            </a:extLst>
-          </p:cNvPr>
-          <p:cNvCxnSpPr>
-            <a:cxnSpLocks/>
-            <a:endCxn id="243" idx="1"/>
-          </p:cNvCxnSpPr>
-          <p:nvPr/>
-        </p:nvCxnSpPr>
-        <p:spPr>
-          <a:xfrm flipV="1">
-            <a:off x="7648943" y="4568777"/>
-            <a:ext cx="844491" cy="2"/>
-          </a:xfrm>
-          <a:prstGeom prst="bentConnector3">
-            <a:avLst>
-              <a:gd name="adj1" fmla="val 50000"/>
-            </a:avLst>
-          </a:prstGeom>
-          <a:ln w="12700">
-            <a:solidFill>
-              <a:schemeClr val="tx1"/>
-            </a:solidFill>
-            <a:tailEnd type="triangle"/>
-          </a:ln>
-        </p:spPr>
-        <p:style>
-          <a:lnRef idx="1">
-            <a:schemeClr val="accent1"/>
-          </a:lnRef>
-          <a:fillRef idx="0">
-            <a:schemeClr val="accent1"/>
-          </a:fillRef>
-          <a:effectRef idx="0">
-            <a:schemeClr val="accent1"/>
-          </a:effectRef>
-          <a:fontRef idx="minor">
-            <a:schemeClr val="tx1"/>
-          </a:fontRef>
-        </p:style>
-      </p:cxnSp>
     </p:spTree>
     <p:extLst>
       <p:ext uri="{BB962C8B-B14F-4D97-AF65-F5344CB8AC3E}">

--- a/media/workflow.pptx
+++ b/media/workflow.pptx
@@ -4,8 +4,12 @@
   <p:sldMasterIdLst>
     <p:sldMasterId id="2147483648" r:id="rId1"/>
   </p:sldMasterIdLst>
+  <p:notesMasterIdLst>
+    <p:notesMasterId r:id="rId4"/>
+  </p:notesMasterIdLst>
   <p:sldIdLst>
     <p:sldId id="257" r:id="rId2"/>
+    <p:sldId id="258" r:id="rId3"/>
   </p:sldIdLst>
   <p:sldSz cx="12192000" cy="6858000"/>
   <p:notesSz cx="6858000" cy="9144000"/>
@@ -106,10 +110,449 @@
   </p:defaultTextStyle>
   <p:extLst>
     <p:ext uri="{EFAFB233-063F-42B5-8137-9DF3F51BA10A}">
-      <p15:sldGuideLst xmlns:p15="http://schemas.microsoft.com/office/powerpoint/2012/main"/>
+      <p15:sldGuideLst xmlns:p15="http://schemas.microsoft.com/office/powerpoint/2012/main">
+        <p15:guide id="1" orient="horz" pos="368" userDrawn="1">
+          <p15:clr>
+            <a:srgbClr val="A4A3A4"/>
+          </p15:clr>
+        </p15:guide>
+        <p15:guide id="2" orient="horz" pos="3997" userDrawn="1">
+          <p15:clr>
+            <a:srgbClr val="A4A3A4"/>
+          </p15:clr>
+        </p15:guide>
+        <p15:guide id="4" orient="horz" pos="2319" userDrawn="1">
+          <p15:clr>
+            <a:srgbClr val="A4A3A4"/>
+          </p15:clr>
+        </p15:guide>
+        <p15:guide id="5" orient="horz" pos="3339" userDrawn="1">
+          <p15:clr>
+            <a:srgbClr val="A4A3A4"/>
+          </p15:clr>
+        </p15:guide>
+        <p15:guide id="6" pos="52" userDrawn="1">
+          <p15:clr>
+            <a:srgbClr val="A4A3A4"/>
+          </p15:clr>
+        </p15:guide>
+        <p15:guide id="7" pos="7491" userDrawn="1">
+          <p15:clr>
+            <a:srgbClr val="A4A3A4"/>
+          </p15:clr>
+        </p15:guide>
+      </p15:sldGuideLst>
     </p:ext>
   </p:extLst>
 </p:presentation>
+</file>
+
+<file path=ppt/notesMasters/notesMaster1.xml><?xml version="1.0" encoding="utf-8"?>
+<p:notesMaster xmlns:a="http://schemas.openxmlformats.org/drawingml/2006/main" xmlns:r="http://schemas.openxmlformats.org/officeDocument/2006/relationships" xmlns:p="http://schemas.openxmlformats.org/presentationml/2006/main">
+  <p:cSld>
+    <p:bg>
+      <p:bgRef idx="1001">
+        <a:schemeClr val="bg1"/>
+      </p:bgRef>
+    </p:bg>
+    <p:spTree>
+      <p:nvGrpSpPr>
+        <p:cNvPr id="1" name=""/>
+        <p:cNvGrpSpPr/>
+        <p:nvPr/>
+      </p:nvGrpSpPr>
+      <p:grpSpPr>
+        <a:xfrm>
+          <a:off x="0" y="0"/>
+          <a:ext cx="0" cy="0"/>
+          <a:chOff x="0" y="0"/>
+          <a:chExt cx="0" cy="0"/>
+        </a:xfrm>
+      </p:grpSpPr>
+      <p:sp>
+        <p:nvSpPr>
+          <p:cNvPr id="2" name="页眉占位符 1"/>
+          <p:cNvSpPr>
+            <a:spLocks noGrp="1"/>
+          </p:cNvSpPr>
+          <p:nvPr>
+            <p:ph type="hdr" sz="quarter"/>
+          </p:nvPr>
+        </p:nvSpPr>
+        <p:spPr>
+          <a:xfrm>
+            <a:off x="0" y="0"/>
+            <a:ext cx="2971800" cy="458788"/>
+          </a:xfrm>
+          <a:prstGeom prst="rect">
+            <a:avLst/>
+          </a:prstGeom>
+        </p:spPr>
+        <p:txBody>
+          <a:bodyPr vert="horz" lIns="91440" tIns="45720" rIns="91440" bIns="45720" rtlCol="0"/>
+          <a:lstStyle>
+            <a:lvl1pPr algn="l">
+              <a:defRPr sz="1200"/>
+            </a:lvl1pPr>
+          </a:lstStyle>
+          <a:p>
+            <a:endParaRPr kumimoji="1" lang="zh-CN" altLang="en-US"/>
+          </a:p>
+        </p:txBody>
+      </p:sp>
+      <p:sp>
+        <p:nvSpPr>
+          <p:cNvPr id="3" name="日期占位符 2"/>
+          <p:cNvSpPr>
+            <a:spLocks noGrp="1"/>
+          </p:cNvSpPr>
+          <p:nvPr>
+            <p:ph type="dt" idx="1"/>
+          </p:nvPr>
+        </p:nvSpPr>
+        <p:spPr>
+          <a:xfrm>
+            <a:off x="3884613" y="0"/>
+            <a:ext cx="2971800" cy="458788"/>
+          </a:xfrm>
+          <a:prstGeom prst="rect">
+            <a:avLst/>
+          </a:prstGeom>
+        </p:spPr>
+        <p:txBody>
+          <a:bodyPr vert="horz" lIns="91440" tIns="45720" rIns="91440" bIns="45720" rtlCol="0"/>
+          <a:lstStyle>
+            <a:lvl1pPr algn="r">
+              <a:defRPr sz="1200"/>
+            </a:lvl1pPr>
+          </a:lstStyle>
+          <a:p>
+            <a:fld id="{2E5BE599-50C8-7A43-9089-D05C7E1DC5FB}" type="datetimeFigureOut">
+              <a:rPr kumimoji="1" lang="zh-CN" altLang="en-US" smtClean="0"/>
+              <a:t>2019/4/2</a:t>
+            </a:fld>
+            <a:endParaRPr kumimoji="1" lang="zh-CN" altLang="en-US"/>
+          </a:p>
+        </p:txBody>
+      </p:sp>
+      <p:sp>
+        <p:nvSpPr>
+          <p:cNvPr id="4" name="幻灯片图像占位符 3"/>
+          <p:cNvSpPr>
+            <a:spLocks noGrp="1" noRot="1" noChangeAspect="1"/>
+          </p:cNvSpPr>
+          <p:nvPr>
+            <p:ph type="sldImg" idx="2"/>
+          </p:nvPr>
+        </p:nvSpPr>
+        <p:spPr>
+          <a:xfrm>
+            <a:off x="685800" y="1143000"/>
+            <a:ext cx="5486400" cy="3086100"/>
+          </a:xfrm>
+          <a:prstGeom prst="rect">
+            <a:avLst/>
+          </a:prstGeom>
+          <a:noFill/>
+          <a:ln w="12700">
+            <a:solidFill>
+              <a:prstClr val="black"/>
+            </a:solidFill>
+          </a:ln>
+        </p:spPr>
+        <p:txBody>
+          <a:bodyPr vert="horz" lIns="91440" tIns="45720" rIns="91440" bIns="45720" rtlCol="0" anchor="ctr"/>
+          <a:lstStyle/>
+          <a:p>
+            <a:endParaRPr lang="zh-CN" altLang="en-US"/>
+          </a:p>
+        </p:txBody>
+      </p:sp>
+      <p:sp>
+        <p:nvSpPr>
+          <p:cNvPr id="5" name="备注占位符 4"/>
+          <p:cNvSpPr>
+            <a:spLocks noGrp="1"/>
+          </p:cNvSpPr>
+          <p:nvPr>
+            <p:ph type="body" sz="quarter" idx="3"/>
+          </p:nvPr>
+        </p:nvSpPr>
+        <p:spPr>
+          <a:xfrm>
+            <a:off x="685800" y="4400550"/>
+            <a:ext cx="5486400" cy="3600450"/>
+          </a:xfrm>
+          <a:prstGeom prst="rect">
+            <a:avLst/>
+          </a:prstGeom>
+        </p:spPr>
+        <p:txBody>
+          <a:bodyPr vert="horz" lIns="91440" tIns="45720" rIns="91440" bIns="45720" rtlCol="0"/>
+          <a:lstStyle/>
+          <a:p>
+            <a:r>
+              <a:rPr kumimoji="1" lang="zh-CN" altLang="en-US"/>
+              <a:t>编辑母版文本样式
+第二级
+第三级
+第四级
+第五级</a:t>
+            </a:r>
+          </a:p>
+        </p:txBody>
+      </p:sp>
+      <p:sp>
+        <p:nvSpPr>
+          <p:cNvPr id="6" name="页脚占位符 5"/>
+          <p:cNvSpPr>
+            <a:spLocks noGrp="1"/>
+          </p:cNvSpPr>
+          <p:nvPr>
+            <p:ph type="ftr" sz="quarter" idx="4"/>
+          </p:nvPr>
+        </p:nvSpPr>
+        <p:spPr>
+          <a:xfrm>
+            <a:off x="0" y="8685213"/>
+            <a:ext cx="2971800" cy="458787"/>
+          </a:xfrm>
+          <a:prstGeom prst="rect">
+            <a:avLst/>
+          </a:prstGeom>
+        </p:spPr>
+        <p:txBody>
+          <a:bodyPr vert="horz" lIns="91440" tIns="45720" rIns="91440" bIns="45720" rtlCol="0" anchor="b"/>
+          <a:lstStyle>
+            <a:lvl1pPr algn="l">
+              <a:defRPr sz="1200"/>
+            </a:lvl1pPr>
+          </a:lstStyle>
+          <a:p>
+            <a:endParaRPr kumimoji="1" lang="zh-CN" altLang="en-US"/>
+          </a:p>
+        </p:txBody>
+      </p:sp>
+      <p:sp>
+        <p:nvSpPr>
+          <p:cNvPr id="7" name="灯片编号占位符 6"/>
+          <p:cNvSpPr>
+            <a:spLocks noGrp="1"/>
+          </p:cNvSpPr>
+          <p:nvPr>
+            <p:ph type="sldNum" sz="quarter" idx="5"/>
+          </p:nvPr>
+        </p:nvSpPr>
+        <p:spPr>
+          <a:xfrm>
+            <a:off x="3884613" y="8685213"/>
+            <a:ext cx="2971800" cy="458787"/>
+          </a:xfrm>
+          <a:prstGeom prst="rect">
+            <a:avLst/>
+          </a:prstGeom>
+        </p:spPr>
+        <p:txBody>
+          <a:bodyPr vert="horz" lIns="91440" tIns="45720" rIns="91440" bIns="45720" rtlCol="0" anchor="b"/>
+          <a:lstStyle>
+            <a:lvl1pPr algn="r">
+              <a:defRPr sz="1200"/>
+            </a:lvl1pPr>
+          </a:lstStyle>
+          <a:p>
+            <a:fld id="{4A509AA3-B015-7B47-9383-75509274847F}" type="slidenum">
+              <a:rPr kumimoji="1" lang="zh-CN" altLang="en-US" smtClean="0"/>
+              <a:t>‹#›</a:t>
+            </a:fld>
+            <a:endParaRPr kumimoji="1" lang="zh-CN" altLang="en-US"/>
+          </a:p>
+        </p:txBody>
+      </p:sp>
+    </p:spTree>
+    <p:extLst>
+      <p:ext uri="{BB962C8B-B14F-4D97-AF65-F5344CB8AC3E}">
+        <p14:creationId xmlns:p14="http://schemas.microsoft.com/office/powerpoint/2010/main" val="2331901061"/>
+      </p:ext>
+    </p:extLst>
+  </p:cSld>
+  <p:clrMap bg1="lt1" tx1="dk1" bg2="lt2" tx2="dk2" accent1="accent1" accent2="accent2" accent3="accent3" accent4="accent4" accent5="accent5" accent6="accent6" hlink="hlink" folHlink="folHlink"/>
+  <p:notesStyle>
+    <a:lvl1pPr marL="0" algn="l" defTabSz="914400" rtl="0" eaLnBrk="1" latinLnBrk="0" hangingPunct="1">
+      <a:defRPr sz="1200" kern="1200">
+        <a:solidFill>
+          <a:schemeClr val="tx1"/>
+        </a:solidFill>
+        <a:latin typeface="+mn-lt"/>
+        <a:ea typeface="+mn-ea"/>
+        <a:cs typeface="+mn-cs"/>
+      </a:defRPr>
+    </a:lvl1pPr>
+    <a:lvl2pPr marL="457200" algn="l" defTabSz="914400" rtl="0" eaLnBrk="1" latinLnBrk="0" hangingPunct="1">
+      <a:defRPr sz="1200" kern="1200">
+        <a:solidFill>
+          <a:schemeClr val="tx1"/>
+        </a:solidFill>
+        <a:latin typeface="+mn-lt"/>
+        <a:ea typeface="+mn-ea"/>
+        <a:cs typeface="+mn-cs"/>
+      </a:defRPr>
+    </a:lvl2pPr>
+    <a:lvl3pPr marL="914400" algn="l" defTabSz="914400" rtl="0" eaLnBrk="1" latinLnBrk="0" hangingPunct="1">
+      <a:defRPr sz="1200" kern="1200">
+        <a:solidFill>
+          <a:schemeClr val="tx1"/>
+        </a:solidFill>
+        <a:latin typeface="+mn-lt"/>
+        <a:ea typeface="+mn-ea"/>
+        <a:cs typeface="+mn-cs"/>
+      </a:defRPr>
+    </a:lvl3pPr>
+    <a:lvl4pPr marL="1371600" algn="l" defTabSz="914400" rtl="0" eaLnBrk="1" latinLnBrk="0" hangingPunct="1">
+      <a:defRPr sz="1200" kern="1200">
+        <a:solidFill>
+          <a:schemeClr val="tx1"/>
+        </a:solidFill>
+        <a:latin typeface="+mn-lt"/>
+        <a:ea typeface="+mn-ea"/>
+        <a:cs typeface="+mn-cs"/>
+      </a:defRPr>
+    </a:lvl4pPr>
+    <a:lvl5pPr marL="1828800" algn="l" defTabSz="914400" rtl="0" eaLnBrk="1" latinLnBrk="0" hangingPunct="1">
+      <a:defRPr sz="1200" kern="1200">
+        <a:solidFill>
+          <a:schemeClr val="tx1"/>
+        </a:solidFill>
+        <a:latin typeface="+mn-lt"/>
+        <a:ea typeface="+mn-ea"/>
+        <a:cs typeface="+mn-cs"/>
+      </a:defRPr>
+    </a:lvl5pPr>
+    <a:lvl6pPr marL="2286000" algn="l" defTabSz="914400" rtl="0" eaLnBrk="1" latinLnBrk="0" hangingPunct="1">
+      <a:defRPr sz="1200" kern="1200">
+        <a:solidFill>
+          <a:schemeClr val="tx1"/>
+        </a:solidFill>
+        <a:latin typeface="+mn-lt"/>
+        <a:ea typeface="+mn-ea"/>
+        <a:cs typeface="+mn-cs"/>
+      </a:defRPr>
+    </a:lvl6pPr>
+    <a:lvl7pPr marL="2743200" algn="l" defTabSz="914400" rtl="0" eaLnBrk="1" latinLnBrk="0" hangingPunct="1">
+      <a:defRPr sz="1200" kern="1200">
+        <a:solidFill>
+          <a:schemeClr val="tx1"/>
+        </a:solidFill>
+        <a:latin typeface="+mn-lt"/>
+        <a:ea typeface="+mn-ea"/>
+        <a:cs typeface="+mn-cs"/>
+      </a:defRPr>
+    </a:lvl7pPr>
+    <a:lvl8pPr marL="3200400" algn="l" defTabSz="914400" rtl="0" eaLnBrk="1" latinLnBrk="0" hangingPunct="1">
+      <a:defRPr sz="1200" kern="1200">
+        <a:solidFill>
+          <a:schemeClr val="tx1"/>
+        </a:solidFill>
+        <a:latin typeface="+mn-lt"/>
+        <a:ea typeface="+mn-ea"/>
+        <a:cs typeface="+mn-cs"/>
+      </a:defRPr>
+    </a:lvl8pPr>
+    <a:lvl9pPr marL="3657600" algn="l" defTabSz="914400" rtl="0" eaLnBrk="1" latinLnBrk="0" hangingPunct="1">
+      <a:defRPr sz="1200" kern="1200">
+        <a:solidFill>
+          <a:schemeClr val="tx1"/>
+        </a:solidFill>
+        <a:latin typeface="+mn-lt"/>
+        <a:ea typeface="+mn-ea"/>
+        <a:cs typeface="+mn-cs"/>
+      </a:defRPr>
+    </a:lvl9pPr>
+  </p:notesStyle>
+</p:notesMaster>
+</file>
+
+<file path=ppt/notesSlides/notesSlide1.xml><?xml version="1.0" encoding="utf-8"?>
+<p:notes xmlns:a="http://schemas.openxmlformats.org/drawingml/2006/main" xmlns:r="http://schemas.openxmlformats.org/officeDocument/2006/relationships" xmlns:p="http://schemas.openxmlformats.org/presentationml/2006/main">
+  <p:cSld>
+    <p:spTree>
+      <p:nvGrpSpPr>
+        <p:cNvPr id="1" name=""/>
+        <p:cNvGrpSpPr/>
+        <p:nvPr/>
+      </p:nvGrpSpPr>
+      <p:grpSpPr>
+        <a:xfrm>
+          <a:off x="0" y="0"/>
+          <a:ext cx="0" cy="0"/>
+          <a:chOff x="0" y="0"/>
+          <a:chExt cx="0" cy="0"/>
+        </a:xfrm>
+      </p:grpSpPr>
+      <p:sp>
+        <p:nvSpPr>
+          <p:cNvPr id="2" name="幻灯片图像占位符 1"/>
+          <p:cNvSpPr>
+            <a:spLocks noGrp="1" noRot="1" noChangeAspect="1"/>
+          </p:cNvSpPr>
+          <p:nvPr>
+            <p:ph type="sldImg"/>
+          </p:nvPr>
+        </p:nvSpPr>
+        <p:spPr/>
+      </p:sp>
+      <p:sp>
+        <p:nvSpPr>
+          <p:cNvPr id="3" name="备注占位符 2"/>
+          <p:cNvSpPr>
+            <a:spLocks noGrp="1"/>
+          </p:cNvSpPr>
+          <p:nvPr>
+            <p:ph type="body" idx="1"/>
+          </p:nvPr>
+        </p:nvSpPr>
+        <p:spPr/>
+        <p:txBody>
+          <a:bodyPr/>
+          <a:lstStyle/>
+          <a:p>
+            <a:endParaRPr kumimoji="1" lang="zh-CN" altLang="en-US" dirty="0"/>
+          </a:p>
+        </p:txBody>
+      </p:sp>
+      <p:sp>
+        <p:nvSpPr>
+          <p:cNvPr id="4" name="灯片编号占位符 3"/>
+          <p:cNvSpPr>
+            <a:spLocks noGrp="1"/>
+          </p:cNvSpPr>
+          <p:nvPr>
+            <p:ph type="sldNum" sz="quarter" idx="5"/>
+          </p:nvPr>
+        </p:nvSpPr>
+        <p:spPr/>
+        <p:txBody>
+          <a:bodyPr/>
+          <a:lstStyle/>
+          <a:p>
+            <a:fld id="{4A509AA3-B015-7B47-9383-75509274847F}" type="slidenum">
+              <a:rPr kumimoji="1" lang="zh-CN" altLang="en-US" smtClean="0"/>
+              <a:t>1</a:t>
+            </a:fld>
+            <a:endParaRPr kumimoji="1" lang="zh-CN" altLang="en-US"/>
+          </a:p>
+        </p:txBody>
+      </p:sp>
+    </p:spTree>
+    <p:extLst>
+      <p:ext uri="{BB962C8B-B14F-4D97-AF65-F5344CB8AC3E}">
+        <p14:creationId xmlns:p14="http://schemas.microsoft.com/office/powerpoint/2010/main" val="3078665781"/>
+      </p:ext>
+    </p:extLst>
+  </p:cSld>
+  <p:clrMapOvr>
+    <a:masterClrMapping/>
+  </p:clrMapOvr>
+</p:notes>
 </file>
 
 <file path=ppt/slideLayouts/slideLayout1.xml><?xml version="1.0" encoding="utf-8"?>
@@ -241,7 +684,7 @@
           <a:p>
             <a:fld id="{9538E007-353F-4F6F-AAE3-DCCE019D4601}" type="datetimeFigureOut">
               <a:rPr lang="zh-CN" altLang="en-US" smtClean="0"/>
-              <a:t>2019/2/21</a:t>
+              <a:t>2019/4/2</a:t>
             </a:fld>
             <a:endParaRPr lang="zh-CN" altLang="en-US"/>
           </a:p>
@@ -409,7 +852,7 @@
           <a:p>
             <a:fld id="{9538E007-353F-4F6F-AAE3-DCCE019D4601}" type="datetimeFigureOut">
               <a:rPr lang="zh-CN" altLang="en-US" smtClean="0"/>
-              <a:t>2019/2/21</a:t>
+              <a:t>2019/4/2</a:t>
             </a:fld>
             <a:endParaRPr lang="zh-CN" altLang="en-US"/>
           </a:p>
@@ -587,7 +1030,7 @@
           <a:p>
             <a:fld id="{9538E007-353F-4F6F-AAE3-DCCE019D4601}" type="datetimeFigureOut">
               <a:rPr lang="zh-CN" altLang="en-US" smtClean="0"/>
-              <a:t>2019/2/21</a:t>
+              <a:t>2019/4/2</a:t>
             </a:fld>
             <a:endParaRPr lang="zh-CN" altLang="en-US"/>
           </a:p>
@@ -755,7 +1198,7 @@
           <a:p>
             <a:fld id="{9538E007-353F-4F6F-AAE3-DCCE019D4601}" type="datetimeFigureOut">
               <a:rPr lang="zh-CN" altLang="en-US" smtClean="0"/>
-              <a:t>2019/2/21</a:t>
+              <a:t>2019/4/2</a:t>
             </a:fld>
             <a:endParaRPr lang="zh-CN" altLang="en-US"/>
           </a:p>
@@ -1000,7 +1443,7 @@
           <a:p>
             <a:fld id="{9538E007-353F-4F6F-AAE3-DCCE019D4601}" type="datetimeFigureOut">
               <a:rPr lang="zh-CN" altLang="en-US" smtClean="0"/>
-              <a:t>2019/2/21</a:t>
+              <a:t>2019/4/2</a:t>
             </a:fld>
             <a:endParaRPr lang="zh-CN" altLang="en-US"/>
           </a:p>
@@ -1229,7 +1672,7 @@
           <a:p>
             <a:fld id="{9538E007-353F-4F6F-AAE3-DCCE019D4601}" type="datetimeFigureOut">
               <a:rPr lang="zh-CN" altLang="en-US" smtClean="0"/>
-              <a:t>2019/2/21</a:t>
+              <a:t>2019/4/2</a:t>
             </a:fld>
             <a:endParaRPr lang="zh-CN" altLang="en-US"/>
           </a:p>
@@ -1593,7 +2036,7 @@
           <a:p>
             <a:fld id="{9538E007-353F-4F6F-AAE3-DCCE019D4601}" type="datetimeFigureOut">
               <a:rPr lang="zh-CN" altLang="en-US" smtClean="0"/>
-              <a:t>2019/2/21</a:t>
+              <a:t>2019/4/2</a:t>
             </a:fld>
             <a:endParaRPr lang="zh-CN" altLang="en-US"/>
           </a:p>
@@ -1710,7 +2153,7 @@
           <a:p>
             <a:fld id="{9538E007-353F-4F6F-AAE3-DCCE019D4601}" type="datetimeFigureOut">
               <a:rPr lang="zh-CN" altLang="en-US" smtClean="0"/>
-              <a:t>2019/2/21</a:t>
+              <a:t>2019/4/2</a:t>
             </a:fld>
             <a:endParaRPr lang="zh-CN" altLang="en-US"/>
           </a:p>
@@ -1805,7 +2248,7 @@
           <a:p>
             <a:fld id="{9538E007-353F-4F6F-AAE3-DCCE019D4601}" type="datetimeFigureOut">
               <a:rPr lang="zh-CN" altLang="en-US" smtClean="0"/>
-              <a:t>2019/2/21</a:t>
+              <a:t>2019/4/2</a:t>
             </a:fld>
             <a:endParaRPr lang="zh-CN" altLang="en-US"/>
           </a:p>
@@ -2080,7 +2523,7 @@
           <a:p>
             <a:fld id="{9538E007-353F-4F6F-AAE3-DCCE019D4601}" type="datetimeFigureOut">
               <a:rPr lang="zh-CN" altLang="en-US" smtClean="0"/>
-              <a:t>2019/2/21</a:t>
+              <a:t>2019/4/2</a:t>
             </a:fld>
             <a:endParaRPr lang="zh-CN" altLang="en-US"/>
           </a:p>
@@ -2332,7 +2775,7 @@
           <a:p>
             <a:fld id="{9538E007-353F-4F6F-AAE3-DCCE019D4601}" type="datetimeFigureOut">
               <a:rPr lang="zh-CN" altLang="en-US" smtClean="0"/>
-              <a:t>2019/2/21</a:t>
+              <a:t>2019/4/2</a:t>
             </a:fld>
             <a:endParaRPr lang="zh-CN" altLang="en-US"/>
           </a:p>
@@ -2543,7 +2986,7 @@
           <a:p>
             <a:fld id="{9538E007-353F-4F6F-AAE3-DCCE019D4601}" type="datetimeFigureOut">
               <a:rPr lang="zh-CN" altLang="en-US" smtClean="0"/>
-              <a:t>2019/2/21</a:t>
+              <a:t>2019/4/2</a:t>
             </a:fld>
             <a:endParaRPr lang="zh-CN" altLang="en-US"/>
           </a:p>
@@ -2950,10 +3393,10 @@
       </p:grpSpPr>
       <p:grpSp>
         <p:nvGrpSpPr>
-          <p:cNvPr id="2" name="组合 1">
+          <p:cNvPr id="191" name="组合 190">
             <a:extLst>
               <a:ext uri="{FF2B5EF4-FFF2-40B4-BE49-F238E27FC236}">
-                <a16:creationId xmlns:a16="http://schemas.microsoft.com/office/drawing/2014/main" id="{EC47F15F-3264-2146-B92F-B36B610EAB11}"/>
+                <a16:creationId xmlns:a16="http://schemas.microsoft.com/office/drawing/2014/main" id="{D52B4231-84EB-7D4E-9F17-6A273EF05028}"/>
               </a:ext>
             </a:extLst>
           </p:cNvPr>
@@ -2962,2137 +3405,2008 @@
         </p:nvGrpSpPr>
         <p:grpSpPr>
           <a:xfrm>
-            <a:off x="178904" y="84482"/>
-            <a:ext cx="11657914" cy="6689035"/>
-            <a:chOff x="178904" y="84482"/>
-            <a:chExt cx="11657914" cy="6689035"/>
+            <a:off x="-1" y="78923"/>
+            <a:ext cx="16002001" cy="6779077"/>
+            <a:chOff x="-1" y="78923"/>
+            <a:chExt cx="16002001" cy="6779077"/>
           </a:xfrm>
         </p:grpSpPr>
-        <p:grpSp>
-          <p:nvGrpSpPr>
-            <p:cNvPr id="271" name="组合 270"/>
-            <p:cNvGrpSpPr/>
+        <p:sp>
+          <p:nvSpPr>
+            <p:cNvPr id="4" name="矩形 3"/>
+            <p:cNvSpPr/>
             <p:nvPr/>
-          </p:nvGrpSpPr>
-          <p:grpSpPr>
+          </p:nvSpPr>
+          <p:spPr>
             <a:xfrm>
-              <a:off x="178904" y="84482"/>
-              <a:ext cx="11657914" cy="6689035"/>
-              <a:chOff x="1166555" y="0"/>
-              <a:chExt cx="10719959" cy="6792912"/>
+              <a:off x="-1" y="78923"/>
+              <a:ext cx="4408859" cy="522443"/>
             </a:xfrm>
-          </p:grpSpPr>
-          <p:sp>
-            <p:nvSpPr>
-              <p:cNvPr id="4" name="矩形 3"/>
-              <p:cNvSpPr/>
-              <p:nvPr/>
-            </p:nvSpPr>
-            <p:spPr>
-              <a:xfrm>
-                <a:off x="1984810" y="180080"/>
-                <a:ext cx="1398214" cy="330379"/>
-              </a:xfrm>
-              <a:prstGeom prst="rect">
-                <a:avLst/>
-              </a:prstGeom>
-              <a:ln>
-                <a:noFill/>
-              </a:ln>
-            </p:spPr>
-            <p:style>
-              <a:lnRef idx="2">
-                <a:schemeClr val="accent1">
-                  <a:shade val="50000"/>
-                </a:schemeClr>
-              </a:lnRef>
-              <a:fillRef idx="1">
-                <a:schemeClr val="accent1"/>
-              </a:fillRef>
-              <a:effectRef idx="0">
-                <a:schemeClr val="accent1"/>
-              </a:effectRef>
-              <a:fontRef idx="minor">
-                <a:schemeClr val="lt1"/>
-              </a:fontRef>
-            </p:style>
-            <p:txBody>
-              <a:bodyPr rtlCol="0" anchor="ctr"/>
-              <a:lstStyle/>
-              <a:p>
-                <a:pPr algn="ctr"/>
-                <a:r>
-                  <a:rPr lang="en-US" altLang="zh-CN" sz="1600" dirty="0">
-                    <a:ea typeface="微软雅黑" panose="020B0503020204020204" pitchFamily="34" charset="-122"/>
-                  </a:rPr>
-                  <a:t>Data Source</a:t>
-                </a:r>
-                <a:endParaRPr lang="zh-CN" altLang="en-US" sz="1600" dirty="0">
+            <a:prstGeom prst="rect">
+              <a:avLst/>
+            </a:prstGeom>
+            <a:noFill/>
+            <a:ln>
+              <a:solidFill>
+                <a:srgbClr val="0A6EFA"/>
+              </a:solidFill>
+            </a:ln>
+          </p:spPr>
+          <p:style>
+            <a:lnRef idx="2">
+              <a:schemeClr val="accent1">
+                <a:shade val="50000"/>
+              </a:schemeClr>
+            </a:lnRef>
+            <a:fillRef idx="1">
+              <a:schemeClr val="accent1"/>
+            </a:fillRef>
+            <a:effectRef idx="0">
+              <a:schemeClr val="accent1"/>
+            </a:effectRef>
+            <a:fontRef idx="minor">
+              <a:schemeClr val="lt1"/>
+            </a:fontRef>
+          </p:style>
+          <p:txBody>
+            <a:bodyPr rtlCol="0" anchor="ctr"/>
+            <a:lstStyle/>
+            <a:p>
+              <a:pPr algn="ctr"/>
+              <a:r>
+                <a:rPr lang="en-US" altLang="zh-CN" sz="1600" dirty="0">
+                  <a:solidFill>
+                    <a:srgbClr val="383B55"/>
+                  </a:solidFill>
+                  <a:latin typeface="Helvetica" pitchFamily="2" charset="0"/>
                   <a:ea typeface="微软雅黑" panose="020B0503020204020204" pitchFamily="34" charset="-122"/>
-                </a:endParaRPr>
-              </a:p>
-            </p:txBody>
-          </p:sp>
-          <p:sp>
-            <p:nvSpPr>
-              <p:cNvPr id="6" name="矩形 5"/>
-              <p:cNvSpPr/>
-              <p:nvPr/>
-            </p:nvSpPr>
-            <p:spPr>
-              <a:xfrm>
-                <a:off x="4508110" y="180080"/>
-                <a:ext cx="1366836" cy="332786"/>
-              </a:xfrm>
-              <a:prstGeom prst="rect">
-                <a:avLst/>
-              </a:prstGeom>
-              <a:ln>
-                <a:noFill/>
-              </a:ln>
-            </p:spPr>
-            <p:style>
-              <a:lnRef idx="2">
-                <a:schemeClr val="accent1">
-                  <a:shade val="50000"/>
-                </a:schemeClr>
-              </a:lnRef>
-              <a:fillRef idx="1">
-                <a:schemeClr val="accent1"/>
-              </a:fillRef>
-              <a:effectRef idx="0">
-                <a:schemeClr val="accent1"/>
-              </a:effectRef>
-              <a:fontRef idx="minor">
-                <a:schemeClr val="lt1"/>
-              </a:fontRef>
-            </p:style>
-            <p:txBody>
-              <a:bodyPr rtlCol="0" anchor="ctr"/>
-              <a:lstStyle/>
-              <a:p>
-                <a:pPr algn="ctr"/>
-                <a:r>
-                  <a:rPr lang="en-US" altLang="zh-CN" sz="1600" dirty="0">
-                    <a:ea typeface="微软雅黑" panose="020B0503020204020204" pitchFamily="34" charset="-122"/>
-                  </a:rPr>
-                  <a:t>Data Explorer</a:t>
-                </a:r>
-                <a:endParaRPr lang="zh-CN" altLang="en-US" sz="1600" dirty="0">
-                  <a:ea typeface="微软雅黑" panose="020B0503020204020204" pitchFamily="34" charset="-122"/>
-                </a:endParaRPr>
-              </a:p>
-            </p:txBody>
-          </p:sp>
-          <p:sp>
-            <p:nvSpPr>
-              <p:cNvPr id="7" name="矩形 6"/>
-              <p:cNvSpPr/>
-              <p:nvPr/>
-            </p:nvSpPr>
-            <p:spPr>
-              <a:xfrm>
-                <a:off x="6541983" y="180081"/>
-                <a:ext cx="1707837" cy="390525"/>
-              </a:xfrm>
-              <a:prstGeom prst="rect">
-                <a:avLst/>
-              </a:prstGeom>
-              <a:ln>
-                <a:noFill/>
-              </a:ln>
-            </p:spPr>
-            <p:style>
-              <a:lnRef idx="2">
-                <a:schemeClr val="accent1">
-                  <a:shade val="50000"/>
-                </a:schemeClr>
-              </a:lnRef>
-              <a:fillRef idx="1">
-                <a:schemeClr val="accent1"/>
-              </a:fillRef>
-              <a:effectRef idx="0">
-                <a:schemeClr val="accent1"/>
-              </a:effectRef>
-              <a:fontRef idx="minor">
-                <a:schemeClr val="lt1"/>
-              </a:fontRef>
-            </p:style>
-            <p:txBody>
-              <a:bodyPr rtlCol="0" anchor="ctr"/>
-              <a:lstStyle/>
-              <a:p>
-                <a:pPr algn="ctr"/>
-                <a:r>
-                  <a:rPr lang="en-US" altLang="zh-CN" sz="1600" dirty="0">
-                    <a:ea typeface="微软雅黑" panose="020B0503020204020204" pitchFamily="34" charset="-122"/>
-                  </a:rPr>
-                  <a:t>Data Integration</a:t>
-                </a:r>
-                <a:endParaRPr lang="zh-CN" altLang="en-US" sz="1600" dirty="0">
-                  <a:ea typeface="微软雅黑" panose="020B0503020204020204" pitchFamily="34" charset="-122"/>
-                </a:endParaRPr>
-              </a:p>
-            </p:txBody>
-          </p:sp>
-          <p:sp>
-            <p:nvSpPr>
-              <p:cNvPr id="8" name="矩形 7"/>
-              <p:cNvSpPr/>
-              <p:nvPr/>
-            </p:nvSpPr>
-            <p:spPr>
-              <a:xfrm>
-                <a:off x="10705414" y="180080"/>
-                <a:ext cx="1181100" cy="390525"/>
-              </a:xfrm>
-              <a:prstGeom prst="rect">
-                <a:avLst/>
-              </a:prstGeom>
-              <a:ln>
-                <a:noFill/>
-              </a:ln>
-            </p:spPr>
-            <p:style>
-              <a:lnRef idx="2">
-                <a:schemeClr val="accent1">
-                  <a:shade val="50000"/>
-                </a:schemeClr>
-              </a:lnRef>
-              <a:fillRef idx="1">
-                <a:schemeClr val="accent1"/>
-              </a:fillRef>
-              <a:effectRef idx="0">
-                <a:schemeClr val="accent1"/>
-              </a:effectRef>
-              <a:fontRef idx="minor">
-                <a:schemeClr val="lt1"/>
-              </a:fontRef>
-            </p:style>
-            <p:txBody>
-              <a:bodyPr rtlCol="0" anchor="ctr"/>
-              <a:lstStyle/>
-              <a:p>
-                <a:pPr algn="ctr"/>
-                <a:r>
-                  <a:rPr lang="en-US" altLang="zh-CN" sz="1600" dirty="0">
-                    <a:ea typeface="微软雅黑" panose="020B0503020204020204" pitchFamily="34" charset="-122"/>
-                  </a:rPr>
-                  <a:t>Data Report</a:t>
-                </a:r>
-                <a:endParaRPr lang="zh-CN" altLang="en-US" sz="1600" dirty="0">
-                  <a:ea typeface="微软雅黑" panose="020B0503020204020204" pitchFamily="34" charset="-122"/>
-                </a:endParaRPr>
-              </a:p>
-            </p:txBody>
-          </p:sp>
-          <p:sp>
-            <p:nvSpPr>
-              <p:cNvPr id="9" name="矩形 8"/>
-              <p:cNvSpPr/>
-              <p:nvPr/>
-            </p:nvSpPr>
-            <p:spPr>
-              <a:xfrm>
-                <a:off x="8803076" y="180082"/>
-                <a:ext cx="1412057" cy="390523"/>
-              </a:xfrm>
-              <a:prstGeom prst="rect">
-                <a:avLst/>
-              </a:prstGeom>
-              <a:ln>
-                <a:noFill/>
-              </a:ln>
-            </p:spPr>
-            <p:style>
-              <a:lnRef idx="2">
-                <a:schemeClr val="accent1">
-                  <a:shade val="50000"/>
-                </a:schemeClr>
-              </a:lnRef>
-              <a:fillRef idx="1">
-                <a:schemeClr val="accent1"/>
-              </a:fillRef>
-              <a:effectRef idx="0">
-                <a:schemeClr val="accent1"/>
-              </a:effectRef>
-              <a:fontRef idx="minor">
-                <a:schemeClr val="lt1"/>
-              </a:fontRef>
-            </p:style>
-            <p:txBody>
-              <a:bodyPr rtlCol="0" anchor="ctr"/>
-              <a:lstStyle/>
-              <a:p>
-                <a:pPr algn="ctr"/>
-                <a:r>
-                  <a:rPr lang="en-US" altLang="zh-CN" sz="1600" dirty="0">
-                    <a:ea typeface="微软雅黑" panose="020B0503020204020204" pitchFamily="34" charset="-122"/>
-                  </a:rPr>
-                  <a:t>Task Monitor</a:t>
-                </a:r>
-                <a:endParaRPr lang="zh-CN" altLang="en-US" sz="1600" dirty="0">
-                  <a:ea typeface="微软雅黑" panose="020B0503020204020204" pitchFamily="34" charset="-122"/>
-                </a:endParaRPr>
-              </a:p>
-            </p:txBody>
-          </p:sp>
-          <p:sp>
-            <p:nvSpPr>
-              <p:cNvPr id="12" name="矩形 11"/>
-              <p:cNvSpPr/>
-              <p:nvPr/>
-            </p:nvSpPr>
-            <p:spPr>
-              <a:xfrm>
-                <a:off x="2823979" y="1478447"/>
-                <a:ext cx="1209675" cy="390525"/>
-              </a:xfrm>
-              <a:prstGeom prst="rect">
-                <a:avLst/>
-              </a:prstGeom>
-              <a:noFill/>
-              <a:ln>
+                </a:rPr>
+                <a:t>Data Store</a:t>
+              </a:r>
+              <a:endParaRPr lang="zh-CN" altLang="en-US" sz="1600" dirty="0">
                 <a:solidFill>
-                  <a:schemeClr val="tx1"/>
+                  <a:srgbClr val="383B55"/>
                 </a:solidFill>
-              </a:ln>
-            </p:spPr>
-            <p:style>
-              <a:lnRef idx="2">
-                <a:schemeClr val="accent1">
-                  <a:shade val="50000"/>
-                </a:schemeClr>
-              </a:lnRef>
-              <a:fillRef idx="1">
-                <a:schemeClr val="accent1"/>
-              </a:fillRef>
-              <a:effectRef idx="0">
-                <a:schemeClr val="accent1"/>
-              </a:effectRef>
-              <a:fontRef idx="minor">
-                <a:schemeClr val="lt1"/>
-              </a:fontRef>
-            </p:style>
-            <p:txBody>
-              <a:bodyPr rtlCol="0" anchor="ctr"/>
-              <a:lstStyle/>
-              <a:p>
-                <a:pPr algn="ctr"/>
-                <a:r>
-                  <a:rPr lang="en-US" altLang="zh-CN" sz="1400" dirty="0">
-                    <a:solidFill>
-                      <a:schemeClr val="tx1"/>
-                    </a:solidFill>
-                    <a:latin typeface="Calibri" panose="020F0502020204030204" pitchFamily="34" charset="0"/>
-                    <a:ea typeface="微软雅黑" panose="020B0503020204020204" pitchFamily="34" charset="-122"/>
-                    <a:cs typeface="Calibri" panose="020F0502020204030204" pitchFamily="34" charset="0"/>
-                  </a:rPr>
-                  <a:t>Add Data Source</a:t>
-                </a:r>
-                <a:endParaRPr lang="zh-CN" altLang="en-US" sz="1400" dirty="0">
+                <a:latin typeface="Helvetica" pitchFamily="2" charset="0"/>
+                <a:ea typeface="微软雅黑" panose="020B0503020204020204" pitchFamily="34" charset="-122"/>
+              </a:endParaRPr>
+            </a:p>
+          </p:txBody>
+        </p:sp>
+        <p:sp>
+          <p:nvSpPr>
+            <p:cNvPr id="12" name="矩形 11"/>
+            <p:cNvSpPr/>
+            <p:nvPr/>
+          </p:nvSpPr>
+          <p:spPr>
+            <a:xfrm>
+              <a:off x="2233570" y="1541077"/>
+              <a:ext cx="1928050" cy="384553"/>
+            </a:xfrm>
+            <a:prstGeom prst="rect">
+              <a:avLst/>
+            </a:prstGeom>
+            <a:noFill/>
+            <a:ln w="19050">
+              <a:solidFill>
+                <a:srgbClr val="0A6EFA"/>
+              </a:solidFill>
+            </a:ln>
+          </p:spPr>
+          <p:style>
+            <a:lnRef idx="2">
+              <a:schemeClr val="accent1">
+                <a:shade val="50000"/>
+              </a:schemeClr>
+            </a:lnRef>
+            <a:fillRef idx="1">
+              <a:schemeClr val="accent1"/>
+            </a:fillRef>
+            <a:effectRef idx="0">
+              <a:schemeClr val="accent1"/>
+            </a:effectRef>
+            <a:fontRef idx="minor">
+              <a:schemeClr val="lt1"/>
+            </a:fontRef>
+          </p:style>
+          <p:txBody>
+            <a:bodyPr rtlCol="0" anchor="ctr"/>
+            <a:lstStyle/>
+            <a:p>
+              <a:pPr algn="ctr"/>
+              <a:r>
+                <a:rPr lang="en-US" altLang="zh-CN" sz="1400" dirty="0">
                   <a:solidFill>
-                    <a:schemeClr val="tx1"/>
+                    <a:srgbClr val="383B55"/>
                   </a:solidFill>
-                  <a:latin typeface="Calibri" panose="020F0502020204030204" pitchFamily="34" charset="0"/>
+                  <a:latin typeface="Helvetica" pitchFamily="2" charset="0"/>
                   <a:ea typeface="微软雅黑" panose="020B0503020204020204" pitchFamily="34" charset="-122"/>
                   <a:cs typeface="Calibri" panose="020F0502020204030204" pitchFamily="34" charset="0"/>
-                </a:endParaRPr>
-              </a:p>
-            </p:txBody>
-          </p:sp>
-          <p:sp>
-            <p:nvSpPr>
-              <p:cNvPr id="14" name="矩形 13"/>
-              <p:cNvSpPr/>
-              <p:nvPr/>
-            </p:nvSpPr>
-            <p:spPr>
-              <a:xfrm>
-                <a:off x="6785231" y="897376"/>
-                <a:ext cx="1295399" cy="390525"/>
-              </a:xfrm>
-              <a:prstGeom prst="rect">
-                <a:avLst/>
-              </a:prstGeom>
-              <a:noFill/>
-              <a:ln>
+                </a:rPr>
+                <a:t>Add Data Source</a:t>
+              </a:r>
+              <a:endParaRPr lang="zh-CN" altLang="en-US" sz="1400" dirty="0">
                 <a:solidFill>
-                  <a:schemeClr val="tx1"/>
+                  <a:srgbClr val="383B55"/>
                 </a:solidFill>
-              </a:ln>
-            </p:spPr>
-            <p:style>
-              <a:lnRef idx="2">
-                <a:schemeClr val="accent1">
-                  <a:shade val="50000"/>
-                </a:schemeClr>
-              </a:lnRef>
-              <a:fillRef idx="1">
-                <a:schemeClr val="accent1"/>
-              </a:fillRef>
-              <a:effectRef idx="0">
-                <a:schemeClr val="accent1"/>
-              </a:effectRef>
-              <a:fontRef idx="minor">
-                <a:schemeClr val="lt1"/>
-              </a:fontRef>
-            </p:style>
-            <p:txBody>
-              <a:bodyPr rtlCol="0" anchor="ctr"/>
-              <a:lstStyle/>
-              <a:p>
-                <a:pPr algn="ctr"/>
-                <a:r>
-                  <a:rPr lang="en-US" altLang="zh-CN" sz="1400" dirty="0">
-                    <a:solidFill>
-                      <a:schemeClr val="tx1"/>
-                    </a:solidFill>
-                    <a:latin typeface="Calibri" panose="020F0502020204030204" pitchFamily="34" charset="0"/>
-                    <a:ea typeface="微软雅黑" panose="020B0503020204020204" pitchFamily="34" charset="-122"/>
-                    <a:cs typeface="Calibri" panose="020F0502020204030204" pitchFamily="34" charset="0"/>
-                  </a:rPr>
-                  <a:t>Create Data Integration Task</a:t>
-                </a:r>
-                <a:endParaRPr lang="zh-CN" altLang="en-US" sz="1400" dirty="0">
+                <a:latin typeface="Helvetica" pitchFamily="2" charset="0"/>
+                <a:ea typeface="微软雅黑" panose="020B0503020204020204" pitchFamily="34" charset="-122"/>
+                <a:cs typeface="Calibri" panose="020F0502020204030204" pitchFamily="34" charset="0"/>
+              </a:endParaRPr>
+            </a:p>
+          </p:txBody>
+        </p:sp>
+        <p:sp>
+          <p:nvSpPr>
+            <p:cNvPr id="14" name="矩形 13"/>
+            <p:cNvSpPr/>
+            <p:nvPr/>
+          </p:nvSpPr>
+          <p:spPr>
+            <a:xfrm>
+              <a:off x="8182269" y="992864"/>
+              <a:ext cx="1931163" cy="514867"/>
+            </a:xfrm>
+            <a:prstGeom prst="rect">
+              <a:avLst/>
+            </a:prstGeom>
+            <a:noFill/>
+            <a:ln w="19050">
+              <a:solidFill>
+                <a:srgbClr val="42CBF5"/>
+              </a:solidFill>
+            </a:ln>
+          </p:spPr>
+          <p:style>
+            <a:lnRef idx="2">
+              <a:schemeClr val="accent1">
+                <a:shade val="50000"/>
+              </a:schemeClr>
+            </a:lnRef>
+            <a:fillRef idx="1">
+              <a:schemeClr val="accent1"/>
+            </a:fillRef>
+            <a:effectRef idx="0">
+              <a:schemeClr val="accent1"/>
+            </a:effectRef>
+            <a:fontRef idx="minor">
+              <a:schemeClr val="lt1"/>
+            </a:fontRef>
+          </p:style>
+          <p:txBody>
+            <a:bodyPr rtlCol="0" anchor="ctr"/>
+            <a:lstStyle/>
+            <a:p>
+              <a:pPr algn="ctr"/>
+              <a:r>
+                <a:rPr lang="en-US" altLang="zh-CN" sz="1400" dirty="0">
                   <a:solidFill>
-                    <a:schemeClr val="tx1"/>
+                    <a:srgbClr val="383B55"/>
                   </a:solidFill>
-                  <a:latin typeface="Calibri" panose="020F0502020204030204" pitchFamily="34" charset="0"/>
+                  <a:latin typeface="Helvetica" pitchFamily="2" charset="0"/>
                   <a:ea typeface="微软雅黑" panose="020B0503020204020204" pitchFamily="34" charset="-122"/>
                   <a:cs typeface="Calibri" panose="020F0502020204030204" pitchFamily="34" charset="0"/>
-                </a:endParaRPr>
-              </a:p>
-            </p:txBody>
-          </p:sp>
-          <p:sp>
-            <p:nvSpPr>
-              <p:cNvPr id="15" name="流程图: 可选过程 14"/>
-              <p:cNvSpPr/>
-              <p:nvPr/>
-            </p:nvSpPr>
-            <p:spPr>
-              <a:xfrm>
-                <a:off x="4415241" y="1478831"/>
-                <a:ext cx="1356412" cy="391294"/>
-              </a:xfrm>
-              <a:prstGeom prst="flowChartAlternateProcess">
-                <a:avLst/>
-              </a:prstGeom>
-              <a:noFill/>
-              <a:ln>
+                </a:rPr>
+                <a:t>Create Data Integration Task</a:t>
+              </a:r>
+              <a:endParaRPr lang="zh-CN" altLang="en-US" sz="1400" dirty="0">
                 <a:solidFill>
-                  <a:schemeClr val="tx1"/>
+                  <a:srgbClr val="383B55"/>
                 </a:solidFill>
-                <a:prstDash val="dash"/>
-              </a:ln>
-            </p:spPr>
-            <p:style>
-              <a:lnRef idx="2">
-                <a:schemeClr val="accent1">
-                  <a:shade val="50000"/>
-                </a:schemeClr>
-              </a:lnRef>
-              <a:fillRef idx="1">
-                <a:schemeClr val="accent1"/>
-              </a:fillRef>
-              <a:effectRef idx="0">
-                <a:schemeClr val="accent1"/>
-              </a:effectRef>
-              <a:fontRef idx="minor">
-                <a:schemeClr val="lt1"/>
-              </a:fontRef>
-            </p:style>
-            <p:txBody>
-              <a:bodyPr rtlCol="0" anchor="ctr"/>
-              <a:lstStyle/>
-              <a:p>
-                <a:pPr algn="ctr"/>
-                <a:r>
-                  <a:rPr lang="en-US" altLang="zh-CN" sz="1400" dirty="0">
-                    <a:solidFill>
-                      <a:schemeClr val="tx1"/>
-                    </a:solidFill>
-                    <a:latin typeface="Calibri" panose="020F0502020204030204" pitchFamily="34" charset="0"/>
-                    <a:ea typeface="微软雅黑" panose="020B0503020204020204" pitchFamily="34" charset="-122"/>
-                    <a:cs typeface="Calibri" panose="020F0502020204030204" pitchFamily="34" charset="0"/>
-                  </a:rPr>
-                  <a:t>Create Target Table</a:t>
-                </a:r>
-                <a:endParaRPr lang="zh-CN" altLang="en-US" sz="1400" dirty="0">
+                <a:latin typeface="Helvetica" pitchFamily="2" charset="0"/>
+                <a:ea typeface="微软雅黑" panose="020B0503020204020204" pitchFamily="34" charset="-122"/>
+                <a:cs typeface="Calibri" panose="020F0502020204030204" pitchFamily="34" charset="0"/>
+              </a:endParaRPr>
+            </a:p>
+          </p:txBody>
+        </p:sp>
+        <p:sp>
+          <p:nvSpPr>
+            <p:cNvPr id="15" name="流程图: 可选过程 14"/>
+            <p:cNvSpPr/>
+            <p:nvPr/>
+          </p:nvSpPr>
+          <p:spPr>
+            <a:xfrm>
+              <a:off x="4759937" y="1540699"/>
+              <a:ext cx="1958355" cy="385310"/>
+            </a:xfrm>
+            <a:prstGeom prst="flowChartAlternateProcess">
+              <a:avLst/>
+            </a:prstGeom>
+            <a:noFill/>
+            <a:ln w="19050">
+              <a:solidFill>
+                <a:srgbClr val="5399FC"/>
+              </a:solidFill>
+              <a:prstDash val="dash"/>
+            </a:ln>
+          </p:spPr>
+          <p:style>
+            <a:lnRef idx="2">
+              <a:schemeClr val="accent1">
+                <a:shade val="50000"/>
+              </a:schemeClr>
+            </a:lnRef>
+            <a:fillRef idx="1">
+              <a:schemeClr val="accent1"/>
+            </a:fillRef>
+            <a:effectRef idx="0">
+              <a:schemeClr val="accent1"/>
+            </a:effectRef>
+            <a:fontRef idx="minor">
+              <a:schemeClr val="lt1"/>
+            </a:fontRef>
+          </p:style>
+          <p:txBody>
+            <a:bodyPr rtlCol="0" anchor="ctr"/>
+            <a:lstStyle/>
+            <a:p>
+              <a:pPr algn="ctr"/>
+              <a:r>
+                <a:rPr lang="en-US" altLang="zh-CN" sz="1400" dirty="0">
                   <a:solidFill>
-                    <a:schemeClr val="tx1"/>
+                    <a:srgbClr val="383B55"/>
                   </a:solidFill>
-                  <a:latin typeface="Calibri" panose="020F0502020204030204" pitchFamily="34" charset="0"/>
+                  <a:latin typeface="Helvetica" pitchFamily="2" charset="0"/>
                   <a:ea typeface="微软雅黑" panose="020B0503020204020204" pitchFamily="34" charset="-122"/>
                   <a:cs typeface="Calibri" panose="020F0502020204030204" pitchFamily="34" charset="0"/>
-                </a:endParaRPr>
-              </a:p>
-            </p:txBody>
-          </p:sp>
-          <p:cxnSp>
-            <p:nvCxnSpPr>
-              <p:cNvPr id="44" name="肘形连接符 43"/>
-              <p:cNvCxnSpPr>
-                <a:stCxn id="12" idx="3"/>
-                <a:endCxn id="15" idx="1"/>
-              </p:cNvCxnSpPr>
-              <p:nvPr/>
-            </p:nvCxnSpPr>
-            <p:spPr>
-              <a:xfrm>
-                <a:off x="4033654" y="1673710"/>
-                <a:ext cx="381587" cy="768"/>
-              </a:xfrm>
-              <a:prstGeom prst="bentConnector3">
-                <a:avLst>
-                  <a:gd name="adj1" fmla="val 50000"/>
-                </a:avLst>
-              </a:prstGeom>
-              <a:ln w="12700">
+                </a:rPr>
+                <a:t>Create Target Table</a:t>
+              </a:r>
+              <a:endParaRPr lang="zh-CN" altLang="en-US" sz="1400" dirty="0">
                 <a:solidFill>
-                  <a:schemeClr val="tx1"/>
+                  <a:srgbClr val="383B55"/>
                 </a:solidFill>
-                <a:tailEnd type="triangle"/>
-              </a:ln>
-            </p:spPr>
-            <p:style>
-              <a:lnRef idx="1">
-                <a:schemeClr val="accent1"/>
-              </a:lnRef>
-              <a:fillRef idx="0">
-                <a:schemeClr val="accent1"/>
-              </a:fillRef>
-              <a:effectRef idx="0">
-                <a:schemeClr val="accent1"/>
-              </a:effectRef>
-              <a:fontRef idx="minor">
-                <a:schemeClr val="tx1"/>
-              </a:fontRef>
-            </p:style>
-          </p:cxnSp>
-          <p:sp>
-            <p:nvSpPr>
-              <p:cNvPr id="47" name="矩形 46"/>
-              <p:cNvSpPr/>
-              <p:nvPr/>
-            </p:nvSpPr>
-            <p:spPr>
-              <a:xfrm>
-                <a:off x="6712111" y="2023370"/>
-                <a:ext cx="1425672" cy="368832"/>
-              </a:xfrm>
-              <a:prstGeom prst="rect">
-                <a:avLst/>
-              </a:prstGeom>
-              <a:noFill/>
-              <a:ln>
-                <a:solidFill>
-                  <a:schemeClr val="tx1"/>
-                </a:solidFill>
-              </a:ln>
-            </p:spPr>
-            <p:style>
-              <a:lnRef idx="2">
-                <a:schemeClr val="accent1">
-                  <a:shade val="50000"/>
-                </a:schemeClr>
-              </a:lnRef>
-              <a:fillRef idx="1">
-                <a:schemeClr val="accent1"/>
-              </a:fillRef>
-              <a:effectRef idx="0">
-                <a:schemeClr val="accent1"/>
-              </a:effectRef>
-              <a:fontRef idx="minor">
-                <a:schemeClr val="lt1"/>
-              </a:fontRef>
-            </p:style>
-            <p:txBody>
-              <a:bodyPr rtlCol="0" anchor="ctr"/>
-              <a:lstStyle/>
-              <a:p>
-                <a:pPr algn="ctr"/>
-                <a:r>
-                  <a:rPr lang="en-US" altLang="zh-CN" sz="1400" dirty="0">
-                    <a:solidFill>
-                      <a:schemeClr val="tx1"/>
-                    </a:solidFill>
-                    <a:latin typeface="Calibri" panose="020F0502020204030204" pitchFamily="34" charset="0"/>
-                    <a:ea typeface="微软雅黑" panose="020B0503020204020204" pitchFamily="34" charset="-122"/>
-                    <a:cs typeface="Calibri" panose="020F0502020204030204" pitchFamily="34" charset="0"/>
-                  </a:rPr>
-                  <a:t>Create Data Development Task</a:t>
-                </a:r>
-                <a:endParaRPr lang="zh-CN" altLang="en-US" sz="1400" dirty="0">
+                <a:latin typeface="Helvetica" pitchFamily="2" charset="0"/>
+                <a:ea typeface="微软雅黑" panose="020B0503020204020204" pitchFamily="34" charset="-122"/>
+                <a:cs typeface="Calibri" panose="020F0502020204030204" pitchFamily="34" charset="0"/>
+              </a:endParaRPr>
+            </a:p>
+          </p:txBody>
+        </p:sp>
+        <p:sp>
+          <p:nvSpPr>
+            <p:cNvPr id="47" name="矩形 46"/>
+            <p:cNvSpPr/>
+            <p:nvPr/>
+          </p:nvSpPr>
+          <p:spPr>
+            <a:xfrm>
+              <a:off x="8187365" y="1996383"/>
+              <a:ext cx="1926067" cy="514851"/>
+            </a:xfrm>
+            <a:prstGeom prst="rect">
+              <a:avLst/>
+            </a:prstGeom>
+            <a:noFill/>
+            <a:ln w="19050">
+              <a:solidFill>
+                <a:srgbClr val="42CBF5"/>
+              </a:solidFill>
+            </a:ln>
+          </p:spPr>
+          <p:style>
+            <a:lnRef idx="2">
+              <a:schemeClr val="accent1">
+                <a:shade val="50000"/>
+              </a:schemeClr>
+            </a:lnRef>
+            <a:fillRef idx="1">
+              <a:schemeClr val="accent1"/>
+            </a:fillRef>
+            <a:effectRef idx="0">
+              <a:schemeClr val="accent1"/>
+            </a:effectRef>
+            <a:fontRef idx="minor">
+              <a:schemeClr val="lt1"/>
+            </a:fontRef>
+          </p:style>
+          <p:txBody>
+            <a:bodyPr rtlCol="0" anchor="ctr"/>
+            <a:lstStyle/>
+            <a:p>
+              <a:pPr algn="ctr"/>
+              <a:r>
+                <a:rPr lang="en-US" altLang="zh-CN" sz="1400" dirty="0">
                   <a:solidFill>
-                    <a:schemeClr val="tx1"/>
+                    <a:srgbClr val="383B55"/>
                   </a:solidFill>
-                  <a:latin typeface="Calibri" panose="020F0502020204030204" pitchFamily="34" charset="0"/>
+                  <a:latin typeface="Helvetica" pitchFamily="2" charset="0"/>
                   <a:ea typeface="微软雅黑" panose="020B0503020204020204" pitchFamily="34" charset="-122"/>
                   <a:cs typeface="Calibri" panose="020F0502020204030204" pitchFamily="34" charset="0"/>
-                </a:endParaRPr>
-              </a:p>
-            </p:txBody>
-          </p:sp>
-          <p:cxnSp>
-            <p:nvCxnSpPr>
-              <p:cNvPr id="80" name="肘形连接符 79"/>
-              <p:cNvCxnSpPr>
-                <a:stCxn id="15" idx="3"/>
-                <a:endCxn id="14" idx="1"/>
-              </p:cNvCxnSpPr>
-              <p:nvPr/>
-            </p:nvCxnSpPr>
-            <p:spPr>
-              <a:xfrm flipV="1">
-                <a:off x="5771653" y="1092639"/>
-                <a:ext cx="1013578" cy="581839"/>
-              </a:xfrm>
-              <a:prstGeom prst="bentConnector3">
-                <a:avLst>
-                  <a:gd name="adj1" fmla="val 50000"/>
-                </a:avLst>
-              </a:prstGeom>
-              <a:ln w="12700">
+                </a:rPr>
+                <a:t>Create Data Development Task</a:t>
+              </a:r>
+              <a:endParaRPr lang="zh-CN" altLang="en-US" sz="1400" dirty="0">
                 <a:solidFill>
-                  <a:schemeClr val="tx1"/>
+                  <a:srgbClr val="383B55"/>
                 </a:solidFill>
-                <a:tailEnd type="triangle"/>
-              </a:ln>
-            </p:spPr>
-            <p:style>
-              <a:lnRef idx="1">
-                <a:schemeClr val="accent1"/>
-              </a:lnRef>
-              <a:fillRef idx="0">
-                <a:schemeClr val="accent1"/>
-              </a:fillRef>
-              <a:effectRef idx="0">
-                <a:schemeClr val="accent1"/>
-              </a:effectRef>
-              <a:fontRef idx="minor">
-                <a:schemeClr val="tx1"/>
-              </a:fontRef>
-            </p:style>
-          </p:cxnSp>
-          <p:cxnSp>
-            <p:nvCxnSpPr>
-              <p:cNvPr id="83" name="肘形连接符 82"/>
-              <p:cNvCxnSpPr>
-                <a:cxnSpLocks/>
-                <a:stCxn id="15" idx="3"/>
-                <a:endCxn id="47" idx="1"/>
-              </p:cNvCxnSpPr>
-              <p:nvPr/>
-            </p:nvCxnSpPr>
-            <p:spPr>
-              <a:xfrm>
-                <a:off x="5771653" y="1674478"/>
-                <a:ext cx="940458" cy="533308"/>
-              </a:xfrm>
-              <a:prstGeom prst="bentConnector3">
-                <a:avLst>
-                  <a:gd name="adj1" fmla="val 53914"/>
-                </a:avLst>
-              </a:prstGeom>
-              <a:ln w="12700">
-                <a:solidFill>
-                  <a:schemeClr val="tx1"/>
-                </a:solidFill>
-                <a:tailEnd type="triangle"/>
-              </a:ln>
-            </p:spPr>
-            <p:style>
-              <a:lnRef idx="1">
-                <a:schemeClr val="accent1"/>
-              </a:lnRef>
-              <a:fillRef idx="0">
-                <a:schemeClr val="accent1"/>
-              </a:fillRef>
-              <a:effectRef idx="0">
-                <a:schemeClr val="accent1"/>
-              </a:effectRef>
-              <a:fontRef idx="minor">
-                <a:schemeClr val="tx1"/>
-              </a:fontRef>
-            </p:style>
-          </p:cxnSp>
-          <p:cxnSp>
-            <p:nvCxnSpPr>
-              <p:cNvPr id="89" name="肘形连接符 88"/>
-              <p:cNvCxnSpPr>
-                <a:stCxn id="14" idx="3"/>
-              </p:cNvCxnSpPr>
-              <p:nvPr/>
-            </p:nvCxnSpPr>
-            <p:spPr>
-              <a:xfrm>
-                <a:off x="8080630" y="1092639"/>
-                <a:ext cx="724376" cy="581455"/>
-              </a:xfrm>
-              <a:prstGeom prst="bentConnector3">
-                <a:avLst>
-                  <a:gd name="adj1" fmla="val 50000"/>
-                </a:avLst>
-              </a:prstGeom>
-              <a:ln w="12700">
-                <a:solidFill>
-                  <a:schemeClr val="tx1"/>
-                </a:solidFill>
-                <a:tailEnd type="triangle"/>
-              </a:ln>
-            </p:spPr>
-            <p:style>
-              <a:lnRef idx="1">
-                <a:schemeClr val="accent1"/>
-              </a:lnRef>
-              <a:fillRef idx="0">
-                <a:schemeClr val="accent1"/>
-              </a:fillRef>
-              <a:effectRef idx="0">
-                <a:schemeClr val="accent1"/>
-              </a:effectRef>
-              <a:fontRef idx="minor">
-                <a:schemeClr val="tx1"/>
-              </a:fontRef>
-            </p:style>
-          </p:cxnSp>
-          <p:sp>
-            <p:nvSpPr>
-              <p:cNvPr id="96" name="流程图: 可选过程 95"/>
-              <p:cNvSpPr/>
-              <p:nvPr/>
-            </p:nvSpPr>
-            <p:spPr>
-              <a:xfrm>
-                <a:off x="4361731" y="2736128"/>
-                <a:ext cx="1513215" cy="392511"/>
-              </a:xfrm>
-              <a:prstGeom prst="flowChartAlternateProcess">
-                <a:avLst/>
-              </a:prstGeom>
-              <a:noFill/>
-              <a:ln>
-                <a:solidFill>
-                  <a:schemeClr val="tx1"/>
-                </a:solidFill>
-                <a:prstDash val="dash"/>
-              </a:ln>
-            </p:spPr>
-            <p:style>
-              <a:lnRef idx="2">
-                <a:schemeClr val="accent1">
-                  <a:shade val="50000"/>
-                </a:schemeClr>
-              </a:lnRef>
-              <a:fillRef idx="1">
-                <a:schemeClr val="accent1"/>
-              </a:fillRef>
-              <a:effectRef idx="0">
-                <a:schemeClr val="accent1"/>
-              </a:effectRef>
-              <a:fontRef idx="minor">
-                <a:schemeClr val="lt1"/>
-              </a:fontRef>
-            </p:style>
-            <p:txBody>
-              <a:bodyPr rtlCol="0" anchor="ctr"/>
-              <a:lstStyle/>
-              <a:p>
-                <a:pPr algn="ctr"/>
-                <a:r>
-                  <a:rPr lang="en-US" altLang="zh-CN" sz="1400" dirty="0">
-                    <a:solidFill>
-                      <a:schemeClr val="tx1"/>
-                    </a:solidFill>
-                    <a:latin typeface="Calibri" panose="020F0502020204030204" pitchFamily="34" charset="0"/>
-                    <a:ea typeface="微软雅黑" panose="020B0503020204020204" pitchFamily="34" charset="-122"/>
-                    <a:cs typeface="Calibri" panose="020F0502020204030204" pitchFamily="34" charset="0"/>
-                  </a:rPr>
-                  <a:t>Check Synchronized Data</a:t>
-                </a:r>
-                <a:endParaRPr lang="zh-CN" altLang="en-US" sz="1400" dirty="0">
+                <a:latin typeface="Helvetica" pitchFamily="2" charset="0"/>
+                <a:ea typeface="微软雅黑" panose="020B0503020204020204" pitchFamily="34" charset="-122"/>
+                <a:cs typeface="Calibri" panose="020F0502020204030204" pitchFamily="34" charset="0"/>
+              </a:endParaRPr>
+            </a:p>
+          </p:txBody>
+        </p:sp>
+        <p:sp>
+          <p:nvSpPr>
+            <p:cNvPr id="96" name="流程图: 可选过程 95"/>
+            <p:cNvSpPr/>
+            <p:nvPr/>
+          </p:nvSpPr>
+          <p:spPr>
+            <a:xfrm>
+              <a:off x="4755719" y="2802422"/>
+              <a:ext cx="1953056" cy="514629"/>
+            </a:xfrm>
+            <a:prstGeom prst="flowChartAlternateProcess">
+              <a:avLst/>
+            </a:prstGeom>
+            <a:noFill/>
+            <a:ln w="19050">
+              <a:solidFill>
+                <a:srgbClr val="5399FC"/>
+              </a:solidFill>
+              <a:prstDash val="dash"/>
+            </a:ln>
+          </p:spPr>
+          <p:style>
+            <a:lnRef idx="2">
+              <a:schemeClr val="accent1">
+                <a:shade val="50000"/>
+              </a:schemeClr>
+            </a:lnRef>
+            <a:fillRef idx="1">
+              <a:schemeClr val="accent1"/>
+            </a:fillRef>
+            <a:effectRef idx="0">
+              <a:schemeClr val="accent1"/>
+            </a:effectRef>
+            <a:fontRef idx="minor">
+              <a:schemeClr val="lt1"/>
+            </a:fontRef>
+          </p:style>
+          <p:txBody>
+            <a:bodyPr rtlCol="0" anchor="ctr"/>
+            <a:lstStyle/>
+            <a:p>
+              <a:pPr algn="ctr"/>
+              <a:r>
+                <a:rPr lang="en-US" altLang="zh-CN" sz="1400" dirty="0">
                   <a:solidFill>
-                    <a:schemeClr val="tx1"/>
+                    <a:srgbClr val="383B55"/>
                   </a:solidFill>
-                  <a:latin typeface="Calibri" panose="020F0502020204030204" pitchFamily="34" charset="0"/>
+                  <a:latin typeface="Helvetica" pitchFamily="2" charset="0"/>
                   <a:ea typeface="微软雅黑" panose="020B0503020204020204" pitchFamily="34" charset="-122"/>
                   <a:cs typeface="Calibri" panose="020F0502020204030204" pitchFamily="34" charset="0"/>
-                </a:endParaRPr>
-              </a:p>
-            </p:txBody>
-          </p:sp>
-          <p:cxnSp>
-            <p:nvCxnSpPr>
-              <p:cNvPr id="97" name="肘形连接符 96"/>
-              <p:cNvCxnSpPr>
-                <a:cxnSpLocks/>
-                <a:stCxn id="242" idx="2"/>
-                <a:endCxn id="96" idx="3"/>
-              </p:cNvCxnSpPr>
-              <p:nvPr/>
-            </p:nvCxnSpPr>
-            <p:spPr>
-              <a:xfrm rot="5400000">
-                <a:off x="7146793" y="597894"/>
-                <a:ext cx="1062643" cy="3606336"/>
-              </a:xfrm>
-              <a:prstGeom prst="bentConnector2">
-                <a:avLst/>
-              </a:prstGeom>
-              <a:ln w="12700">
+                </a:rPr>
+                <a:t>Check Synchronized Data</a:t>
+              </a:r>
+              <a:endParaRPr lang="zh-CN" altLang="en-US" sz="1400" dirty="0">
                 <a:solidFill>
-                  <a:schemeClr val="tx1"/>
+                  <a:srgbClr val="383B55"/>
                 </a:solidFill>
-                <a:tailEnd type="triangle"/>
-              </a:ln>
-            </p:spPr>
-            <p:style>
-              <a:lnRef idx="1">
-                <a:schemeClr val="accent1"/>
-              </a:lnRef>
-              <a:fillRef idx="0">
-                <a:schemeClr val="accent1"/>
-              </a:fillRef>
-              <a:effectRef idx="0">
-                <a:schemeClr val="accent1"/>
-              </a:effectRef>
-              <a:fontRef idx="minor">
-                <a:schemeClr val="tx1"/>
-              </a:fontRef>
-            </p:style>
-          </p:cxnSp>
-          <p:cxnSp>
-            <p:nvCxnSpPr>
-              <p:cNvPr id="135" name="肘形连接符 134"/>
-              <p:cNvCxnSpPr>
-                <a:cxnSpLocks/>
-                <a:stCxn id="47" idx="3"/>
-              </p:cNvCxnSpPr>
-              <p:nvPr/>
-            </p:nvCxnSpPr>
-            <p:spPr>
-              <a:xfrm flipV="1">
-                <a:off x="8137782" y="1674094"/>
-                <a:ext cx="667223" cy="533692"/>
-              </a:xfrm>
-              <a:prstGeom prst="bentConnector3">
-                <a:avLst>
-                  <a:gd name="adj1" fmla="val 44483"/>
-                </a:avLst>
-              </a:prstGeom>
-              <a:ln w="12700">
-                <a:solidFill>
-                  <a:schemeClr val="tx1"/>
-                </a:solidFill>
-                <a:tailEnd type="triangle"/>
-              </a:ln>
-            </p:spPr>
-            <p:style>
-              <a:lnRef idx="1">
-                <a:schemeClr val="accent1"/>
-              </a:lnRef>
-              <a:fillRef idx="0">
-                <a:schemeClr val="accent1"/>
-              </a:fillRef>
-              <a:effectRef idx="0">
-                <a:schemeClr val="accent1"/>
-              </a:effectRef>
-              <a:fontRef idx="minor">
-                <a:schemeClr val="tx1"/>
-              </a:fontRef>
-            </p:style>
-          </p:cxnSp>
-          <p:sp>
-            <p:nvSpPr>
-              <p:cNvPr id="147" name="流程图: 磁盘 146"/>
-              <p:cNvSpPr/>
-              <p:nvPr/>
-            </p:nvSpPr>
-            <p:spPr>
-              <a:xfrm>
-                <a:off x="1166555" y="1319053"/>
-                <a:ext cx="1307063" cy="711964"/>
-              </a:xfrm>
-              <a:prstGeom prst="flowChartMagneticDisk">
-                <a:avLst/>
-              </a:prstGeom>
-              <a:noFill/>
-              <a:ln>
-                <a:solidFill>
-                  <a:schemeClr val="tx1"/>
-                </a:solidFill>
-              </a:ln>
-            </p:spPr>
-            <p:style>
-              <a:lnRef idx="2">
-                <a:schemeClr val="accent1">
-                  <a:shade val="50000"/>
-                </a:schemeClr>
-              </a:lnRef>
-              <a:fillRef idx="1">
-                <a:schemeClr val="accent1"/>
-              </a:fillRef>
-              <a:effectRef idx="0">
-                <a:schemeClr val="accent1"/>
-              </a:effectRef>
-              <a:fontRef idx="minor">
-                <a:schemeClr val="lt1"/>
-              </a:fontRef>
-            </p:style>
-            <p:txBody>
-              <a:bodyPr rtlCol="0" anchor="ctr"/>
-              <a:lstStyle/>
-              <a:p>
-                <a:pPr algn="ctr"/>
-                <a:r>
-                  <a:rPr lang="en-US" altLang="zh-CN" sz="1400" dirty="0">
-                    <a:solidFill>
-                      <a:schemeClr val="tx1"/>
-                    </a:solidFill>
-                    <a:latin typeface="Calibri" panose="020F0502020204030204" pitchFamily="34" charset="0"/>
-                    <a:ea typeface="微软雅黑" panose="020B0503020204020204" pitchFamily="34" charset="-122"/>
-                    <a:cs typeface="Calibri" panose="020F0502020204030204" pitchFamily="34" charset="0"/>
-                  </a:rPr>
-                  <a:t>Data in Business System</a:t>
-                </a:r>
-              </a:p>
-            </p:txBody>
-          </p:sp>
-          <p:cxnSp>
-            <p:nvCxnSpPr>
-              <p:cNvPr id="148" name="肘形连接符 147"/>
-              <p:cNvCxnSpPr>
-                <a:cxnSpLocks/>
-                <a:stCxn id="147" idx="4"/>
-                <a:endCxn id="12" idx="1"/>
-              </p:cNvCxnSpPr>
-              <p:nvPr/>
-            </p:nvCxnSpPr>
-            <p:spPr>
-              <a:xfrm flipV="1">
-                <a:off x="2473618" y="1673710"/>
-                <a:ext cx="350361" cy="1325"/>
-              </a:xfrm>
-              <a:prstGeom prst="bentConnector3">
-                <a:avLst>
-                  <a:gd name="adj1" fmla="val 50000"/>
-                </a:avLst>
-              </a:prstGeom>
-              <a:ln w="12700">
-                <a:solidFill>
-                  <a:schemeClr val="tx1"/>
-                </a:solidFill>
-                <a:tailEnd type="triangle"/>
-              </a:ln>
-            </p:spPr>
-            <p:style>
-              <a:lnRef idx="1">
-                <a:schemeClr val="accent1"/>
-              </a:lnRef>
-              <a:fillRef idx="0">
-                <a:schemeClr val="accent1"/>
-              </a:fillRef>
-              <a:effectRef idx="0">
-                <a:schemeClr val="accent1"/>
-              </a:effectRef>
-              <a:fontRef idx="minor">
-                <a:schemeClr val="tx1"/>
-              </a:fontRef>
-            </p:style>
-          </p:cxnSp>
-          <p:sp>
-            <p:nvSpPr>
-              <p:cNvPr id="151" name="流程图: 磁盘 150"/>
-              <p:cNvSpPr/>
-              <p:nvPr/>
-            </p:nvSpPr>
-            <p:spPr>
-              <a:xfrm>
-                <a:off x="1166557" y="2581433"/>
-                <a:ext cx="1307061" cy="718109"/>
-              </a:xfrm>
-              <a:prstGeom prst="flowChartMagneticDisk">
-                <a:avLst/>
-              </a:prstGeom>
-              <a:noFill/>
-              <a:ln>
-                <a:solidFill>
-                  <a:schemeClr val="tx1"/>
-                </a:solidFill>
-              </a:ln>
-            </p:spPr>
-            <p:style>
-              <a:lnRef idx="2">
-                <a:schemeClr val="accent1">
-                  <a:shade val="50000"/>
-                </a:schemeClr>
-              </a:lnRef>
-              <a:fillRef idx="1">
-                <a:schemeClr val="accent1"/>
-              </a:fillRef>
-              <a:effectRef idx="0">
-                <a:schemeClr val="accent1"/>
-              </a:effectRef>
-              <a:fontRef idx="minor">
-                <a:schemeClr val="lt1"/>
-              </a:fontRef>
-            </p:style>
-            <p:txBody>
-              <a:bodyPr rtlCol="0" anchor="ctr"/>
-              <a:lstStyle/>
-              <a:p>
-                <a:pPr algn="ctr"/>
-                <a:r>
-                  <a:rPr lang="en-US" altLang="zh-CN" sz="1400" dirty="0">
-                    <a:solidFill>
-                      <a:schemeClr val="tx1"/>
-                    </a:solidFill>
-                    <a:latin typeface="Calibri" panose="020F0502020204030204" pitchFamily="34" charset="0"/>
-                    <a:ea typeface="微软雅黑" panose="020B0503020204020204" pitchFamily="34" charset="-122"/>
-                    <a:cs typeface="Calibri" panose="020F0502020204030204" pitchFamily="34" charset="0"/>
-                  </a:rPr>
-                  <a:t>Data Warehouse</a:t>
-                </a:r>
-              </a:p>
-              <a:p>
-                <a:pPr algn="ctr"/>
-                <a:r>
-                  <a:rPr lang="en-US" altLang="zh-CN" sz="1400" dirty="0">
-                    <a:solidFill>
-                      <a:schemeClr val="tx1"/>
-                    </a:solidFill>
-                    <a:latin typeface="Calibri" panose="020F0502020204030204" pitchFamily="34" charset="0"/>
-                    <a:ea typeface="微软雅黑" panose="020B0503020204020204" pitchFamily="34" charset="-122"/>
-                    <a:cs typeface="Calibri" panose="020F0502020204030204" pitchFamily="34" charset="0"/>
-                  </a:rPr>
-                  <a:t>HDFS/Hive</a:t>
-                </a:r>
-                <a:endParaRPr lang="zh-CN" altLang="en-US" sz="1400" dirty="0">
-                  <a:solidFill>
-                    <a:schemeClr val="tx1"/>
-                  </a:solidFill>
-                  <a:latin typeface="Calibri" panose="020F0502020204030204" pitchFamily="34" charset="0"/>
-                  <a:ea typeface="微软雅黑" panose="020B0503020204020204" pitchFamily="34" charset="-122"/>
-                  <a:cs typeface="Calibri" panose="020F0502020204030204" pitchFamily="34" charset="0"/>
-                </a:endParaRPr>
-              </a:p>
-            </p:txBody>
-          </p:sp>
-          <p:cxnSp>
-            <p:nvCxnSpPr>
-              <p:cNvPr id="152" name="肘形连接符 151"/>
-              <p:cNvCxnSpPr>
-                <a:cxnSpLocks/>
-                <a:stCxn id="96" idx="1"/>
-                <a:endCxn id="151" idx="4"/>
-              </p:cNvCxnSpPr>
-              <p:nvPr/>
-            </p:nvCxnSpPr>
-            <p:spPr>
-              <a:xfrm rot="10800000" flipV="1">
-                <a:off x="2473618" y="2932384"/>
-                <a:ext cx="1888113" cy="8104"/>
-              </a:xfrm>
-              <a:prstGeom prst="bentConnector3">
-                <a:avLst>
-                  <a:gd name="adj1" fmla="val 50000"/>
-                </a:avLst>
-              </a:prstGeom>
-              <a:ln w="12700">
-                <a:solidFill>
-                  <a:schemeClr val="tx1"/>
-                </a:solidFill>
-                <a:tailEnd type="triangle"/>
-              </a:ln>
-            </p:spPr>
-            <p:style>
-              <a:lnRef idx="1">
-                <a:schemeClr val="accent1"/>
-              </a:lnRef>
-              <a:fillRef idx="0">
-                <a:schemeClr val="accent1"/>
-              </a:fillRef>
-              <a:effectRef idx="0">
-                <a:schemeClr val="accent1"/>
-              </a:effectRef>
-              <a:fontRef idx="minor">
-                <a:schemeClr val="tx1"/>
-              </a:fontRef>
-            </p:style>
-          </p:cxnSp>
-          <p:sp>
-            <p:nvSpPr>
-              <p:cNvPr id="155" name="矩形 154"/>
-              <p:cNvSpPr/>
-              <p:nvPr/>
-            </p:nvSpPr>
-            <p:spPr>
-              <a:xfrm>
-                <a:off x="6582577" y="3461486"/>
-                <a:ext cx="1426087" cy="454662"/>
-              </a:xfrm>
-              <a:prstGeom prst="rect">
-                <a:avLst/>
-              </a:prstGeom>
-              <a:noFill/>
-              <a:ln>
-                <a:solidFill>
-                  <a:schemeClr val="tx1"/>
-                </a:solidFill>
-              </a:ln>
-            </p:spPr>
-            <p:style>
-              <a:lnRef idx="2">
-                <a:schemeClr val="accent1">
-                  <a:shade val="50000"/>
-                </a:schemeClr>
-              </a:lnRef>
-              <a:fillRef idx="1">
-                <a:schemeClr val="accent1"/>
-              </a:fillRef>
-              <a:effectRef idx="0">
-                <a:schemeClr val="accent1"/>
-              </a:effectRef>
-              <a:fontRef idx="minor">
-                <a:schemeClr val="lt1"/>
-              </a:fontRef>
-            </p:style>
-            <p:txBody>
-              <a:bodyPr rtlCol="0" anchor="ctr"/>
-              <a:lstStyle/>
-              <a:p>
-                <a:pPr algn="ctr"/>
-                <a:r>
-                  <a:rPr lang="en-US" altLang="zh-CN" sz="1400" dirty="0">
-                    <a:solidFill>
-                      <a:schemeClr val="tx1"/>
-                    </a:solidFill>
-                    <a:latin typeface="Calibri" panose="020F0502020204030204" pitchFamily="34" charset="0"/>
-                    <a:ea typeface="微软雅黑" panose="020B0503020204020204" pitchFamily="34" charset="-122"/>
-                    <a:cs typeface="Calibri" panose="020F0502020204030204" pitchFamily="34" charset="0"/>
-                  </a:rPr>
-                  <a:t>Create Target Table in Report DB</a:t>
-                </a:r>
-                <a:endParaRPr lang="zh-CN" altLang="en-US" sz="1400" dirty="0">
-                  <a:solidFill>
-                    <a:schemeClr val="tx1"/>
-                  </a:solidFill>
-                  <a:latin typeface="Calibri" panose="020F0502020204030204" pitchFamily="34" charset="0"/>
-                  <a:ea typeface="微软雅黑" panose="020B0503020204020204" pitchFamily="34" charset="-122"/>
-                  <a:cs typeface="Calibri" panose="020F0502020204030204" pitchFamily="34" charset="0"/>
-                </a:endParaRPr>
-              </a:p>
-            </p:txBody>
-          </p:sp>
-          <p:cxnSp>
-            <p:nvCxnSpPr>
-              <p:cNvPr id="156" name="肘形连接符 155"/>
-              <p:cNvCxnSpPr>
-                <a:cxnSpLocks/>
-                <a:stCxn id="151" idx="3"/>
-                <a:endCxn id="155" idx="1"/>
-              </p:cNvCxnSpPr>
-              <p:nvPr/>
-            </p:nvCxnSpPr>
-            <p:spPr>
-              <a:xfrm rot="16200000" flipH="1">
-                <a:off x="4006695" y="1112935"/>
-                <a:ext cx="389275" cy="4762489"/>
-              </a:xfrm>
-              <a:prstGeom prst="bentConnector2">
-                <a:avLst/>
-              </a:prstGeom>
-              <a:ln w="12700">
-                <a:solidFill>
-                  <a:schemeClr val="tx1"/>
-                </a:solidFill>
-                <a:tailEnd type="triangle"/>
-              </a:ln>
-            </p:spPr>
-            <p:style>
-              <a:lnRef idx="1">
-                <a:schemeClr val="accent1"/>
-              </a:lnRef>
-              <a:fillRef idx="0">
-                <a:schemeClr val="accent1"/>
-              </a:fillRef>
-              <a:effectRef idx="0">
-                <a:schemeClr val="accent1"/>
-              </a:effectRef>
-              <a:fontRef idx="minor">
-                <a:schemeClr val="tx1"/>
-              </a:fontRef>
-            </p:style>
-          </p:cxnSp>
-          <p:sp>
-            <p:nvSpPr>
-              <p:cNvPr id="160" name="矩形 159"/>
-              <p:cNvSpPr/>
-              <p:nvPr/>
-            </p:nvSpPr>
-            <p:spPr>
-              <a:xfrm>
-                <a:off x="6571563" y="4326602"/>
-                <a:ext cx="1437102" cy="454662"/>
-              </a:xfrm>
-              <a:prstGeom prst="rect">
-                <a:avLst/>
-              </a:prstGeom>
-              <a:noFill/>
-              <a:ln>
-                <a:solidFill>
-                  <a:schemeClr val="tx1"/>
-                </a:solidFill>
-              </a:ln>
-            </p:spPr>
-            <p:style>
-              <a:lnRef idx="2">
-                <a:schemeClr val="accent1">
-                  <a:shade val="50000"/>
-                </a:schemeClr>
-              </a:lnRef>
-              <a:fillRef idx="1">
-                <a:schemeClr val="accent1"/>
-              </a:fillRef>
-              <a:effectRef idx="0">
-                <a:schemeClr val="accent1"/>
-              </a:effectRef>
-              <a:fontRef idx="minor">
-                <a:schemeClr val="lt1"/>
-              </a:fontRef>
-            </p:style>
-            <p:txBody>
-              <a:bodyPr rtlCol="0" anchor="ctr"/>
-              <a:lstStyle/>
-              <a:p>
-                <a:pPr algn="ctr"/>
-                <a:r>
-                  <a:rPr lang="en-US" altLang="zh-CN" sz="1400" dirty="0">
-                    <a:solidFill>
-                      <a:schemeClr val="tx1"/>
-                    </a:solidFill>
-                    <a:latin typeface="Calibri" panose="020F0502020204030204" pitchFamily="34" charset="0"/>
-                    <a:ea typeface="微软雅黑" panose="020B0503020204020204" pitchFamily="34" charset="-122"/>
-                    <a:cs typeface="Calibri" panose="020F0502020204030204" pitchFamily="34" charset="0"/>
-                  </a:rPr>
-                  <a:t>Sync Table Data to Report DB</a:t>
-                </a:r>
-                <a:endParaRPr lang="zh-CN" altLang="en-US" sz="1400" dirty="0">
-                  <a:solidFill>
-                    <a:schemeClr val="tx1"/>
-                  </a:solidFill>
-                  <a:latin typeface="Calibri" panose="020F0502020204030204" pitchFamily="34" charset="0"/>
-                  <a:ea typeface="微软雅黑" panose="020B0503020204020204" pitchFamily="34" charset="-122"/>
-                  <a:cs typeface="Calibri" panose="020F0502020204030204" pitchFamily="34" charset="0"/>
-                </a:endParaRPr>
-              </a:p>
-            </p:txBody>
-          </p:sp>
-          <p:sp>
-            <p:nvSpPr>
-              <p:cNvPr id="161" name="流程图: 可选过程 160"/>
-              <p:cNvSpPr/>
-              <p:nvPr/>
-            </p:nvSpPr>
-            <p:spPr>
-              <a:xfrm>
-                <a:off x="4361732" y="5023336"/>
-                <a:ext cx="1488839" cy="389276"/>
-              </a:xfrm>
-              <a:prstGeom prst="flowChartAlternateProcess">
-                <a:avLst/>
-              </a:prstGeom>
-              <a:noFill/>
-              <a:ln>
-                <a:solidFill>
-                  <a:schemeClr val="tx1"/>
-                </a:solidFill>
-                <a:prstDash val="dash"/>
-              </a:ln>
-            </p:spPr>
-            <p:style>
-              <a:lnRef idx="2">
-                <a:schemeClr val="accent1">
-                  <a:shade val="50000"/>
-                </a:schemeClr>
-              </a:lnRef>
-              <a:fillRef idx="1">
-                <a:schemeClr val="accent1"/>
-              </a:fillRef>
-              <a:effectRef idx="0">
-                <a:schemeClr val="accent1"/>
-              </a:effectRef>
-              <a:fontRef idx="minor">
-                <a:schemeClr val="lt1"/>
-              </a:fontRef>
-            </p:style>
-            <p:txBody>
-              <a:bodyPr rtlCol="0" anchor="ctr"/>
-              <a:lstStyle/>
-              <a:p>
-                <a:pPr algn="ctr"/>
-                <a:r>
-                  <a:rPr lang="en-US" altLang="zh-CN" sz="1400" dirty="0">
-                    <a:solidFill>
-                      <a:schemeClr val="tx1"/>
-                    </a:solidFill>
-                    <a:latin typeface="Calibri" panose="020F0502020204030204" pitchFamily="34" charset="0"/>
-                    <a:ea typeface="微软雅黑" panose="020B0503020204020204" pitchFamily="34" charset="-122"/>
-                    <a:cs typeface="Calibri" panose="020F0502020204030204" pitchFamily="34" charset="0"/>
-                  </a:rPr>
-                  <a:t>Check Synchronized Data</a:t>
-                </a:r>
-                <a:endParaRPr lang="zh-CN" altLang="en-US" sz="1400" dirty="0">
-                  <a:solidFill>
-                    <a:schemeClr val="tx1"/>
-                  </a:solidFill>
-                  <a:latin typeface="Calibri" panose="020F0502020204030204" pitchFamily="34" charset="0"/>
-                  <a:ea typeface="微软雅黑" panose="020B0503020204020204" pitchFamily="34" charset="-122"/>
-                  <a:cs typeface="Calibri" panose="020F0502020204030204" pitchFamily="34" charset="0"/>
-                </a:endParaRPr>
-              </a:p>
-            </p:txBody>
-          </p:sp>
-          <p:sp>
-            <p:nvSpPr>
-              <p:cNvPr id="165" name="矩形 164"/>
-              <p:cNvSpPr/>
-              <p:nvPr/>
-            </p:nvSpPr>
-            <p:spPr>
-              <a:xfrm>
-                <a:off x="10705414" y="5722502"/>
-                <a:ext cx="1181100" cy="390525"/>
-              </a:xfrm>
-              <a:prstGeom prst="rect">
-                <a:avLst/>
-              </a:prstGeom>
-              <a:noFill/>
-              <a:ln>
-                <a:solidFill>
-                  <a:schemeClr val="tx1"/>
-                </a:solidFill>
-              </a:ln>
-            </p:spPr>
-            <p:style>
-              <a:lnRef idx="2">
-                <a:schemeClr val="accent1">
-                  <a:shade val="50000"/>
-                </a:schemeClr>
-              </a:lnRef>
-              <a:fillRef idx="1">
-                <a:schemeClr val="accent1"/>
-              </a:fillRef>
-              <a:effectRef idx="0">
-                <a:schemeClr val="accent1"/>
-              </a:effectRef>
-              <a:fontRef idx="minor">
-                <a:schemeClr val="lt1"/>
-              </a:fontRef>
-            </p:style>
-            <p:txBody>
-              <a:bodyPr rtlCol="0" anchor="ctr"/>
-              <a:lstStyle/>
-              <a:p>
-                <a:pPr algn="ctr"/>
-                <a:r>
-                  <a:rPr lang="en-US" altLang="zh-CN" sz="1400" dirty="0">
-                    <a:solidFill>
-                      <a:schemeClr val="tx1"/>
-                    </a:solidFill>
-                    <a:latin typeface="Calibri" panose="020F0502020204030204" pitchFamily="34" charset="0"/>
-                    <a:ea typeface="微软雅黑" panose="020B0503020204020204" pitchFamily="34" charset="-122"/>
-                    <a:cs typeface="Calibri" panose="020F0502020204030204" pitchFamily="34" charset="0"/>
-                  </a:rPr>
-                  <a:t>Create Report</a:t>
-                </a:r>
-                <a:endParaRPr lang="zh-CN" altLang="en-US" sz="1400" dirty="0">
-                  <a:solidFill>
-                    <a:schemeClr val="tx1"/>
-                  </a:solidFill>
-                  <a:latin typeface="Calibri" panose="020F0502020204030204" pitchFamily="34" charset="0"/>
-                  <a:ea typeface="微软雅黑" panose="020B0503020204020204" pitchFamily="34" charset="-122"/>
-                  <a:cs typeface="Calibri" panose="020F0502020204030204" pitchFamily="34" charset="0"/>
-                </a:endParaRPr>
-              </a:p>
-            </p:txBody>
-          </p:sp>
-          <p:cxnSp>
-            <p:nvCxnSpPr>
-              <p:cNvPr id="166" name="肘形连接符 165"/>
-              <p:cNvCxnSpPr>
-                <a:stCxn id="168" idx="3"/>
-                <a:endCxn id="165" idx="1"/>
-              </p:cNvCxnSpPr>
-              <p:nvPr/>
-            </p:nvCxnSpPr>
-            <p:spPr>
-              <a:xfrm rot="16200000" flipH="1">
-                <a:off x="6060684" y="1273035"/>
-                <a:ext cx="334250" cy="8955209"/>
-              </a:xfrm>
-              <a:prstGeom prst="bentConnector2">
-                <a:avLst/>
-              </a:prstGeom>
-              <a:ln w="12700">
-                <a:solidFill>
-                  <a:schemeClr val="tx1"/>
-                </a:solidFill>
-                <a:tailEnd type="triangle"/>
-              </a:ln>
-            </p:spPr>
-            <p:style>
-              <a:lnRef idx="1">
-                <a:schemeClr val="accent1"/>
-              </a:lnRef>
-              <a:fillRef idx="0">
-                <a:schemeClr val="accent1"/>
-              </a:fillRef>
-              <a:effectRef idx="0">
-                <a:schemeClr val="accent1"/>
-              </a:effectRef>
-              <a:fontRef idx="minor">
-                <a:schemeClr val="tx1"/>
-              </a:fontRef>
-            </p:style>
-          </p:cxnSp>
-          <p:sp>
-            <p:nvSpPr>
-              <p:cNvPr id="168" name="流程图: 磁盘 167"/>
-              <p:cNvSpPr/>
-              <p:nvPr/>
-            </p:nvSpPr>
-            <p:spPr>
-              <a:xfrm>
-                <a:off x="1168893" y="4850499"/>
-                <a:ext cx="1162624" cy="733016"/>
-              </a:xfrm>
-              <a:prstGeom prst="flowChartMagneticDisk">
-                <a:avLst/>
-              </a:prstGeom>
-              <a:noFill/>
-              <a:ln>
-                <a:solidFill>
-                  <a:schemeClr val="tx1"/>
-                </a:solidFill>
-              </a:ln>
-            </p:spPr>
-            <p:style>
-              <a:lnRef idx="2">
-                <a:schemeClr val="accent1">
-                  <a:shade val="50000"/>
-                </a:schemeClr>
-              </a:lnRef>
-              <a:fillRef idx="1">
-                <a:schemeClr val="accent1"/>
-              </a:fillRef>
-              <a:effectRef idx="0">
-                <a:schemeClr val="accent1"/>
-              </a:effectRef>
-              <a:fontRef idx="minor">
-                <a:schemeClr val="lt1"/>
-              </a:fontRef>
-            </p:style>
-            <p:txBody>
-              <a:bodyPr rtlCol="0" anchor="ctr"/>
-              <a:lstStyle/>
-              <a:p>
-                <a:pPr algn="ctr"/>
-                <a:r>
-                  <a:rPr lang="en-US" altLang="zh-CN" sz="1400" dirty="0">
-                    <a:solidFill>
-                      <a:schemeClr val="tx1"/>
-                    </a:solidFill>
-                    <a:latin typeface="Calibri" panose="020F0502020204030204" pitchFamily="34" charset="0"/>
-                    <a:ea typeface="微软雅黑" panose="020B0503020204020204" pitchFamily="34" charset="-122"/>
-                    <a:cs typeface="Calibri" panose="020F0502020204030204" pitchFamily="34" charset="0"/>
-                  </a:rPr>
-                  <a:t>Report DB</a:t>
-                </a:r>
-              </a:p>
-              <a:p>
-                <a:pPr algn="ctr"/>
-                <a:r>
-                  <a:rPr lang="en-US" altLang="zh-CN" sz="1400" dirty="0">
-                    <a:solidFill>
-                      <a:schemeClr val="tx1"/>
-                    </a:solidFill>
-                    <a:latin typeface="Calibri" panose="020F0502020204030204" pitchFamily="34" charset="0"/>
-                    <a:ea typeface="微软雅黑" panose="020B0503020204020204" pitchFamily="34" charset="-122"/>
-                    <a:cs typeface="Calibri" panose="020F0502020204030204" pitchFamily="34" charset="0"/>
-                  </a:rPr>
-                  <a:t>MySQL</a:t>
-                </a:r>
-                <a:endParaRPr lang="zh-CN" altLang="en-US" sz="1400" dirty="0">
-                  <a:solidFill>
-                    <a:schemeClr val="tx1"/>
-                  </a:solidFill>
-                  <a:latin typeface="Calibri" panose="020F0502020204030204" pitchFamily="34" charset="0"/>
-                  <a:ea typeface="微软雅黑" panose="020B0503020204020204" pitchFamily="34" charset="-122"/>
-                  <a:cs typeface="Calibri" panose="020F0502020204030204" pitchFamily="34" charset="0"/>
-                </a:endParaRPr>
-              </a:p>
-            </p:txBody>
-          </p:sp>
-          <p:cxnSp>
-            <p:nvCxnSpPr>
-              <p:cNvPr id="183" name="肘形连接符 182"/>
-              <p:cNvCxnSpPr>
-                <a:cxnSpLocks/>
-                <a:stCxn id="161" idx="1"/>
-                <a:endCxn id="168" idx="4"/>
-              </p:cNvCxnSpPr>
-              <p:nvPr/>
-            </p:nvCxnSpPr>
-            <p:spPr>
-              <a:xfrm rot="10800000">
-                <a:off x="2331517" y="5217008"/>
-                <a:ext cx="2030215" cy="967"/>
-              </a:xfrm>
-              <a:prstGeom prst="bentConnector3">
-                <a:avLst>
-                  <a:gd name="adj1" fmla="val 50000"/>
-                </a:avLst>
-              </a:prstGeom>
-              <a:ln w="12700">
-                <a:solidFill>
-                  <a:schemeClr val="tx1"/>
-                </a:solidFill>
-                <a:tailEnd type="triangle"/>
-              </a:ln>
-            </p:spPr>
-            <p:style>
-              <a:lnRef idx="1">
-                <a:schemeClr val="accent1"/>
-              </a:lnRef>
-              <a:fillRef idx="0">
-                <a:schemeClr val="accent1"/>
-              </a:fillRef>
-              <a:effectRef idx="0">
-                <a:schemeClr val="accent1"/>
-              </a:effectRef>
-              <a:fontRef idx="minor">
-                <a:schemeClr val="tx1"/>
-              </a:fontRef>
-            </p:style>
-          </p:cxnSp>
-          <p:cxnSp>
-            <p:nvCxnSpPr>
-              <p:cNvPr id="228" name="直接箭头连接符 227"/>
-              <p:cNvCxnSpPr>
-                <a:cxnSpLocks/>
-                <a:stCxn id="155" idx="2"/>
-                <a:endCxn id="160" idx="0"/>
-              </p:cNvCxnSpPr>
-              <p:nvPr/>
-            </p:nvCxnSpPr>
-            <p:spPr>
-              <a:xfrm flipH="1">
-                <a:off x="7290114" y="3916148"/>
-                <a:ext cx="5507" cy="410454"/>
-              </a:xfrm>
-              <a:prstGeom prst="straightConnector1">
-                <a:avLst/>
-              </a:prstGeom>
-              <a:ln w="12700">
-                <a:solidFill>
-                  <a:schemeClr val="tx1"/>
-                </a:solidFill>
-                <a:tailEnd type="triangle"/>
-              </a:ln>
-            </p:spPr>
-            <p:style>
-              <a:lnRef idx="1">
-                <a:schemeClr val="accent1"/>
-              </a:lnRef>
-              <a:fillRef idx="0">
-                <a:schemeClr val="accent1"/>
-              </a:fillRef>
-              <a:effectRef idx="0">
-                <a:schemeClr val="accent1"/>
-              </a:effectRef>
-              <a:fontRef idx="minor">
-                <a:schemeClr val="tx1"/>
-              </a:fontRef>
-            </p:style>
-          </p:cxnSp>
-          <p:cxnSp>
-            <p:nvCxnSpPr>
-              <p:cNvPr id="232" name="肘形连接符 231"/>
-              <p:cNvCxnSpPr>
-                <a:cxnSpLocks/>
-                <a:stCxn id="243" idx="2"/>
-                <a:endCxn id="161" idx="3"/>
-              </p:cNvCxnSpPr>
-              <p:nvPr/>
-            </p:nvCxnSpPr>
-            <p:spPr>
-              <a:xfrm rot="5400000">
-                <a:off x="7452097" y="3179738"/>
-                <a:ext cx="436710" cy="3639762"/>
-              </a:xfrm>
-              <a:prstGeom prst="bentConnector2">
-                <a:avLst/>
-              </a:prstGeom>
-              <a:ln w="12700">
-                <a:solidFill>
-                  <a:schemeClr val="tx1"/>
-                </a:solidFill>
-                <a:tailEnd type="triangle"/>
-              </a:ln>
-            </p:spPr>
-            <p:style>
-              <a:lnRef idx="1">
-                <a:schemeClr val="accent1"/>
-              </a:lnRef>
-              <a:fillRef idx="0">
-                <a:schemeClr val="accent1"/>
-              </a:fillRef>
-              <a:effectRef idx="0">
-                <a:schemeClr val="accent1"/>
-              </a:effectRef>
-              <a:fontRef idx="minor">
-                <a:schemeClr val="tx1"/>
-              </a:fontRef>
-            </p:style>
-          </p:cxnSp>
-          <p:sp>
-            <p:nvSpPr>
-              <p:cNvPr id="242" name="流程图: 可选过程 241"/>
-              <p:cNvSpPr/>
-              <p:nvPr/>
-            </p:nvSpPr>
-            <p:spPr>
-              <a:xfrm>
-                <a:off x="8803076" y="1478447"/>
-                <a:ext cx="1356412" cy="391294"/>
-              </a:xfrm>
-              <a:prstGeom prst="flowChartAlternateProcess">
-                <a:avLst/>
-              </a:prstGeom>
-              <a:noFill/>
-              <a:ln>
-                <a:solidFill>
-                  <a:schemeClr val="tx1"/>
-                </a:solidFill>
-                <a:prstDash val="dash"/>
-              </a:ln>
-            </p:spPr>
-            <p:style>
-              <a:lnRef idx="2">
-                <a:schemeClr val="accent1">
-                  <a:shade val="50000"/>
-                </a:schemeClr>
-              </a:lnRef>
-              <a:fillRef idx="1">
-                <a:schemeClr val="accent1"/>
-              </a:fillRef>
-              <a:effectRef idx="0">
-                <a:schemeClr val="accent1"/>
-              </a:effectRef>
-              <a:fontRef idx="minor">
-                <a:schemeClr val="lt1"/>
-              </a:fontRef>
-            </p:style>
-            <p:txBody>
-              <a:bodyPr rtlCol="0" anchor="ctr"/>
-              <a:lstStyle/>
-              <a:p>
-                <a:pPr algn="ctr"/>
-                <a:r>
-                  <a:rPr lang="en-US" altLang="zh-CN" sz="1400" dirty="0">
-                    <a:solidFill>
-                      <a:schemeClr val="tx1"/>
-                    </a:solidFill>
-                    <a:latin typeface="Calibri" panose="020F0502020204030204" pitchFamily="34" charset="0"/>
-                    <a:ea typeface="微软雅黑" panose="020B0503020204020204" pitchFamily="34" charset="-122"/>
-                    <a:cs typeface="Calibri" panose="020F0502020204030204" pitchFamily="34" charset="0"/>
-                  </a:rPr>
-                  <a:t>Check Task Status</a:t>
-                </a:r>
-                <a:endParaRPr lang="zh-CN" altLang="en-US" sz="1400" dirty="0">
-                  <a:solidFill>
-                    <a:schemeClr val="tx1"/>
-                  </a:solidFill>
-                  <a:latin typeface="Calibri" panose="020F0502020204030204" pitchFamily="34" charset="0"/>
-                  <a:ea typeface="微软雅黑" panose="020B0503020204020204" pitchFamily="34" charset="-122"/>
-                  <a:cs typeface="Calibri" panose="020F0502020204030204" pitchFamily="34" charset="0"/>
-                </a:endParaRPr>
-              </a:p>
-            </p:txBody>
-          </p:sp>
-          <p:sp>
-            <p:nvSpPr>
-              <p:cNvPr id="243" name="流程图: 可选过程 242"/>
-              <p:cNvSpPr/>
-              <p:nvPr/>
-            </p:nvSpPr>
-            <p:spPr>
-              <a:xfrm>
-                <a:off x="8812127" y="4326602"/>
-                <a:ext cx="1356412" cy="454662"/>
-              </a:xfrm>
-              <a:prstGeom prst="flowChartAlternateProcess">
-                <a:avLst/>
-              </a:prstGeom>
-              <a:noFill/>
-              <a:ln>
-                <a:solidFill>
-                  <a:schemeClr val="tx1"/>
-                </a:solidFill>
-                <a:prstDash val="dash"/>
-              </a:ln>
-            </p:spPr>
-            <p:style>
-              <a:lnRef idx="2">
-                <a:schemeClr val="accent1">
-                  <a:shade val="50000"/>
-                </a:schemeClr>
-              </a:lnRef>
-              <a:fillRef idx="1">
-                <a:schemeClr val="accent1"/>
-              </a:fillRef>
-              <a:effectRef idx="0">
-                <a:schemeClr val="accent1"/>
-              </a:effectRef>
-              <a:fontRef idx="minor">
-                <a:schemeClr val="lt1"/>
-              </a:fontRef>
-            </p:style>
-            <p:txBody>
-              <a:bodyPr rtlCol="0" anchor="ctr"/>
-              <a:lstStyle/>
-              <a:p>
-                <a:pPr algn="ctr"/>
-                <a:r>
-                  <a:rPr lang="en-US" altLang="zh-CN" sz="1400" dirty="0">
-                    <a:solidFill>
-                      <a:schemeClr val="tx1"/>
-                    </a:solidFill>
-                    <a:latin typeface="Calibri" panose="020F0502020204030204" pitchFamily="34" charset="0"/>
-                    <a:ea typeface="微软雅黑" panose="020B0503020204020204" pitchFamily="34" charset="-122"/>
-                    <a:cs typeface="Calibri" panose="020F0502020204030204" pitchFamily="34" charset="0"/>
-                  </a:rPr>
-                  <a:t>Check Task Status</a:t>
-                </a:r>
-                <a:endParaRPr lang="zh-CN" altLang="en-US" sz="1400" dirty="0">
-                  <a:solidFill>
-                    <a:schemeClr val="tx1"/>
-                  </a:solidFill>
-                  <a:latin typeface="Calibri" panose="020F0502020204030204" pitchFamily="34" charset="0"/>
-                  <a:ea typeface="微软雅黑" panose="020B0503020204020204" pitchFamily="34" charset="-122"/>
-                  <a:cs typeface="Calibri" panose="020F0502020204030204" pitchFamily="34" charset="0"/>
-                </a:endParaRPr>
-              </a:p>
-            </p:txBody>
-          </p:sp>
-          <p:cxnSp>
-            <p:nvCxnSpPr>
-              <p:cNvPr id="252" name="直接连接符 251"/>
-              <p:cNvCxnSpPr/>
-              <p:nvPr/>
-            </p:nvCxnSpPr>
-            <p:spPr>
-              <a:xfrm flipH="1">
-                <a:off x="4178463" y="23149"/>
-                <a:ext cx="34724" cy="6308202"/>
-              </a:xfrm>
-              <a:prstGeom prst="line">
-                <a:avLst/>
-              </a:prstGeom>
-              <a:ln>
-                <a:prstDash val="dash"/>
-              </a:ln>
-            </p:spPr>
-            <p:style>
-              <a:lnRef idx="1">
-                <a:schemeClr val="accent1"/>
-              </a:lnRef>
-              <a:fillRef idx="0">
-                <a:schemeClr val="accent1"/>
-              </a:fillRef>
-              <a:effectRef idx="0">
-                <a:schemeClr val="accent1"/>
-              </a:effectRef>
-              <a:fontRef idx="minor">
-                <a:schemeClr val="tx1"/>
-              </a:fontRef>
-            </p:style>
-          </p:cxnSp>
-          <p:cxnSp>
-            <p:nvCxnSpPr>
-              <p:cNvPr id="253" name="直接连接符 252"/>
-              <p:cNvCxnSpPr/>
-              <p:nvPr/>
-            </p:nvCxnSpPr>
-            <p:spPr>
-              <a:xfrm flipH="1">
-                <a:off x="6055883" y="23149"/>
-                <a:ext cx="34724" cy="6308202"/>
-              </a:xfrm>
-              <a:prstGeom prst="line">
-                <a:avLst/>
-              </a:prstGeom>
-              <a:ln>
-                <a:prstDash val="dash"/>
-              </a:ln>
-            </p:spPr>
-            <p:style>
-              <a:lnRef idx="1">
-                <a:schemeClr val="accent1"/>
-              </a:lnRef>
-              <a:fillRef idx="0">
-                <a:schemeClr val="accent1"/>
-              </a:fillRef>
-              <a:effectRef idx="0">
-                <a:schemeClr val="accent1"/>
-              </a:effectRef>
-              <a:fontRef idx="minor">
-                <a:schemeClr val="tx1"/>
-              </a:fontRef>
-            </p:style>
-          </p:cxnSp>
-          <p:cxnSp>
-            <p:nvCxnSpPr>
-              <p:cNvPr id="254" name="直接连接符 253"/>
-              <p:cNvCxnSpPr/>
-              <p:nvPr/>
-            </p:nvCxnSpPr>
-            <p:spPr>
-              <a:xfrm flipH="1">
-                <a:off x="8572003" y="0"/>
-                <a:ext cx="34724" cy="6308202"/>
-              </a:xfrm>
-              <a:prstGeom prst="line">
-                <a:avLst/>
-              </a:prstGeom>
-              <a:ln>
-                <a:prstDash val="dash"/>
-              </a:ln>
-            </p:spPr>
-            <p:style>
-              <a:lnRef idx="1">
-                <a:schemeClr val="accent1"/>
-              </a:lnRef>
-              <a:fillRef idx="0">
-                <a:schemeClr val="accent1"/>
-              </a:fillRef>
-              <a:effectRef idx="0">
-                <a:schemeClr val="accent1"/>
-              </a:effectRef>
-              <a:fontRef idx="minor">
-                <a:schemeClr val="tx1"/>
-              </a:fontRef>
-            </p:style>
-          </p:cxnSp>
-          <p:cxnSp>
-            <p:nvCxnSpPr>
-              <p:cNvPr id="255" name="直接连接符 254"/>
-              <p:cNvCxnSpPr/>
-              <p:nvPr/>
-            </p:nvCxnSpPr>
-            <p:spPr>
-              <a:xfrm flipH="1">
-                <a:off x="10395885" y="23149"/>
-                <a:ext cx="34724" cy="6308202"/>
-              </a:xfrm>
-              <a:prstGeom prst="line">
-                <a:avLst/>
-              </a:prstGeom>
-              <a:ln>
-                <a:prstDash val="dash"/>
-              </a:ln>
-            </p:spPr>
-            <p:style>
-              <a:lnRef idx="1">
-                <a:schemeClr val="accent1"/>
-              </a:lnRef>
-              <a:fillRef idx="0">
-                <a:schemeClr val="accent1"/>
-              </a:fillRef>
-              <a:effectRef idx="0">
-                <a:schemeClr val="accent1"/>
-              </a:effectRef>
-              <a:fontRef idx="minor">
-                <a:schemeClr val="tx1"/>
-              </a:fontRef>
-            </p:style>
-          </p:cxnSp>
-          <p:sp>
-            <p:nvSpPr>
-              <p:cNvPr id="257" name="矩形 256"/>
-              <p:cNvSpPr/>
-              <p:nvPr/>
-            </p:nvSpPr>
-            <p:spPr>
-              <a:xfrm>
-                <a:off x="7097929" y="6574420"/>
-                <a:ext cx="910735" cy="209348"/>
-              </a:xfrm>
-              <a:prstGeom prst="rect">
-                <a:avLst/>
-              </a:prstGeom>
-              <a:ln>
-                <a:noFill/>
-              </a:ln>
-            </p:spPr>
-            <p:style>
-              <a:lnRef idx="2">
-                <a:schemeClr val="accent1">
-                  <a:shade val="50000"/>
-                </a:schemeClr>
-              </a:lnRef>
-              <a:fillRef idx="1">
-                <a:schemeClr val="accent1"/>
-              </a:fillRef>
-              <a:effectRef idx="0">
-                <a:schemeClr val="accent1"/>
-              </a:effectRef>
-              <a:fontRef idx="minor">
-                <a:schemeClr val="lt1"/>
-              </a:fontRef>
-            </p:style>
-            <p:txBody>
-              <a:bodyPr rtlCol="0" anchor="ctr"/>
-              <a:lstStyle/>
-              <a:p>
-                <a:pPr algn="ctr"/>
-                <a:r>
-                  <a:rPr lang="en-US" altLang="zh-CN" sz="1200" dirty="0">
-                    <a:ea typeface="微软雅黑" panose="020B0503020204020204" pitchFamily="34" charset="-122"/>
-                  </a:rPr>
-                  <a:t>Modules</a:t>
-                </a:r>
-                <a:endParaRPr lang="zh-CN" altLang="en-US" sz="1200" dirty="0">
-                  <a:ea typeface="微软雅黑" panose="020B0503020204020204" pitchFamily="34" charset="-122"/>
-                </a:endParaRPr>
-              </a:p>
-            </p:txBody>
-          </p:sp>
-          <p:sp>
-            <p:nvSpPr>
-              <p:cNvPr id="261" name="矩形 260"/>
-              <p:cNvSpPr/>
-              <p:nvPr/>
-            </p:nvSpPr>
-            <p:spPr>
-              <a:xfrm>
-                <a:off x="8249821" y="6555550"/>
-                <a:ext cx="910735" cy="218492"/>
-              </a:xfrm>
-              <a:prstGeom prst="rect">
-                <a:avLst/>
-              </a:prstGeom>
-              <a:noFill/>
-              <a:ln>
-                <a:solidFill>
-                  <a:schemeClr val="tx1"/>
-                </a:solidFill>
-              </a:ln>
-            </p:spPr>
-            <p:style>
-              <a:lnRef idx="2">
-                <a:schemeClr val="accent1">
-                  <a:shade val="50000"/>
-                </a:schemeClr>
-              </a:lnRef>
-              <a:fillRef idx="1">
-                <a:schemeClr val="accent1"/>
-              </a:fillRef>
-              <a:effectRef idx="0">
-                <a:schemeClr val="accent1"/>
-              </a:effectRef>
-              <a:fontRef idx="minor">
-                <a:schemeClr val="lt1"/>
-              </a:fontRef>
-            </p:style>
-            <p:txBody>
-              <a:bodyPr rtlCol="0" anchor="ctr"/>
-              <a:lstStyle/>
-              <a:p>
-                <a:pPr algn="ctr"/>
-                <a:r>
-                  <a:rPr lang="en-US" altLang="zh-CN" sz="1200" dirty="0">
-                    <a:solidFill>
-                      <a:schemeClr val="tx1"/>
-                    </a:solidFill>
-                    <a:latin typeface="Calibri" panose="020F0502020204030204" pitchFamily="34" charset="0"/>
-                    <a:ea typeface="微软雅黑" panose="020B0503020204020204" pitchFamily="34" charset="-122"/>
-                    <a:cs typeface="Calibri" panose="020F0502020204030204" pitchFamily="34" charset="0"/>
-                  </a:rPr>
-                  <a:t>Tasks</a:t>
-                </a:r>
-                <a:endParaRPr lang="zh-CN" altLang="en-US" sz="1200" dirty="0">
-                  <a:solidFill>
-                    <a:schemeClr val="tx1"/>
-                  </a:solidFill>
-                  <a:latin typeface="Calibri" panose="020F0502020204030204" pitchFamily="34" charset="0"/>
-                  <a:ea typeface="微软雅黑" panose="020B0503020204020204" pitchFamily="34" charset="-122"/>
-                  <a:cs typeface="Calibri" panose="020F0502020204030204" pitchFamily="34" charset="0"/>
-                </a:endParaRPr>
-              </a:p>
-            </p:txBody>
-          </p:sp>
-          <p:sp>
-            <p:nvSpPr>
-              <p:cNvPr id="268" name="流程图: 可选过程 267"/>
-              <p:cNvSpPr/>
-              <p:nvPr/>
-            </p:nvSpPr>
-            <p:spPr>
-              <a:xfrm>
-                <a:off x="9425506" y="6574420"/>
-                <a:ext cx="1042198" cy="199622"/>
-              </a:xfrm>
-              <a:prstGeom prst="flowChartAlternateProcess">
-                <a:avLst/>
-              </a:prstGeom>
-              <a:noFill/>
-              <a:ln>
-                <a:solidFill>
-                  <a:schemeClr val="tx1"/>
-                </a:solidFill>
-                <a:prstDash val="dash"/>
-              </a:ln>
-            </p:spPr>
-            <p:style>
-              <a:lnRef idx="2">
-                <a:schemeClr val="accent1">
-                  <a:shade val="50000"/>
-                </a:schemeClr>
-              </a:lnRef>
-              <a:fillRef idx="1">
-                <a:schemeClr val="accent1"/>
-              </a:fillRef>
-              <a:effectRef idx="0">
-                <a:schemeClr val="accent1"/>
-              </a:effectRef>
-              <a:fontRef idx="minor">
-                <a:schemeClr val="lt1"/>
-              </a:fontRef>
-            </p:style>
-            <p:txBody>
-              <a:bodyPr rtlCol="0" anchor="ctr"/>
-              <a:lstStyle/>
-              <a:p>
-                <a:pPr algn="ctr"/>
-                <a:r>
-                  <a:rPr lang="en-US" altLang="zh-CN" sz="1200" dirty="0">
-                    <a:solidFill>
-                      <a:schemeClr val="tx1"/>
-                    </a:solidFill>
-                    <a:latin typeface="Calibri" panose="020F0502020204030204" pitchFamily="34" charset="0"/>
-                    <a:ea typeface="微软雅黑" panose="020B0503020204020204" pitchFamily="34" charset="-122"/>
-                    <a:cs typeface="Calibri" panose="020F0502020204030204" pitchFamily="34" charset="0"/>
-                  </a:rPr>
-                  <a:t>Optional Tasks</a:t>
-                </a:r>
-                <a:endParaRPr lang="zh-CN" altLang="en-US" sz="1200" dirty="0">
-                  <a:solidFill>
-                    <a:schemeClr val="tx1"/>
-                  </a:solidFill>
-                  <a:latin typeface="Calibri" panose="020F0502020204030204" pitchFamily="34" charset="0"/>
-                  <a:ea typeface="微软雅黑" panose="020B0503020204020204" pitchFamily="34" charset="-122"/>
-                  <a:cs typeface="Calibri" panose="020F0502020204030204" pitchFamily="34" charset="0"/>
-                </a:endParaRPr>
-              </a:p>
-            </p:txBody>
-          </p:sp>
-          <p:sp>
-            <p:nvSpPr>
-              <p:cNvPr id="269" name="流程图: 磁盘 268"/>
-              <p:cNvSpPr/>
-              <p:nvPr/>
-            </p:nvSpPr>
-            <p:spPr>
-              <a:xfrm>
-                <a:off x="10690857" y="6574419"/>
-                <a:ext cx="799958" cy="218493"/>
-              </a:xfrm>
-              <a:prstGeom prst="flowChartMagneticDisk">
-                <a:avLst/>
-              </a:prstGeom>
-              <a:noFill/>
-              <a:ln>
-                <a:solidFill>
-                  <a:schemeClr val="tx1"/>
-                </a:solidFill>
-              </a:ln>
-            </p:spPr>
-            <p:style>
-              <a:lnRef idx="2">
-                <a:schemeClr val="accent1">
-                  <a:shade val="50000"/>
-                </a:schemeClr>
-              </a:lnRef>
-              <a:fillRef idx="1">
-                <a:schemeClr val="accent1"/>
-              </a:fillRef>
-              <a:effectRef idx="0">
-                <a:schemeClr val="accent1"/>
-              </a:effectRef>
-              <a:fontRef idx="minor">
-                <a:schemeClr val="lt1"/>
-              </a:fontRef>
-            </p:style>
-            <p:txBody>
-              <a:bodyPr rtlCol="0" anchor="ctr"/>
-              <a:lstStyle/>
-              <a:p>
-                <a:pPr algn="ctr"/>
-                <a:r>
-                  <a:rPr lang="en-US" altLang="zh-CN" sz="1200" dirty="0">
-                    <a:solidFill>
-                      <a:schemeClr val="tx1"/>
-                    </a:solidFill>
-                    <a:latin typeface="Calibri" panose="020F0502020204030204" pitchFamily="34" charset="0"/>
-                    <a:ea typeface="微软雅黑" panose="020B0503020204020204" pitchFamily="34" charset="-122"/>
-                    <a:cs typeface="Calibri" panose="020F0502020204030204" pitchFamily="34" charset="0"/>
-                  </a:rPr>
-                  <a:t>DB</a:t>
-                </a:r>
-                <a:endParaRPr lang="zh-CN" altLang="en-US" sz="1200" dirty="0">
-                  <a:solidFill>
-                    <a:schemeClr val="tx1"/>
-                  </a:solidFill>
-                  <a:latin typeface="Calibri" panose="020F0502020204030204" pitchFamily="34" charset="0"/>
-                  <a:ea typeface="微软雅黑" panose="020B0503020204020204" pitchFamily="34" charset="-122"/>
-                  <a:cs typeface="Calibri" panose="020F0502020204030204" pitchFamily="34" charset="0"/>
-                </a:endParaRPr>
-              </a:p>
-            </p:txBody>
-          </p:sp>
-        </p:grpSp>
+                <a:latin typeface="Helvetica" pitchFamily="2" charset="0"/>
+                <a:ea typeface="微软雅黑" panose="020B0503020204020204" pitchFamily="34" charset="-122"/>
+                <a:cs typeface="Calibri" panose="020F0502020204030204" pitchFamily="34" charset="0"/>
+              </a:endParaRPr>
+            </a:p>
+          </p:txBody>
+        </p:sp>
         <p:cxnSp>
           <p:nvCxnSpPr>
-            <p:cNvPr id="115" name="肘形连接符 200">
-              <a:extLst>
-                <a:ext uri="{FF2B5EF4-FFF2-40B4-BE49-F238E27FC236}">
-                  <a16:creationId xmlns:a16="http://schemas.microsoft.com/office/drawing/2014/main" id="{B78F9D74-98DB-4495-89F0-14657BBEC343}"/>
-                </a:ext>
-              </a:extLst>
-            </p:cNvPr>
+            <p:cNvPr id="97" name="肘形连接符 96"/>
             <p:cNvCxnSpPr>
               <a:cxnSpLocks/>
-              <a:endCxn id="243" idx="1"/>
+              <a:stCxn id="242" idx="3"/>
+              <a:endCxn id="96" idx="3"/>
             </p:cNvCxnSpPr>
             <p:nvPr/>
           </p:nvCxnSpPr>
           <p:spPr>
-            <a:xfrm flipV="1">
-              <a:off x="7648943" y="4568777"/>
-              <a:ext cx="844491" cy="2"/>
+            <a:xfrm flipH="1">
+              <a:off x="6708775" y="1774921"/>
+              <a:ext cx="6506030" cy="1284816"/>
+            </a:xfrm>
+            <a:prstGeom prst="bentConnector3">
+              <a:avLst>
+                <a:gd name="adj1" fmla="val -3514"/>
+              </a:avLst>
+            </a:prstGeom>
+            <a:ln w="19050">
+              <a:solidFill>
+                <a:srgbClr val="5E6280"/>
+              </a:solidFill>
+              <a:tailEnd type="triangle"/>
+            </a:ln>
+          </p:spPr>
+          <p:style>
+            <a:lnRef idx="1">
+              <a:schemeClr val="accent1"/>
+            </a:lnRef>
+            <a:fillRef idx="0">
+              <a:schemeClr val="accent1"/>
+            </a:fillRef>
+            <a:effectRef idx="0">
+              <a:schemeClr val="accent1"/>
+            </a:effectRef>
+            <a:fontRef idx="minor">
+              <a:schemeClr val="tx1"/>
+            </a:fontRef>
+          </p:style>
+        </p:cxnSp>
+        <p:sp>
+          <p:nvSpPr>
+            <p:cNvPr id="147" name="流程图: 磁盘 146"/>
+            <p:cNvSpPr/>
+            <p:nvPr/>
+          </p:nvSpPr>
+          <p:spPr>
+            <a:xfrm>
+              <a:off x="82550" y="1307847"/>
+              <a:ext cx="1515122" cy="849117"/>
+            </a:xfrm>
+            <a:prstGeom prst="flowChartMagneticDisk">
+              <a:avLst/>
+            </a:prstGeom>
+            <a:noFill/>
+            <a:ln w="19050">
+              <a:solidFill>
+                <a:srgbClr val="0A6EFA"/>
+              </a:solidFill>
+            </a:ln>
+          </p:spPr>
+          <p:style>
+            <a:lnRef idx="2">
+              <a:schemeClr val="accent1">
+                <a:shade val="50000"/>
+              </a:schemeClr>
+            </a:lnRef>
+            <a:fillRef idx="1">
+              <a:schemeClr val="accent1"/>
+            </a:fillRef>
+            <a:effectRef idx="0">
+              <a:schemeClr val="accent1"/>
+            </a:effectRef>
+            <a:fontRef idx="minor">
+              <a:schemeClr val="lt1"/>
+            </a:fontRef>
+          </p:style>
+          <p:txBody>
+            <a:bodyPr rtlCol="0" anchor="ctr"/>
+            <a:lstStyle/>
+            <a:p>
+              <a:pPr algn="ctr"/>
+              <a:r>
+                <a:rPr lang="en-US" altLang="zh-CN" sz="1400" dirty="0">
+                  <a:solidFill>
+                    <a:srgbClr val="383B55"/>
+                  </a:solidFill>
+                  <a:latin typeface="Helvetica" pitchFamily="2" charset="0"/>
+                  <a:ea typeface="微软雅黑" panose="020B0503020204020204" pitchFamily="34" charset="-122"/>
+                  <a:cs typeface="Calibri" panose="020F0502020204030204" pitchFamily="34" charset="0"/>
+                </a:rPr>
+                <a:t>Data in Business System</a:t>
+              </a:r>
+            </a:p>
+          </p:txBody>
+        </p:sp>
+        <p:sp>
+          <p:nvSpPr>
+            <p:cNvPr id="151" name="流程图: 磁盘 150"/>
+            <p:cNvSpPr/>
+            <p:nvPr/>
+          </p:nvSpPr>
+          <p:spPr>
+            <a:xfrm>
+              <a:off x="82549" y="2626439"/>
+              <a:ext cx="1500917" cy="866595"/>
+            </a:xfrm>
+            <a:prstGeom prst="flowChartMagneticDisk">
+              <a:avLst/>
+            </a:prstGeom>
+            <a:noFill/>
+            <a:ln w="19050">
+              <a:solidFill>
+                <a:srgbClr val="0A6EFA"/>
+              </a:solidFill>
+            </a:ln>
+          </p:spPr>
+          <p:style>
+            <a:lnRef idx="2">
+              <a:schemeClr val="accent1">
+                <a:shade val="50000"/>
+              </a:schemeClr>
+            </a:lnRef>
+            <a:fillRef idx="1">
+              <a:schemeClr val="accent1"/>
+            </a:fillRef>
+            <a:effectRef idx="0">
+              <a:schemeClr val="accent1"/>
+            </a:effectRef>
+            <a:fontRef idx="minor">
+              <a:schemeClr val="lt1"/>
+            </a:fontRef>
+          </p:style>
+          <p:txBody>
+            <a:bodyPr rtlCol="0" anchor="ctr"/>
+            <a:lstStyle/>
+            <a:p>
+              <a:pPr algn="ctr"/>
+              <a:r>
+                <a:rPr lang="en-US" altLang="zh-CN" sz="1400" dirty="0">
+                  <a:solidFill>
+                    <a:srgbClr val="383B55"/>
+                  </a:solidFill>
+                  <a:latin typeface="Helvetica" pitchFamily="2" charset="0"/>
+                  <a:ea typeface="微软雅黑" panose="020B0503020204020204" pitchFamily="34" charset="-122"/>
+                  <a:cs typeface="Calibri" panose="020F0502020204030204" pitchFamily="34" charset="0"/>
+                </a:rPr>
+                <a:t>Data Warehouse</a:t>
+              </a:r>
+            </a:p>
+            <a:p>
+              <a:pPr algn="ctr"/>
+              <a:r>
+                <a:rPr lang="en-US" altLang="zh-CN" sz="1400" dirty="0">
+                  <a:solidFill>
+                    <a:srgbClr val="383B55"/>
+                  </a:solidFill>
+                  <a:latin typeface="Helvetica" pitchFamily="2" charset="0"/>
+                  <a:ea typeface="微软雅黑" panose="020B0503020204020204" pitchFamily="34" charset="-122"/>
+                  <a:cs typeface="Calibri" panose="020F0502020204030204" pitchFamily="34" charset="0"/>
+                </a:rPr>
+                <a:t>HDFS/Hive</a:t>
+              </a:r>
+              <a:endParaRPr lang="zh-CN" altLang="en-US" sz="1400" dirty="0">
+                <a:solidFill>
+                  <a:srgbClr val="383B55"/>
+                </a:solidFill>
+                <a:latin typeface="Helvetica" pitchFamily="2" charset="0"/>
+                <a:ea typeface="微软雅黑" panose="020B0503020204020204" pitchFamily="34" charset="-122"/>
+                <a:cs typeface="Calibri" panose="020F0502020204030204" pitchFamily="34" charset="0"/>
+              </a:endParaRPr>
+            </a:p>
+          </p:txBody>
+        </p:sp>
+        <p:sp>
+          <p:nvSpPr>
+            <p:cNvPr id="155" name="矩形 154"/>
+            <p:cNvSpPr/>
+            <p:nvPr/>
+          </p:nvSpPr>
+          <p:spPr>
+            <a:xfrm>
+              <a:off x="8159939" y="3767913"/>
+              <a:ext cx="1931163" cy="511303"/>
+            </a:xfrm>
+            <a:prstGeom prst="rect">
+              <a:avLst/>
+            </a:prstGeom>
+            <a:noFill/>
+            <a:ln w="19050">
+              <a:solidFill>
+                <a:srgbClr val="42CBF5"/>
+              </a:solidFill>
+            </a:ln>
+          </p:spPr>
+          <p:style>
+            <a:lnRef idx="2">
+              <a:schemeClr val="accent1">
+                <a:shade val="50000"/>
+              </a:schemeClr>
+            </a:lnRef>
+            <a:fillRef idx="1">
+              <a:schemeClr val="accent1"/>
+            </a:fillRef>
+            <a:effectRef idx="0">
+              <a:schemeClr val="accent1"/>
+            </a:effectRef>
+            <a:fontRef idx="minor">
+              <a:schemeClr val="lt1"/>
+            </a:fontRef>
+          </p:style>
+          <p:txBody>
+            <a:bodyPr rtlCol="0" anchor="ctr"/>
+            <a:lstStyle/>
+            <a:p>
+              <a:pPr algn="ctr"/>
+              <a:r>
+                <a:rPr lang="en-US" altLang="zh-CN" sz="1400" dirty="0">
+                  <a:solidFill>
+                    <a:srgbClr val="383B55"/>
+                  </a:solidFill>
+                  <a:latin typeface="Helvetica" pitchFamily="2" charset="0"/>
+                  <a:ea typeface="微软雅黑" panose="020B0503020204020204" pitchFamily="34" charset="-122"/>
+                  <a:cs typeface="Calibri" panose="020F0502020204030204" pitchFamily="34" charset="0"/>
+                </a:rPr>
+                <a:t>Create Target Table in Report DB</a:t>
+              </a:r>
+              <a:endParaRPr lang="zh-CN" altLang="en-US" sz="1400" dirty="0">
+                <a:solidFill>
+                  <a:srgbClr val="383B55"/>
+                </a:solidFill>
+                <a:latin typeface="Helvetica" pitchFamily="2" charset="0"/>
+                <a:ea typeface="微软雅黑" panose="020B0503020204020204" pitchFamily="34" charset="-122"/>
+                <a:cs typeface="Calibri" panose="020F0502020204030204" pitchFamily="34" charset="0"/>
+              </a:endParaRPr>
+            </a:p>
+          </p:txBody>
+        </p:sp>
+        <p:cxnSp>
+          <p:nvCxnSpPr>
+            <p:cNvPr id="156" name="肘形连接符 155"/>
+            <p:cNvCxnSpPr>
+              <a:cxnSpLocks/>
+              <a:stCxn id="151" idx="3"/>
+              <a:endCxn id="155" idx="1"/>
+            </p:cNvCxnSpPr>
+            <p:nvPr/>
+          </p:nvCxnSpPr>
+          <p:spPr>
+            <a:xfrm rot="16200000" flipH="1">
+              <a:off x="4231208" y="94833"/>
+              <a:ext cx="530531" cy="7326931"/>
+            </a:xfrm>
+            <a:prstGeom prst="bentConnector2">
+              <a:avLst/>
+            </a:prstGeom>
+            <a:ln w="19050">
+              <a:solidFill>
+                <a:srgbClr val="5E6280"/>
+              </a:solidFill>
+              <a:tailEnd type="triangle"/>
+            </a:ln>
+          </p:spPr>
+          <p:style>
+            <a:lnRef idx="1">
+              <a:schemeClr val="accent1"/>
+            </a:lnRef>
+            <a:fillRef idx="0">
+              <a:schemeClr val="accent1"/>
+            </a:fillRef>
+            <a:effectRef idx="0">
+              <a:schemeClr val="accent1"/>
+            </a:effectRef>
+            <a:fontRef idx="minor">
+              <a:schemeClr val="tx1"/>
+            </a:fontRef>
+          </p:style>
+        </p:cxnSp>
+        <p:sp>
+          <p:nvSpPr>
+            <p:cNvPr id="160" name="矩形 159"/>
+            <p:cNvSpPr/>
+            <p:nvPr/>
+          </p:nvSpPr>
+          <p:spPr>
+            <a:xfrm>
+              <a:off x="8156727" y="4661937"/>
+              <a:ext cx="1931163" cy="513416"/>
+            </a:xfrm>
+            <a:prstGeom prst="rect">
+              <a:avLst/>
+            </a:prstGeom>
+            <a:noFill/>
+            <a:ln w="19050">
+              <a:solidFill>
+                <a:srgbClr val="42CBF5"/>
+              </a:solidFill>
+            </a:ln>
+          </p:spPr>
+          <p:style>
+            <a:lnRef idx="2">
+              <a:schemeClr val="accent1">
+                <a:shade val="50000"/>
+              </a:schemeClr>
+            </a:lnRef>
+            <a:fillRef idx="1">
+              <a:schemeClr val="accent1"/>
+            </a:fillRef>
+            <a:effectRef idx="0">
+              <a:schemeClr val="accent1"/>
+            </a:effectRef>
+            <a:fontRef idx="minor">
+              <a:schemeClr val="lt1"/>
+            </a:fontRef>
+          </p:style>
+          <p:txBody>
+            <a:bodyPr rtlCol="0" anchor="ctr"/>
+            <a:lstStyle/>
+            <a:p>
+              <a:pPr algn="ctr"/>
+              <a:r>
+                <a:rPr lang="en-US" altLang="zh-CN" sz="1400" dirty="0">
+                  <a:solidFill>
+                    <a:srgbClr val="383B55"/>
+                  </a:solidFill>
+                  <a:latin typeface="Helvetica" pitchFamily="2" charset="0"/>
+                  <a:ea typeface="微软雅黑" panose="020B0503020204020204" pitchFamily="34" charset="-122"/>
+                  <a:cs typeface="Calibri" panose="020F0502020204030204" pitchFamily="34" charset="0"/>
+                </a:rPr>
+                <a:t>Sync Table Data to Report DB</a:t>
+              </a:r>
+              <a:endParaRPr lang="zh-CN" altLang="en-US" sz="1400" dirty="0">
+                <a:solidFill>
+                  <a:srgbClr val="383B55"/>
+                </a:solidFill>
+                <a:latin typeface="Helvetica" pitchFamily="2" charset="0"/>
+                <a:ea typeface="微软雅黑" panose="020B0503020204020204" pitchFamily="34" charset="-122"/>
+                <a:cs typeface="Calibri" panose="020F0502020204030204" pitchFamily="34" charset="0"/>
+              </a:endParaRPr>
+            </a:p>
+          </p:txBody>
+        </p:sp>
+        <p:sp>
+          <p:nvSpPr>
+            <p:cNvPr id="161" name="流程图: 可选过程 160"/>
+            <p:cNvSpPr/>
+            <p:nvPr/>
+          </p:nvSpPr>
+          <p:spPr>
+            <a:xfrm>
+              <a:off x="4755718" y="5428568"/>
+              <a:ext cx="1962571" cy="517168"/>
+            </a:xfrm>
+            <a:prstGeom prst="flowChartAlternateProcess">
+              <a:avLst/>
+            </a:prstGeom>
+            <a:noFill/>
+            <a:ln w="19050">
+              <a:solidFill>
+                <a:srgbClr val="5399FC"/>
+              </a:solidFill>
+              <a:prstDash val="dash"/>
+            </a:ln>
+          </p:spPr>
+          <p:style>
+            <a:lnRef idx="2">
+              <a:schemeClr val="accent1">
+                <a:shade val="50000"/>
+              </a:schemeClr>
+            </a:lnRef>
+            <a:fillRef idx="1">
+              <a:schemeClr val="accent1"/>
+            </a:fillRef>
+            <a:effectRef idx="0">
+              <a:schemeClr val="accent1"/>
+            </a:effectRef>
+            <a:fontRef idx="minor">
+              <a:schemeClr val="lt1"/>
+            </a:fontRef>
+          </p:style>
+          <p:txBody>
+            <a:bodyPr rtlCol="0" anchor="ctr"/>
+            <a:lstStyle/>
+            <a:p>
+              <a:pPr algn="ctr"/>
+              <a:r>
+                <a:rPr lang="en-US" altLang="zh-CN" sz="1400" dirty="0">
+                  <a:solidFill>
+                    <a:srgbClr val="383B55"/>
+                  </a:solidFill>
+                  <a:latin typeface="Helvetica" pitchFamily="2" charset="0"/>
+                  <a:ea typeface="微软雅黑" panose="020B0503020204020204" pitchFamily="34" charset="-122"/>
+                  <a:cs typeface="Calibri" panose="020F0502020204030204" pitchFamily="34" charset="0"/>
+                </a:rPr>
+                <a:t>Check Synchronized Data</a:t>
+              </a:r>
+              <a:endParaRPr lang="zh-CN" altLang="en-US" sz="1400" dirty="0">
+                <a:solidFill>
+                  <a:srgbClr val="383B55"/>
+                </a:solidFill>
+                <a:latin typeface="Helvetica" pitchFamily="2" charset="0"/>
+                <a:ea typeface="微软雅黑" panose="020B0503020204020204" pitchFamily="34" charset="-122"/>
+                <a:cs typeface="Calibri" panose="020F0502020204030204" pitchFamily="34" charset="0"/>
+              </a:endParaRPr>
+            </a:p>
+          </p:txBody>
+        </p:sp>
+        <p:sp>
+          <p:nvSpPr>
+            <p:cNvPr id="165" name="矩形 164"/>
+            <p:cNvSpPr/>
+            <p:nvPr/>
+          </p:nvSpPr>
+          <p:spPr>
+            <a:xfrm>
+              <a:off x="13851080" y="6152961"/>
+              <a:ext cx="1934150" cy="384553"/>
+            </a:xfrm>
+            <a:prstGeom prst="rect">
+              <a:avLst/>
+            </a:prstGeom>
+            <a:noFill/>
+            <a:ln w="19050">
+              <a:solidFill>
+                <a:srgbClr val="7C74F8"/>
+              </a:solidFill>
+            </a:ln>
+          </p:spPr>
+          <p:style>
+            <a:lnRef idx="2">
+              <a:schemeClr val="accent1">
+                <a:shade val="50000"/>
+              </a:schemeClr>
+            </a:lnRef>
+            <a:fillRef idx="1">
+              <a:schemeClr val="accent1"/>
+            </a:fillRef>
+            <a:effectRef idx="0">
+              <a:schemeClr val="accent1"/>
+            </a:effectRef>
+            <a:fontRef idx="minor">
+              <a:schemeClr val="lt1"/>
+            </a:fontRef>
+          </p:style>
+          <p:txBody>
+            <a:bodyPr rtlCol="0" anchor="ctr"/>
+            <a:lstStyle/>
+            <a:p>
+              <a:pPr algn="ctr"/>
+              <a:r>
+                <a:rPr lang="en-US" altLang="zh-CN" sz="1400" dirty="0">
+                  <a:solidFill>
+                    <a:srgbClr val="383B55"/>
+                  </a:solidFill>
+                  <a:latin typeface="Helvetica" pitchFamily="2" charset="0"/>
+                  <a:ea typeface="微软雅黑" panose="020B0503020204020204" pitchFamily="34" charset="-122"/>
+                  <a:cs typeface="Calibri" panose="020F0502020204030204" pitchFamily="34" charset="0"/>
+                </a:rPr>
+                <a:t>Create Report</a:t>
+              </a:r>
+              <a:endParaRPr lang="zh-CN" altLang="en-US" sz="1400" dirty="0">
+                <a:solidFill>
+                  <a:srgbClr val="383B55"/>
+                </a:solidFill>
+                <a:latin typeface="Helvetica" pitchFamily="2" charset="0"/>
+                <a:ea typeface="微软雅黑" panose="020B0503020204020204" pitchFamily="34" charset="-122"/>
+                <a:cs typeface="Calibri" panose="020F0502020204030204" pitchFamily="34" charset="0"/>
+              </a:endParaRPr>
+            </a:p>
+          </p:txBody>
+        </p:sp>
+        <p:cxnSp>
+          <p:nvCxnSpPr>
+            <p:cNvPr id="166" name="肘形连接符 165"/>
+            <p:cNvCxnSpPr>
+              <a:cxnSpLocks/>
+              <a:stCxn id="168" idx="3"/>
+              <a:endCxn id="165" idx="1"/>
+            </p:cNvCxnSpPr>
+            <p:nvPr/>
+          </p:nvCxnSpPr>
+          <p:spPr>
+            <a:xfrm rot="16200000" flipH="1">
+              <a:off x="7231835" y="-274008"/>
+              <a:ext cx="222989" cy="13015501"/>
+            </a:xfrm>
+            <a:prstGeom prst="bentConnector2">
+              <a:avLst/>
+            </a:prstGeom>
+            <a:ln w="19050">
+              <a:solidFill>
+                <a:srgbClr val="5E6280"/>
+              </a:solidFill>
+              <a:tailEnd type="triangle"/>
+            </a:ln>
+          </p:spPr>
+          <p:style>
+            <a:lnRef idx="1">
+              <a:schemeClr val="accent1"/>
+            </a:lnRef>
+            <a:fillRef idx="0">
+              <a:schemeClr val="accent1"/>
+            </a:fillRef>
+            <a:effectRef idx="0">
+              <a:schemeClr val="accent1"/>
+            </a:effectRef>
+            <a:fontRef idx="minor">
+              <a:schemeClr val="tx1"/>
+            </a:fontRef>
+          </p:style>
+        </p:cxnSp>
+        <p:sp>
+          <p:nvSpPr>
+            <p:cNvPr id="168" name="流程图: 磁盘 167"/>
+            <p:cNvSpPr/>
+            <p:nvPr/>
+          </p:nvSpPr>
+          <p:spPr>
+            <a:xfrm>
+              <a:off x="82550" y="5252057"/>
+              <a:ext cx="1506057" cy="870192"/>
+            </a:xfrm>
+            <a:prstGeom prst="flowChartMagneticDisk">
+              <a:avLst/>
+            </a:prstGeom>
+            <a:noFill/>
+            <a:ln w="19050">
+              <a:solidFill>
+                <a:srgbClr val="0A6EFA"/>
+              </a:solidFill>
+            </a:ln>
+          </p:spPr>
+          <p:style>
+            <a:lnRef idx="2">
+              <a:schemeClr val="accent1">
+                <a:shade val="50000"/>
+              </a:schemeClr>
+            </a:lnRef>
+            <a:fillRef idx="1">
+              <a:schemeClr val="accent1"/>
+            </a:fillRef>
+            <a:effectRef idx="0">
+              <a:schemeClr val="accent1"/>
+            </a:effectRef>
+            <a:fontRef idx="minor">
+              <a:schemeClr val="lt1"/>
+            </a:fontRef>
+          </p:style>
+          <p:txBody>
+            <a:bodyPr rtlCol="0" anchor="ctr"/>
+            <a:lstStyle/>
+            <a:p>
+              <a:pPr algn="ctr"/>
+              <a:r>
+                <a:rPr lang="en-US" altLang="zh-CN" sz="1400" dirty="0">
+                  <a:solidFill>
+                    <a:srgbClr val="383B55"/>
+                  </a:solidFill>
+                  <a:latin typeface="Helvetica" pitchFamily="2" charset="0"/>
+                  <a:ea typeface="微软雅黑" panose="020B0503020204020204" pitchFamily="34" charset="-122"/>
+                  <a:cs typeface="Calibri" panose="020F0502020204030204" pitchFamily="34" charset="0"/>
+                </a:rPr>
+                <a:t>Report DB</a:t>
+              </a:r>
+            </a:p>
+            <a:p>
+              <a:pPr algn="ctr"/>
+              <a:r>
+                <a:rPr lang="en-US" altLang="zh-CN" sz="1400" dirty="0">
+                  <a:solidFill>
+                    <a:srgbClr val="383B55"/>
+                  </a:solidFill>
+                  <a:latin typeface="Helvetica" pitchFamily="2" charset="0"/>
+                  <a:ea typeface="微软雅黑" panose="020B0503020204020204" pitchFamily="34" charset="-122"/>
+                  <a:cs typeface="Calibri" panose="020F0502020204030204" pitchFamily="34" charset="0"/>
+                </a:rPr>
+                <a:t>MySQL</a:t>
+              </a:r>
+              <a:endParaRPr lang="zh-CN" altLang="en-US" sz="1400" dirty="0">
+                <a:solidFill>
+                  <a:srgbClr val="383B55"/>
+                </a:solidFill>
+                <a:latin typeface="Helvetica" pitchFamily="2" charset="0"/>
+                <a:ea typeface="微软雅黑" panose="020B0503020204020204" pitchFamily="34" charset="-122"/>
+                <a:cs typeface="Calibri" panose="020F0502020204030204" pitchFamily="34" charset="0"/>
+              </a:endParaRPr>
+            </a:p>
+          </p:txBody>
+        </p:sp>
+        <p:cxnSp>
+          <p:nvCxnSpPr>
+            <p:cNvPr id="183" name="肘形连接符 182"/>
+            <p:cNvCxnSpPr>
+              <a:cxnSpLocks/>
+              <a:stCxn id="161" idx="1"/>
+              <a:endCxn id="168" idx="4"/>
+            </p:cNvCxnSpPr>
+            <p:nvPr/>
+          </p:nvCxnSpPr>
+          <p:spPr>
+            <a:xfrm rot="10800000" flipV="1">
+              <a:off x="1588608" y="5687151"/>
+              <a:ext cx="3167111" cy="1"/>
             </a:xfrm>
             <a:prstGeom prst="bentConnector3">
               <a:avLst>
                 <a:gd name="adj1" fmla="val 50000"/>
               </a:avLst>
             </a:prstGeom>
-            <a:ln w="12700">
+            <a:ln w="19050">
               <a:solidFill>
-                <a:schemeClr val="tx1"/>
+                <a:srgbClr val="5E6280"/>
+              </a:solidFill>
+              <a:tailEnd type="triangle"/>
+            </a:ln>
+          </p:spPr>
+          <p:style>
+            <a:lnRef idx="1">
+              <a:schemeClr val="accent1"/>
+            </a:lnRef>
+            <a:fillRef idx="0">
+              <a:schemeClr val="accent1"/>
+            </a:fillRef>
+            <a:effectRef idx="0">
+              <a:schemeClr val="accent1"/>
+            </a:effectRef>
+            <a:fontRef idx="minor">
+              <a:schemeClr val="tx1"/>
+            </a:fontRef>
+          </p:style>
+        </p:cxnSp>
+        <p:cxnSp>
+          <p:nvCxnSpPr>
+            <p:cNvPr id="228" name="直接箭头连接符 227"/>
+            <p:cNvCxnSpPr>
+              <a:cxnSpLocks/>
+              <a:stCxn id="155" idx="2"/>
+              <a:endCxn id="160" idx="0"/>
+            </p:cNvCxnSpPr>
+            <p:nvPr/>
+          </p:nvCxnSpPr>
+          <p:spPr>
+            <a:xfrm flipH="1">
+              <a:off x="9122309" y="4279216"/>
+              <a:ext cx="3212" cy="382721"/>
+            </a:xfrm>
+            <a:prstGeom prst="straightConnector1">
+              <a:avLst/>
+            </a:prstGeom>
+            <a:ln w="19050">
+              <a:solidFill>
+                <a:srgbClr val="5E6280"/>
+              </a:solidFill>
+              <a:tailEnd type="triangle"/>
+            </a:ln>
+          </p:spPr>
+          <p:style>
+            <a:lnRef idx="1">
+              <a:schemeClr val="accent1"/>
+            </a:lnRef>
+            <a:fillRef idx="0">
+              <a:schemeClr val="accent1"/>
+            </a:fillRef>
+            <a:effectRef idx="0">
+              <a:schemeClr val="accent1"/>
+            </a:effectRef>
+            <a:fontRef idx="minor">
+              <a:schemeClr val="tx1"/>
+            </a:fontRef>
+          </p:style>
+        </p:cxnSp>
+        <p:cxnSp>
+          <p:nvCxnSpPr>
+            <p:cNvPr id="232" name="肘形连接符 231"/>
+            <p:cNvCxnSpPr>
+              <a:cxnSpLocks/>
+              <a:stCxn id="243" idx="2"/>
+              <a:endCxn id="161" idx="3"/>
+            </p:cNvCxnSpPr>
+            <p:nvPr/>
+          </p:nvCxnSpPr>
+          <p:spPr>
+            <a:xfrm rot="5400000">
+              <a:off x="9187897" y="2641693"/>
+              <a:ext cx="575852" cy="5515067"/>
+            </a:xfrm>
+            <a:prstGeom prst="bentConnector2">
+              <a:avLst/>
+            </a:prstGeom>
+            <a:ln w="19050">
+              <a:solidFill>
+                <a:srgbClr val="5E6280"/>
+              </a:solidFill>
+              <a:tailEnd type="triangle"/>
+            </a:ln>
+          </p:spPr>
+          <p:style>
+            <a:lnRef idx="1">
+              <a:schemeClr val="accent1"/>
+            </a:lnRef>
+            <a:fillRef idx="0">
+              <a:schemeClr val="accent1"/>
+            </a:fillRef>
+            <a:effectRef idx="0">
+              <a:schemeClr val="accent1"/>
+            </a:effectRef>
+            <a:fontRef idx="minor">
+              <a:schemeClr val="tx1"/>
+            </a:fontRef>
+          </p:style>
+        </p:cxnSp>
+        <p:sp>
+          <p:nvSpPr>
+            <p:cNvPr id="242" name="流程图: 可选过程 241"/>
+            <p:cNvSpPr/>
+            <p:nvPr/>
+          </p:nvSpPr>
+          <p:spPr>
+            <a:xfrm>
+              <a:off x="11261749" y="1582266"/>
+              <a:ext cx="1953056" cy="385310"/>
+            </a:xfrm>
+            <a:prstGeom prst="flowChartAlternateProcess">
+              <a:avLst/>
+            </a:prstGeom>
+            <a:noFill/>
+            <a:ln w="19050">
+              <a:solidFill>
+                <a:srgbClr val="A39DF9"/>
+              </a:solidFill>
+              <a:prstDash val="dash"/>
+            </a:ln>
+          </p:spPr>
+          <p:style>
+            <a:lnRef idx="2">
+              <a:schemeClr val="accent1">
+                <a:shade val="50000"/>
+              </a:schemeClr>
+            </a:lnRef>
+            <a:fillRef idx="1">
+              <a:schemeClr val="accent1"/>
+            </a:fillRef>
+            <a:effectRef idx="0">
+              <a:schemeClr val="accent1"/>
+            </a:effectRef>
+            <a:fontRef idx="minor">
+              <a:schemeClr val="lt1"/>
+            </a:fontRef>
+          </p:style>
+          <p:txBody>
+            <a:bodyPr rtlCol="0" anchor="ctr"/>
+            <a:lstStyle/>
+            <a:p>
+              <a:pPr algn="ctr"/>
+              <a:r>
+                <a:rPr lang="en-US" altLang="zh-CN" sz="1400" dirty="0">
+                  <a:solidFill>
+                    <a:srgbClr val="383B55"/>
+                  </a:solidFill>
+                  <a:latin typeface="Helvetica" pitchFamily="2" charset="0"/>
+                  <a:ea typeface="微软雅黑" panose="020B0503020204020204" pitchFamily="34" charset="-122"/>
+                  <a:cs typeface="Calibri" panose="020F0502020204030204" pitchFamily="34" charset="0"/>
+                </a:rPr>
+                <a:t>Check Task Status</a:t>
+              </a:r>
+              <a:endParaRPr lang="zh-CN" altLang="en-US" sz="1400" dirty="0">
+                <a:solidFill>
+                  <a:srgbClr val="383B55"/>
+                </a:solidFill>
+                <a:latin typeface="Helvetica" pitchFamily="2" charset="0"/>
+                <a:ea typeface="微软雅黑" panose="020B0503020204020204" pitchFamily="34" charset="-122"/>
+                <a:cs typeface="Calibri" panose="020F0502020204030204" pitchFamily="34" charset="0"/>
+              </a:endParaRPr>
+            </a:p>
+          </p:txBody>
+        </p:sp>
+        <p:sp>
+          <p:nvSpPr>
+            <p:cNvPr id="243" name="流程图: 可选过程 242"/>
+            <p:cNvSpPr/>
+            <p:nvPr/>
+          </p:nvSpPr>
+          <p:spPr>
+            <a:xfrm>
+              <a:off x="11261749" y="4725990"/>
+              <a:ext cx="1943213" cy="385310"/>
+            </a:xfrm>
+            <a:prstGeom prst="flowChartAlternateProcess">
+              <a:avLst/>
+            </a:prstGeom>
+            <a:noFill/>
+            <a:ln w="19050">
+              <a:solidFill>
+                <a:srgbClr val="A39DF9"/>
+              </a:solidFill>
+              <a:prstDash val="dash"/>
+            </a:ln>
+          </p:spPr>
+          <p:style>
+            <a:lnRef idx="2">
+              <a:schemeClr val="accent1">
+                <a:shade val="50000"/>
+              </a:schemeClr>
+            </a:lnRef>
+            <a:fillRef idx="1">
+              <a:schemeClr val="accent1"/>
+            </a:fillRef>
+            <a:effectRef idx="0">
+              <a:schemeClr val="accent1"/>
+            </a:effectRef>
+            <a:fontRef idx="minor">
+              <a:schemeClr val="lt1"/>
+            </a:fontRef>
+          </p:style>
+          <p:txBody>
+            <a:bodyPr rtlCol="0" anchor="ctr"/>
+            <a:lstStyle/>
+            <a:p>
+              <a:pPr algn="ctr"/>
+              <a:r>
+                <a:rPr lang="en-US" altLang="zh-CN" sz="1400" dirty="0">
+                  <a:solidFill>
+                    <a:srgbClr val="383B55"/>
+                  </a:solidFill>
+                  <a:latin typeface="Helvetica" pitchFamily="2" charset="0"/>
+                  <a:ea typeface="微软雅黑" panose="020B0503020204020204" pitchFamily="34" charset="-122"/>
+                  <a:cs typeface="Calibri" panose="020F0502020204030204" pitchFamily="34" charset="0"/>
+                </a:rPr>
+                <a:t>Check Task Status</a:t>
+              </a:r>
+              <a:endParaRPr lang="zh-CN" altLang="en-US" sz="1400" dirty="0">
+                <a:solidFill>
+                  <a:srgbClr val="383B55"/>
+                </a:solidFill>
+                <a:latin typeface="Helvetica" pitchFamily="2" charset="0"/>
+                <a:ea typeface="微软雅黑" panose="020B0503020204020204" pitchFamily="34" charset="-122"/>
+                <a:cs typeface="Calibri" panose="020F0502020204030204" pitchFamily="34" charset="0"/>
+              </a:endParaRPr>
+            </a:p>
+          </p:txBody>
+        </p:sp>
+        <p:cxnSp>
+          <p:nvCxnSpPr>
+            <p:cNvPr id="252" name="直接连接符 251"/>
+            <p:cNvCxnSpPr>
+              <a:cxnSpLocks/>
+            </p:cNvCxnSpPr>
+            <p:nvPr/>
+          </p:nvCxnSpPr>
+          <p:spPr>
+            <a:xfrm flipH="1">
+              <a:off x="4419600" y="97366"/>
+              <a:ext cx="27020" cy="6760634"/>
+            </a:xfrm>
+            <a:prstGeom prst="line">
+              <a:avLst/>
+            </a:prstGeom>
+            <a:ln>
+              <a:solidFill>
+                <a:srgbClr val="5E6280"/>
+              </a:solidFill>
+              <a:prstDash val="dash"/>
+            </a:ln>
+          </p:spPr>
+          <p:style>
+            <a:lnRef idx="1">
+              <a:schemeClr val="accent1"/>
+            </a:lnRef>
+            <a:fillRef idx="0">
+              <a:schemeClr val="accent1"/>
+            </a:fillRef>
+            <a:effectRef idx="0">
+              <a:schemeClr val="accent1"/>
+            </a:effectRef>
+            <a:fontRef idx="minor">
+              <a:schemeClr val="tx1"/>
+            </a:fontRef>
+          </p:style>
+        </p:cxnSp>
+        <p:cxnSp>
+          <p:nvCxnSpPr>
+            <p:cNvPr id="253" name="直接连接符 252"/>
+            <p:cNvCxnSpPr>
+              <a:cxnSpLocks/>
+            </p:cNvCxnSpPr>
+            <p:nvPr/>
+          </p:nvCxnSpPr>
+          <p:spPr>
+            <a:xfrm flipH="1">
+              <a:off x="6953250" y="107277"/>
+              <a:ext cx="37902" cy="6731673"/>
+            </a:xfrm>
+            <a:prstGeom prst="line">
+              <a:avLst/>
+            </a:prstGeom>
+            <a:ln>
+              <a:solidFill>
+                <a:srgbClr val="5E6280"/>
+              </a:solidFill>
+              <a:prstDash val="dash"/>
+            </a:ln>
+          </p:spPr>
+          <p:style>
+            <a:lnRef idx="1">
+              <a:schemeClr val="accent1"/>
+            </a:lnRef>
+            <a:fillRef idx="0">
+              <a:schemeClr val="accent1"/>
+            </a:fillRef>
+            <a:effectRef idx="0">
+              <a:schemeClr val="accent1"/>
+            </a:effectRef>
+            <a:fontRef idx="minor">
+              <a:schemeClr val="tx1"/>
+            </a:fontRef>
+          </p:style>
+        </p:cxnSp>
+        <p:cxnSp>
+          <p:nvCxnSpPr>
+            <p:cNvPr id="254" name="直接连接符 253"/>
+            <p:cNvCxnSpPr>
+              <a:cxnSpLocks/>
+            </p:cNvCxnSpPr>
+            <p:nvPr/>
+          </p:nvCxnSpPr>
+          <p:spPr>
+            <a:xfrm flipH="1">
+              <a:off x="10995320" y="84482"/>
+              <a:ext cx="41178" cy="6773518"/>
+            </a:xfrm>
+            <a:prstGeom prst="line">
+              <a:avLst/>
+            </a:prstGeom>
+            <a:ln>
+              <a:solidFill>
+                <a:srgbClr val="5E6280"/>
+              </a:solidFill>
+              <a:prstDash val="dash"/>
+            </a:ln>
+          </p:spPr>
+          <p:style>
+            <a:lnRef idx="1">
+              <a:schemeClr val="accent1"/>
+            </a:lnRef>
+            <a:fillRef idx="0">
+              <a:schemeClr val="accent1"/>
+            </a:fillRef>
+            <a:effectRef idx="0">
+              <a:schemeClr val="accent1"/>
+            </a:effectRef>
+            <a:fontRef idx="minor">
+              <a:schemeClr val="tx1"/>
+            </a:fontRef>
+          </p:style>
+        </p:cxnSp>
+        <p:cxnSp>
+          <p:nvCxnSpPr>
+            <p:cNvPr id="255" name="直接连接符 254"/>
+            <p:cNvCxnSpPr>
+              <a:cxnSpLocks/>
+            </p:cNvCxnSpPr>
+            <p:nvPr/>
+          </p:nvCxnSpPr>
+          <p:spPr>
+            <a:xfrm flipH="1">
+              <a:off x="13677900" y="84481"/>
+              <a:ext cx="10909" cy="6773519"/>
+            </a:xfrm>
+            <a:prstGeom prst="line">
+              <a:avLst/>
+            </a:prstGeom>
+            <a:ln>
+              <a:solidFill>
+                <a:srgbClr val="5E6280"/>
+              </a:solidFill>
+              <a:prstDash val="dash"/>
+            </a:ln>
+          </p:spPr>
+          <p:style>
+            <a:lnRef idx="1">
+              <a:schemeClr val="accent1"/>
+            </a:lnRef>
+            <a:fillRef idx="0">
+              <a:schemeClr val="accent1"/>
+            </a:fillRef>
+            <a:effectRef idx="0">
+              <a:schemeClr val="accent1"/>
+            </a:effectRef>
+            <a:fontRef idx="minor">
+              <a:schemeClr val="tx1"/>
+            </a:fontRef>
+          </p:style>
+        </p:cxnSp>
+        <p:sp>
+          <p:nvSpPr>
+            <p:cNvPr id="49" name="矩形 48">
+              <a:extLst>
+                <a:ext uri="{FF2B5EF4-FFF2-40B4-BE49-F238E27FC236}">
+                  <a16:creationId xmlns:a16="http://schemas.microsoft.com/office/drawing/2014/main" id="{CF6DE4C7-FBFF-5C47-97A0-7ED92C501C4B}"/>
+                </a:ext>
+              </a:extLst>
+            </p:cNvPr>
+            <p:cNvSpPr/>
+            <p:nvPr/>
+          </p:nvSpPr>
+          <p:spPr>
+            <a:xfrm>
+              <a:off x="4487517" y="78923"/>
+              <a:ext cx="2465871" cy="522443"/>
+            </a:xfrm>
+            <a:prstGeom prst="rect">
+              <a:avLst/>
+            </a:prstGeom>
+            <a:solidFill>
+              <a:srgbClr val="5399FC"/>
+            </a:solidFill>
+            <a:ln>
+              <a:noFill/>
+            </a:ln>
+          </p:spPr>
+          <p:style>
+            <a:lnRef idx="2">
+              <a:schemeClr val="accent1">
+                <a:shade val="50000"/>
+              </a:schemeClr>
+            </a:lnRef>
+            <a:fillRef idx="1">
+              <a:schemeClr val="accent1"/>
+            </a:fillRef>
+            <a:effectRef idx="0">
+              <a:schemeClr val="accent1"/>
+            </a:effectRef>
+            <a:fontRef idx="minor">
+              <a:schemeClr val="lt1"/>
+            </a:fontRef>
+          </p:style>
+          <p:txBody>
+            <a:bodyPr rtlCol="0" anchor="ctr"/>
+            <a:lstStyle/>
+            <a:p>
+              <a:pPr algn="ctr"/>
+              <a:r>
+                <a:rPr lang="en-US" altLang="zh-CN" sz="1600" dirty="0">
+                  <a:solidFill>
+                    <a:srgbClr val="383B55"/>
+                  </a:solidFill>
+                  <a:latin typeface="Helvetica" pitchFamily="2" charset="0"/>
+                  <a:ea typeface="微软雅黑" panose="020B0503020204020204" pitchFamily="34" charset="-122"/>
+                </a:rPr>
+                <a:t>Data Explorer</a:t>
+              </a:r>
+              <a:endParaRPr lang="zh-CN" altLang="en-US" sz="1600" dirty="0">
+                <a:solidFill>
+                  <a:srgbClr val="383B55"/>
+                </a:solidFill>
+                <a:latin typeface="Helvetica" pitchFamily="2" charset="0"/>
+                <a:ea typeface="微软雅黑" panose="020B0503020204020204" pitchFamily="34" charset="-122"/>
+              </a:endParaRPr>
+            </a:p>
+          </p:txBody>
+        </p:sp>
+        <p:sp>
+          <p:nvSpPr>
+            <p:cNvPr id="50" name="矩形 49">
+              <a:extLst>
+                <a:ext uri="{FF2B5EF4-FFF2-40B4-BE49-F238E27FC236}">
+                  <a16:creationId xmlns:a16="http://schemas.microsoft.com/office/drawing/2014/main" id="{78BDF40D-E693-D14D-98A1-C99E36D4BD77}"/>
+                </a:ext>
+              </a:extLst>
+            </p:cNvPr>
+            <p:cNvSpPr/>
+            <p:nvPr/>
+          </p:nvSpPr>
+          <p:spPr>
+            <a:xfrm>
+              <a:off x="13739689" y="78923"/>
+              <a:ext cx="2262311" cy="522443"/>
+            </a:xfrm>
+            <a:prstGeom prst="rect">
+              <a:avLst/>
+            </a:prstGeom>
+            <a:solidFill>
+              <a:srgbClr val="7C74F8"/>
+            </a:solidFill>
+            <a:ln>
+              <a:noFill/>
+            </a:ln>
+          </p:spPr>
+          <p:style>
+            <a:lnRef idx="2">
+              <a:schemeClr val="accent1">
+                <a:shade val="50000"/>
+              </a:schemeClr>
+            </a:lnRef>
+            <a:fillRef idx="1">
+              <a:schemeClr val="accent1"/>
+            </a:fillRef>
+            <a:effectRef idx="0">
+              <a:schemeClr val="accent1"/>
+            </a:effectRef>
+            <a:fontRef idx="minor">
+              <a:schemeClr val="lt1"/>
+            </a:fontRef>
+          </p:style>
+          <p:txBody>
+            <a:bodyPr rtlCol="0" anchor="ctr"/>
+            <a:lstStyle/>
+            <a:p>
+              <a:pPr algn="ctr"/>
+              <a:r>
+                <a:rPr lang="en-US" altLang="zh-CN" sz="1600" dirty="0">
+                  <a:solidFill>
+                    <a:srgbClr val="383B55"/>
+                  </a:solidFill>
+                  <a:latin typeface="Helvetica" pitchFamily="2" charset="0"/>
+                  <a:ea typeface="微软雅黑" panose="020B0503020204020204" pitchFamily="34" charset="-122"/>
+                </a:rPr>
+                <a:t>Data Report</a:t>
+              </a:r>
+              <a:endParaRPr lang="zh-CN" altLang="en-US" sz="1600" dirty="0">
+                <a:solidFill>
+                  <a:srgbClr val="383B55"/>
+                </a:solidFill>
+                <a:latin typeface="Helvetica" pitchFamily="2" charset="0"/>
+                <a:ea typeface="微软雅黑" panose="020B0503020204020204" pitchFamily="34" charset="-122"/>
+              </a:endParaRPr>
+            </a:p>
+          </p:txBody>
+        </p:sp>
+        <p:sp>
+          <p:nvSpPr>
+            <p:cNvPr id="51" name="矩形 50">
+              <a:extLst>
+                <a:ext uri="{FF2B5EF4-FFF2-40B4-BE49-F238E27FC236}">
+                  <a16:creationId xmlns:a16="http://schemas.microsoft.com/office/drawing/2014/main" id="{12849B9A-F3C6-0B44-B5DD-A8F65531F578}"/>
+                </a:ext>
+              </a:extLst>
+            </p:cNvPr>
+            <p:cNvSpPr/>
+            <p:nvPr/>
+          </p:nvSpPr>
+          <p:spPr>
+            <a:xfrm>
+              <a:off x="11076869" y="78923"/>
+              <a:ext cx="2574178" cy="522443"/>
+            </a:xfrm>
+            <a:prstGeom prst="rect">
+              <a:avLst/>
+            </a:prstGeom>
+            <a:solidFill>
+              <a:srgbClr val="A39DF9"/>
+            </a:solidFill>
+            <a:ln>
+              <a:noFill/>
+            </a:ln>
+          </p:spPr>
+          <p:style>
+            <a:lnRef idx="2">
+              <a:schemeClr val="accent1">
+                <a:shade val="50000"/>
+              </a:schemeClr>
+            </a:lnRef>
+            <a:fillRef idx="1">
+              <a:schemeClr val="accent1"/>
+            </a:fillRef>
+            <a:effectRef idx="0">
+              <a:schemeClr val="accent1"/>
+            </a:effectRef>
+            <a:fontRef idx="minor">
+              <a:schemeClr val="lt1"/>
+            </a:fontRef>
+          </p:style>
+          <p:txBody>
+            <a:bodyPr rtlCol="0" anchor="ctr"/>
+            <a:lstStyle/>
+            <a:p>
+              <a:pPr algn="ctr"/>
+              <a:r>
+                <a:rPr lang="en-US" altLang="zh-CN" sz="1600" dirty="0">
+                  <a:solidFill>
+                    <a:srgbClr val="383B55"/>
+                  </a:solidFill>
+                  <a:latin typeface="Helvetica" pitchFamily="2" charset="0"/>
+                  <a:ea typeface="微软雅黑" panose="020B0503020204020204" pitchFamily="34" charset="-122"/>
+                </a:rPr>
+                <a:t>Task Monitor</a:t>
+              </a:r>
+              <a:endParaRPr lang="zh-CN" altLang="en-US" sz="1600" dirty="0">
+                <a:solidFill>
+                  <a:srgbClr val="383B55"/>
+                </a:solidFill>
+                <a:latin typeface="Helvetica" pitchFamily="2" charset="0"/>
+                <a:ea typeface="微软雅黑" panose="020B0503020204020204" pitchFamily="34" charset="-122"/>
+              </a:endParaRPr>
+            </a:p>
+          </p:txBody>
+        </p:sp>
+        <p:sp>
+          <p:nvSpPr>
+            <p:cNvPr id="52" name="矩形 51">
+              <a:extLst>
+                <a:ext uri="{FF2B5EF4-FFF2-40B4-BE49-F238E27FC236}">
+                  <a16:creationId xmlns:a16="http://schemas.microsoft.com/office/drawing/2014/main" id="{02184379-CD80-5044-83DC-3F6341A7DC17}"/>
+                </a:ext>
+              </a:extLst>
+            </p:cNvPr>
+            <p:cNvSpPr/>
+            <p:nvPr/>
+          </p:nvSpPr>
+          <p:spPr>
+            <a:xfrm>
+              <a:off x="7032047" y="78923"/>
+              <a:ext cx="3957813" cy="522443"/>
+            </a:xfrm>
+            <a:prstGeom prst="rect">
+              <a:avLst/>
+            </a:prstGeom>
+            <a:solidFill>
+              <a:srgbClr val="42CBF5"/>
+            </a:solidFill>
+            <a:ln>
+              <a:noFill/>
+            </a:ln>
+          </p:spPr>
+          <p:style>
+            <a:lnRef idx="2">
+              <a:schemeClr val="accent1">
+                <a:shade val="50000"/>
+              </a:schemeClr>
+            </a:lnRef>
+            <a:fillRef idx="1">
+              <a:schemeClr val="accent1"/>
+            </a:fillRef>
+            <a:effectRef idx="0">
+              <a:schemeClr val="accent1"/>
+            </a:effectRef>
+            <a:fontRef idx="minor">
+              <a:schemeClr val="lt1"/>
+            </a:fontRef>
+          </p:style>
+          <p:txBody>
+            <a:bodyPr rtlCol="0" anchor="ctr"/>
+            <a:lstStyle/>
+            <a:p>
+              <a:pPr algn="ctr"/>
+              <a:r>
+                <a:rPr lang="en-US" altLang="zh-CN" sz="1600" dirty="0">
+                  <a:solidFill>
+                    <a:srgbClr val="383B55"/>
+                  </a:solidFill>
+                  <a:latin typeface="Helvetica" pitchFamily="2" charset="0"/>
+                  <a:ea typeface="微软雅黑" panose="020B0503020204020204" pitchFamily="34" charset="-122"/>
+                </a:rPr>
+                <a:t>Data Integration</a:t>
+              </a:r>
+              <a:endParaRPr lang="zh-CN" altLang="en-US" sz="1600" dirty="0">
+                <a:solidFill>
+                  <a:srgbClr val="383B55"/>
+                </a:solidFill>
+                <a:latin typeface="Helvetica" pitchFamily="2" charset="0"/>
+                <a:ea typeface="微软雅黑" panose="020B0503020204020204" pitchFamily="34" charset="-122"/>
+              </a:endParaRPr>
+            </a:p>
+          </p:txBody>
+        </p:sp>
+        <p:cxnSp>
+          <p:nvCxnSpPr>
+            <p:cNvPr id="55" name="直线箭头连接符 54">
+              <a:extLst>
+                <a:ext uri="{FF2B5EF4-FFF2-40B4-BE49-F238E27FC236}">
+                  <a16:creationId xmlns:a16="http://schemas.microsoft.com/office/drawing/2014/main" id="{73111DED-0560-6F45-A66A-B17CDFA726B6}"/>
+                </a:ext>
+              </a:extLst>
+            </p:cNvPr>
+            <p:cNvCxnSpPr>
+              <a:cxnSpLocks/>
+              <a:stCxn id="147" idx="4"/>
+              <a:endCxn id="12" idx="1"/>
+            </p:cNvCxnSpPr>
+            <p:nvPr/>
+          </p:nvCxnSpPr>
+          <p:spPr>
+            <a:xfrm>
+              <a:off x="1597672" y="1732406"/>
+              <a:ext cx="635898" cy="948"/>
+            </a:xfrm>
+            <a:prstGeom prst="straightConnector1">
+              <a:avLst/>
+            </a:prstGeom>
+            <a:ln w="19050">
+              <a:solidFill>
+                <a:srgbClr val="5E6280"/>
+              </a:solidFill>
+              <a:tailEnd type="triangle"/>
+            </a:ln>
+          </p:spPr>
+          <p:style>
+            <a:lnRef idx="1">
+              <a:schemeClr val="accent1"/>
+            </a:lnRef>
+            <a:fillRef idx="0">
+              <a:schemeClr val="accent1"/>
+            </a:fillRef>
+            <a:effectRef idx="0">
+              <a:schemeClr val="accent1"/>
+            </a:effectRef>
+            <a:fontRef idx="minor">
+              <a:schemeClr val="tx1"/>
+            </a:fontRef>
+          </p:style>
+        </p:cxnSp>
+        <p:cxnSp>
+          <p:nvCxnSpPr>
+            <p:cNvPr id="56" name="直线箭头连接符 55">
+              <a:extLst>
+                <a:ext uri="{FF2B5EF4-FFF2-40B4-BE49-F238E27FC236}">
+                  <a16:creationId xmlns:a16="http://schemas.microsoft.com/office/drawing/2014/main" id="{FBA755E5-8ED4-D74E-BB37-10B040282471}"/>
+                </a:ext>
+              </a:extLst>
+            </p:cNvPr>
+            <p:cNvCxnSpPr>
+              <a:cxnSpLocks/>
+              <a:stCxn id="12" idx="3"/>
+              <a:endCxn id="15" idx="1"/>
+            </p:cNvCxnSpPr>
+            <p:nvPr/>
+          </p:nvCxnSpPr>
+          <p:spPr>
+            <a:xfrm>
+              <a:off x="4161620" y="1733354"/>
+              <a:ext cx="598317" cy="0"/>
+            </a:xfrm>
+            <a:prstGeom prst="straightConnector1">
+              <a:avLst/>
+            </a:prstGeom>
+            <a:ln w="19050">
+              <a:solidFill>
+                <a:srgbClr val="5E6280"/>
+              </a:solidFill>
+              <a:tailEnd type="triangle"/>
+            </a:ln>
+          </p:spPr>
+          <p:style>
+            <a:lnRef idx="1">
+              <a:schemeClr val="accent1"/>
+            </a:lnRef>
+            <a:fillRef idx="0">
+              <a:schemeClr val="accent1"/>
+            </a:fillRef>
+            <a:effectRef idx="0">
+              <a:schemeClr val="accent1"/>
+            </a:effectRef>
+            <a:fontRef idx="minor">
+              <a:schemeClr val="tx1"/>
+            </a:fontRef>
+          </p:style>
+        </p:cxnSp>
+        <p:cxnSp>
+          <p:nvCxnSpPr>
+            <p:cNvPr id="94" name="肘形连接符 93">
+              <a:extLst>
+                <a:ext uri="{FF2B5EF4-FFF2-40B4-BE49-F238E27FC236}">
+                  <a16:creationId xmlns:a16="http://schemas.microsoft.com/office/drawing/2014/main" id="{3EF5C220-9911-9545-B961-6456E25EEA9F}"/>
+                </a:ext>
+              </a:extLst>
+            </p:cNvPr>
+            <p:cNvCxnSpPr>
+              <a:stCxn id="15" idx="0"/>
+              <a:endCxn id="14" idx="1"/>
+            </p:cNvCxnSpPr>
+            <p:nvPr/>
+          </p:nvCxnSpPr>
+          <p:spPr>
+            <a:xfrm rot="5400000" flipH="1" flipV="1">
+              <a:off x="6815492" y="173922"/>
+              <a:ext cx="290401" cy="2443154"/>
+            </a:xfrm>
+            <a:prstGeom prst="bentConnector2">
+              <a:avLst/>
+            </a:prstGeom>
+            <a:ln w="19050">
+              <a:solidFill>
+                <a:srgbClr val="5E6280"/>
+              </a:solidFill>
+              <a:tailEnd type="triangle"/>
+            </a:ln>
+          </p:spPr>
+          <p:style>
+            <a:lnRef idx="1">
+              <a:schemeClr val="accent1"/>
+            </a:lnRef>
+            <a:fillRef idx="0">
+              <a:schemeClr val="accent1"/>
+            </a:fillRef>
+            <a:effectRef idx="0">
+              <a:schemeClr val="accent1"/>
+            </a:effectRef>
+            <a:fontRef idx="minor">
+              <a:schemeClr val="tx1"/>
+            </a:fontRef>
+          </p:style>
+        </p:cxnSp>
+        <p:cxnSp>
+          <p:nvCxnSpPr>
+            <p:cNvPr id="98" name="肘形连接符 97">
+              <a:extLst>
+                <a:ext uri="{FF2B5EF4-FFF2-40B4-BE49-F238E27FC236}">
+                  <a16:creationId xmlns:a16="http://schemas.microsoft.com/office/drawing/2014/main" id="{E75A0F14-C527-D14C-B108-DA42443EE85D}"/>
+                </a:ext>
+              </a:extLst>
+            </p:cNvPr>
+            <p:cNvCxnSpPr>
+              <a:stCxn id="15" idx="2"/>
+              <a:endCxn id="47" idx="1"/>
+            </p:cNvCxnSpPr>
+            <p:nvPr/>
+          </p:nvCxnSpPr>
+          <p:spPr>
+            <a:xfrm rot="16200000" flipH="1">
+              <a:off x="6799340" y="865784"/>
+              <a:ext cx="327800" cy="2448250"/>
+            </a:xfrm>
+            <a:prstGeom prst="bentConnector2">
+              <a:avLst/>
+            </a:prstGeom>
+            <a:ln w="19050">
+              <a:solidFill>
+                <a:srgbClr val="5E6280"/>
+              </a:solidFill>
+              <a:tailEnd type="triangle"/>
+            </a:ln>
+          </p:spPr>
+          <p:style>
+            <a:lnRef idx="1">
+              <a:schemeClr val="accent1"/>
+            </a:lnRef>
+            <a:fillRef idx="0">
+              <a:schemeClr val="accent1"/>
+            </a:fillRef>
+            <a:effectRef idx="0">
+              <a:schemeClr val="accent1"/>
+            </a:effectRef>
+            <a:fontRef idx="minor">
+              <a:schemeClr val="tx1"/>
+            </a:fontRef>
+          </p:style>
+        </p:cxnSp>
+        <p:cxnSp>
+          <p:nvCxnSpPr>
+            <p:cNvPr id="100" name="肘形连接符 99">
+              <a:extLst>
+                <a:ext uri="{FF2B5EF4-FFF2-40B4-BE49-F238E27FC236}">
+                  <a16:creationId xmlns:a16="http://schemas.microsoft.com/office/drawing/2014/main" id="{DE484B86-7C86-5E43-BAB2-EF168BCECFA6}"/>
+                </a:ext>
+              </a:extLst>
+            </p:cNvPr>
+            <p:cNvCxnSpPr>
+              <a:stCxn id="14" idx="3"/>
+              <a:endCxn id="242" idx="0"/>
+            </p:cNvCxnSpPr>
+            <p:nvPr/>
+          </p:nvCxnSpPr>
+          <p:spPr>
+            <a:xfrm>
+              <a:off x="10113432" y="1250298"/>
+              <a:ext cx="2124845" cy="331968"/>
+            </a:xfrm>
+            <a:prstGeom prst="bentConnector2">
+              <a:avLst/>
+            </a:prstGeom>
+            <a:ln w="19050">
+              <a:solidFill>
+                <a:srgbClr val="5E6280"/>
+              </a:solidFill>
+              <a:tailEnd type="triangle"/>
+            </a:ln>
+          </p:spPr>
+          <p:style>
+            <a:lnRef idx="1">
+              <a:schemeClr val="accent1"/>
+            </a:lnRef>
+            <a:fillRef idx="0">
+              <a:schemeClr val="accent1"/>
+            </a:fillRef>
+            <a:effectRef idx="0">
+              <a:schemeClr val="accent1"/>
+            </a:effectRef>
+            <a:fontRef idx="minor">
+              <a:schemeClr val="tx1"/>
+            </a:fontRef>
+          </p:style>
+        </p:cxnSp>
+        <p:cxnSp>
+          <p:nvCxnSpPr>
+            <p:cNvPr id="102" name="肘形连接符 101">
+              <a:extLst>
+                <a:ext uri="{FF2B5EF4-FFF2-40B4-BE49-F238E27FC236}">
+                  <a16:creationId xmlns:a16="http://schemas.microsoft.com/office/drawing/2014/main" id="{FDE0DC0E-05D5-0E48-AEF9-9B8A9A6D19FB}"/>
+                </a:ext>
+              </a:extLst>
+            </p:cNvPr>
+            <p:cNvCxnSpPr>
+              <a:cxnSpLocks/>
+              <a:stCxn id="47" idx="3"/>
+              <a:endCxn id="242" idx="2"/>
+            </p:cNvCxnSpPr>
+            <p:nvPr/>
+          </p:nvCxnSpPr>
+          <p:spPr>
+            <a:xfrm flipV="1">
+              <a:off x="10113432" y="1967576"/>
+              <a:ext cx="2124845" cy="286233"/>
+            </a:xfrm>
+            <a:prstGeom prst="bentConnector2">
+              <a:avLst/>
+            </a:prstGeom>
+            <a:ln w="19050">
+              <a:solidFill>
+                <a:srgbClr val="5E6280"/>
+              </a:solidFill>
+              <a:tailEnd type="triangle"/>
+            </a:ln>
+          </p:spPr>
+          <p:style>
+            <a:lnRef idx="1">
+              <a:schemeClr val="accent1"/>
+            </a:lnRef>
+            <a:fillRef idx="0">
+              <a:schemeClr val="accent1"/>
+            </a:fillRef>
+            <a:effectRef idx="0">
+              <a:schemeClr val="accent1"/>
+            </a:effectRef>
+            <a:fontRef idx="minor">
+              <a:schemeClr val="tx1"/>
+            </a:fontRef>
+          </p:style>
+        </p:cxnSp>
+        <p:cxnSp>
+          <p:nvCxnSpPr>
+            <p:cNvPr id="110" name="直线箭头连接符 109">
+              <a:extLst>
+                <a:ext uri="{FF2B5EF4-FFF2-40B4-BE49-F238E27FC236}">
+                  <a16:creationId xmlns:a16="http://schemas.microsoft.com/office/drawing/2014/main" id="{1205AF3F-5A0A-824E-ADB1-CD1437018542}"/>
+                </a:ext>
+              </a:extLst>
+            </p:cNvPr>
+            <p:cNvCxnSpPr>
+              <a:cxnSpLocks/>
+              <a:stCxn id="96" idx="1"/>
+              <a:endCxn id="151" idx="4"/>
+            </p:cNvCxnSpPr>
+            <p:nvPr/>
+          </p:nvCxnSpPr>
+          <p:spPr>
+            <a:xfrm flipH="1">
+              <a:off x="1583466" y="3059737"/>
+              <a:ext cx="3172253" cy="0"/>
+            </a:xfrm>
+            <a:prstGeom prst="straightConnector1">
+              <a:avLst/>
+            </a:prstGeom>
+            <a:ln w="19050">
+              <a:solidFill>
+                <a:srgbClr val="5E6280"/>
+              </a:solidFill>
+              <a:tailEnd type="triangle"/>
+            </a:ln>
+          </p:spPr>
+          <p:style>
+            <a:lnRef idx="1">
+              <a:schemeClr val="accent1"/>
+            </a:lnRef>
+            <a:fillRef idx="0">
+              <a:schemeClr val="accent1"/>
+            </a:fillRef>
+            <a:effectRef idx="0">
+              <a:schemeClr val="accent1"/>
+            </a:effectRef>
+            <a:fontRef idx="minor">
+              <a:schemeClr val="tx1"/>
+            </a:fontRef>
+          </p:style>
+        </p:cxnSp>
+        <p:cxnSp>
+          <p:nvCxnSpPr>
+            <p:cNvPr id="129" name="直线箭头连接符 128">
+              <a:extLst>
+                <a:ext uri="{FF2B5EF4-FFF2-40B4-BE49-F238E27FC236}">
+                  <a16:creationId xmlns:a16="http://schemas.microsoft.com/office/drawing/2014/main" id="{CE4EA552-1A4D-3A40-8D37-7322FE264BAF}"/>
+                </a:ext>
+              </a:extLst>
+            </p:cNvPr>
+            <p:cNvCxnSpPr>
+              <a:stCxn id="160" idx="3"/>
+              <a:endCxn id="243" idx="1"/>
+            </p:cNvCxnSpPr>
+            <p:nvPr/>
+          </p:nvCxnSpPr>
+          <p:spPr>
+            <a:xfrm>
+              <a:off x="10087890" y="4918645"/>
+              <a:ext cx="1173859" cy="0"/>
+            </a:xfrm>
+            <a:prstGeom prst="straightConnector1">
+              <a:avLst/>
+            </a:prstGeom>
+            <a:ln w="19050">
+              <a:solidFill>
+                <a:srgbClr val="5E6280"/>
               </a:solidFill>
               <a:tailEnd type="triangle"/>
             </a:ln>
@@ -5113,10 +5427,1159 @@
           </p:style>
         </p:cxnSp>
       </p:grpSp>
+      <p:sp>
+        <p:nvSpPr>
+          <p:cNvPr id="2" name="文本框 1">
+            <a:extLst>
+              <a:ext uri="{FF2B5EF4-FFF2-40B4-BE49-F238E27FC236}">
+                <a16:creationId xmlns:a16="http://schemas.microsoft.com/office/drawing/2014/main" id="{994FB76F-4F2B-AD48-ABA6-C753247091F1}"/>
+              </a:ext>
+            </a:extLst>
+          </p:cNvPr>
+          <p:cNvSpPr txBox="1"/>
+          <p:nvPr/>
+        </p:nvSpPr>
+        <p:spPr>
+          <a:xfrm>
+            <a:off x="-10743" y="-125662"/>
+            <a:ext cx="1458926" cy="369332"/>
+          </a:xfrm>
+          <a:prstGeom prst="rect">
+            <a:avLst/>
+          </a:prstGeom>
+          <a:noFill/>
+        </p:spPr>
+        <p:txBody>
+          <a:bodyPr wrap="none" rtlCol="0">
+            <a:spAutoFit/>
+          </a:bodyPr>
+          <a:lstStyle/>
+          <a:p>
+            <a:r>
+              <a:rPr kumimoji="1" lang="en-US" altLang="zh-CN" dirty="0" err="1"/>
+              <a:t>workflow.png</a:t>
+            </a:r>
+            <a:endParaRPr kumimoji="1" lang="zh-CN" altLang="en-US" dirty="0"/>
+          </a:p>
+        </p:txBody>
+      </p:sp>
     </p:spTree>
     <p:extLst>
       <p:ext uri="{BB962C8B-B14F-4D97-AF65-F5344CB8AC3E}">
         <p14:creationId xmlns:p14="http://schemas.microsoft.com/office/powerpoint/2010/main" val="204231012"/>
+      </p:ext>
+    </p:extLst>
+  </p:cSld>
+  <p:clrMapOvr>
+    <a:masterClrMapping/>
+  </p:clrMapOvr>
+</p:sld>
+</file>
+
+<file path=ppt/slides/slide2.xml><?xml version="1.0" encoding="utf-8"?>
+<p:sld xmlns:a="http://schemas.openxmlformats.org/drawingml/2006/main" xmlns:r="http://schemas.openxmlformats.org/officeDocument/2006/relationships" xmlns:p="http://schemas.openxmlformats.org/presentationml/2006/main">
+  <p:cSld>
+    <p:spTree>
+      <p:nvGrpSpPr>
+        <p:cNvPr id="1" name=""/>
+        <p:cNvGrpSpPr/>
+        <p:nvPr/>
+      </p:nvGrpSpPr>
+      <p:grpSpPr>
+        <a:xfrm>
+          <a:off x="0" y="0"/>
+          <a:ext cx="0" cy="0"/>
+          <a:chOff x="0" y="0"/>
+          <a:chExt cx="0" cy="0"/>
+        </a:xfrm>
+      </p:grpSpPr>
+      <p:sp>
+        <p:nvSpPr>
+          <p:cNvPr id="19" name="文本框 18">
+            <a:extLst>
+              <a:ext uri="{FF2B5EF4-FFF2-40B4-BE49-F238E27FC236}">
+                <a16:creationId xmlns:a16="http://schemas.microsoft.com/office/drawing/2014/main" id="{FF2586CA-1136-5140-9612-7E80A6528AB4}"/>
+              </a:ext>
+            </a:extLst>
+          </p:cNvPr>
+          <p:cNvSpPr txBox="1"/>
+          <p:nvPr/>
+        </p:nvSpPr>
+        <p:spPr>
+          <a:xfrm>
+            <a:off x="82550" y="0"/>
+            <a:ext cx="1885003" cy="369332"/>
+          </a:xfrm>
+          <a:prstGeom prst="rect">
+            <a:avLst/>
+          </a:prstGeom>
+          <a:noFill/>
+        </p:spPr>
+        <p:txBody>
+          <a:bodyPr wrap="none" rtlCol="0">
+            <a:spAutoFit/>
+          </a:bodyPr>
+          <a:lstStyle/>
+          <a:p>
+            <a:r>
+              <a:rPr kumimoji="1" lang="en-US" altLang="zh-CN" dirty="0" err="1"/>
+              <a:t>infrastructure.png</a:t>
+            </a:r>
+            <a:endParaRPr kumimoji="1" lang="zh-CN" altLang="en-US" dirty="0"/>
+          </a:p>
+        </p:txBody>
+      </p:sp>
+      <p:grpSp>
+        <p:nvGrpSpPr>
+          <p:cNvPr id="21" name="组合 20">
+            <a:extLst>
+              <a:ext uri="{FF2B5EF4-FFF2-40B4-BE49-F238E27FC236}">
+                <a16:creationId xmlns:a16="http://schemas.microsoft.com/office/drawing/2014/main" id="{89FADD08-0D80-8449-9760-899032D25059}"/>
+              </a:ext>
+            </a:extLst>
+          </p:cNvPr>
+          <p:cNvGrpSpPr/>
+          <p:nvPr/>
+        </p:nvGrpSpPr>
+        <p:grpSpPr>
+          <a:xfrm>
+            <a:off x="377664" y="963682"/>
+            <a:ext cx="11359316" cy="5359940"/>
+            <a:chOff x="2325214" y="544750"/>
+            <a:chExt cx="9354687" cy="5359940"/>
+          </a:xfrm>
+        </p:grpSpPr>
+        <p:sp>
+          <p:nvSpPr>
+            <p:cNvPr id="22" name="圆角矩形 21">
+              <a:extLst>
+                <a:ext uri="{FF2B5EF4-FFF2-40B4-BE49-F238E27FC236}">
+                  <a16:creationId xmlns:a16="http://schemas.microsoft.com/office/drawing/2014/main" id="{11D969F9-7AF6-F443-95BB-01B46B8797C6}"/>
+                </a:ext>
+              </a:extLst>
+            </p:cNvPr>
+            <p:cNvSpPr/>
+            <p:nvPr/>
+          </p:nvSpPr>
+          <p:spPr>
+            <a:xfrm>
+              <a:off x="3705773" y="1295048"/>
+              <a:ext cx="6442989" cy="1887216"/>
+            </a:xfrm>
+            <a:prstGeom prst="roundRect">
+              <a:avLst>
+                <a:gd name="adj" fmla="val 0"/>
+              </a:avLst>
+            </a:prstGeom>
+            <a:noFill/>
+            <a:ln w="19050">
+              <a:solidFill>
+                <a:srgbClr val="5E6280"/>
+              </a:solidFill>
+            </a:ln>
+          </p:spPr>
+          <p:style>
+            <a:lnRef idx="2">
+              <a:schemeClr val="accent1">
+                <a:shade val="50000"/>
+              </a:schemeClr>
+            </a:lnRef>
+            <a:fillRef idx="1">
+              <a:schemeClr val="accent1"/>
+            </a:fillRef>
+            <a:effectRef idx="0">
+              <a:schemeClr val="accent1"/>
+            </a:effectRef>
+            <a:fontRef idx="minor">
+              <a:schemeClr val="lt1"/>
+            </a:fontRef>
+          </p:style>
+          <p:txBody>
+            <a:bodyPr rtlCol="0" anchor="ctr"/>
+            <a:lstStyle/>
+            <a:p>
+              <a:pPr algn="ctr"/>
+              <a:endParaRPr lang="zh-CN" altLang="en-US" sz="1600" dirty="0">
+                <a:solidFill>
+                  <a:schemeClr val="tx1"/>
+                </a:solidFill>
+                <a:latin typeface="Helvetica" pitchFamily="2" charset="0"/>
+                <a:ea typeface="微软雅黑" panose="020B0503020204020204" pitchFamily="34" charset="-122"/>
+              </a:endParaRPr>
+            </a:p>
+          </p:txBody>
+        </p:sp>
+        <p:sp>
+          <p:nvSpPr>
+            <p:cNvPr id="23" name="圆角矩形 22">
+              <a:extLst>
+                <a:ext uri="{FF2B5EF4-FFF2-40B4-BE49-F238E27FC236}">
+                  <a16:creationId xmlns:a16="http://schemas.microsoft.com/office/drawing/2014/main" id="{66717299-CBC2-CF42-BD70-07D42A9031E1}"/>
+                </a:ext>
+              </a:extLst>
+            </p:cNvPr>
+            <p:cNvSpPr/>
+            <p:nvPr/>
+          </p:nvSpPr>
+          <p:spPr>
+            <a:xfrm>
+              <a:off x="3705771" y="3337347"/>
+              <a:ext cx="6442990" cy="2440883"/>
+            </a:xfrm>
+            <a:prstGeom prst="roundRect">
+              <a:avLst>
+                <a:gd name="adj" fmla="val 0"/>
+              </a:avLst>
+            </a:prstGeom>
+            <a:noFill/>
+            <a:ln w="19050">
+              <a:solidFill>
+                <a:srgbClr val="5E6280"/>
+              </a:solidFill>
+            </a:ln>
+          </p:spPr>
+          <p:style>
+            <a:lnRef idx="2">
+              <a:schemeClr val="accent1">
+                <a:shade val="50000"/>
+              </a:schemeClr>
+            </a:lnRef>
+            <a:fillRef idx="1">
+              <a:schemeClr val="accent1"/>
+            </a:fillRef>
+            <a:effectRef idx="0">
+              <a:schemeClr val="accent1"/>
+            </a:effectRef>
+            <a:fontRef idx="minor">
+              <a:schemeClr val="lt1"/>
+            </a:fontRef>
+          </p:style>
+          <p:txBody>
+            <a:bodyPr rtlCol="0" anchor="ctr"/>
+            <a:lstStyle/>
+            <a:p>
+              <a:pPr algn="ctr"/>
+              <a:endParaRPr lang="zh-CN" altLang="en-US" sz="1600" dirty="0">
+                <a:solidFill>
+                  <a:schemeClr val="tx1"/>
+                </a:solidFill>
+                <a:latin typeface="Helvetica" pitchFamily="2" charset="0"/>
+                <a:ea typeface="微软雅黑" panose="020B0503020204020204" pitchFamily="34" charset="-122"/>
+              </a:endParaRPr>
+            </a:p>
+          </p:txBody>
+        </p:sp>
+        <p:sp>
+          <p:nvSpPr>
+            <p:cNvPr id="24" name="圆角矩形 23">
+              <a:extLst>
+                <a:ext uri="{FF2B5EF4-FFF2-40B4-BE49-F238E27FC236}">
+                  <a16:creationId xmlns:a16="http://schemas.microsoft.com/office/drawing/2014/main" id="{3EF4D579-20D1-4548-8315-FB449739B766}"/>
+                </a:ext>
+              </a:extLst>
+            </p:cNvPr>
+            <p:cNvSpPr/>
+            <p:nvPr/>
+          </p:nvSpPr>
+          <p:spPr>
+            <a:xfrm>
+              <a:off x="3922756" y="1766588"/>
+              <a:ext cx="6019800" cy="514350"/>
+            </a:xfrm>
+            <a:prstGeom prst="roundRect">
+              <a:avLst>
+                <a:gd name="adj" fmla="val 0"/>
+              </a:avLst>
+            </a:prstGeom>
+            <a:solidFill>
+              <a:srgbClr val="7C74F8"/>
+            </a:solidFill>
+            <a:ln w="19050">
+              <a:noFill/>
+            </a:ln>
+          </p:spPr>
+          <p:style>
+            <a:lnRef idx="2">
+              <a:schemeClr val="accent1">
+                <a:shade val="50000"/>
+              </a:schemeClr>
+            </a:lnRef>
+            <a:fillRef idx="1">
+              <a:schemeClr val="accent1"/>
+            </a:fillRef>
+            <a:effectRef idx="0">
+              <a:schemeClr val="accent1"/>
+            </a:effectRef>
+            <a:fontRef idx="minor">
+              <a:schemeClr val="lt1"/>
+            </a:fontRef>
+          </p:style>
+          <p:txBody>
+            <a:bodyPr rtlCol="0" anchor="ctr"/>
+            <a:lstStyle/>
+            <a:p>
+              <a:pPr algn="ctr"/>
+              <a:r>
+                <a:rPr lang="en-US" altLang="zh-CN" dirty="0">
+                  <a:solidFill>
+                    <a:schemeClr val="bg1"/>
+                  </a:solidFill>
+                  <a:latin typeface="Helvetica" pitchFamily="2" charset="0"/>
+                </a:rPr>
+                <a:t>Data</a:t>
+              </a:r>
+              <a:r>
+                <a:rPr lang="zh-CN" altLang="en-US" dirty="0">
+                  <a:solidFill>
+                    <a:schemeClr val="bg1"/>
+                  </a:solidFill>
+                  <a:latin typeface="Helvetica" pitchFamily="2" charset="0"/>
+                </a:rPr>
+                <a:t> </a:t>
+              </a:r>
+              <a:r>
+                <a:rPr lang="en-US" altLang="zh-CN" dirty="0">
+                  <a:solidFill>
+                    <a:schemeClr val="bg1"/>
+                  </a:solidFill>
+                  <a:latin typeface="Helvetica" pitchFamily="2" charset="0"/>
+                </a:rPr>
+                <a:t>Report</a:t>
+              </a:r>
+              <a:endParaRPr lang="zh-CN" altLang="en-US" dirty="0">
+                <a:solidFill>
+                  <a:schemeClr val="bg1"/>
+                </a:solidFill>
+                <a:latin typeface="Helvetica" pitchFamily="2" charset="0"/>
+              </a:endParaRPr>
+            </a:p>
+          </p:txBody>
+        </p:sp>
+        <p:sp>
+          <p:nvSpPr>
+            <p:cNvPr id="25" name="圆角矩形 24">
+              <a:extLst>
+                <a:ext uri="{FF2B5EF4-FFF2-40B4-BE49-F238E27FC236}">
+                  <a16:creationId xmlns:a16="http://schemas.microsoft.com/office/drawing/2014/main" id="{F07F61FF-7182-5F4B-BE17-F508BFBE6B7F}"/>
+                </a:ext>
+              </a:extLst>
+            </p:cNvPr>
+            <p:cNvSpPr/>
+            <p:nvPr/>
+          </p:nvSpPr>
+          <p:spPr>
+            <a:xfrm>
+              <a:off x="3914565" y="2440428"/>
+              <a:ext cx="1838325" cy="514350"/>
+            </a:xfrm>
+            <a:prstGeom prst="roundRect">
+              <a:avLst>
+                <a:gd name="adj" fmla="val 0"/>
+              </a:avLst>
+            </a:prstGeom>
+            <a:noFill/>
+            <a:ln w="19050">
+              <a:solidFill>
+                <a:srgbClr val="42CBF5"/>
+              </a:solidFill>
+            </a:ln>
+          </p:spPr>
+          <p:style>
+            <a:lnRef idx="2">
+              <a:schemeClr val="accent1">
+                <a:shade val="50000"/>
+              </a:schemeClr>
+            </a:lnRef>
+            <a:fillRef idx="1">
+              <a:schemeClr val="accent1"/>
+            </a:fillRef>
+            <a:effectRef idx="0">
+              <a:schemeClr val="accent1"/>
+            </a:effectRef>
+            <a:fontRef idx="minor">
+              <a:schemeClr val="lt1"/>
+            </a:fontRef>
+          </p:style>
+          <p:txBody>
+            <a:bodyPr rtlCol="0" anchor="ctr"/>
+            <a:lstStyle/>
+            <a:p>
+              <a:pPr algn="ctr"/>
+              <a:r>
+                <a:rPr lang="en-US" altLang="zh-CN" dirty="0">
+                  <a:solidFill>
+                    <a:srgbClr val="5E6280"/>
+                  </a:solidFill>
+                  <a:latin typeface="Helvetica" pitchFamily="2" charset="0"/>
+                </a:rPr>
+                <a:t>Visualization Control Library </a:t>
+              </a:r>
+              <a:endParaRPr lang="zh-CN" altLang="en-US" dirty="0">
+                <a:solidFill>
+                  <a:srgbClr val="5E6280"/>
+                </a:solidFill>
+                <a:latin typeface="Helvetica" pitchFamily="2" charset="0"/>
+              </a:endParaRPr>
+            </a:p>
+          </p:txBody>
+        </p:sp>
+        <p:sp>
+          <p:nvSpPr>
+            <p:cNvPr id="26" name="圆角矩形 25">
+              <a:extLst>
+                <a:ext uri="{FF2B5EF4-FFF2-40B4-BE49-F238E27FC236}">
+                  <a16:creationId xmlns:a16="http://schemas.microsoft.com/office/drawing/2014/main" id="{82D37515-C0D5-D548-B744-08C0FC2A218F}"/>
+                </a:ext>
+              </a:extLst>
+            </p:cNvPr>
+            <p:cNvSpPr/>
+            <p:nvPr/>
+          </p:nvSpPr>
+          <p:spPr>
+            <a:xfrm>
+              <a:off x="6000540" y="2440428"/>
+              <a:ext cx="1838325" cy="514350"/>
+            </a:xfrm>
+            <a:prstGeom prst="roundRect">
+              <a:avLst>
+                <a:gd name="adj" fmla="val 0"/>
+              </a:avLst>
+            </a:prstGeom>
+            <a:noFill/>
+            <a:ln w="19050">
+              <a:solidFill>
+                <a:srgbClr val="42CBF5"/>
+              </a:solidFill>
+            </a:ln>
+          </p:spPr>
+          <p:style>
+            <a:lnRef idx="2">
+              <a:schemeClr val="accent1">
+                <a:shade val="50000"/>
+              </a:schemeClr>
+            </a:lnRef>
+            <a:fillRef idx="1">
+              <a:schemeClr val="accent1"/>
+            </a:fillRef>
+            <a:effectRef idx="0">
+              <a:schemeClr val="accent1"/>
+            </a:effectRef>
+            <a:fontRef idx="minor">
+              <a:schemeClr val="lt1"/>
+            </a:fontRef>
+          </p:style>
+          <p:txBody>
+            <a:bodyPr rtlCol="0" anchor="ctr"/>
+            <a:lstStyle/>
+            <a:p>
+              <a:pPr algn="ctr"/>
+              <a:r>
+                <a:rPr lang="en-US" altLang="zh-CN" dirty="0">
+                  <a:solidFill>
+                    <a:srgbClr val="5E6280"/>
+                  </a:solidFill>
+                  <a:latin typeface="Helvetica" pitchFamily="2" charset="0"/>
+                </a:rPr>
+                <a:t>Report Designer</a:t>
+              </a:r>
+              <a:endParaRPr lang="zh-CN" altLang="en-US" dirty="0">
+                <a:solidFill>
+                  <a:srgbClr val="5E6280"/>
+                </a:solidFill>
+                <a:latin typeface="Helvetica" pitchFamily="2" charset="0"/>
+              </a:endParaRPr>
+            </a:p>
+          </p:txBody>
+        </p:sp>
+        <p:sp>
+          <p:nvSpPr>
+            <p:cNvPr id="27" name="圆角矩形 26">
+              <a:extLst>
+                <a:ext uri="{FF2B5EF4-FFF2-40B4-BE49-F238E27FC236}">
+                  <a16:creationId xmlns:a16="http://schemas.microsoft.com/office/drawing/2014/main" id="{00EDBAA8-617A-2C4E-97E5-AB282A55448A}"/>
+                </a:ext>
+              </a:extLst>
+            </p:cNvPr>
+            <p:cNvSpPr/>
+            <p:nvPr/>
+          </p:nvSpPr>
+          <p:spPr>
+            <a:xfrm>
+              <a:off x="8096040" y="2440428"/>
+              <a:ext cx="1838325" cy="514350"/>
+            </a:xfrm>
+            <a:prstGeom prst="roundRect">
+              <a:avLst>
+                <a:gd name="adj" fmla="val 0"/>
+              </a:avLst>
+            </a:prstGeom>
+            <a:noFill/>
+            <a:ln w="19050">
+              <a:solidFill>
+                <a:srgbClr val="42CBF5"/>
+              </a:solidFill>
+            </a:ln>
+          </p:spPr>
+          <p:style>
+            <a:lnRef idx="2">
+              <a:schemeClr val="accent1">
+                <a:shade val="50000"/>
+              </a:schemeClr>
+            </a:lnRef>
+            <a:fillRef idx="1">
+              <a:schemeClr val="accent1"/>
+            </a:fillRef>
+            <a:effectRef idx="0">
+              <a:schemeClr val="accent1"/>
+            </a:effectRef>
+            <a:fontRef idx="minor">
+              <a:schemeClr val="lt1"/>
+            </a:fontRef>
+          </p:style>
+          <p:txBody>
+            <a:bodyPr rtlCol="0" anchor="ctr"/>
+            <a:lstStyle/>
+            <a:p>
+              <a:pPr algn="ctr"/>
+              <a:r>
+                <a:rPr lang="en-US" altLang="zh-CN" dirty="0">
+                  <a:solidFill>
+                    <a:srgbClr val="5E6280"/>
+                  </a:solidFill>
+                  <a:latin typeface="Helvetica" pitchFamily="2" charset="0"/>
+                </a:rPr>
+                <a:t>Report Manager</a:t>
+              </a:r>
+              <a:endParaRPr lang="zh-CN" altLang="en-US" dirty="0">
+                <a:solidFill>
+                  <a:srgbClr val="5E6280"/>
+                </a:solidFill>
+                <a:latin typeface="Helvetica" pitchFamily="2" charset="0"/>
+              </a:endParaRPr>
+            </a:p>
+          </p:txBody>
+        </p:sp>
+        <p:sp>
+          <p:nvSpPr>
+            <p:cNvPr id="28" name="文本框 27">
+              <a:extLst>
+                <a:ext uri="{FF2B5EF4-FFF2-40B4-BE49-F238E27FC236}">
+                  <a16:creationId xmlns:a16="http://schemas.microsoft.com/office/drawing/2014/main" id="{E46DEB8E-79E2-FC4C-856F-476481FFEDA0}"/>
+                </a:ext>
+              </a:extLst>
+            </p:cNvPr>
+            <p:cNvSpPr txBox="1"/>
+            <p:nvPr/>
+          </p:nvSpPr>
+          <p:spPr>
+            <a:xfrm>
+              <a:off x="5911773" y="1318823"/>
+              <a:ext cx="2256817" cy="369332"/>
+            </a:xfrm>
+            <a:prstGeom prst="rect">
+              <a:avLst/>
+            </a:prstGeom>
+            <a:noFill/>
+          </p:spPr>
+          <p:txBody>
+            <a:bodyPr wrap="square" rtlCol="0">
+              <a:spAutoFit/>
+            </a:bodyPr>
+            <a:lstStyle/>
+            <a:p>
+              <a:pPr algn="ctr"/>
+              <a:r>
+                <a:rPr lang="en-US" altLang="zh-CN" dirty="0">
+                  <a:solidFill>
+                    <a:srgbClr val="5E6280"/>
+                  </a:solidFill>
+                  <a:latin typeface="Helvetica" pitchFamily="2" charset="0"/>
+                </a:rPr>
+                <a:t>Report Design </a:t>
+              </a:r>
+              <a:r>
+                <a:rPr lang="en-US" altLang="zh-CN">
+                  <a:solidFill>
+                    <a:srgbClr val="5E6280"/>
+                  </a:solidFill>
+                  <a:latin typeface="Helvetica" pitchFamily="2" charset="0"/>
+                </a:rPr>
+                <a:t>Pannel</a:t>
+              </a:r>
+              <a:endParaRPr lang="zh-CN" altLang="en-US" dirty="0">
+                <a:solidFill>
+                  <a:srgbClr val="5E6280"/>
+                </a:solidFill>
+                <a:latin typeface="Helvetica" pitchFamily="2" charset="0"/>
+              </a:endParaRPr>
+            </a:p>
+          </p:txBody>
+        </p:sp>
+        <p:sp>
+          <p:nvSpPr>
+            <p:cNvPr id="29" name="圆角矩形 28">
+              <a:extLst>
+                <a:ext uri="{FF2B5EF4-FFF2-40B4-BE49-F238E27FC236}">
+                  <a16:creationId xmlns:a16="http://schemas.microsoft.com/office/drawing/2014/main" id="{E5B7741D-78B0-0648-96BA-B2A6F5EDB2D8}"/>
+                </a:ext>
+              </a:extLst>
+            </p:cNvPr>
+            <p:cNvSpPr/>
+            <p:nvPr/>
+          </p:nvSpPr>
+          <p:spPr>
+            <a:xfrm>
+              <a:off x="3914565" y="3802247"/>
+              <a:ext cx="6010276" cy="514350"/>
+            </a:xfrm>
+            <a:prstGeom prst="roundRect">
+              <a:avLst>
+                <a:gd name="adj" fmla="val 0"/>
+              </a:avLst>
+            </a:prstGeom>
+            <a:solidFill>
+              <a:srgbClr val="7C74F8"/>
+            </a:solidFill>
+            <a:ln w="19050">
+              <a:noFill/>
+            </a:ln>
+          </p:spPr>
+          <p:style>
+            <a:lnRef idx="2">
+              <a:schemeClr val="accent1">
+                <a:shade val="50000"/>
+              </a:schemeClr>
+            </a:lnRef>
+            <a:fillRef idx="1">
+              <a:schemeClr val="accent1"/>
+            </a:fillRef>
+            <a:effectRef idx="0">
+              <a:schemeClr val="accent1"/>
+            </a:effectRef>
+            <a:fontRef idx="minor">
+              <a:schemeClr val="lt1"/>
+            </a:fontRef>
+          </p:style>
+          <p:txBody>
+            <a:bodyPr rtlCol="0" anchor="ctr"/>
+            <a:lstStyle/>
+            <a:p>
+              <a:pPr algn="ctr"/>
+              <a:r>
+                <a:rPr lang="en-US" altLang="zh-CN" dirty="0">
+                  <a:solidFill>
+                    <a:schemeClr val="bg1"/>
+                  </a:solidFill>
+                  <a:latin typeface="Helvetica" pitchFamily="2" charset="0"/>
+                </a:rPr>
+                <a:t>Dataset</a:t>
+              </a:r>
+              <a:endParaRPr lang="zh-CN" altLang="en-US" dirty="0">
+                <a:solidFill>
+                  <a:schemeClr val="bg1"/>
+                </a:solidFill>
+                <a:latin typeface="Helvetica" pitchFamily="2" charset="0"/>
+              </a:endParaRPr>
+            </a:p>
+          </p:txBody>
+        </p:sp>
+        <p:sp>
+          <p:nvSpPr>
+            <p:cNvPr id="30" name="圆角矩形 29">
+              <a:extLst>
+                <a:ext uri="{FF2B5EF4-FFF2-40B4-BE49-F238E27FC236}">
+                  <a16:creationId xmlns:a16="http://schemas.microsoft.com/office/drawing/2014/main" id="{ECAB026C-9E6A-3C47-8964-0538B426F511}"/>
+                </a:ext>
+              </a:extLst>
+            </p:cNvPr>
+            <p:cNvSpPr/>
+            <p:nvPr/>
+          </p:nvSpPr>
+          <p:spPr>
+            <a:xfrm>
+              <a:off x="3922756" y="5124619"/>
+              <a:ext cx="6002083" cy="514350"/>
+            </a:xfrm>
+            <a:prstGeom prst="roundRect">
+              <a:avLst>
+                <a:gd name="adj" fmla="val 0"/>
+              </a:avLst>
+            </a:prstGeom>
+            <a:noFill/>
+            <a:ln w="19050">
+              <a:solidFill>
+                <a:srgbClr val="0A6EFA"/>
+              </a:solidFill>
+            </a:ln>
+          </p:spPr>
+          <p:style>
+            <a:lnRef idx="2">
+              <a:schemeClr val="accent1">
+                <a:shade val="50000"/>
+              </a:schemeClr>
+            </a:lnRef>
+            <a:fillRef idx="1">
+              <a:schemeClr val="accent1"/>
+            </a:fillRef>
+            <a:effectRef idx="0">
+              <a:schemeClr val="accent1"/>
+            </a:effectRef>
+            <a:fontRef idx="minor">
+              <a:schemeClr val="lt1"/>
+            </a:fontRef>
+          </p:style>
+          <p:txBody>
+            <a:bodyPr rtlCol="0" anchor="ctr"/>
+            <a:lstStyle/>
+            <a:p>
+              <a:pPr algn="ctr"/>
+              <a:r>
+                <a:rPr lang="en-US" altLang="zh-CN" dirty="0">
+                  <a:solidFill>
+                    <a:srgbClr val="5E6280"/>
+                  </a:solidFill>
+                  <a:latin typeface="Helvetica" pitchFamily="2" charset="0"/>
+                </a:rPr>
+                <a:t>Data Source</a:t>
+              </a:r>
+              <a:endParaRPr lang="zh-CN" altLang="en-US" dirty="0">
+                <a:solidFill>
+                  <a:srgbClr val="5E6280"/>
+                </a:solidFill>
+                <a:latin typeface="Helvetica" pitchFamily="2" charset="0"/>
+              </a:endParaRPr>
+            </a:p>
+          </p:txBody>
+        </p:sp>
+        <p:sp>
+          <p:nvSpPr>
+            <p:cNvPr id="31" name="文本框 30">
+              <a:extLst>
+                <a:ext uri="{FF2B5EF4-FFF2-40B4-BE49-F238E27FC236}">
+                  <a16:creationId xmlns:a16="http://schemas.microsoft.com/office/drawing/2014/main" id="{81A6A1A8-B687-2248-B052-8E79B202D073}"/>
+                </a:ext>
+              </a:extLst>
+            </p:cNvPr>
+            <p:cNvSpPr txBox="1"/>
+            <p:nvPr/>
+          </p:nvSpPr>
+          <p:spPr>
+            <a:xfrm>
+              <a:off x="6279406" y="3385131"/>
+              <a:ext cx="1362075" cy="369332"/>
+            </a:xfrm>
+            <a:prstGeom prst="rect">
+              <a:avLst/>
+            </a:prstGeom>
+            <a:noFill/>
+          </p:spPr>
+          <p:txBody>
+            <a:bodyPr wrap="square" rtlCol="0">
+              <a:spAutoFit/>
+            </a:bodyPr>
+            <a:lstStyle/>
+            <a:p>
+              <a:pPr algn="ctr"/>
+              <a:r>
+                <a:rPr lang="en-US" altLang="zh-CN" dirty="0">
+                  <a:solidFill>
+                    <a:srgbClr val="5E6280"/>
+                  </a:solidFill>
+                  <a:latin typeface="Helvetica" pitchFamily="2" charset="0"/>
+                </a:rPr>
+                <a:t>Data</a:t>
+              </a:r>
+              <a:endParaRPr lang="zh-CN" altLang="en-US" dirty="0">
+                <a:solidFill>
+                  <a:srgbClr val="5E6280"/>
+                </a:solidFill>
+                <a:latin typeface="Helvetica" pitchFamily="2" charset="0"/>
+              </a:endParaRPr>
+            </a:p>
+          </p:txBody>
+        </p:sp>
+        <p:sp>
+          <p:nvSpPr>
+            <p:cNvPr id="32" name="圆角矩形 31">
+              <a:extLst>
+                <a:ext uri="{FF2B5EF4-FFF2-40B4-BE49-F238E27FC236}">
+                  <a16:creationId xmlns:a16="http://schemas.microsoft.com/office/drawing/2014/main" id="{C47E91AD-5FD8-0949-954D-76329D99319E}"/>
+                </a:ext>
+              </a:extLst>
+            </p:cNvPr>
+            <p:cNvSpPr/>
+            <p:nvPr/>
+          </p:nvSpPr>
+          <p:spPr>
+            <a:xfrm>
+              <a:off x="7341530" y="4464284"/>
+              <a:ext cx="2583309" cy="514350"/>
+            </a:xfrm>
+            <a:prstGeom prst="roundRect">
+              <a:avLst>
+                <a:gd name="adj" fmla="val 0"/>
+              </a:avLst>
+            </a:prstGeom>
+            <a:noFill/>
+            <a:ln w="19050">
+              <a:solidFill>
+                <a:srgbClr val="42CBF5"/>
+              </a:solidFill>
+            </a:ln>
+          </p:spPr>
+          <p:style>
+            <a:lnRef idx="2">
+              <a:schemeClr val="accent1">
+                <a:shade val="50000"/>
+              </a:schemeClr>
+            </a:lnRef>
+            <a:fillRef idx="1">
+              <a:schemeClr val="accent1"/>
+            </a:fillRef>
+            <a:effectRef idx="0">
+              <a:schemeClr val="accent1"/>
+            </a:effectRef>
+            <a:fontRef idx="minor">
+              <a:schemeClr val="lt1"/>
+            </a:fontRef>
+          </p:style>
+          <p:txBody>
+            <a:bodyPr rtlCol="0" anchor="ctr"/>
+            <a:lstStyle/>
+            <a:p>
+              <a:pPr algn="ctr"/>
+              <a:r>
+                <a:rPr lang="en-US" altLang="zh-CN" dirty="0">
+                  <a:solidFill>
+                    <a:srgbClr val="5E6280"/>
+                  </a:solidFill>
+                  <a:latin typeface="Helvetica" pitchFamily="2" charset="0"/>
+                </a:rPr>
+                <a:t>Dataset Manager</a:t>
+              </a:r>
+              <a:endParaRPr lang="zh-CN" altLang="en-US" dirty="0">
+                <a:solidFill>
+                  <a:srgbClr val="5E6280"/>
+                </a:solidFill>
+                <a:latin typeface="Helvetica" pitchFamily="2" charset="0"/>
+              </a:endParaRPr>
+            </a:p>
+          </p:txBody>
+        </p:sp>
+        <p:sp>
+          <p:nvSpPr>
+            <p:cNvPr id="33" name="圆角矩形 32">
+              <a:extLst>
+                <a:ext uri="{FF2B5EF4-FFF2-40B4-BE49-F238E27FC236}">
+                  <a16:creationId xmlns:a16="http://schemas.microsoft.com/office/drawing/2014/main" id="{3D45E279-9E11-E949-BABA-0FD32EB1C135}"/>
+                </a:ext>
+              </a:extLst>
+            </p:cNvPr>
+            <p:cNvSpPr/>
+            <p:nvPr/>
+          </p:nvSpPr>
+          <p:spPr>
+            <a:xfrm>
+              <a:off x="3922756" y="4464284"/>
+              <a:ext cx="2575118" cy="514350"/>
+            </a:xfrm>
+            <a:prstGeom prst="roundRect">
+              <a:avLst>
+                <a:gd name="adj" fmla="val 234"/>
+              </a:avLst>
+            </a:prstGeom>
+            <a:noFill/>
+            <a:ln w="19050">
+              <a:solidFill>
+                <a:srgbClr val="42CBF5"/>
+              </a:solidFill>
+            </a:ln>
+          </p:spPr>
+          <p:style>
+            <a:lnRef idx="2">
+              <a:schemeClr val="accent1">
+                <a:shade val="50000"/>
+              </a:schemeClr>
+            </a:lnRef>
+            <a:fillRef idx="1">
+              <a:schemeClr val="accent1"/>
+            </a:fillRef>
+            <a:effectRef idx="0">
+              <a:schemeClr val="accent1"/>
+            </a:effectRef>
+            <a:fontRef idx="minor">
+              <a:schemeClr val="lt1"/>
+            </a:fontRef>
+          </p:style>
+          <p:txBody>
+            <a:bodyPr rtlCol="0" anchor="ctr"/>
+            <a:lstStyle/>
+            <a:p>
+              <a:pPr algn="ctr"/>
+              <a:r>
+                <a:rPr lang="en-US" altLang="zh-CN" dirty="0">
+                  <a:solidFill>
+                    <a:srgbClr val="5E6280"/>
+                  </a:solidFill>
+                  <a:latin typeface="Helvetica" pitchFamily="2" charset="0"/>
+                </a:rPr>
+                <a:t>Dataset Designer</a:t>
+              </a:r>
+              <a:endParaRPr lang="zh-CN" altLang="en-US" dirty="0">
+                <a:solidFill>
+                  <a:srgbClr val="5E6280"/>
+                </a:solidFill>
+                <a:latin typeface="Helvetica" pitchFamily="2" charset="0"/>
+              </a:endParaRPr>
+            </a:p>
+          </p:txBody>
+        </p:sp>
+        <p:sp>
+          <p:nvSpPr>
+            <p:cNvPr id="34" name="矩形 33">
+              <a:extLst>
+                <a:ext uri="{FF2B5EF4-FFF2-40B4-BE49-F238E27FC236}">
+                  <a16:creationId xmlns:a16="http://schemas.microsoft.com/office/drawing/2014/main" id="{EC4703B0-C705-B543-8ED6-034F13A05467}"/>
+                </a:ext>
+              </a:extLst>
+            </p:cNvPr>
+            <p:cNvSpPr/>
+            <p:nvPr/>
+          </p:nvSpPr>
+          <p:spPr>
+            <a:xfrm>
+              <a:off x="2325214" y="544750"/>
+              <a:ext cx="1127996" cy="5359940"/>
+            </a:xfrm>
+            <a:prstGeom prst="rect">
+              <a:avLst/>
+            </a:prstGeom>
+            <a:solidFill>
+              <a:srgbClr val="A39DF9"/>
+            </a:solidFill>
+            <a:ln w="12700">
+              <a:noFill/>
+              <a:prstDash val="sysDash"/>
+            </a:ln>
+          </p:spPr>
+          <p:style>
+            <a:lnRef idx="2">
+              <a:schemeClr val="accent1">
+                <a:shade val="50000"/>
+              </a:schemeClr>
+            </a:lnRef>
+            <a:fillRef idx="1">
+              <a:schemeClr val="accent1"/>
+            </a:fillRef>
+            <a:effectRef idx="0">
+              <a:schemeClr val="accent1"/>
+            </a:effectRef>
+            <a:fontRef idx="minor">
+              <a:schemeClr val="lt1"/>
+            </a:fontRef>
+          </p:style>
+          <p:txBody>
+            <a:bodyPr rtlCol="0" anchor="ctr"/>
+            <a:lstStyle/>
+            <a:p>
+              <a:pPr algn="ctr"/>
+              <a:r>
+                <a:rPr lang="en-US" altLang="zh-CN" dirty="0">
+                  <a:solidFill>
+                    <a:schemeClr val="bg1"/>
+                  </a:solidFill>
+                  <a:latin typeface="Helvetica" pitchFamily="2" charset="0"/>
+                </a:rPr>
+                <a:t>Resource Isolation</a:t>
+              </a:r>
+              <a:endParaRPr lang="zh-CN" altLang="en-US" dirty="0">
+                <a:solidFill>
+                  <a:schemeClr val="bg1"/>
+                </a:solidFill>
+                <a:latin typeface="Helvetica" pitchFamily="2" charset="0"/>
+              </a:endParaRPr>
+            </a:p>
+          </p:txBody>
+        </p:sp>
+        <p:sp>
+          <p:nvSpPr>
+            <p:cNvPr id="35" name="矩形 34">
+              <a:extLst>
+                <a:ext uri="{FF2B5EF4-FFF2-40B4-BE49-F238E27FC236}">
+                  <a16:creationId xmlns:a16="http://schemas.microsoft.com/office/drawing/2014/main" id="{78ED94EE-4ED1-0F41-A96A-AC01CEA07F9D}"/>
+                </a:ext>
+              </a:extLst>
+            </p:cNvPr>
+            <p:cNvSpPr/>
+            <p:nvPr/>
+          </p:nvSpPr>
+          <p:spPr>
+            <a:xfrm>
+              <a:off x="10405055" y="544750"/>
+              <a:ext cx="1274846" cy="5359940"/>
+            </a:xfrm>
+            <a:prstGeom prst="rect">
+              <a:avLst/>
+            </a:prstGeom>
+            <a:solidFill>
+              <a:srgbClr val="A39DF9"/>
+            </a:solidFill>
+            <a:ln w="12700">
+              <a:noFill/>
+              <a:prstDash val="sysDash"/>
+            </a:ln>
+          </p:spPr>
+          <p:style>
+            <a:lnRef idx="2">
+              <a:schemeClr val="accent1">
+                <a:shade val="50000"/>
+              </a:schemeClr>
+            </a:lnRef>
+            <a:fillRef idx="1">
+              <a:schemeClr val="accent1"/>
+            </a:fillRef>
+            <a:effectRef idx="0">
+              <a:schemeClr val="accent1"/>
+            </a:effectRef>
+            <a:fontRef idx="minor">
+              <a:schemeClr val="lt1"/>
+            </a:fontRef>
+          </p:style>
+          <p:txBody>
+            <a:bodyPr rtlCol="0" anchor="ctr"/>
+            <a:lstStyle/>
+            <a:p>
+              <a:pPr algn="ctr"/>
+              <a:r>
+                <a:rPr lang="en-US" altLang="zh-CN" dirty="0">
+                  <a:solidFill>
+                    <a:schemeClr val="bg1"/>
+                  </a:solidFill>
+                  <a:latin typeface="Helvetica" pitchFamily="2" charset="0"/>
+                </a:rPr>
+                <a:t>Security Management Module</a:t>
+              </a:r>
+              <a:endParaRPr lang="zh-CN" altLang="en-US" dirty="0">
+                <a:solidFill>
+                  <a:schemeClr val="bg1"/>
+                </a:solidFill>
+                <a:latin typeface="Helvetica" pitchFamily="2" charset="0"/>
+              </a:endParaRPr>
+            </a:p>
+          </p:txBody>
+        </p:sp>
+        <p:sp>
+          <p:nvSpPr>
+            <p:cNvPr id="36" name="圆角矩形 35">
+              <a:extLst>
+                <a:ext uri="{FF2B5EF4-FFF2-40B4-BE49-F238E27FC236}">
+                  <a16:creationId xmlns:a16="http://schemas.microsoft.com/office/drawing/2014/main" id="{29A1F88C-78BA-9140-8CED-68CA4B033349}"/>
+                </a:ext>
+              </a:extLst>
+            </p:cNvPr>
+            <p:cNvSpPr/>
+            <p:nvPr/>
+          </p:nvSpPr>
+          <p:spPr>
+            <a:xfrm>
+              <a:off x="3533886" y="559166"/>
+              <a:ext cx="6760915" cy="5345524"/>
+            </a:xfrm>
+            <a:prstGeom prst="roundRect">
+              <a:avLst>
+                <a:gd name="adj" fmla="val 0"/>
+              </a:avLst>
+            </a:prstGeom>
+            <a:noFill/>
+            <a:ln w="19050">
+              <a:solidFill>
+                <a:srgbClr val="0A6EFA"/>
+              </a:solidFill>
+              <a:prstDash val="sysDash"/>
+            </a:ln>
+          </p:spPr>
+          <p:style>
+            <a:lnRef idx="2">
+              <a:schemeClr val="accent1">
+                <a:shade val="50000"/>
+              </a:schemeClr>
+            </a:lnRef>
+            <a:fillRef idx="1">
+              <a:schemeClr val="accent1"/>
+            </a:fillRef>
+            <a:effectRef idx="0">
+              <a:schemeClr val="accent1"/>
+            </a:effectRef>
+            <a:fontRef idx="minor">
+              <a:schemeClr val="lt1"/>
+            </a:fontRef>
+          </p:style>
+          <p:txBody>
+            <a:bodyPr rtlCol="0" anchor="ctr"/>
+            <a:lstStyle/>
+            <a:p>
+              <a:pPr algn="ctr"/>
+              <a:endParaRPr lang="zh-CN" altLang="en-US" dirty="0">
+                <a:solidFill>
+                  <a:schemeClr val="tx1"/>
+                </a:solidFill>
+                <a:latin typeface="Helvetica" pitchFamily="2" charset="0"/>
+              </a:endParaRPr>
+            </a:p>
+          </p:txBody>
+        </p:sp>
+        <p:sp>
+          <p:nvSpPr>
+            <p:cNvPr id="37" name="文本框 36">
+              <a:extLst>
+                <a:ext uri="{FF2B5EF4-FFF2-40B4-BE49-F238E27FC236}">
+                  <a16:creationId xmlns:a16="http://schemas.microsoft.com/office/drawing/2014/main" id="{E57EC658-387E-EE45-994E-1144C208698B}"/>
+                </a:ext>
+              </a:extLst>
+            </p:cNvPr>
+            <p:cNvSpPr txBox="1"/>
+            <p:nvPr/>
+          </p:nvSpPr>
+          <p:spPr>
+            <a:xfrm>
+              <a:off x="6249607" y="674433"/>
+              <a:ext cx="1581150" cy="369332"/>
+            </a:xfrm>
+            <a:prstGeom prst="rect">
+              <a:avLst/>
+            </a:prstGeom>
+            <a:noFill/>
+          </p:spPr>
+          <p:txBody>
+            <a:bodyPr wrap="square" rtlCol="0">
+              <a:spAutoFit/>
+            </a:bodyPr>
+            <a:lstStyle/>
+            <a:p>
+              <a:pPr algn="ctr"/>
+              <a:r>
+                <a:rPr lang="en-US" altLang="zh-CN" dirty="0">
+                  <a:solidFill>
+                    <a:srgbClr val="5E6280"/>
+                  </a:solidFill>
+                  <a:latin typeface="Helvetica" pitchFamily="2" charset="0"/>
+                </a:rPr>
+                <a:t>Data Report</a:t>
+              </a:r>
+              <a:endParaRPr lang="zh-CN" altLang="en-US" dirty="0">
+                <a:solidFill>
+                  <a:srgbClr val="5E6280"/>
+                </a:solidFill>
+                <a:latin typeface="Helvetica" pitchFamily="2" charset="0"/>
+              </a:endParaRPr>
+            </a:p>
+          </p:txBody>
+        </p:sp>
+      </p:grpSp>
+    </p:spTree>
+    <p:extLst>
+      <p:ext uri="{BB962C8B-B14F-4D97-AF65-F5344CB8AC3E}">
+        <p14:creationId xmlns:p14="http://schemas.microsoft.com/office/powerpoint/2010/main" val="792642388"/>
       </p:ext>
     </p:extLst>
   </p:cSld>
@@ -5385,4 +6848,299 @@
     </a:ext>
   </a:extLst>
 </a:theme>
+</file>
+
+<file path=ppt/theme/theme2.xml><?xml version="1.0" encoding="utf-8"?>
+<a:theme xmlns:a="http://schemas.openxmlformats.org/drawingml/2006/main" name="Office 主题​​">
+  <a:themeElements>
+    <a:clrScheme name="Office">
+      <a:dk1>
+        <a:sysClr val="windowText" lastClr="000000"/>
+      </a:dk1>
+      <a:lt1>
+        <a:sysClr val="window" lastClr="FFFFFF"/>
+      </a:lt1>
+      <a:dk2>
+        <a:srgbClr val="44546A"/>
+      </a:dk2>
+      <a:lt2>
+        <a:srgbClr val="E7E6E6"/>
+      </a:lt2>
+      <a:accent1>
+        <a:srgbClr val="4472C4"/>
+      </a:accent1>
+      <a:accent2>
+        <a:srgbClr val="ED7D31"/>
+      </a:accent2>
+      <a:accent3>
+        <a:srgbClr val="A5A5A5"/>
+      </a:accent3>
+      <a:accent4>
+        <a:srgbClr val="FFC000"/>
+      </a:accent4>
+      <a:accent5>
+        <a:srgbClr val="5B9BD5"/>
+      </a:accent5>
+      <a:accent6>
+        <a:srgbClr val="70AD47"/>
+      </a:accent6>
+      <a:hlink>
+        <a:srgbClr val="0563C1"/>
+      </a:hlink>
+      <a:folHlink>
+        <a:srgbClr val="954F72"/>
+      </a:folHlink>
+    </a:clrScheme>
+    <a:fontScheme name="Office">
+      <a:majorFont>
+        <a:latin typeface="等线 Light" panose="020F0302020204030204"/>
+        <a:ea typeface=""/>
+        <a:cs typeface=""/>
+        <a:font script="Jpan" typeface="游ゴシック Light"/>
+        <a:font script="Hang" typeface="맑은 고딕"/>
+        <a:font script="Hans" typeface="等线 Light"/>
+        <a:font script="Hant" typeface="新細明體"/>
+        <a:font script="Arab" typeface="Times New Roman"/>
+        <a:font script="Hebr" typeface="Times New Roman"/>
+        <a:font script="Thai" typeface="Angsana New"/>
+        <a:font script="Ethi" typeface="Nyala"/>
+        <a:font script="Beng" typeface="Vrinda"/>
+        <a:font script="Gujr" typeface="Shruti"/>
+        <a:font script="Khmr" typeface="MoolBoran"/>
+        <a:font script="Knda" typeface="Tunga"/>
+        <a:font script="Guru" typeface="Raavi"/>
+        <a:font script="Cans" typeface="Euphemia"/>
+        <a:font script="Cher" typeface="Plantagenet Cherokee"/>
+        <a:font script="Yiii" typeface="Microsoft Yi Baiti"/>
+        <a:font script="Tibt" typeface="Microsoft Himalaya"/>
+        <a:font script="Thaa" typeface="MV Boli"/>
+        <a:font script="Deva" typeface="Mangal"/>
+        <a:font script="Telu" typeface="Gautami"/>
+        <a:font script="Taml" typeface="Latha"/>
+        <a:font script="Syrc" typeface="Estrangelo Edessa"/>
+        <a:font script="Orya" typeface="Kalinga"/>
+        <a:font script="Mlym" typeface="Kartika"/>
+        <a:font script="Laoo" typeface="DokChampa"/>
+        <a:font script="Sinh" typeface="Iskoola Pota"/>
+        <a:font script="Mong" typeface="Mongolian Baiti"/>
+        <a:font script="Viet" typeface="Times New Roman"/>
+        <a:font script="Uigh" typeface="Microsoft Uighur"/>
+        <a:font script="Geor" typeface="Sylfaen"/>
+        <a:font script="Armn" typeface="Arial"/>
+        <a:font script="Bugi" typeface="Leelawadee UI"/>
+        <a:font script="Bopo" typeface="Microsoft JhengHei"/>
+        <a:font script="Java" typeface="Javanese Text"/>
+        <a:font script="Lisu" typeface="Segoe UI"/>
+        <a:font script="Mymr" typeface="Myanmar Text"/>
+        <a:font script="Nkoo" typeface="Ebrima"/>
+        <a:font script="Olck" typeface="Nirmala UI"/>
+        <a:font script="Osma" typeface="Ebrima"/>
+        <a:font script="Phag" typeface="Phagspa"/>
+        <a:font script="Syrn" typeface="Estrangelo Edessa"/>
+        <a:font script="Syrj" typeface="Estrangelo Edessa"/>
+        <a:font script="Syre" typeface="Estrangelo Edessa"/>
+        <a:font script="Sora" typeface="Nirmala UI"/>
+        <a:font script="Tale" typeface="Microsoft Tai Le"/>
+        <a:font script="Talu" typeface="Microsoft New Tai Lue"/>
+        <a:font script="Tfng" typeface="Ebrima"/>
+      </a:majorFont>
+      <a:minorFont>
+        <a:latin typeface="等线" panose="020F0502020204030204"/>
+        <a:ea typeface=""/>
+        <a:cs typeface=""/>
+        <a:font script="Jpan" typeface="游ゴシック"/>
+        <a:font script="Hang" typeface="맑은 고딕"/>
+        <a:font script="Hans" typeface="等线"/>
+        <a:font script="Hant" typeface="新細明體"/>
+        <a:font script="Arab" typeface="Arial"/>
+        <a:font script="Hebr" typeface="Arial"/>
+        <a:font script="Thai" typeface="Cordia New"/>
+        <a:font script="Ethi" typeface="Nyala"/>
+        <a:font script="Beng" typeface="Vrinda"/>
+        <a:font script="Gujr" typeface="Shruti"/>
+        <a:font script="Khmr" typeface="DaunPenh"/>
+        <a:font script="Knda" typeface="Tunga"/>
+        <a:font script="Guru" typeface="Raavi"/>
+        <a:font script="Cans" typeface="Euphemia"/>
+        <a:font script="Cher" typeface="Plantagenet Cherokee"/>
+        <a:font script="Yiii" typeface="Microsoft Yi Baiti"/>
+        <a:font script="Tibt" typeface="Microsoft Himalaya"/>
+        <a:font script="Thaa" typeface="MV Boli"/>
+        <a:font script="Deva" typeface="Mangal"/>
+        <a:font script="Telu" typeface="Gautami"/>
+        <a:font script="Taml" typeface="Latha"/>
+        <a:font script="Syrc" typeface="Estrangelo Edessa"/>
+        <a:font script="Orya" typeface="Kalinga"/>
+        <a:font script="Mlym" typeface="Kartika"/>
+        <a:font script="Laoo" typeface="DokChampa"/>
+        <a:font script="Sinh" typeface="Iskoola Pota"/>
+        <a:font script="Mong" typeface="Mongolian Baiti"/>
+        <a:font script="Viet" typeface="Arial"/>
+        <a:font script="Uigh" typeface="Microsoft Uighur"/>
+        <a:font script="Geor" typeface="Sylfaen"/>
+        <a:font script="Armn" typeface="Arial"/>
+        <a:font script="Bugi" typeface="Leelawadee UI"/>
+        <a:font script="Bopo" typeface="Microsoft JhengHei"/>
+        <a:font script="Java" typeface="Javanese Text"/>
+        <a:font script="Lisu" typeface="Segoe UI"/>
+        <a:font script="Mymr" typeface="Myanmar Text"/>
+        <a:font script="Nkoo" typeface="Ebrima"/>
+        <a:font script="Olck" typeface="Nirmala UI"/>
+        <a:font script="Osma" typeface="Ebrima"/>
+        <a:font script="Phag" typeface="Phagspa"/>
+        <a:font script="Syrn" typeface="Estrangelo Edessa"/>
+        <a:font script="Syrj" typeface="Estrangelo Edessa"/>
+        <a:font script="Syre" typeface="Estrangelo Edessa"/>
+        <a:font script="Sora" typeface="Nirmala UI"/>
+        <a:font script="Tale" typeface="Microsoft Tai Le"/>
+        <a:font script="Talu" typeface="Microsoft New Tai Lue"/>
+        <a:font script="Tfng" typeface="Ebrima"/>
+      </a:minorFont>
+    </a:fontScheme>
+    <a:fmtScheme name="Office">
+      <a:fillStyleLst>
+        <a:solidFill>
+          <a:schemeClr val="phClr"/>
+        </a:solidFill>
+        <a:gradFill rotWithShape="1">
+          <a:gsLst>
+            <a:gs pos="0">
+              <a:schemeClr val="phClr">
+                <a:lumMod val="110000"/>
+                <a:satMod val="105000"/>
+                <a:tint val="67000"/>
+              </a:schemeClr>
+            </a:gs>
+            <a:gs pos="50000">
+              <a:schemeClr val="phClr">
+                <a:lumMod val="105000"/>
+                <a:satMod val="103000"/>
+                <a:tint val="73000"/>
+              </a:schemeClr>
+            </a:gs>
+            <a:gs pos="100000">
+              <a:schemeClr val="phClr">
+                <a:lumMod val="105000"/>
+                <a:satMod val="109000"/>
+                <a:tint val="81000"/>
+              </a:schemeClr>
+            </a:gs>
+          </a:gsLst>
+          <a:lin ang="5400000" scaled="0"/>
+        </a:gradFill>
+        <a:gradFill rotWithShape="1">
+          <a:gsLst>
+            <a:gs pos="0">
+              <a:schemeClr val="phClr">
+                <a:satMod val="103000"/>
+                <a:lumMod val="102000"/>
+                <a:tint val="94000"/>
+              </a:schemeClr>
+            </a:gs>
+            <a:gs pos="50000">
+              <a:schemeClr val="phClr">
+                <a:satMod val="110000"/>
+                <a:lumMod val="100000"/>
+                <a:shade val="100000"/>
+              </a:schemeClr>
+            </a:gs>
+            <a:gs pos="100000">
+              <a:schemeClr val="phClr">
+                <a:lumMod val="99000"/>
+                <a:satMod val="120000"/>
+                <a:shade val="78000"/>
+              </a:schemeClr>
+            </a:gs>
+          </a:gsLst>
+          <a:lin ang="5400000" scaled="0"/>
+        </a:gradFill>
+      </a:fillStyleLst>
+      <a:lnStyleLst>
+        <a:ln w="6350" cap="flat" cmpd="sng" algn="ctr">
+          <a:solidFill>
+            <a:schemeClr val="phClr"/>
+          </a:solidFill>
+          <a:prstDash val="solid"/>
+          <a:miter lim="800000"/>
+        </a:ln>
+        <a:ln w="12700" cap="flat" cmpd="sng" algn="ctr">
+          <a:solidFill>
+            <a:schemeClr val="phClr"/>
+          </a:solidFill>
+          <a:prstDash val="solid"/>
+          <a:miter lim="800000"/>
+        </a:ln>
+        <a:ln w="19050" cap="flat" cmpd="sng" algn="ctr">
+          <a:solidFill>
+            <a:schemeClr val="phClr"/>
+          </a:solidFill>
+          <a:prstDash val="solid"/>
+          <a:miter lim="800000"/>
+        </a:ln>
+      </a:lnStyleLst>
+      <a:effectStyleLst>
+        <a:effectStyle>
+          <a:effectLst/>
+        </a:effectStyle>
+        <a:effectStyle>
+          <a:effectLst/>
+        </a:effectStyle>
+        <a:effectStyle>
+          <a:effectLst>
+            <a:outerShdw blurRad="57150" dist="19050" dir="5400000" algn="ctr" rotWithShape="0">
+              <a:srgbClr val="000000">
+                <a:alpha val="63000"/>
+              </a:srgbClr>
+            </a:outerShdw>
+          </a:effectLst>
+        </a:effectStyle>
+      </a:effectStyleLst>
+      <a:bgFillStyleLst>
+        <a:solidFill>
+          <a:schemeClr val="phClr"/>
+        </a:solidFill>
+        <a:solidFill>
+          <a:schemeClr val="phClr">
+            <a:tint val="95000"/>
+            <a:satMod val="170000"/>
+          </a:schemeClr>
+        </a:solidFill>
+        <a:gradFill rotWithShape="1">
+          <a:gsLst>
+            <a:gs pos="0">
+              <a:schemeClr val="phClr">
+                <a:tint val="93000"/>
+                <a:satMod val="150000"/>
+                <a:shade val="98000"/>
+                <a:lumMod val="102000"/>
+              </a:schemeClr>
+            </a:gs>
+            <a:gs pos="50000">
+              <a:schemeClr val="phClr">
+                <a:tint val="98000"/>
+                <a:satMod val="130000"/>
+                <a:shade val="90000"/>
+                <a:lumMod val="103000"/>
+              </a:schemeClr>
+            </a:gs>
+            <a:gs pos="100000">
+              <a:schemeClr val="phClr">
+                <a:shade val="63000"/>
+                <a:satMod val="120000"/>
+              </a:schemeClr>
+            </a:gs>
+          </a:gsLst>
+          <a:lin ang="5400000" scaled="0"/>
+        </a:gradFill>
+      </a:bgFillStyleLst>
+    </a:fmtScheme>
+  </a:themeElements>
+  <a:objectDefaults/>
+  <a:extraClrSchemeLst/>
+  <a:extLst>
+    <a:ext uri="{05A4C25C-085E-4340-85A3-A5531E510DB2}">
+      <thm15:themeFamily xmlns:thm15="http://schemas.microsoft.com/office/thememl/2012/main" name="Office Theme" id="{62F939B6-93AF-4DB8-9C6B-D6C7DFDC589F}" vid="{4A3C46E8-61CC-4603-A589-7422A47A8E4A}"/>
+    </a:ext>
+  </a:extLst>
+</a:theme>
 </file>